--- a/ClassMaterials/DatatypesParsing/15-16-datatypes-parsing.pptx
+++ b/ClassMaterials/DatatypesParsing/15-16-datatypes-parsing.pptx
@@ -5,72 +5,73 @@
     <p:sldMasterId id="2147483648" r:id="rId1"/>
   </p:sldMasterIdLst>
   <p:notesMasterIdLst>
-    <p:notesMasterId r:id="rId62"/>
+    <p:notesMasterId r:id="rId63"/>
   </p:notesMasterIdLst>
   <p:handoutMasterIdLst>
-    <p:handoutMasterId r:id="rId63"/>
+    <p:handoutMasterId r:id="rId64"/>
   </p:handoutMasterIdLst>
   <p:sldIdLst>
     <p:sldId id="362" r:id="rId2"/>
-    <p:sldId id="403" r:id="rId3"/>
-    <p:sldId id="352" r:id="rId4"/>
-    <p:sldId id="353" r:id="rId5"/>
-    <p:sldId id="354" r:id="rId6"/>
-    <p:sldId id="436" r:id="rId7"/>
-    <p:sldId id="355" r:id="rId8"/>
-    <p:sldId id="356" r:id="rId9"/>
-    <p:sldId id="437" r:id="rId10"/>
-    <p:sldId id="404" r:id="rId11"/>
-    <p:sldId id="357" r:id="rId12"/>
-    <p:sldId id="358" r:id="rId13"/>
-    <p:sldId id="359" r:id="rId14"/>
-    <p:sldId id="360" r:id="rId15"/>
-    <p:sldId id="342" r:id="rId16"/>
-    <p:sldId id="363" r:id="rId17"/>
-    <p:sldId id="364" r:id="rId18"/>
-    <p:sldId id="365" r:id="rId19"/>
-    <p:sldId id="366" r:id="rId20"/>
-    <p:sldId id="368" r:id="rId21"/>
-    <p:sldId id="369" r:id="rId22"/>
-    <p:sldId id="370" r:id="rId23"/>
-    <p:sldId id="405" r:id="rId24"/>
-    <p:sldId id="371" r:id="rId25"/>
-    <p:sldId id="383" r:id="rId26"/>
-    <p:sldId id="406" r:id="rId27"/>
-    <p:sldId id="384" r:id="rId28"/>
-    <p:sldId id="385" r:id="rId29"/>
-    <p:sldId id="386" r:id="rId30"/>
-    <p:sldId id="435" r:id="rId31"/>
-    <p:sldId id="388" r:id="rId32"/>
-    <p:sldId id="389" r:id="rId33"/>
-    <p:sldId id="390" r:id="rId34"/>
-    <p:sldId id="391" r:id="rId35"/>
-    <p:sldId id="392" r:id="rId36"/>
-    <p:sldId id="393" r:id="rId37"/>
-    <p:sldId id="394" r:id="rId38"/>
-    <p:sldId id="395" r:id="rId39"/>
-    <p:sldId id="427" r:id="rId40"/>
-    <p:sldId id="412" r:id="rId41"/>
-    <p:sldId id="413" r:id="rId42"/>
-    <p:sldId id="414" r:id="rId43"/>
-    <p:sldId id="415" r:id="rId44"/>
-    <p:sldId id="416" r:id="rId45"/>
-    <p:sldId id="417" r:id="rId46"/>
-    <p:sldId id="418" r:id="rId47"/>
-    <p:sldId id="419" r:id="rId48"/>
-    <p:sldId id="381" r:id="rId49"/>
-    <p:sldId id="382" r:id="rId50"/>
-    <p:sldId id="428" r:id="rId51"/>
-    <p:sldId id="429" r:id="rId52"/>
-    <p:sldId id="430" r:id="rId53"/>
-    <p:sldId id="431" r:id="rId54"/>
-    <p:sldId id="432" r:id="rId55"/>
-    <p:sldId id="433" r:id="rId56"/>
-    <p:sldId id="434" r:id="rId57"/>
-    <p:sldId id="408" r:id="rId58"/>
-    <p:sldId id="409" r:id="rId59"/>
-    <p:sldId id="410" r:id="rId60"/>
-    <p:sldId id="411" r:id="rId61"/>
+    <p:sldId id="438" r:id="rId3"/>
+    <p:sldId id="403" r:id="rId4"/>
+    <p:sldId id="352" r:id="rId5"/>
+    <p:sldId id="353" r:id="rId6"/>
+    <p:sldId id="354" r:id="rId7"/>
+    <p:sldId id="436" r:id="rId8"/>
+    <p:sldId id="355" r:id="rId9"/>
+    <p:sldId id="356" r:id="rId10"/>
+    <p:sldId id="437" r:id="rId11"/>
+    <p:sldId id="404" r:id="rId12"/>
+    <p:sldId id="357" r:id="rId13"/>
+    <p:sldId id="358" r:id="rId14"/>
+    <p:sldId id="359" r:id="rId15"/>
+    <p:sldId id="360" r:id="rId16"/>
+    <p:sldId id="342" r:id="rId17"/>
+    <p:sldId id="363" r:id="rId18"/>
+    <p:sldId id="364" r:id="rId19"/>
+    <p:sldId id="365" r:id="rId20"/>
+    <p:sldId id="366" r:id="rId21"/>
+    <p:sldId id="368" r:id="rId22"/>
+    <p:sldId id="369" r:id="rId23"/>
+    <p:sldId id="370" r:id="rId24"/>
+    <p:sldId id="405" r:id="rId25"/>
+    <p:sldId id="371" r:id="rId26"/>
+    <p:sldId id="383" r:id="rId27"/>
+    <p:sldId id="406" r:id="rId28"/>
+    <p:sldId id="384" r:id="rId29"/>
+    <p:sldId id="385" r:id="rId30"/>
+    <p:sldId id="386" r:id="rId31"/>
+    <p:sldId id="435" r:id="rId32"/>
+    <p:sldId id="388" r:id="rId33"/>
+    <p:sldId id="389" r:id="rId34"/>
+    <p:sldId id="390" r:id="rId35"/>
+    <p:sldId id="391" r:id="rId36"/>
+    <p:sldId id="392" r:id="rId37"/>
+    <p:sldId id="393" r:id="rId38"/>
+    <p:sldId id="394" r:id="rId39"/>
+    <p:sldId id="395" r:id="rId40"/>
+    <p:sldId id="427" r:id="rId41"/>
+    <p:sldId id="412" r:id="rId42"/>
+    <p:sldId id="413" r:id="rId43"/>
+    <p:sldId id="414" r:id="rId44"/>
+    <p:sldId id="415" r:id="rId45"/>
+    <p:sldId id="416" r:id="rId46"/>
+    <p:sldId id="417" r:id="rId47"/>
+    <p:sldId id="418" r:id="rId48"/>
+    <p:sldId id="419" r:id="rId49"/>
+    <p:sldId id="381" r:id="rId50"/>
+    <p:sldId id="382" r:id="rId51"/>
+    <p:sldId id="428" r:id="rId52"/>
+    <p:sldId id="429" r:id="rId53"/>
+    <p:sldId id="430" r:id="rId54"/>
+    <p:sldId id="431" r:id="rId55"/>
+    <p:sldId id="432" r:id="rId56"/>
+    <p:sldId id="433" r:id="rId57"/>
+    <p:sldId id="434" r:id="rId58"/>
+    <p:sldId id="408" r:id="rId59"/>
+    <p:sldId id="409" r:id="rId60"/>
+    <p:sldId id="410" r:id="rId61"/>
+    <p:sldId id="411" r:id="rId62"/>
   </p:sldIdLst>
   <p:sldSz cx="12192000" cy="6858000"/>
   <p:notesSz cx="7315200" cy="9601200"/>
@@ -216,6 +217,43 @@
     </p:ext>
   </p:extLst>
 </p:presentation>
+</file>
+
+<file path=ppt/changesInfos/changesInfo1.xml><?xml version="1.0" encoding="utf-8"?>
+<pc:chgInfo xmlns:a="http://schemas.openxmlformats.org/drawingml/2006/main" xmlns:r="http://schemas.openxmlformats.org/officeDocument/2006/relationships" xmlns:ac="http://schemas.microsoft.com/office/drawing/2013/main/command" xmlns:pc="http://schemas.microsoft.com/office/powerpoint/2013/main/command">
+  <pc:docChgLst>
+    <pc:chgData name="Hewner, Mike" userId="7f3f83dd-6dfb-4127-a87f-c1714bd4fac9" providerId="ADAL" clId="{EEAA1C6B-6367-4BF5-9E8C-A0C5E1BADC66}"/>
+    <pc:docChg chg="custSel addSld modSld">
+      <pc:chgData name="Hewner, Mike" userId="7f3f83dd-6dfb-4127-a87f-c1714bd4fac9" providerId="ADAL" clId="{EEAA1C6B-6367-4BF5-9E8C-A0C5E1BADC66}" dt="2021-09-27T14:29:36.750" v="561" actId="20577"/>
+      <pc:docMkLst>
+        <pc:docMk/>
+      </pc:docMkLst>
+      <pc:sldChg chg="modSp new mod">
+        <pc:chgData name="Hewner, Mike" userId="7f3f83dd-6dfb-4127-a87f-c1714bd4fac9" providerId="ADAL" clId="{EEAA1C6B-6367-4BF5-9E8C-A0C5E1BADC66}" dt="2021-09-27T14:29:36.750" v="561" actId="20577"/>
+        <pc:sldMkLst>
+          <pc:docMk/>
+          <pc:sldMk cId="1335901485" sldId="438"/>
+        </pc:sldMkLst>
+        <pc:spChg chg="mod">
+          <ac:chgData name="Hewner, Mike" userId="7f3f83dd-6dfb-4127-a87f-c1714bd4fac9" providerId="ADAL" clId="{EEAA1C6B-6367-4BF5-9E8C-A0C5E1BADC66}" dt="2021-09-27T14:00:12.016" v="29" actId="20577"/>
+          <ac:spMkLst>
+            <pc:docMk/>
+            <pc:sldMk cId="1335901485" sldId="438"/>
+            <ac:spMk id="2" creationId="{F7D10C4B-357A-4D90-B132-63CD5815BA29}"/>
+          </ac:spMkLst>
+        </pc:spChg>
+        <pc:spChg chg="mod">
+          <ac:chgData name="Hewner, Mike" userId="7f3f83dd-6dfb-4127-a87f-c1714bd4fac9" providerId="ADAL" clId="{EEAA1C6B-6367-4BF5-9E8C-A0C5E1BADC66}" dt="2021-09-27T14:29:36.750" v="561" actId="20577"/>
+          <ac:spMkLst>
+            <pc:docMk/>
+            <pc:sldMk cId="1335901485" sldId="438"/>
+            <ac:spMk id="3" creationId="{B000FFC8-9A56-4400-8E26-709315136AE1}"/>
+          </ac:spMkLst>
+        </pc:spChg>
+      </pc:sldChg>
+    </pc:docChg>
+  </pc:docChgLst>
+</pc:chgInfo>
 </file>
 
 <file path=ppt/handoutMasters/handoutMaster1.xml><?xml version="1.0" encoding="utf-8"?>
@@ -1048,7 +1086,7 @@
             <a:fld id="{F15C6B3F-0D26-4B69-96AB-0B41EC2F044E}" type="slidenum">
               <a:rPr lang="en-US"/>
               <a:pPr/>
-              <a:t>13</a:t>
+              <a:t>14</a:t>
             </a:fld>
             <a:endParaRPr lang="en-US"/>
           </a:p>
@@ -1141,7 +1179,7 @@
             <a:fld id="{F15C6B3F-0D26-4B69-96AB-0B41EC2F044E}" type="slidenum">
               <a:rPr lang="en-US"/>
               <a:pPr/>
-              <a:t>14</a:t>
+              <a:t>15</a:t>
             </a:fld>
             <a:endParaRPr lang="en-US"/>
           </a:p>
@@ -1234,7 +1272,7 @@
             <a:fld id="{38FBCDCB-104E-4995-B352-47CB3AC801FB}" type="slidenum">
               <a:rPr lang="en-US"/>
               <a:pPr/>
-              <a:t>17</a:t>
+              <a:t>18</a:t>
             </a:fld>
             <a:endParaRPr lang="en-US"/>
           </a:p>
@@ -1335,7 +1373,7 @@
             <a:fld id="{73CBFAE4-9331-4D41-949C-0F703B700E5C}" type="slidenum">
               <a:rPr lang="en-US"/>
               <a:pPr/>
-              <a:t>18</a:t>
+              <a:t>19</a:t>
             </a:fld>
             <a:endParaRPr lang="en-US"/>
           </a:p>
@@ -1428,7 +1466,7 @@
             <a:fld id="{8F7BEABF-27CD-4CA1-A625-314329A79481}" type="slidenum">
               <a:rPr lang="en-US"/>
               <a:pPr/>
-              <a:t>19</a:t>
+              <a:t>20</a:t>
             </a:fld>
             <a:endParaRPr lang="en-US"/>
           </a:p>
@@ -1533,7 +1571,7 @@
             <a:fld id="{6751DAD4-E002-4A7C-AA7D-0AB84E917F79}" type="slidenum">
               <a:rPr lang="en-US"/>
               <a:pPr/>
-              <a:t>21</a:t>
+              <a:t>22</a:t>
             </a:fld>
             <a:endParaRPr lang="en-US"/>
           </a:p>
@@ -1626,7 +1664,7 @@
             <a:fld id="{6751DAD4-E002-4A7C-AA7D-0AB84E917F79}" type="slidenum">
               <a:rPr lang="en-US"/>
               <a:pPr/>
-              <a:t>22</a:t>
+              <a:t>23</a:t>
             </a:fld>
             <a:endParaRPr lang="en-US"/>
           </a:p>
@@ -1719,7 +1757,7 @@
             <a:fld id="{7F3E50EB-1F55-4A5C-8847-69778556AFDE}" type="slidenum">
               <a:rPr lang="en-US"/>
               <a:pPr/>
-              <a:t>24</a:t>
+              <a:t>25</a:t>
             </a:fld>
             <a:endParaRPr lang="en-US"/>
           </a:p>
@@ -1812,7 +1850,7 @@
             <a:fld id="{41647C92-0AFF-4275-B96A-0BF10E19941D}" type="slidenum">
               <a:rPr lang="en-US"/>
               <a:pPr/>
-              <a:t>25</a:t>
+              <a:t>26</a:t>
             </a:fld>
             <a:endParaRPr lang="en-US"/>
           </a:p>
@@ -1922,7 +1960,7 @@
             <a:fld id="{12E5A5A3-08E2-470E-B78F-653DD8F8DAA7}" type="slidenum">
               <a:rPr lang="en-US"/>
               <a:pPr/>
-              <a:t>27</a:t>
+              <a:t>28</a:t>
             </a:fld>
             <a:endParaRPr lang="en-US"/>
           </a:p>
@@ -2049,7 +2087,7 @@
             <a:fld id="{957F737C-2939-4B3C-A229-35593C5DE391}" type="slidenum">
               <a:rPr lang="en-US" smtClean="0"/>
               <a:pPr/>
-              <a:t>2</a:t>
+              <a:t>3</a:t>
             </a:fld>
             <a:endParaRPr lang="en-US"/>
           </a:p>
@@ -2105,7 +2143,7 @@
             <a:fld id="{12E5A5A3-08E2-470E-B78F-653DD8F8DAA7}" type="slidenum">
               <a:rPr lang="en-US"/>
               <a:pPr/>
-              <a:t>28</a:t>
+              <a:t>29</a:t>
             </a:fld>
             <a:endParaRPr lang="en-US"/>
           </a:p>
@@ -2206,7 +2244,7 @@
             <a:fld id="{117E4217-174C-44FA-8CA5-F817CA61549F}" type="slidenum">
               <a:rPr lang="en-US"/>
               <a:pPr/>
-              <a:t>29</a:t>
+              <a:t>30</a:t>
             </a:fld>
             <a:endParaRPr lang="en-US"/>
           </a:p>
@@ -2343,7 +2381,7 @@
             <a:fld id="{A59661A3-F70F-48E8-AB77-4A34EFF09268}" type="slidenum">
               <a:rPr lang="en-US" smtClean="0"/>
               <a:pPr/>
-              <a:t>31</a:t>
+              <a:t>32</a:t>
             </a:fld>
             <a:endParaRPr lang="en-US"/>
           </a:p>
@@ -2399,7 +2437,7 @@
             <a:fld id="{2140B3C9-24C6-480C-BBFD-4C50FC7C93CB}" type="slidenum">
               <a:rPr lang="en-US"/>
               <a:pPr/>
-              <a:t>32</a:t>
+              <a:t>33</a:t>
             </a:fld>
             <a:endParaRPr lang="en-US"/>
           </a:p>
@@ -2492,7 +2530,7 @@
             <a:fld id="{3E1CF1FD-37F9-472B-AF89-DF609A54A7A4}" type="slidenum">
               <a:rPr lang="en-US"/>
               <a:pPr/>
-              <a:t>33</a:t>
+              <a:t>34</a:t>
             </a:fld>
             <a:endParaRPr lang="en-US"/>
           </a:p>
@@ -2585,7 +2623,7 @@
             <a:fld id="{EC30D903-EC7E-4D3C-BC5F-E65DE184E6F7}" type="slidenum">
               <a:rPr lang="en-US"/>
               <a:pPr/>
-              <a:t>34</a:t>
+              <a:t>35</a:t>
             </a:fld>
             <a:endParaRPr lang="en-US"/>
           </a:p>
@@ -2694,7 +2732,7 @@
             <a:fld id="{0C7D3869-7C3F-42B9-84A7-4890E8D62701}" type="slidenum">
               <a:rPr lang="en-US"/>
               <a:pPr/>
-              <a:t>35</a:t>
+              <a:t>36</a:t>
             </a:fld>
             <a:endParaRPr lang="en-US"/>
           </a:p>
@@ -2908,7 +2946,7 @@
             <a:fld id="{A59661A3-F70F-48E8-AB77-4A34EFF09268}" type="slidenum">
               <a:rPr lang="en-US" smtClean="0"/>
               <a:pPr/>
-              <a:t>37</a:t>
+              <a:t>38</a:t>
             </a:fld>
             <a:endParaRPr lang="en-US"/>
           </a:p>
@@ -2964,7 +3002,7 @@
             <a:fld id="{EF09F508-BCFF-45D3-ACD1-41AB7A918C27}" type="slidenum">
               <a:rPr lang="en-US"/>
               <a:pPr/>
-              <a:t>38</a:t>
+              <a:t>39</a:t>
             </a:fld>
             <a:endParaRPr lang="en-US"/>
           </a:p>
@@ -3094,7 +3132,7 @@
             <a:fld id="{AA9C29A4-A030-44E6-BCFC-ED4B6AFE8485}" type="slidenum">
               <a:rPr lang="en-US" smtClean="0"/>
               <a:pPr/>
-              <a:t>40</a:t>
+              <a:t>41</a:t>
             </a:fld>
             <a:endParaRPr lang="en-US"/>
           </a:p>
@@ -3203,7 +3241,7 @@
             <a:fld id="{A59661A3-F70F-48E8-AB77-4A34EFF09268}" type="slidenum">
               <a:rPr lang="en-US" smtClean="0"/>
               <a:pPr/>
-              <a:t>4</a:t>
+              <a:t>5</a:t>
             </a:fld>
             <a:endParaRPr lang="en-US"/>
           </a:p>
@@ -3288,7 +3326,7 @@
             <a:fld id="{A59661A3-F70F-48E8-AB77-4A34EFF09268}" type="slidenum">
               <a:rPr lang="en-US" smtClean="0"/>
               <a:pPr/>
-              <a:t>46</a:t>
+              <a:t>47</a:t>
             </a:fld>
             <a:endParaRPr lang="en-US"/>
           </a:p>
@@ -3386,7 +3424,7 @@
             <a:fld id="{AA9C29A4-A030-44E6-BCFC-ED4B6AFE8485}" type="slidenum">
               <a:rPr lang="en-US" smtClean="0"/>
               <a:pPr/>
-              <a:t>47</a:t>
+              <a:t>48</a:t>
             </a:fld>
             <a:endParaRPr lang="en-US"/>
           </a:p>
@@ -3471,7 +3509,7 @@
             <a:fld id="{A59661A3-F70F-48E8-AB77-4A34EFF09268}" type="slidenum">
               <a:rPr lang="en-US" smtClean="0"/>
               <a:pPr/>
-              <a:t>48</a:t>
+              <a:t>49</a:t>
             </a:fld>
             <a:endParaRPr lang="en-US"/>
           </a:p>
@@ -3564,7 +3602,7 @@
             <a:fld id="{A59661A3-F70F-48E8-AB77-4A34EFF09268}" type="slidenum">
               <a:rPr lang="en-US" smtClean="0"/>
               <a:pPr/>
-              <a:t>50</a:t>
+              <a:t>51</a:t>
             </a:fld>
             <a:endParaRPr lang="en-US"/>
           </a:p>
@@ -3657,7 +3695,7 @@
             <a:fld id="{A59661A3-F70F-48E8-AB77-4A34EFF09268}" type="slidenum">
               <a:rPr lang="en-US" smtClean="0"/>
               <a:pPr/>
-              <a:t>51</a:t>
+              <a:t>52</a:t>
             </a:fld>
             <a:endParaRPr lang="en-US"/>
           </a:p>
@@ -3750,7 +3788,7 @@
             <a:fld id="{A59661A3-F70F-48E8-AB77-4A34EFF09268}" type="slidenum">
               <a:rPr lang="en-US" smtClean="0"/>
               <a:pPr/>
-              <a:t>52</a:t>
+              <a:t>53</a:t>
             </a:fld>
             <a:endParaRPr lang="en-US"/>
           </a:p>
@@ -3835,7 +3873,7 @@
             <a:fld id="{A59661A3-F70F-48E8-AB77-4A34EFF09268}" type="slidenum">
               <a:rPr lang="en-US" smtClean="0"/>
               <a:pPr/>
-              <a:t>53</a:t>
+              <a:t>54</a:t>
             </a:fld>
             <a:endParaRPr lang="en-US"/>
           </a:p>
@@ -3920,7 +3958,7 @@
             <a:fld id="{A59661A3-F70F-48E8-AB77-4A34EFF09268}" type="slidenum">
               <a:rPr lang="en-US" smtClean="0"/>
               <a:pPr/>
-              <a:t>54</a:t>
+              <a:t>55</a:t>
             </a:fld>
             <a:endParaRPr lang="en-US"/>
           </a:p>
@@ -4010,7 +4048,7 @@
             <a:fld id="{A59661A3-F70F-48E8-AB77-4A34EFF09268}" type="slidenum">
               <a:rPr lang="en-US" smtClean="0"/>
               <a:pPr/>
-              <a:t>55</a:t>
+              <a:t>56</a:t>
             </a:fld>
             <a:endParaRPr lang="en-US"/>
           </a:p>
@@ -4103,7 +4141,7 @@
             <a:fld id="{A59661A3-F70F-48E8-AB77-4A34EFF09268}" type="slidenum">
               <a:rPr lang="en-US" smtClean="0"/>
               <a:pPr/>
-              <a:t>56</a:t>
+              <a:t>57</a:t>
             </a:fld>
             <a:endParaRPr lang="en-US"/>
           </a:p>
@@ -4159,7 +4197,7 @@
             <a:fld id="{4CEA281A-0C08-4CCA-A259-14099FBBAA93}" type="slidenum">
               <a:rPr lang="en-US"/>
               <a:pPr/>
-              <a:t>5</a:t>
+              <a:t>6</a:t>
             </a:fld>
             <a:endParaRPr lang="en-US"/>
           </a:p>
@@ -4283,7 +4321,7 @@
             <a:fld id="{A59661A3-F70F-48E8-AB77-4A34EFF09268}" type="slidenum">
               <a:rPr lang="en-US" smtClean="0"/>
               <a:pPr/>
-              <a:t>58</a:t>
+              <a:t>59</a:t>
             </a:fld>
             <a:endParaRPr lang="en-US"/>
           </a:p>
@@ -4368,7 +4406,7 @@
             <a:fld id="{A59661A3-F70F-48E8-AB77-4A34EFF09268}" type="slidenum">
               <a:rPr lang="en-US" smtClean="0"/>
               <a:pPr/>
-              <a:t>60</a:t>
+              <a:t>61</a:t>
             </a:fld>
             <a:endParaRPr lang="en-US"/>
           </a:p>
@@ -4424,7 +4462,7 @@
             <a:fld id="{23EB3EA3-8C16-4FB4-8D2F-B9B9A0392814}" type="slidenum">
               <a:rPr lang="en-US"/>
               <a:pPr/>
-              <a:t>7</a:t>
+              <a:t>8</a:t>
             </a:fld>
             <a:endParaRPr lang="en-US"/>
           </a:p>
@@ -4529,7 +4567,7 @@
             <a:fld id="{2AC5B6D9-1720-4489-8EC2-0FD46CEDC03D}" type="slidenum">
               <a:rPr lang="en-US"/>
               <a:pPr/>
-              <a:t>8</a:t>
+              <a:t>9</a:t>
             </a:fld>
             <a:endParaRPr lang="en-US"/>
           </a:p>
@@ -4630,7 +4668,7 @@
             <a:fld id="{2AC5B6D9-1720-4489-8EC2-0FD46CEDC03D}" type="slidenum">
               <a:rPr lang="en-US"/>
               <a:pPr/>
-              <a:t>9</a:t>
+              <a:t>10</a:t>
             </a:fld>
             <a:endParaRPr lang="en-US"/>
           </a:p>
@@ -4731,7 +4769,7 @@
             <a:fld id="{D43DDDA4-5BBB-4069-A4AA-58EED012735B}" type="slidenum">
               <a:rPr lang="en-US"/>
               <a:pPr/>
-              <a:t>11</a:t>
+              <a:t>12</a:t>
             </a:fld>
             <a:endParaRPr lang="en-US"/>
           </a:p>
@@ -4857,7 +4895,7 @@
             <a:fld id="{671C36F3-AB90-4342-9DF9-B36E716B5C51}" type="slidenum">
               <a:rPr lang="en-US"/>
               <a:pPr/>
-              <a:t>12</a:t>
+              <a:t>13</a:t>
             </a:fld>
             <a:endParaRPr lang="en-US"/>
           </a:p>
@@ -7458,6 +7496,677 @@
 </file>
 
 <file path=ppt/slides/slide10.xml><?xml version="1.0" encoding="utf-8"?>
+<p:sld xmlns:a="http://schemas.openxmlformats.org/drawingml/2006/main" xmlns:r="http://schemas.openxmlformats.org/officeDocument/2006/relationships" xmlns:p="http://schemas.openxmlformats.org/presentationml/2006/main" showMasterPhAnim="0">
+  <p:cSld>
+    <p:spTree>
+      <p:nvGrpSpPr>
+        <p:cNvPr id="1" name=""/>
+        <p:cNvGrpSpPr/>
+        <p:nvPr/>
+      </p:nvGrpSpPr>
+      <p:grpSpPr>
+        <a:xfrm>
+          <a:off x="0" y="0"/>
+          <a:ext cx="0" cy="0"/>
+          <a:chOff x="0" y="0"/>
+          <a:chExt cx="0" cy="0"/>
+        </a:xfrm>
+      </p:grpSpPr>
+      <p:sp>
+        <p:nvSpPr>
+          <p:cNvPr id="10242" name="Rectangle 2"/>
+          <p:cNvSpPr>
+            <a:spLocks noGrp="1" noChangeArrowheads="1"/>
+          </p:cNvSpPr>
+          <p:nvPr>
+            <p:ph type="title"/>
+          </p:nvPr>
+        </p:nvSpPr>
+        <p:spPr>
+          <a:xfrm>
+            <a:off x="1752600" y="457200"/>
+            <a:ext cx="8686800" cy="1143000"/>
+          </a:xfrm>
+        </p:spPr>
+        <p:txBody>
+          <a:bodyPr/>
+          <a:lstStyle/>
+          <a:p>
+            <a:r>
+              <a:rPr lang="en-US" sz="4000" dirty="0">
+                <a:solidFill>
+                  <a:srgbClr val="00FF00"/>
+                </a:solidFill>
+              </a:rPr>
+              <a:t>Representation 1:</a:t>
+            </a:r>
+            <a:r>
+              <a:rPr lang="en-US" sz="4000" dirty="0"/>
+              <a:t> Unary representation of non-negative integers</a:t>
+            </a:r>
+          </a:p>
+        </p:txBody>
+      </p:sp>
+      <p:sp>
+        <p:nvSpPr>
+          <p:cNvPr id="10243" name="Rectangle 3"/>
+          <p:cNvSpPr>
+            <a:spLocks noGrp="1" noChangeArrowheads="1"/>
+          </p:cNvSpPr>
+          <p:nvPr>
+            <p:ph type="body" idx="1"/>
+          </p:nvPr>
+        </p:nvSpPr>
+        <p:spPr>
+          <a:xfrm>
+            <a:off x="304800" y="1676400"/>
+            <a:ext cx="9791700" cy="4572000"/>
+          </a:xfrm>
+        </p:spPr>
+        <p:txBody>
+          <a:bodyPr/>
+          <a:lstStyle/>
+          <a:p>
+            <a:pPr>
+              <a:lnSpc>
+                <a:spcPct val="90000"/>
+              </a:lnSpc>
+            </a:pPr>
+            <a:r>
+              <a:rPr lang="en-US" sz="2800" dirty="0">
+                <a:sym typeface="Symbol" pitchFamily="18" charset="2"/>
+              </a:rPr>
+              <a:t>0  = ( )         ; the empty list</a:t>
+            </a:r>
+          </a:p>
+          <a:p>
+            <a:pPr>
+              <a:lnSpc>
+                <a:spcPct val="90000"/>
+              </a:lnSpc>
+            </a:pPr>
+            <a:r>
+              <a:rPr lang="en-US" sz="2800" dirty="0">
+                <a:sym typeface="Symbol" pitchFamily="18" charset="2"/>
+              </a:rPr>
+              <a:t>n+1 = (cons  #t   n )</a:t>
+            </a:r>
+            <a:br>
+              <a:rPr lang="en-US" sz="2800" dirty="0">
+                <a:sym typeface="Symbol" pitchFamily="18" charset="2"/>
+              </a:rPr>
+            </a:br>
+            <a:br>
+              <a:rPr lang="en-US" sz="2800" dirty="0">
+                <a:sym typeface="Symbol" pitchFamily="18" charset="2"/>
+              </a:rPr>
+            </a:br>
+            <a:endParaRPr lang="en-US" sz="2800" dirty="0">
+              <a:sym typeface="Symbol" pitchFamily="18" charset="2"/>
+            </a:endParaRPr>
+          </a:p>
+          <a:p>
+            <a:pPr>
+              <a:lnSpc>
+                <a:spcPct val="90000"/>
+              </a:lnSpc>
+            </a:pPr>
+            <a:r>
+              <a:rPr lang="en-US" sz="2800" dirty="0">
+                <a:sym typeface="Symbol" pitchFamily="18" charset="2"/>
+              </a:rPr>
+              <a:t>There is a (slightly) more </a:t>
+            </a:r>
+            <a:br>
+              <a:rPr lang="en-US" sz="2800" dirty="0">
+                <a:sym typeface="Symbol" pitchFamily="18" charset="2"/>
+              </a:rPr>
+            </a:br>
+            <a:r>
+              <a:rPr lang="en-US" sz="2800" dirty="0">
+                <a:sym typeface="Symbol" pitchFamily="18" charset="2"/>
+              </a:rPr>
+              <a:t>efficient implementation of </a:t>
+            </a:r>
+            <a:r>
+              <a:rPr lang="en-US" sz="2800" b="1" dirty="0">
+                <a:solidFill>
+                  <a:srgbClr val="00FF00"/>
+                </a:solidFill>
+                <a:sym typeface="Symbol" pitchFamily="18" charset="2"/>
+              </a:rPr>
+              <a:t>add</a:t>
+            </a:r>
+            <a:r>
+              <a:rPr lang="en-US" sz="2800" b="1" dirty="0">
+                <a:sym typeface="Symbol" pitchFamily="18" charset="2"/>
+              </a:rPr>
+              <a:t> </a:t>
+            </a:r>
+            <a:br>
+              <a:rPr lang="en-US" sz="2800" b="1" dirty="0">
+                <a:sym typeface="Symbol" pitchFamily="18" charset="2"/>
+              </a:rPr>
+            </a:br>
+            <a:r>
+              <a:rPr lang="en-US" sz="2800" dirty="0">
+                <a:sym typeface="Symbol" pitchFamily="18" charset="2"/>
+              </a:rPr>
+              <a:t>(than the one from the non-negative-integer interface slide) if we base it on this representation instead of the ADT. </a:t>
+            </a:r>
+            <a:endParaRPr lang="en-US" dirty="0">
+              <a:sym typeface="Symbol" pitchFamily="18" charset="2"/>
+            </a:endParaRPr>
+          </a:p>
+          <a:p>
+            <a:pPr lvl="1">
+              <a:lnSpc>
+                <a:spcPct val="90000"/>
+              </a:lnSpc>
+            </a:pPr>
+            <a:r>
+              <a:rPr lang="en-US" dirty="0">
+                <a:sym typeface="Symbol" pitchFamily="18" charset="2"/>
+              </a:rPr>
+              <a:t> Can you see what it is?</a:t>
+            </a:r>
+          </a:p>
+          <a:p>
+            <a:pPr lvl="1">
+              <a:lnSpc>
+                <a:spcPct val="90000"/>
+              </a:lnSpc>
+            </a:pPr>
+            <a:r>
+              <a:rPr lang="en-US" dirty="0">
+                <a:sym typeface="Symbol" pitchFamily="18" charset="2"/>
+              </a:rPr>
+              <a:t>That implementation is </a:t>
+            </a:r>
+            <a:r>
+              <a:rPr lang="en-US" b="1" dirty="0">
+                <a:solidFill>
+                  <a:srgbClr val="00FF00"/>
+                </a:solidFill>
+                <a:sym typeface="Symbol" pitchFamily="18" charset="2"/>
+              </a:rPr>
+              <a:t>representation-dependent</a:t>
+            </a:r>
+            <a:r>
+              <a:rPr lang="en-US" dirty="0">
+                <a:sym typeface="Symbol" pitchFamily="18" charset="2"/>
+              </a:rPr>
+              <a:t>.</a:t>
+            </a:r>
+          </a:p>
+          <a:p>
+            <a:pPr marL="0" indent="0">
+              <a:lnSpc>
+                <a:spcPct val="90000"/>
+              </a:lnSpc>
+              <a:buNone/>
+            </a:pPr>
+            <a:endParaRPr lang="en-US" dirty="0">
+              <a:sym typeface="Symbol" pitchFamily="18" charset="2"/>
+            </a:endParaRPr>
+          </a:p>
+        </p:txBody>
+      </p:sp>
+      <p:sp>
+        <p:nvSpPr>
+          <p:cNvPr id="2" name="TextBox 1">
+            <a:extLst>
+              <a:ext uri="{FF2B5EF4-FFF2-40B4-BE49-F238E27FC236}">
+                <a16:creationId xmlns:a16="http://schemas.microsoft.com/office/drawing/2014/main" id="{F8D9AF6E-F043-4595-9C6A-62FED00C9DC4}"/>
+              </a:ext>
+            </a:extLst>
+          </p:cNvPr>
+          <p:cNvSpPr txBox="1"/>
+          <p:nvPr/>
+        </p:nvSpPr>
+        <p:spPr>
+          <a:xfrm>
+            <a:off x="5638800" y="1828800"/>
+            <a:ext cx="5943600" cy="2086725"/>
+          </a:xfrm>
+          <a:prstGeom prst="rect">
+            <a:avLst/>
+          </a:prstGeom>
+          <a:solidFill>
+            <a:srgbClr val="0066FF"/>
+          </a:solidFill>
+          <a:ln>
+            <a:solidFill>
+              <a:schemeClr val="bg1"/>
+            </a:solidFill>
+          </a:ln>
+        </p:spPr>
+        <p:txBody>
+          <a:bodyPr wrap="square" rtlCol="0">
+            <a:spAutoFit/>
+          </a:bodyPr>
+          <a:lstStyle/>
+          <a:p>
+            <a:pPr>
+              <a:lnSpc>
+                <a:spcPct val="90000"/>
+              </a:lnSpc>
+            </a:pPr>
+            <a:r>
+              <a:rPr lang="en-US" dirty="0">
+                <a:solidFill>
+                  <a:schemeClr val="bg1"/>
+                </a:solidFill>
+              </a:rPr>
+              <a:t>(zero)                 =  </a:t>
+            </a:r>
+            <a:r>
+              <a:rPr lang="en-US" dirty="0">
+                <a:solidFill>
+                  <a:schemeClr val="bg1"/>
+                </a:solidFill>
+                <a:sym typeface="Symbol" pitchFamily="18" charset="2"/>
+              </a:rPr>
+              <a:t>0 </a:t>
+            </a:r>
+          </a:p>
+          <a:p>
+            <a:pPr>
+              <a:lnSpc>
+                <a:spcPct val="90000"/>
+              </a:lnSpc>
+            </a:pPr>
+            <a:r>
+              <a:rPr lang="en-US" dirty="0">
+                <a:solidFill>
+                  <a:schemeClr val="bg1"/>
+                </a:solidFill>
+                <a:sym typeface="Symbol" pitchFamily="18" charset="2"/>
+              </a:rPr>
+              <a:t>(</a:t>
+            </a:r>
+            <a:r>
+              <a:rPr lang="en-US" dirty="0" err="1">
+                <a:solidFill>
+                  <a:schemeClr val="bg1"/>
+                </a:solidFill>
+                <a:sym typeface="Symbol" pitchFamily="18" charset="2"/>
+              </a:rPr>
+              <a:t>iszero</a:t>
+            </a:r>
+            <a:r>
+              <a:rPr lang="en-US" dirty="0">
+                <a:solidFill>
+                  <a:schemeClr val="bg1"/>
+                </a:solidFill>
+                <a:sym typeface="Symbol" pitchFamily="18" charset="2"/>
+              </a:rPr>
+              <a:t>?  n )   =  #t  if  n  is the </a:t>
+            </a:r>
+            <a:br>
+              <a:rPr lang="en-US" dirty="0">
+                <a:solidFill>
+                  <a:schemeClr val="bg1"/>
+                </a:solidFill>
+                <a:sym typeface="Symbol" pitchFamily="18" charset="2"/>
+              </a:rPr>
+            </a:br>
+            <a:r>
+              <a:rPr lang="en-US" dirty="0">
+                <a:solidFill>
+                  <a:schemeClr val="bg1"/>
+                </a:solidFill>
+                <a:sym typeface="Symbol" pitchFamily="18" charset="2"/>
+              </a:rPr>
+              <a:t>                                    representation of zero, </a:t>
+            </a:r>
+            <a:br>
+              <a:rPr lang="en-US" dirty="0">
+                <a:solidFill>
+                  <a:schemeClr val="bg1"/>
+                </a:solidFill>
+                <a:sym typeface="Symbol" pitchFamily="18" charset="2"/>
+              </a:rPr>
+            </a:br>
+            <a:r>
+              <a:rPr lang="en-US" dirty="0">
+                <a:solidFill>
+                  <a:schemeClr val="bg1"/>
+                </a:solidFill>
+                <a:sym typeface="Symbol" pitchFamily="18" charset="2"/>
+              </a:rPr>
+              <a:t>                              #f  otherwise.</a:t>
+            </a:r>
+          </a:p>
+          <a:p>
+            <a:pPr>
+              <a:lnSpc>
+                <a:spcPct val="90000"/>
+              </a:lnSpc>
+            </a:pPr>
+            <a:r>
+              <a:rPr lang="en-US" dirty="0">
+                <a:solidFill>
+                  <a:schemeClr val="bg1"/>
+                </a:solidFill>
+                <a:sym typeface="Symbol" pitchFamily="18" charset="2"/>
+              </a:rPr>
+              <a:t>(</a:t>
+            </a:r>
+            <a:r>
+              <a:rPr lang="en-US" dirty="0" err="1">
+                <a:solidFill>
+                  <a:schemeClr val="bg1"/>
+                </a:solidFill>
+                <a:sym typeface="Symbol" pitchFamily="18" charset="2"/>
+              </a:rPr>
+              <a:t>succ</a:t>
+            </a:r>
+            <a:r>
+              <a:rPr lang="en-US" dirty="0">
+                <a:solidFill>
+                  <a:schemeClr val="bg1"/>
+                </a:solidFill>
+                <a:sym typeface="Symbol" pitchFamily="18" charset="2"/>
+              </a:rPr>
+              <a:t>  n )       =  n+1  ( n  0)</a:t>
+            </a:r>
+          </a:p>
+          <a:p>
+            <a:pPr>
+              <a:lnSpc>
+                <a:spcPct val="90000"/>
+              </a:lnSpc>
+            </a:pPr>
+            <a:r>
+              <a:rPr lang="en-US" dirty="0">
+                <a:solidFill>
+                  <a:schemeClr val="bg1"/>
+                </a:solidFill>
+                <a:sym typeface="Symbol" pitchFamily="18" charset="2"/>
+              </a:rPr>
+              <a:t>(</a:t>
+            </a:r>
+            <a:r>
+              <a:rPr lang="en-US" dirty="0" err="1">
+                <a:solidFill>
+                  <a:schemeClr val="bg1"/>
+                </a:solidFill>
+                <a:sym typeface="Symbol" pitchFamily="18" charset="2"/>
+              </a:rPr>
+              <a:t>pred</a:t>
+            </a:r>
+            <a:r>
+              <a:rPr lang="en-US" dirty="0">
+                <a:solidFill>
+                  <a:schemeClr val="bg1"/>
+                </a:solidFill>
+                <a:sym typeface="Symbol" pitchFamily="18" charset="2"/>
+              </a:rPr>
+              <a:t>  n+1 )  =  n      ( n  0)</a:t>
+            </a:r>
+          </a:p>
+        </p:txBody>
+      </p:sp>
+    </p:spTree>
+    <p:extLst>
+      <p:ext uri="{BB962C8B-B14F-4D97-AF65-F5344CB8AC3E}">
+        <p14:creationId xmlns:p14="http://schemas.microsoft.com/office/powerpoint/2010/main" val="3509633748"/>
+      </p:ext>
+    </p:extLst>
+  </p:cSld>
+  <p:clrMapOvr>
+    <a:masterClrMapping/>
+  </p:clrMapOvr>
+  <p:timing>
+    <p:tnLst>
+      <p:par>
+        <p:cTn id="1" dur="indefinite" restart="never" nodeType="tmRoot">
+          <p:childTnLst>
+            <p:seq concurrent="1" nextAc="seek">
+              <p:cTn id="2" dur="indefinite" nodeType="mainSeq">
+                <p:childTnLst>
+                  <p:par>
+                    <p:cTn id="3" fill="hold">
+                      <p:stCondLst>
+                        <p:cond delay="indefinite"/>
+                        <p:cond evt="onBegin" delay="0">
+                          <p:tn val="2"/>
+                        </p:cond>
+                      </p:stCondLst>
+                      <p:childTnLst>
+                        <p:par>
+                          <p:cTn id="4" fill="hold">
+                            <p:stCondLst>
+                              <p:cond delay="0"/>
+                            </p:stCondLst>
+                            <p:childTnLst>
+                              <p:par>
+                                <p:cTn id="5" presetID="1" presetClass="entr" presetSubtype="0" fill="hold" grpId="0" nodeType="withEffect">
+                                  <p:stCondLst>
+                                    <p:cond delay="0"/>
+                                  </p:stCondLst>
+                                  <p:childTnLst>
+                                    <p:set>
+                                      <p:cBhvr>
+                                        <p:cTn id="6" dur="1" fill="hold">
+                                          <p:stCondLst>
+                                            <p:cond delay="0"/>
+                                          </p:stCondLst>
+                                        </p:cTn>
+                                        <p:tgtEl>
+                                          <p:spTgt spid="10243">
+                                            <p:txEl>
+                                              <p:pRg st="0" end="0"/>
+                                            </p:txEl>
+                                          </p:spTgt>
+                                        </p:tgtEl>
+                                        <p:attrNameLst>
+                                          <p:attrName>style.visibility</p:attrName>
+                                        </p:attrNameLst>
+                                      </p:cBhvr>
+                                      <p:to>
+                                        <p:strVal val="visible"/>
+                                      </p:to>
+                                    </p:set>
+                                  </p:childTnLst>
+                                </p:cTn>
+                              </p:par>
+                            </p:childTnLst>
+                          </p:cTn>
+                        </p:par>
+                      </p:childTnLst>
+                    </p:cTn>
+                  </p:par>
+                  <p:par>
+                    <p:cTn id="7" fill="hold">
+                      <p:stCondLst>
+                        <p:cond delay="indefinite"/>
+                      </p:stCondLst>
+                      <p:childTnLst>
+                        <p:par>
+                          <p:cTn id="8" fill="hold">
+                            <p:stCondLst>
+                              <p:cond delay="0"/>
+                            </p:stCondLst>
+                            <p:childTnLst>
+                              <p:par>
+                                <p:cTn id="9" presetID="1" presetClass="entr" presetSubtype="0" fill="hold" grpId="0" nodeType="clickEffect">
+                                  <p:stCondLst>
+                                    <p:cond delay="0"/>
+                                  </p:stCondLst>
+                                  <p:childTnLst>
+                                    <p:set>
+                                      <p:cBhvr>
+                                        <p:cTn id="10" dur="1" fill="hold">
+                                          <p:stCondLst>
+                                            <p:cond delay="0"/>
+                                          </p:stCondLst>
+                                        </p:cTn>
+                                        <p:tgtEl>
+                                          <p:spTgt spid="10243">
+                                            <p:txEl>
+                                              <p:pRg st="1" end="1"/>
+                                            </p:txEl>
+                                          </p:spTgt>
+                                        </p:tgtEl>
+                                        <p:attrNameLst>
+                                          <p:attrName>style.visibility</p:attrName>
+                                        </p:attrNameLst>
+                                      </p:cBhvr>
+                                      <p:to>
+                                        <p:strVal val="visible"/>
+                                      </p:to>
+                                    </p:set>
+                                  </p:childTnLst>
+                                </p:cTn>
+                              </p:par>
+                            </p:childTnLst>
+                          </p:cTn>
+                        </p:par>
+                      </p:childTnLst>
+                    </p:cTn>
+                  </p:par>
+                  <p:par>
+                    <p:cTn id="11" fill="hold">
+                      <p:stCondLst>
+                        <p:cond delay="indefinite"/>
+                      </p:stCondLst>
+                      <p:childTnLst>
+                        <p:par>
+                          <p:cTn id="12" fill="hold">
+                            <p:stCondLst>
+                              <p:cond delay="0"/>
+                            </p:stCondLst>
+                            <p:childTnLst>
+                              <p:par>
+                                <p:cTn id="13" presetID="1" presetClass="entr" presetSubtype="0" fill="hold" grpId="0" nodeType="clickEffect">
+                                  <p:stCondLst>
+                                    <p:cond delay="0"/>
+                                  </p:stCondLst>
+                                  <p:childTnLst>
+                                    <p:set>
+                                      <p:cBhvr>
+                                        <p:cTn id="14" dur="1" fill="hold">
+                                          <p:stCondLst>
+                                            <p:cond delay="0"/>
+                                          </p:stCondLst>
+                                        </p:cTn>
+                                        <p:tgtEl>
+                                          <p:spTgt spid="10243">
+                                            <p:txEl>
+                                              <p:pRg st="2" end="2"/>
+                                            </p:txEl>
+                                          </p:spTgt>
+                                        </p:tgtEl>
+                                        <p:attrNameLst>
+                                          <p:attrName>style.visibility</p:attrName>
+                                        </p:attrNameLst>
+                                      </p:cBhvr>
+                                      <p:to>
+                                        <p:strVal val="visible"/>
+                                      </p:to>
+                                    </p:set>
+                                  </p:childTnLst>
+                                </p:cTn>
+                              </p:par>
+                              <p:par>
+                                <p:cTn id="15" presetID="1" presetClass="entr" presetSubtype="0" fill="hold" grpId="0" nodeType="withEffect">
+                                  <p:stCondLst>
+                                    <p:cond delay="0"/>
+                                  </p:stCondLst>
+                                  <p:childTnLst>
+                                    <p:set>
+                                      <p:cBhvr>
+                                        <p:cTn id="16" dur="1" fill="hold">
+                                          <p:stCondLst>
+                                            <p:cond delay="0"/>
+                                          </p:stCondLst>
+                                        </p:cTn>
+                                        <p:tgtEl>
+                                          <p:spTgt spid="10243">
+                                            <p:txEl>
+                                              <p:pRg st="3" end="3"/>
+                                            </p:txEl>
+                                          </p:spTgt>
+                                        </p:tgtEl>
+                                        <p:attrNameLst>
+                                          <p:attrName>style.visibility</p:attrName>
+                                        </p:attrNameLst>
+                                      </p:cBhvr>
+                                      <p:to>
+                                        <p:strVal val="visible"/>
+                                      </p:to>
+                                    </p:set>
+                                  </p:childTnLst>
+                                </p:cTn>
+                              </p:par>
+                              <p:par>
+                                <p:cTn id="17" presetID="1" presetClass="entr" presetSubtype="0" fill="hold" grpId="0" nodeType="withEffect">
+                                  <p:stCondLst>
+                                    <p:cond delay="0"/>
+                                  </p:stCondLst>
+                                  <p:childTnLst>
+                                    <p:set>
+                                      <p:cBhvr>
+                                        <p:cTn id="18" dur="1" fill="hold">
+                                          <p:stCondLst>
+                                            <p:cond delay="0"/>
+                                          </p:stCondLst>
+                                        </p:cTn>
+                                        <p:tgtEl>
+                                          <p:spTgt spid="10243">
+                                            <p:txEl>
+                                              <p:pRg st="4" end="4"/>
+                                            </p:txEl>
+                                          </p:spTgt>
+                                        </p:tgtEl>
+                                        <p:attrNameLst>
+                                          <p:attrName>style.visibility</p:attrName>
+                                        </p:attrNameLst>
+                                      </p:cBhvr>
+                                      <p:to>
+                                        <p:strVal val="visible"/>
+                                      </p:to>
+                                    </p:set>
+                                  </p:childTnLst>
+                                </p:cTn>
+                              </p:par>
+                            </p:childTnLst>
+                          </p:cTn>
+                        </p:par>
+                      </p:childTnLst>
+                    </p:cTn>
+                  </p:par>
+                </p:childTnLst>
+              </p:cTn>
+              <p:prevCondLst>
+                <p:cond evt="onPrev" delay="0">
+                  <p:tgtEl>
+                    <p:sldTgt/>
+                  </p:tgtEl>
+                </p:cond>
+              </p:prevCondLst>
+              <p:nextCondLst>
+                <p:cond evt="onNext" delay="0">
+                  <p:tgtEl>
+                    <p:sldTgt/>
+                  </p:tgtEl>
+                </p:cond>
+              </p:nextCondLst>
+            </p:seq>
+          </p:childTnLst>
+        </p:cTn>
+      </p:par>
+    </p:tnLst>
+    <p:bldLst>
+      <p:bldP spid="10243" grpId="0" build="p"/>
+    </p:bldLst>
+  </p:timing>
+</p:sld>
+</file>
+
+<file path=ppt/slides/slide11.xml><?xml version="1.0" encoding="utf-8"?>
 <p:sld xmlns:a="http://schemas.openxmlformats.org/drawingml/2006/main" xmlns:r="http://schemas.openxmlformats.org/officeDocument/2006/relationships" xmlns:p="http://schemas.openxmlformats.org/presentationml/2006/main">
   <p:cSld>
     <p:spTree>
@@ -7549,7 +8258,7 @@
 </p:sld>
 </file>
 
-<file path=ppt/slides/slide11.xml><?xml version="1.0" encoding="utf-8"?>
+<file path=ppt/slides/slide12.xml><?xml version="1.0" encoding="utf-8"?>
 <p:sld xmlns:a="http://schemas.openxmlformats.org/drawingml/2006/main" xmlns:r="http://schemas.openxmlformats.org/officeDocument/2006/relationships" xmlns:p="http://schemas.openxmlformats.org/presentationml/2006/main" showMasterPhAnim="0" show="0">
   <p:cSld>
     <p:spTree>
@@ -8137,7 +8846,7 @@
 </p:sld>
 </file>
 
-<file path=ppt/slides/slide12.xml><?xml version="1.0" encoding="utf-8"?>
+<file path=ppt/slides/slide13.xml><?xml version="1.0" encoding="utf-8"?>
 <p:sld xmlns:a="http://schemas.openxmlformats.org/drawingml/2006/main" xmlns:r="http://schemas.openxmlformats.org/officeDocument/2006/relationships" xmlns:p="http://schemas.openxmlformats.org/presentationml/2006/main" showMasterPhAnim="0" show="0">
   <p:cSld>
     <p:spTree>
@@ -8650,7 +9359,7 @@
 </p:sld>
 </file>
 
-<file path=ppt/slides/slide13.xml><?xml version="1.0" encoding="utf-8"?>
+<file path=ppt/slides/slide14.xml><?xml version="1.0" encoding="utf-8"?>
 <p:sld xmlns:a="http://schemas.openxmlformats.org/drawingml/2006/main" xmlns:r="http://schemas.openxmlformats.org/officeDocument/2006/relationships" xmlns:p="http://schemas.openxmlformats.org/presentationml/2006/main" showMasterPhAnim="0" show="0">
   <p:cSld>
     <p:spTree>
@@ -9391,7 +10100,7 @@
 </p:sld>
 </file>
 
-<file path=ppt/slides/slide14.xml><?xml version="1.0" encoding="utf-8"?>
+<file path=ppt/slides/slide15.xml><?xml version="1.0" encoding="utf-8"?>
 <p:sld xmlns:a="http://schemas.openxmlformats.org/drawingml/2006/main" xmlns:r="http://schemas.openxmlformats.org/officeDocument/2006/relationships" xmlns:p="http://schemas.openxmlformats.org/presentationml/2006/main" showMasterPhAnim="0" show="0">
   <p:cSld>
     <p:spTree>
@@ -9806,7 +10515,7 @@
 </p:sld>
 </file>
 
-<file path=ppt/slides/slide15.xml><?xml version="1.0" encoding="utf-8"?>
+<file path=ppt/slides/slide16.xml><?xml version="1.0" encoding="utf-8"?>
 <p:sld xmlns:a="http://schemas.openxmlformats.org/drawingml/2006/main" xmlns:r="http://schemas.openxmlformats.org/officeDocument/2006/relationships" xmlns:p="http://schemas.openxmlformats.org/presentationml/2006/main" show="0">
   <p:cSld>
     <p:spTree>
@@ -10316,7 +11025,7 @@
 </p:sld>
 </file>
 
-<file path=ppt/slides/slide16.xml><?xml version="1.0" encoding="utf-8"?>
+<file path=ppt/slides/slide17.xml><?xml version="1.0" encoding="utf-8"?>
 <p:sld xmlns:a="http://schemas.openxmlformats.org/drawingml/2006/main" xmlns:r="http://schemas.openxmlformats.org/officeDocument/2006/relationships" xmlns:p="http://schemas.openxmlformats.org/presentationml/2006/main">
   <p:cSld>
     <p:spTree>
@@ -10446,7 +11155,7 @@
 </p:sld>
 </file>
 
-<file path=ppt/slides/slide17.xml><?xml version="1.0" encoding="utf-8"?>
+<file path=ppt/slides/slide18.xml><?xml version="1.0" encoding="utf-8"?>
 <p:sld xmlns:a="http://schemas.openxmlformats.org/drawingml/2006/main" xmlns:r="http://schemas.openxmlformats.org/officeDocument/2006/relationships" xmlns:p="http://schemas.openxmlformats.org/presentationml/2006/main" showMasterPhAnim="0">
   <p:cSld>
     <p:spTree>
@@ -10925,7 +11634,7 @@
 </p:sld>
 </file>
 
-<file path=ppt/slides/slide18.xml><?xml version="1.0" encoding="utf-8"?>
+<file path=ppt/slides/slide19.xml><?xml version="1.0" encoding="utf-8"?>
 <p:sld xmlns:a="http://schemas.openxmlformats.org/drawingml/2006/main" xmlns:r="http://schemas.openxmlformats.org/officeDocument/2006/relationships" xmlns:p="http://schemas.openxmlformats.org/presentationml/2006/main" showMasterPhAnim="0">
   <p:cSld>
     <p:spTree>
@@ -11469,7 +12178,135 @@
 </p:sld>
 </file>
 
-<file path=ppt/slides/slide19.xml><?xml version="1.0" encoding="utf-8"?>
+<file path=ppt/slides/slide2.xml><?xml version="1.0" encoding="utf-8"?>
+<p:sld xmlns:a="http://schemas.openxmlformats.org/drawingml/2006/main" xmlns:r="http://schemas.openxmlformats.org/officeDocument/2006/relationships" xmlns:p="http://schemas.openxmlformats.org/presentationml/2006/main">
+  <p:cSld>
+    <p:spTree>
+      <p:nvGrpSpPr>
+        <p:cNvPr id="1" name=""/>
+        <p:cNvGrpSpPr/>
+        <p:nvPr/>
+      </p:nvGrpSpPr>
+      <p:grpSpPr>
+        <a:xfrm>
+          <a:off x="0" y="0"/>
+          <a:ext cx="0" cy="0"/>
+          <a:chOff x="0" y="0"/>
+          <a:chExt cx="0" cy="0"/>
+        </a:xfrm>
+      </p:grpSpPr>
+      <p:sp>
+        <p:nvSpPr>
+          <p:cNvPr id="2" name="Title 1">
+            <a:extLst>
+              <a:ext uri="{FF2B5EF4-FFF2-40B4-BE49-F238E27FC236}">
+                <a16:creationId xmlns:a16="http://schemas.microsoft.com/office/drawing/2014/main" id="{F7D10C4B-357A-4D90-B132-63CD5815BA29}"/>
+              </a:ext>
+            </a:extLst>
+          </p:cNvPr>
+          <p:cNvSpPr>
+            <a:spLocks noGrp="1"/>
+          </p:cNvSpPr>
+          <p:nvPr>
+            <p:ph type="title"/>
+          </p:nvPr>
+        </p:nvSpPr>
+        <p:spPr/>
+        <p:txBody>
+          <a:bodyPr/>
+          <a:lstStyle/>
+          <a:p>
+            <a:r>
+              <a:rPr lang="en-US" dirty="0"/>
+              <a:t>Interpreter Project</a:t>
+            </a:r>
+          </a:p>
+        </p:txBody>
+      </p:sp>
+      <p:sp>
+        <p:nvSpPr>
+          <p:cNvPr id="3" name="Content Placeholder 2">
+            <a:extLst>
+              <a:ext uri="{FF2B5EF4-FFF2-40B4-BE49-F238E27FC236}">
+                <a16:creationId xmlns:a16="http://schemas.microsoft.com/office/drawing/2014/main" id="{B000FFC8-9A56-4400-8E26-709315136AE1}"/>
+              </a:ext>
+            </a:extLst>
+          </p:cNvPr>
+          <p:cNvSpPr>
+            <a:spLocks noGrp="1"/>
+          </p:cNvSpPr>
+          <p:nvPr>
+            <p:ph idx="1"/>
+          </p:nvPr>
+        </p:nvSpPr>
+        <p:spPr>
+          <a:xfrm>
+            <a:off x="914400" y="1752600"/>
+            <a:ext cx="10363200" cy="4114800"/>
+          </a:xfrm>
+        </p:spPr>
+        <p:txBody>
+          <a:bodyPr/>
+          <a:lstStyle/>
+          <a:p>
+            <a:r>
+              <a:rPr lang="en-US" dirty="0"/>
+              <a:t>Large project that will last till the end of the term</a:t>
+            </a:r>
+          </a:p>
+          <a:p>
+            <a:r>
+              <a:rPr lang="en-US" dirty="0"/>
+              <a:t>Traditionally done in groups of 2</a:t>
+            </a:r>
+          </a:p>
+          <a:p>
+            <a:r>
+              <a:rPr lang="en-US" dirty="0"/>
+              <a:t>I strongly advise you to find a partner – student picked groups usually work better. Your partner can be in the other section if you want.</a:t>
+            </a:r>
+          </a:p>
+          <a:p>
+            <a:r>
+              <a:rPr lang="en-US" dirty="0"/>
+              <a:t>Mutually request your partner in the comments of the </a:t>
+            </a:r>
+            <a:r>
+              <a:rPr lang="en-US" dirty="0" err="1"/>
+              <a:t>catme</a:t>
+            </a:r>
+            <a:r>
+              <a:rPr lang="en-US" dirty="0"/>
+              <a:t> survey (should already </a:t>
+            </a:r>
+            <a:r>
+              <a:rPr lang="en-US"/>
+              <a:t>be sent)</a:t>
+            </a:r>
+            <a:endParaRPr lang="en-US" dirty="0"/>
+          </a:p>
+          <a:p>
+            <a:r>
+              <a:rPr lang="en-US" dirty="0"/>
+              <a:t>Hope to have the groups formed Wednesday</a:t>
+            </a:r>
+          </a:p>
+        </p:txBody>
+      </p:sp>
+    </p:spTree>
+    <p:extLst>
+      <p:ext uri="{BB962C8B-B14F-4D97-AF65-F5344CB8AC3E}">
+        <p14:creationId xmlns:p14="http://schemas.microsoft.com/office/powerpoint/2010/main" val="1335901485"/>
+      </p:ext>
+    </p:extLst>
+  </p:cSld>
+  <p:clrMapOvr>
+    <a:masterClrMapping/>
+  </p:clrMapOvr>
+</p:sld>
+</file>
+
+<file path=ppt/slides/slide20.xml><?xml version="1.0" encoding="utf-8"?>
 <p:sld xmlns:a="http://schemas.openxmlformats.org/drawingml/2006/main" xmlns:r="http://schemas.openxmlformats.org/officeDocument/2006/relationships" xmlns:p="http://schemas.openxmlformats.org/presentationml/2006/main" showMasterPhAnim="0">
   <p:cSld>
     <p:spTree>
@@ -12187,320 +13024,7 @@
 </p:sld>
 </file>
 
-<file path=ppt/slides/slide2.xml><?xml version="1.0" encoding="utf-8"?>
-<p:sld xmlns:a="http://schemas.openxmlformats.org/drawingml/2006/main" xmlns:r="http://schemas.openxmlformats.org/officeDocument/2006/relationships" xmlns:p="http://schemas.openxmlformats.org/presentationml/2006/main" show="0">
-  <p:cSld>
-    <p:spTree>
-      <p:nvGrpSpPr>
-        <p:cNvPr id="1" name=""/>
-        <p:cNvGrpSpPr/>
-        <p:nvPr/>
-      </p:nvGrpSpPr>
-      <p:grpSpPr>
-        <a:xfrm>
-          <a:off x="0" y="0"/>
-          <a:ext cx="0" cy="0"/>
-          <a:chOff x="0" y="0"/>
-          <a:chExt cx="0" cy="0"/>
-        </a:xfrm>
-      </p:grpSpPr>
-      <p:sp>
-        <p:nvSpPr>
-          <p:cNvPr id="539650" name="Rectangle 2"/>
-          <p:cNvSpPr>
-            <a:spLocks noGrp="1" noChangeArrowheads="1"/>
-          </p:cNvSpPr>
-          <p:nvPr>
-            <p:ph type="title"/>
-          </p:nvPr>
-        </p:nvSpPr>
-        <p:spPr>
-          <a:xfrm>
-            <a:off x="3124200" y="381000"/>
-            <a:ext cx="6172200" cy="571500"/>
-          </a:xfrm>
-        </p:spPr>
-        <p:txBody>
-          <a:bodyPr/>
-          <a:lstStyle/>
-          <a:p>
-            <a:r>
-              <a:rPr lang="en-US" dirty="0"/>
-              <a:t>lexical address hint</a:t>
-            </a:r>
-          </a:p>
-        </p:txBody>
-      </p:sp>
-      <p:sp>
-        <p:nvSpPr>
-          <p:cNvPr id="539651" name="Rectangle 3"/>
-          <p:cNvSpPr>
-            <a:spLocks noGrp="1" noChangeArrowheads="1"/>
-          </p:cNvSpPr>
-          <p:nvPr>
-            <p:ph type="body" idx="1"/>
-          </p:nvPr>
-        </p:nvSpPr>
-        <p:spPr>
-          <a:xfrm>
-            <a:off x="2057400" y="1371600"/>
-            <a:ext cx="7848600" cy="4114800"/>
-          </a:xfrm>
-        </p:spPr>
-        <p:txBody>
-          <a:bodyPr/>
-          <a:lstStyle/>
-          <a:p>
-            <a:pPr>
-              <a:lnSpc>
-                <a:spcPct val="80000"/>
-              </a:lnSpc>
-              <a:spcBef>
-                <a:spcPct val="0"/>
-              </a:spcBef>
-              <a:buFontTx/>
-              <a:buNone/>
-            </a:pPr>
-            <a:r>
-              <a:rPr lang="en-US" b="1" dirty="0">
-                <a:latin typeface="Courier New" pitchFamily="49" charset="0"/>
-              </a:rPr>
-              <a:t>(lexical-address</a:t>
-            </a:r>
-          </a:p>
-          <a:p>
-            <a:pPr>
-              <a:lnSpc>
-                <a:spcPct val="80000"/>
-              </a:lnSpc>
-              <a:spcBef>
-                <a:spcPct val="0"/>
-              </a:spcBef>
-              <a:buFontTx/>
-              <a:buNone/>
-            </a:pPr>
-            <a:r>
-              <a:rPr lang="en-US" b="1" dirty="0">
-                <a:latin typeface="Courier New" pitchFamily="49" charset="0"/>
-              </a:rPr>
-              <a:t> '((lambda (x y)</a:t>
-            </a:r>
-          </a:p>
-          <a:p>
-            <a:pPr>
-              <a:lnSpc>
-                <a:spcPct val="80000"/>
-              </a:lnSpc>
-              <a:spcBef>
-                <a:spcPct val="0"/>
-              </a:spcBef>
-              <a:buFontTx/>
-              <a:buNone/>
-            </a:pPr>
-            <a:r>
-              <a:rPr lang="en-US" b="1" dirty="0">
-                <a:latin typeface="Courier New" pitchFamily="49" charset="0"/>
-              </a:rPr>
-              <a:t>     (((lambda (z)</a:t>
-            </a:r>
-          </a:p>
-          <a:p>
-            <a:pPr>
-              <a:lnSpc>
-                <a:spcPct val="80000"/>
-              </a:lnSpc>
-              <a:spcBef>
-                <a:spcPct val="0"/>
-              </a:spcBef>
-              <a:buFontTx/>
-              <a:buNone/>
-            </a:pPr>
-            <a:r>
-              <a:rPr lang="en-US" b="1" dirty="0">
-                <a:latin typeface="Courier New" pitchFamily="49" charset="0"/>
-              </a:rPr>
-              <a:t>         (lambda (w y)</a:t>
-            </a:r>
-          </a:p>
-          <a:p>
-            <a:pPr>
-              <a:lnSpc>
-                <a:spcPct val="80000"/>
-              </a:lnSpc>
-              <a:spcBef>
-                <a:spcPct val="0"/>
-              </a:spcBef>
-              <a:buFontTx/>
-              <a:buNone/>
-            </a:pPr>
-            <a:r>
-              <a:rPr lang="en-US" b="1" dirty="0">
-                <a:latin typeface="Courier New" pitchFamily="49" charset="0"/>
-              </a:rPr>
-              <a:t>           (+ x z w y)))</a:t>
-            </a:r>
-          </a:p>
-          <a:p>
-            <a:pPr>
-              <a:lnSpc>
-                <a:spcPct val="80000"/>
-              </a:lnSpc>
-              <a:spcBef>
-                <a:spcPct val="0"/>
-              </a:spcBef>
-              <a:buFontTx/>
-              <a:buNone/>
-            </a:pPr>
-            <a:r>
-              <a:rPr lang="en-US" b="1" dirty="0">
-                <a:latin typeface="Courier New" pitchFamily="49" charset="0"/>
-              </a:rPr>
-              <a:t>       (list w x y z))</a:t>
-            </a:r>
-          </a:p>
-          <a:p>
-            <a:pPr>
-              <a:lnSpc>
-                <a:spcPct val="80000"/>
-              </a:lnSpc>
-              <a:spcBef>
-                <a:spcPct val="0"/>
-              </a:spcBef>
-              <a:buFontTx/>
-              <a:buNone/>
-            </a:pPr>
-            <a:r>
-              <a:rPr lang="en-US" b="1" dirty="0">
-                <a:latin typeface="Courier New" pitchFamily="49" charset="0"/>
-              </a:rPr>
-              <a:t>      (+ x y z)))</a:t>
-            </a:r>
-          </a:p>
-          <a:p>
-            <a:pPr>
-              <a:lnSpc>
-                <a:spcPct val="80000"/>
-              </a:lnSpc>
-              <a:spcBef>
-                <a:spcPct val="0"/>
-              </a:spcBef>
-              <a:buFontTx/>
-              <a:buNone/>
-            </a:pPr>
-            <a:r>
-              <a:rPr lang="en-US" b="1" dirty="0">
-                <a:latin typeface="Courier New" pitchFamily="49" charset="0"/>
-              </a:rPr>
-              <a:t>   (y z)))</a:t>
-            </a:r>
-            <a:r>
-              <a:rPr lang="en-US" sz="1800" b="1" dirty="0">
-                <a:latin typeface="Courier New" pitchFamily="49" charset="0"/>
-              </a:rPr>
-              <a:t>          </a:t>
-            </a:r>
-            <a:r>
-              <a:rPr lang="en-US" sz="1800" b="1" dirty="0">
-                <a:solidFill>
-                  <a:schemeClr val="bg2"/>
-                </a:solidFill>
-                <a:latin typeface="Courier New" pitchFamily="49" charset="0"/>
-              </a:rPr>
-              <a:t>         </a:t>
-            </a:r>
-            <a:br>
-              <a:rPr lang="en-US" sz="1800" b="1" dirty="0">
-                <a:solidFill>
-                  <a:srgbClr val="FFFF00"/>
-                </a:solidFill>
-                <a:latin typeface="Courier New" pitchFamily="49" charset="0"/>
-                <a:sym typeface="Wingdings" pitchFamily="2" charset="2"/>
-              </a:rPr>
-            </a:br>
-            <a:endParaRPr lang="en-US" sz="1800" b="1" dirty="0">
-              <a:solidFill>
-                <a:srgbClr val="FFFF00"/>
-              </a:solidFill>
-              <a:latin typeface="Courier New" pitchFamily="49" charset="0"/>
-              <a:sym typeface="Wingdings" pitchFamily="2" charset="2"/>
-            </a:endParaRPr>
-          </a:p>
-          <a:p>
-            <a:pPr>
-              <a:lnSpc>
-                <a:spcPct val="80000"/>
-              </a:lnSpc>
-              <a:spcBef>
-                <a:spcPct val="0"/>
-              </a:spcBef>
-              <a:buFontTx/>
-              <a:buNone/>
-            </a:pPr>
-            <a:endParaRPr lang="en-US" sz="1800" b="1" dirty="0">
-              <a:solidFill>
-                <a:srgbClr val="FFFF00"/>
-              </a:solidFill>
-              <a:latin typeface="Courier New" pitchFamily="49" charset="0"/>
-              <a:sym typeface="Wingdings" pitchFamily="2" charset="2"/>
-            </a:endParaRPr>
-          </a:p>
-          <a:p>
-            <a:pPr>
-              <a:lnSpc>
-                <a:spcPct val="80000"/>
-              </a:lnSpc>
-              <a:spcBef>
-                <a:spcPct val="0"/>
-              </a:spcBef>
-              <a:buFontTx/>
-              <a:buNone/>
-            </a:pPr>
-            <a:r>
-              <a:rPr lang="en-US" b="1" dirty="0"/>
-              <a:t>   </a:t>
-            </a:r>
-            <a:r>
-              <a:rPr lang="en-US" sz="4400" b="1" dirty="0">
-                <a:solidFill>
-                  <a:srgbClr val="00FF00"/>
-                </a:solidFill>
-              </a:rPr>
-              <a:t>Recursive helper should take an additional argument, a “lexical environment”</a:t>
-            </a:r>
-            <a:endParaRPr lang="en-US" sz="2800" b="1" dirty="0">
-              <a:solidFill>
-                <a:srgbClr val="00FF00"/>
-              </a:solidFill>
-            </a:endParaRPr>
-          </a:p>
-          <a:p>
-            <a:pPr>
-              <a:lnSpc>
-                <a:spcPct val="80000"/>
-              </a:lnSpc>
-              <a:buFontTx/>
-              <a:buNone/>
-            </a:pPr>
-            <a:endParaRPr lang="en-US" sz="1500" b="1" dirty="0">
-              <a:latin typeface="Courier New" pitchFamily="49" charset="0"/>
-            </a:endParaRPr>
-          </a:p>
-        </p:txBody>
-      </p:sp>
-    </p:spTree>
-    <p:extLst>
-      <p:ext uri="{BB962C8B-B14F-4D97-AF65-F5344CB8AC3E}">
-        <p14:creationId xmlns:p14="http://schemas.microsoft.com/office/powerpoint/2010/main" val="3647339432"/>
-      </p:ext>
-    </p:extLst>
-  </p:cSld>
-  <p:clrMapOvr>
-    <a:masterClrMapping/>
-  </p:clrMapOvr>
-</p:sld>
-</file>
-
-<file path=ppt/slides/slide20.xml><?xml version="1.0" encoding="utf-8"?>
+<file path=ppt/slides/slide21.xml><?xml version="1.0" encoding="utf-8"?>
 <p:sld xmlns:a="http://schemas.openxmlformats.org/drawingml/2006/main" xmlns:r="http://schemas.openxmlformats.org/officeDocument/2006/relationships" xmlns:p="http://schemas.openxmlformats.org/presentationml/2006/main">
   <p:cSld>
     <p:spTree>
@@ -12577,7 +13101,7 @@
 </p:sld>
 </file>
 
-<file path=ppt/slides/slide21.xml><?xml version="1.0" encoding="utf-8"?>
+<file path=ppt/slides/slide22.xml><?xml version="1.0" encoding="utf-8"?>
 <p:sld xmlns:a="http://schemas.openxmlformats.org/drawingml/2006/main" xmlns:r="http://schemas.openxmlformats.org/officeDocument/2006/relationships" xmlns:p="http://schemas.openxmlformats.org/presentationml/2006/main">
   <p:cSld>
     <p:spTree>
@@ -12763,7 +13287,7 @@
 </p:sld>
 </file>
 
-<file path=ppt/slides/slide22.xml><?xml version="1.0" encoding="utf-8"?>
+<file path=ppt/slides/slide23.xml><?xml version="1.0" encoding="utf-8"?>
 <p:sld xmlns:a="http://schemas.openxmlformats.org/drawingml/2006/main" xmlns:r="http://schemas.openxmlformats.org/officeDocument/2006/relationships" xmlns:p="http://schemas.openxmlformats.org/presentationml/2006/main">
   <p:cSld>
     <p:spTree>
@@ -13294,7 +13818,7 @@
 </p:sld>
 </file>
 
-<file path=ppt/slides/slide23.xml><?xml version="1.0" encoding="utf-8"?>
+<file path=ppt/slides/slide24.xml><?xml version="1.0" encoding="utf-8"?>
 <p:sld xmlns:a="http://schemas.openxmlformats.org/drawingml/2006/main" xmlns:r="http://schemas.openxmlformats.org/officeDocument/2006/relationships" xmlns:p="http://schemas.openxmlformats.org/presentationml/2006/main">
   <p:cSld>
     <p:spTree>
@@ -13493,7 +14017,7 @@
 </p:sld>
 </file>
 
-<file path=ppt/slides/slide24.xml><?xml version="1.0" encoding="utf-8"?>
+<file path=ppt/slides/slide25.xml><?xml version="1.0" encoding="utf-8"?>
 <p:sld xmlns:a="http://schemas.openxmlformats.org/drawingml/2006/main" xmlns:r="http://schemas.openxmlformats.org/officeDocument/2006/relationships" xmlns:p="http://schemas.openxmlformats.org/presentationml/2006/main">
   <p:cSld>
     <p:spTree>
@@ -14270,7 +14794,7 @@
 </p:sld>
 </file>
 
-<file path=ppt/slides/slide25.xml><?xml version="1.0" encoding="utf-8"?>
+<file path=ppt/slides/slide26.xml><?xml version="1.0" encoding="utf-8"?>
 <p:sld xmlns:a="http://schemas.openxmlformats.org/drawingml/2006/main" xmlns:r="http://schemas.openxmlformats.org/officeDocument/2006/relationships" xmlns:p="http://schemas.openxmlformats.org/presentationml/2006/main" showMasterPhAnim="0">
   <p:cSld>
     <p:spTree>
@@ -15464,7 +15988,7 @@
 </p:sld>
 </file>
 
-<file path=ppt/slides/slide26.xml><?xml version="1.0" encoding="utf-8"?>
+<file path=ppt/slides/slide27.xml><?xml version="1.0" encoding="utf-8"?>
 <p:sld xmlns:a="http://schemas.openxmlformats.org/drawingml/2006/main" xmlns:r="http://schemas.openxmlformats.org/officeDocument/2006/relationships" xmlns:p="http://schemas.openxmlformats.org/presentationml/2006/main">
   <p:cSld>
     <p:spTree>
@@ -15691,7 +16215,7 @@
 </p:sld>
 </file>
 
-<file path=ppt/slides/slide27.xml><?xml version="1.0" encoding="utf-8"?>
+<file path=ppt/slides/slide28.xml><?xml version="1.0" encoding="utf-8"?>
 <p:sld xmlns:a="http://schemas.openxmlformats.org/drawingml/2006/main" xmlns:r="http://schemas.openxmlformats.org/officeDocument/2006/relationships" xmlns:p="http://schemas.openxmlformats.org/presentationml/2006/main" showMasterPhAnim="0">
   <p:cSld>
     <p:spTree>
@@ -16387,7 +16911,7 @@
 </p:sld>
 </file>
 
-<file path=ppt/slides/slide28.xml><?xml version="1.0" encoding="utf-8"?>
+<file path=ppt/slides/slide29.xml><?xml version="1.0" encoding="utf-8"?>
 <p:sld xmlns:a="http://schemas.openxmlformats.org/drawingml/2006/main" xmlns:r="http://schemas.openxmlformats.org/officeDocument/2006/relationships" xmlns:p="http://schemas.openxmlformats.org/presentationml/2006/main" showMasterPhAnim="0" show="0">
   <p:cSld>
     <p:spTree>
@@ -16950,7 +17474,320 @@
 </p:sld>
 </file>
 
-<file path=ppt/slides/slide29.xml><?xml version="1.0" encoding="utf-8"?>
+<file path=ppt/slides/slide3.xml><?xml version="1.0" encoding="utf-8"?>
+<p:sld xmlns:a="http://schemas.openxmlformats.org/drawingml/2006/main" xmlns:r="http://schemas.openxmlformats.org/officeDocument/2006/relationships" xmlns:p="http://schemas.openxmlformats.org/presentationml/2006/main" show="0">
+  <p:cSld>
+    <p:spTree>
+      <p:nvGrpSpPr>
+        <p:cNvPr id="1" name=""/>
+        <p:cNvGrpSpPr/>
+        <p:nvPr/>
+      </p:nvGrpSpPr>
+      <p:grpSpPr>
+        <a:xfrm>
+          <a:off x="0" y="0"/>
+          <a:ext cx="0" cy="0"/>
+          <a:chOff x="0" y="0"/>
+          <a:chExt cx="0" cy="0"/>
+        </a:xfrm>
+      </p:grpSpPr>
+      <p:sp>
+        <p:nvSpPr>
+          <p:cNvPr id="539650" name="Rectangle 2"/>
+          <p:cNvSpPr>
+            <a:spLocks noGrp="1" noChangeArrowheads="1"/>
+          </p:cNvSpPr>
+          <p:nvPr>
+            <p:ph type="title"/>
+          </p:nvPr>
+        </p:nvSpPr>
+        <p:spPr>
+          <a:xfrm>
+            <a:off x="3124200" y="381000"/>
+            <a:ext cx="6172200" cy="571500"/>
+          </a:xfrm>
+        </p:spPr>
+        <p:txBody>
+          <a:bodyPr/>
+          <a:lstStyle/>
+          <a:p>
+            <a:r>
+              <a:rPr lang="en-US" dirty="0"/>
+              <a:t>lexical address hint</a:t>
+            </a:r>
+          </a:p>
+        </p:txBody>
+      </p:sp>
+      <p:sp>
+        <p:nvSpPr>
+          <p:cNvPr id="539651" name="Rectangle 3"/>
+          <p:cNvSpPr>
+            <a:spLocks noGrp="1" noChangeArrowheads="1"/>
+          </p:cNvSpPr>
+          <p:nvPr>
+            <p:ph type="body" idx="1"/>
+          </p:nvPr>
+        </p:nvSpPr>
+        <p:spPr>
+          <a:xfrm>
+            <a:off x="2057400" y="1371600"/>
+            <a:ext cx="7848600" cy="4114800"/>
+          </a:xfrm>
+        </p:spPr>
+        <p:txBody>
+          <a:bodyPr/>
+          <a:lstStyle/>
+          <a:p>
+            <a:pPr>
+              <a:lnSpc>
+                <a:spcPct val="80000"/>
+              </a:lnSpc>
+              <a:spcBef>
+                <a:spcPct val="0"/>
+              </a:spcBef>
+              <a:buFontTx/>
+              <a:buNone/>
+            </a:pPr>
+            <a:r>
+              <a:rPr lang="en-US" b="1" dirty="0">
+                <a:latin typeface="Courier New" pitchFamily="49" charset="0"/>
+              </a:rPr>
+              <a:t>(lexical-address</a:t>
+            </a:r>
+          </a:p>
+          <a:p>
+            <a:pPr>
+              <a:lnSpc>
+                <a:spcPct val="80000"/>
+              </a:lnSpc>
+              <a:spcBef>
+                <a:spcPct val="0"/>
+              </a:spcBef>
+              <a:buFontTx/>
+              <a:buNone/>
+            </a:pPr>
+            <a:r>
+              <a:rPr lang="en-US" b="1" dirty="0">
+                <a:latin typeface="Courier New" pitchFamily="49" charset="0"/>
+              </a:rPr>
+              <a:t> '((lambda (x y)</a:t>
+            </a:r>
+          </a:p>
+          <a:p>
+            <a:pPr>
+              <a:lnSpc>
+                <a:spcPct val="80000"/>
+              </a:lnSpc>
+              <a:spcBef>
+                <a:spcPct val="0"/>
+              </a:spcBef>
+              <a:buFontTx/>
+              <a:buNone/>
+            </a:pPr>
+            <a:r>
+              <a:rPr lang="en-US" b="1" dirty="0">
+                <a:latin typeface="Courier New" pitchFamily="49" charset="0"/>
+              </a:rPr>
+              <a:t>     (((lambda (z)</a:t>
+            </a:r>
+          </a:p>
+          <a:p>
+            <a:pPr>
+              <a:lnSpc>
+                <a:spcPct val="80000"/>
+              </a:lnSpc>
+              <a:spcBef>
+                <a:spcPct val="0"/>
+              </a:spcBef>
+              <a:buFontTx/>
+              <a:buNone/>
+            </a:pPr>
+            <a:r>
+              <a:rPr lang="en-US" b="1" dirty="0">
+                <a:latin typeface="Courier New" pitchFamily="49" charset="0"/>
+              </a:rPr>
+              <a:t>         (lambda (w y)</a:t>
+            </a:r>
+          </a:p>
+          <a:p>
+            <a:pPr>
+              <a:lnSpc>
+                <a:spcPct val="80000"/>
+              </a:lnSpc>
+              <a:spcBef>
+                <a:spcPct val="0"/>
+              </a:spcBef>
+              <a:buFontTx/>
+              <a:buNone/>
+            </a:pPr>
+            <a:r>
+              <a:rPr lang="en-US" b="1" dirty="0">
+                <a:latin typeface="Courier New" pitchFamily="49" charset="0"/>
+              </a:rPr>
+              <a:t>           (+ x z w y)))</a:t>
+            </a:r>
+          </a:p>
+          <a:p>
+            <a:pPr>
+              <a:lnSpc>
+                <a:spcPct val="80000"/>
+              </a:lnSpc>
+              <a:spcBef>
+                <a:spcPct val="0"/>
+              </a:spcBef>
+              <a:buFontTx/>
+              <a:buNone/>
+            </a:pPr>
+            <a:r>
+              <a:rPr lang="en-US" b="1" dirty="0">
+                <a:latin typeface="Courier New" pitchFamily="49" charset="0"/>
+              </a:rPr>
+              <a:t>       (list w x y z))</a:t>
+            </a:r>
+          </a:p>
+          <a:p>
+            <a:pPr>
+              <a:lnSpc>
+                <a:spcPct val="80000"/>
+              </a:lnSpc>
+              <a:spcBef>
+                <a:spcPct val="0"/>
+              </a:spcBef>
+              <a:buFontTx/>
+              <a:buNone/>
+            </a:pPr>
+            <a:r>
+              <a:rPr lang="en-US" b="1" dirty="0">
+                <a:latin typeface="Courier New" pitchFamily="49" charset="0"/>
+              </a:rPr>
+              <a:t>      (+ x y z)))</a:t>
+            </a:r>
+          </a:p>
+          <a:p>
+            <a:pPr>
+              <a:lnSpc>
+                <a:spcPct val="80000"/>
+              </a:lnSpc>
+              <a:spcBef>
+                <a:spcPct val="0"/>
+              </a:spcBef>
+              <a:buFontTx/>
+              <a:buNone/>
+            </a:pPr>
+            <a:r>
+              <a:rPr lang="en-US" b="1" dirty="0">
+                <a:latin typeface="Courier New" pitchFamily="49" charset="0"/>
+              </a:rPr>
+              <a:t>   (y z)))</a:t>
+            </a:r>
+            <a:r>
+              <a:rPr lang="en-US" sz="1800" b="1" dirty="0">
+                <a:latin typeface="Courier New" pitchFamily="49" charset="0"/>
+              </a:rPr>
+              <a:t>          </a:t>
+            </a:r>
+            <a:r>
+              <a:rPr lang="en-US" sz="1800" b="1" dirty="0">
+                <a:solidFill>
+                  <a:schemeClr val="bg2"/>
+                </a:solidFill>
+                <a:latin typeface="Courier New" pitchFamily="49" charset="0"/>
+              </a:rPr>
+              <a:t>         </a:t>
+            </a:r>
+            <a:br>
+              <a:rPr lang="en-US" sz="1800" b="1" dirty="0">
+                <a:solidFill>
+                  <a:srgbClr val="FFFF00"/>
+                </a:solidFill>
+                <a:latin typeface="Courier New" pitchFamily="49" charset="0"/>
+                <a:sym typeface="Wingdings" pitchFamily="2" charset="2"/>
+              </a:rPr>
+            </a:br>
+            <a:endParaRPr lang="en-US" sz="1800" b="1" dirty="0">
+              <a:solidFill>
+                <a:srgbClr val="FFFF00"/>
+              </a:solidFill>
+              <a:latin typeface="Courier New" pitchFamily="49" charset="0"/>
+              <a:sym typeface="Wingdings" pitchFamily="2" charset="2"/>
+            </a:endParaRPr>
+          </a:p>
+          <a:p>
+            <a:pPr>
+              <a:lnSpc>
+                <a:spcPct val="80000"/>
+              </a:lnSpc>
+              <a:spcBef>
+                <a:spcPct val="0"/>
+              </a:spcBef>
+              <a:buFontTx/>
+              <a:buNone/>
+            </a:pPr>
+            <a:endParaRPr lang="en-US" sz="1800" b="1" dirty="0">
+              <a:solidFill>
+                <a:srgbClr val="FFFF00"/>
+              </a:solidFill>
+              <a:latin typeface="Courier New" pitchFamily="49" charset="0"/>
+              <a:sym typeface="Wingdings" pitchFamily="2" charset="2"/>
+            </a:endParaRPr>
+          </a:p>
+          <a:p>
+            <a:pPr>
+              <a:lnSpc>
+                <a:spcPct val="80000"/>
+              </a:lnSpc>
+              <a:spcBef>
+                <a:spcPct val="0"/>
+              </a:spcBef>
+              <a:buFontTx/>
+              <a:buNone/>
+            </a:pPr>
+            <a:r>
+              <a:rPr lang="en-US" b="1" dirty="0"/>
+              <a:t>   </a:t>
+            </a:r>
+            <a:r>
+              <a:rPr lang="en-US" sz="4400" b="1" dirty="0">
+                <a:solidFill>
+                  <a:srgbClr val="00FF00"/>
+                </a:solidFill>
+              </a:rPr>
+              <a:t>Recursive helper should take an additional argument, a “lexical environment”</a:t>
+            </a:r>
+            <a:endParaRPr lang="en-US" sz="2800" b="1" dirty="0">
+              <a:solidFill>
+                <a:srgbClr val="00FF00"/>
+              </a:solidFill>
+            </a:endParaRPr>
+          </a:p>
+          <a:p>
+            <a:pPr>
+              <a:lnSpc>
+                <a:spcPct val="80000"/>
+              </a:lnSpc>
+              <a:buFontTx/>
+              <a:buNone/>
+            </a:pPr>
+            <a:endParaRPr lang="en-US" sz="1500" b="1" dirty="0">
+              <a:latin typeface="Courier New" pitchFamily="49" charset="0"/>
+            </a:endParaRPr>
+          </a:p>
+        </p:txBody>
+      </p:sp>
+    </p:spTree>
+    <p:extLst>
+      <p:ext uri="{BB962C8B-B14F-4D97-AF65-F5344CB8AC3E}">
+        <p14:creationId xmlns:p14="http://schemas.microsoft.com/office/powerpoint/2010/main" val="3647339432"/>
+      </p:ext>
+    </p:extLst>
+  </p:cSld>
+  <p:clrMapOvr>
+    <a:masterClrMapping/>
+  </p:clrMapOvr>
+</p:sld>
+</file>
+
+<file path=ppt/slides/slide30.xml><?xml version="1.0" encoding="utf-8"?>
 <p:sld xmlns:a="http://schemas.openxmlformats.org/drawingml/2006/main" xmlns:r="http://schemas.openxmlformats.org/officeDocument/2006/relationships" xmlns:p="http://schemas.openxmlformats.org/presentationml/2006/main" showMasterPhAnim="0">
   <p:cSld>
     <p:spTree>
@@ -18243,157 +19080,7 @@
 </p:sld>
 </file>
 
-<file path=ppt/slides/slide3.xml><?xml version="1.0" encoding="utf-8"?>
-<p:sld xmlns:a="http://schemas.openxmlformats.org/drawingml/2006/main" xmlns:r="http://schemas.openxmlformats.org/officeDocument/2006/relationships" xmlns:p="http://schemas.openxmlformats.org/presentationml/2006/main">
-  <p:cSld>
-    <p:spTree>
-      <p:nvGrpSpPr>
-        <p:cNvPr id="1" name=""/>
-        <p:cNvGrpSpPr/>
-        <p:nvPr/>
-      </p:nvGrpSpPr>
-      <p:grpSpPr>
-        <a:xfrm>
-          <a:off x="0" y="0"/>
-          <a:ext cx="0" cy="0"/>
-          <a:chOff x="0" y="0"/>
-          <a:chExt cx="0" cy="0"/>
-        </a:xfrm>
-      </p:grpSpPr>
-      <p:sp>
-        <p:nvSpPr>
-          <p:cNvPr id="4" name="Title 3"/>
-          <p:cNvSpPr>
-            <a:spLocks noGrp="1"/>
-          </p:cNvSpPr>
-          <p:nvPr>
-            <p:ph type="title"/>
-          </p:nvPr>
-        </p:nvSpPr>
-        <p:spPr>
-          <a:xfrm>
-            <a:off x="2246313" y="4886326"/>
-            <a:ext cx="7772400" cy="1362075"/>
-          </a:xfrm>
-        </p:spPr>
-        <p:txBody>
-          <a:bodyPr/>
-          <a:lstStyle/>
-          <a:p>
-            <a:r>
-              <a:rPr lang="en-US" sz="7200" dirty="0"/>
-              <a:t>Datatypes</a:t>
-            </a:r>
-          </a:p>
-        </p:txBody>
-      </p:sp>
-      <p:sp>
-        <p:nvSpPr>
-          <p:cNvPr id="5" name="Text Placeholder 4"/>
-          <p:cNvSpPr>
-            <a:spLocks noGrp="1"/>
-          </p:cNvSpPr>
-          <p:nvPr>
-            <p:ph type="body" idx="1"/>
-          </p:nvPr>
-        </p:nvSpPr>
-        <p:spPr>
-          <a:xfrm>
-            <a:off x="2667000" y="1622840"/>
-            <a:ext cx="7772400" cy="3025361"/>
-          </a:xfrm>
-          <a:noFill/>
-          <a:ln w="9525">
-            <a:noFill/>
-            <a:miter lim="800000"/>
-            <a:headEnd/>
-            <a:tailEnd/>
-          </a:ln>
-          <a:effectLst/>
-        </p:spPr>
-        <p:txBody>
-          <a:bodyPr vert="horz" wrap="square" lIns="91440" tIns="45720" rIns="91440" bIns="45720" numCol="1" anchor="b" anchorCtr="0" compatLnSpc="1">
-            <a:prstTxWarp prst="textNoShape">
-              <a:avLst/>
-            </a:prstTxWarp>
-          </a:bodyPr>
-          <a:lstStyle/>
-          <a:p>
-            <a:r>
-              <a:rPr lang="en-US" sz="2800" dirty="0"/>
-              <a:t>Definition</a:t>
-            </a:r>
-          </a:p>
-          <a:p>
-            <a:r>
-              <a:rPr lang="en-US" sz="2800" dirty="0"/>
-              <a:t>Basic and derived operations</a:t>
-            </a:r>
-          </a:p>
-          <a:p>
-            <a:r>
-              <a:rPr lang="en-US" sz="2800" dirty="0"/>
-              <a:t>Example: Non-negative integers</a:t>
-            </a:r>
-          </a:p>
-          <a:p>
-            <a:r>
-              <a:rPr lang="en-US" sz="2800" dirty="0"/>
-              <a:t>Implementation strategies</a:t>
-            </a:r>
-          </a:p>
-          <a:p>
-            <a:r>
-              <a:rPr lang="en-US" sz="2800" dirty="0"/>
-              <a:t>Standard Datatypes – arrays and records</a:t>
-            </a:r>
-          </a:p>
-          <a:p>
-            <a:r>
-              <a:rPr lang="en-US" sz="2800" dirty="0"/>
-              <a:t>Variant records</a:t>
-            </a:r>
-          </a:p>
-          <a:p>
-            <a:r>
-              <a:rPr lang="en-US" sz="2800" dirty="0" err="1"/>
-              <a:t>EoPL's</a:t>
-            </a:r>
-            <a:r>
-              <a:rPr lang="en-US" sz="2800" dirty="0"/>
-              <a:t> Scheme </a:t>
-            </a:r>
-            <a:r>
-              <a:rPr lang="en-US" sz="2800" dirty="0">
-                <a:latin typeface="Courier New" panose="02070309020205020404" pitchFamily="49" charset="0"/>
-                <a:cs typeface="Courier New" panose="02070309020205020404" pitchFamily="49" charset="0"/>
-              </a:rPr>
-              <a:t>define-datatype</a:t>
-            </a:r>
-          </a:p>
-          <a:p>
-            <a:r>
-              <a:rPr lang="en-US" sz="2800" dirty="0"/>
-              <a:t>Parsing lambda-calculus expressions</a:t>
-            </a:r>
-            <a:endParaRPr lang="en-US" dirty="0"/>
-          </a:p>
-        </p:txBody>
-      </p:sp>
-    </p:spTree>
-    <p:extLst>
-      <p:ext uri="{BB962C8B-B14F-4D97-AF65-F5344CB8AC3E}">
-        <p14:creationId xmlns:p14="http://schemas.microsoft.com/office/powerpoint/2010/main" val="1025343925"/>
-      </p:ext>
-    </p:extLst>
-  </p:cSld>
-  <p:clrMapOvr>
-    <a:masterClrMapping/>
-  </p:clrMapOvr>
-</p:sld>
-</file>
-
-<file path=ppt/slides/slide30.xml><?xml version="1.0" encoding="utf-8"?>
+<file path=ppt/slides/slide31.xml><?xml version="1.0" encoding="utf-8"?>
 <p:sld xmlns:a="http://schemas.openxmlformats.org/drawingml/2006/main" xmlns:r="http://schemas.openxmlformats.org/officeDocument/2006/relationships" xmlns:p="http://schemas.openxmlformats.org/presentationml/2006/main">
   <p:cSld>
     <p:spTree>
@@ -18500,7 +19187,7 @@
 </p:sld>
 </file>
 
-<file path=ppt/slides/slide31.xml><?xml version="1.0" encoding="utf-8"?>
+<file path=ppt/slides/slide32.xml><?xml version="1.0" encoding="utf-8"?>
 <p:sld xmlns:a="http://schemas.openxmlformats.org/drawingml/2006/main" xmlns:r="http://schemas.openxmlformats.org/officeDocument/2006/relationships" xmlns:p="http://schemas.openxmlformats.org/presentationml/2006/main">
   <p:cSld>
     <p:spTree>
@@ -19115,7 +19802,7 @@
 </p:sld>
 </file>
 
-<file path=ppt/slides/slide32.xml><?xml version="1.0" encoding="utf-8"?>
+<file path=ppt/slides/slide33.xml><?xml version="1.0" encoding="utf-8"?>
 <p:sld xmlns:a="http://schemas.openxmlformats.org/drawingml/2006/main" xmlns:r="http://schemas.openxmlformats.org/officeDocument/2006/relationships" xmlns:p="http://schemas.openxmlformats.org/presentationml/2006/main">
   <p:cSld>
     <p:spTree>
@@ -19633,7 +20320,7 @@
 </p:sld>
 </file>
 
-<file path=ppt/slides/slide33.xml><?xml version="1.0" encoding="utf-8"?>
+<file path=ppt/slides/slide34.xml><?xml version="1.0" encoding="utf-8"?>
 <p:sld xmlns:a="http://schemas.openxmlformats.org/drawingml/2006/main" xmlns:r="http://schemas.openxmlformats.org/officeDocument/2006/relationships" xmlns:p="http://schemas.openxmlformats.org/presentationml/2006/main">
   <p:cSld>
     <p:spTree>
@@ -21377,7 +22064,7 @@
 </p:sld>
 </file>
 
-<file path=ppt/slides/slide34.xml><?xml version="1.0" encoding="utf-8"?>
+<file path=ppt/slides/slide35.xml><?xml version="1.0" encoding="utf-8"?>
 <p:sld xmlns:a="http://schemas.openxmlformats.org/drawingml/2006/main" xmlns:r="http://schemas.openxmlformats.org/officeDocument/2006/relationships" xmlns:p="http://schemas.openxmlformats.org/presentationml/2006/main">
   <p:cSld>
     <p:spTree>
@@ -22014,7 +22701,7 @@
 </p:sld>
 </file>
 
-<file path=ppt/slides/slide35.xml><?xml version="1.0" encoding="utf-8"?>
+<file path=ppt/slides/slide36.xml><?xml version="1.0" encoding="utf-8"?>
 <p:sld xmlns:a="http://schemas.openxmlformats.org/drawingml/2006/main" xmlns:r="http://schemas.openxmlformats.org/officeDocument/2006/relationships" xmlns:p="http://schemas.openxmlformats.org/presentationml/2006/main">
   <p:cSld>
     <p:spTree>
@@ -22456,7 +23143,7 @@
 </p:sld>
 </file>
 
-<file path=ppt/slides/slide36.xml><?xml version="1.0" encoding="utf-8"?>
+<file path=ppt/slides/slide37.xml><?xml version="1.0" encoding="utf-8"?>
 <p:sld xmlns:a="http://schemas.openxmlformats.org/drawingml/2006/main" xmlns:r="http://schemas.openxmlformats.org/officeDocument/2006/relationships" xmlns:p="http://schemas.openxmlformats.org/presentationml/2006/main">
   <p:cSld>
     <p:spTree>
@@ -23112,7 +23799,7 @@
 </p:sld>
 </file>
 
-<file path=ppt/slides/slide37.xml><?xml version="1.0" encoding="utf-8"?>
+<file path=ppt/slides/slide38.xml><?xml version="1.0" encoding="utf-8"?>
 <p:sld xmlns:a="http://schemas.openxmlformats.org/drawingml/2006/main" xmlns:r="http://schemas.openxmlformats.org/officeDocument/2006/relationships" xmlns:p="http://schemas.openxmlformats.org/presentationml/2006/main">
   <p:cSld>
     <p:spTree>
@@ -23282,7 +23969,7 @@
 </p:sld>
 </file>
 
-<file path=ppt/slides/slide38.xml><?xml version="1.0" encoding="utf-8"?>
+<file path=ppt/slides/slide39.xml><?xml version="1.0" encoding="utf-8"?>
 <p:sld xmlns:a="http://schemas.openxmlformats.org/drawingml/2006/main" xmlns:r="http://schemas.openxmlformats.org/officeDocument/2006/relationships" xmlns:p="http://schemas.openxmlformats.org/presentationml/2006/main">
   <p:cSld>
     <p:spTree>
@@ -23693,7 +24380,157 @@
 </p:sld>
 </file>
 
-<file path=ppt/slides/slide39.xml><?xml version="1.0" encoding="utf-8"?>
+<file path=ppt/slides/slide4.xml><?xml version="1.0" encoding="utf-8"?>
+<p:sld xmlns:a="http://schemas.openxmlformats.org/drawingml/2006/main" xmlns:r="http://schemas.openxmlformats.org/officeDocument/2006/relationships" xmlns:p="http://schemas.openxmlformats.org/presentationml/2006/main">
+  <p:cSld>
+    <p:spTree>
+      <p:nvGrpSpPr>
+        <p:cNvPr id="1" name=""/>
+        <p:cNvGrpSpPr/>
+        <p:nvPr/>
+      </p:nvGrpSpPr>
+      <p:grpSpPr>
+        <a:xfrm>
+          <a:off x="0" y="0"/>
+          <a:ext cx="0" cy="0"/>
+          <a:chOff x="0" y="0"/>
+          <a:chExt cx="0" cy="0"/>
+        </a:xfrm>
+      </p:grpSpPr>
+      <p:sp>
+        <p:nvSpPr>
+          <p:cNvPr id="4" name="Title 3"/>
+          <p:cNvSpPr>
+            <a:spLocks noGrp="1"/>
+          </p:cNvSpPr>
+          <p:nvPr>
+            <p:ph type="title"/>
+          </p:nvPr>
+        </p:nvSpPr>
+        <p:spPr>
+          <a:xfrm>
+            <a:off x="2246313" y="4886326"/>
+            <a:ext cx="7772400" cy="1362075"/>
+          </a:xfrm>
+        </p:spPr>
+        <p:txBody>
+          <a:bodyPr/>
+          <a:lstStyle/>
+          <a:p>
+            <a:r>
+              <a:rPr lang="en-US" sz="7200" dirty="0"/>
+              <a:t>Datatypes</a:t>
+            </a:r>
+          </a:p>
+        </p:txBody>
+      </p:sp>
+      <p:sp>
+        <p:nvSpPr>
+          <p:cNvPr id="5" name="Text Placeholder 4"/>
+          <p:cNvSpPr>
+            <a:spLocks noGrp="1"/>
+          </p:cNvSpPr>
+          <p:nvPr>
+            <p:ph type="body" idx="1"/>
+          </p:nvPr>
+        </p:nvSpPr>
+        <p:spPr>
+          <a:xfrm>
+            <a:off x="2667000" y="1622840"/>
+            <a:ext cx="7772400" cy="3025361"/>
+          </a:xfrm>
+          <a:noFill/>
+          <a:ln w="9525">
+            <a:noFill/>
+            <a:miter lim="800000"/>
+            <a:headEnd/>
+            <a:tailEnd/>
+          </a:ln>
+          <a:effectLst/>
+        </p:spPr>
+        <p:txBody>
+          <a:bodyPr vert="horz" wrap="square" lIns="91440" tIns="45720" rIns="91440" bIns="45720" numCol="1" anchor="b" anchorCtr="0" compatLnSpc="1">
+            <a:prstTxWarp prst="textNoShape">
+              <a:avLst/>
+            </a:prstTxWarp>
+          </a:bodyPr>
+          <a:lstStyle/>
+          <a:p>
+            <a:r>
+              <a:rPr lang="en-US" sz="2800" dirty="0"/>
+              <a:t>Definition</a:t>
+            </a:r>
+          </a:p>
+          <a:p>
+            <a:r>
+              <a:rPr lang="en-US" sz="2800" dirty="0"/>
+              <a:t>Basic and derived operations</a:t>
+            </a:r>
+          </a:p>
+          <a:p>
+            <a:r>
+              <a:rPr lang="en-US" sz="2800" dirty="0"/>
+              <a:t>Example: Non-negative integers</a:t>
+            </a:r>
+          </a:p>
+          <a:p>
+            <a:r>
+              <a:rPr lang="en-US" sz="2800" dirty="0"/>
+              <a:t>Implementation strategies</a:t>
+            </a:r>
+          </a:p>
+          <a:p>
+            <a:r>
+              <a:rPr lang="en-US" sz="2800" dirty="0"/>
+              <a:t>Standard Datatypes – arrays and records</a:t>
+            </a:r>
+          </a:p>
+          <a:p>
+            <a:r>
+              <a:rPr lang="en-US" sz="2800" dirty="0"/>
+              <a:t>Variant records</a:t>
+            </a:r>
+          </a:p>
+          <a:p>
+            <a:r>
+              <a:rPr lang="en-US" sz="2800" dirty="0" err="1"/>
+              <a:t>EoPL's</a:t>
+            </a:r>
+            <a:r>
+              <a:rPr lang="en-US" sz="2800" dirty="0"/>
+              <a:t> Scheme </a:t>
+            </a:r>
+            <a:r>
+              <a:rPr lang="en-US" sz="2800" dirty="0">
+                <a:latin typeface="Courier New" panose="02070309020205020404" pitchFamily="49" charset="0"/>
+                <a:cs typeface="Courier New" panose="02070309020205020404" pitchFamily="49" charset="0"/>
+              </a:rPr>
+              <a:t>define-datatype</a:t>
+            </a:r>
+          </a:p>
+          <a:p>
+            <a:r>
+              <a:rPr lang="en-US" sz="2800" dirty="0"/>
+              <a:t>Parsing lambda-calculus expressions</a:t>
+            </a:r>
+            <a:endParaRPr lang="en-US" dirty="0"/>
+          </a:p>
+        </p:txBody>
+      </p:sp>
+    </p:spTree>
+    <p:extLst>
+      <p:ext uri="{BB962C8B-B14F-4D97-AF65-F5344CB8AC3E}">
+        <p14:creationId xmlns:p14="http://schemas.microsoft.com/office/powerpoint/2010/main" val="1025343925"/>
+      </p:ext>
+    </p:extLst>
+  </p:cSld>
+  <p:clrMapOvr>
+    <a:masterClrMapping/>
+  </p:clrMapOvr>
+</p:sld>
+</file>
+
+<file path=ppt/slides/slide40.xml><?xml version="1.0" encoding="utf-8"?>
 <p:sld xmlns:a="http://schemas.openxmlformats.org/drawingml/2006/main" xmlns:r="http://schemas.openxmlformats.org/officeDocument/2006/relationships" xmlns:p="http://schemas.openxmlformats.org/presentationml/2006/main">
   <p:cSld>
     <p:spTree>
@@ -23838,218 +24675,7 @@
 </p:sld>
 </file>
 
-<file path=ppt/slides/slide4.xml><?xml version="1.0" encoding="utf-8"?>
-<p:sld xmlns:a="http://schemas.openxmlformats.org/drawingml/2006/main" xmlns:r="http://schemas.openxmlformats.org/officeDocument/2006/relationships" xmlns:p="http://schemas.openxmlformats.org/presentationml/2006/main">
-  <p:cSld>
-    <p:spTree>
-      <p:nvGrpSpPr>
-        <p:cNvPr id="1" name=""/>
-        <p:cNvGrpSpPr/>
-        <p:nvPr/>
-      </p:nvGrpSpPr>
-      <p:grpSpPr>
-        <a:xfrm>
-          <a:off x="0" y="0"/>
-          <a:ext cx="0" cy="0"/>
-          <a:chOff x="0" y="0"/>
-          <a:chExt cx="0" cy="0"/>
-        </a:xfrm>
-      </p:grpSpPr>
-      <p:sp>
-        <p:nvSpPr>
-          <p:cNvPr id="90114" name="Rectangle 2"/>
-          <p:cNvSpPr>
-            <a:spLocks noGrp="1" noChangeArrowheads="1"/>
-          </p:cNvSpPr>
-          <p:nvPr>
-            <p:ph type="title"/>
-          </p:nvPr>
-        </p:nvSpPr>
-        <p:spPr/>
-        <p:txBody>
-          <a:bodyPr/>
-          <a:lstStyle/>
-          <a:p>
-            <a:r>
-              <a:rPr lang="en-US"/>
-              <a:t>data</a:t>
-            </a:r>
-          </a:p>
-        </p:txBody>
-      </p:sp>
-      <p:sp>
-        <p:nvSpPr>
-          <p:cNvPr id="90115" name="Rectangle 3"/>
-          <p:cNvSpPr>
-            <a:spLocks noGrp="1" noChangeArrowheads="1"/>
-          </p:cNvSpPr>
-          <p:nvPr>
-            <p:ph type="body" idx="1"/>
-          </p:nvPr>
-        </p:nvSpPr>
-        <p:spPr/>
-        <p:txBody>
-          <a:bodyPr/>
-          <a:lstStyle/>
-          <a:p>
-            <a:r>
-              <a:rPr lang="en-US" dirty="0"/>
-              <a:t>bits</a:t>
-            </a:r>
-          </a:p>
-          <a:p>
-            <a:r>
-              <a:rPr lang="en-US" dirty="0"/>
-              <a:t>interpretation</a:t>
-            </a:r>
-          </a:p>
-        </p:txBody>
-      </p:sp>
-    </p:spTree>
-    <p:extLst>
-      <p:ext uri="{BB962C8B-B14F-4D97-AF65-F5344CB8AC3E}">
-        <p14:creationId xmlns:p14="http://schemas.microsoft.com/office/powerpoint/2010/main" val="2182728697"/>
-      </p:ext>
-    </p:extLst>
-  </p:cSld>
-  <p:clrMapOvr>
-    <a:masterClrMapping/>
-  </p:clrMapOvr>
-  <p:timing>
-    <p:tnLst>
-      <p:par>
-        <p:cTn id="1" dur="indefinite" restart="never" nodeType="tmRoot">
-          <p:childTnLst>
-            <p:seq concurrent="1" nextAc="seek">
-              <p:cTn id="2" dur="indefinite" nodeType="mainSeq">
-                <p:childTnLst>
-                  <p:par>
-                    <p:cTn id="3" fill="hold">
-                      <p:stCondLst>
-                        <p:cond delay="indefinite"/>
-                      </p:stCondLst>
-                      <p:childTnLst>
-                        <p:par>
-                          <p:cTn id="4" fill="hold">
-                            <p:stCondLst>
-                              <p:cond delay="0"/>
-                            </p:stCondLst>
-                            <p:childTnLst>
-                              <p:par>
-                                <p:cTn id="5" presetID="1" presetClass="entr" presetSubtype="0" fill="hold" grpId="0" nodeType="clickEffect">
-                                  <p:stCondLst>
-                                    <p:cond delay="0"/>
-                                  </p:stCondLst>
-                                  <p:childTnLst>
-                                    <p:set>
-                                      <p:cBhvr>
-                                        <p:cTn id="6" dur="1" fill="hold">
-                                          <p:stCondLst>
-                                            <p:cond delay="0"/>
-                                          </p:stCondLst>
-                                        </p:cTn>
-                                        <p:tgtEl>
-                                          <p:spTgt spid="90115">
-                                            <p:txEl>
-                                              <p:pRg st="0" end="0"/>
-                                            </p:txEl>
-                                          </p:spTgt>
-                                        </p:tgtEl>
-                                        <p:attrNameLst>
-                                          <p:attrName>style.visibility</p:attrName>
-                                        </p:attrNameLst>
-                                      </p:cBhvr>
-                                      <p:to>
-                                        <p:strVal val="visible"/>
-                                      </p:to>
-                                    </p:set>
-                                  </p:childTnLst>
-                                </p:cTn>
-                              </p:par>
-                            </p:childTnLst>
-                          </p:cTn>
-                        </p:par>
-                      </p:childTnLst>
-                    </p:cTn>
-                  </p:par>
-                  <p:par>
-                    <p:cTn id="7" fill="hold">
-                      <p:stCondLst>
-                        <p:cond delay="indefinite"/>
-                      </p:stCondLst>
-                      <p:childTnLst>
-                        <p:par>
-                          <p:cTn id="8" fill="hold">
-                            <p:stCondLst>
-                              <p:cond delay="0"/>
-                            </p:stCondLst>
-                            <p:childTnLst>
-                              <p:par>
-                                <p:cTn id="9" presetID="1" presetClass="entr" presetSubtype="0" fill="hold" grpId="0" nodeType="clickEffect">
-                                  <p:stCondLst>
-                                    <p:cond delay="0"/>
-                                  </p:stCondLst>
-                                  <p:childTnLst>
-                                    <p:set>
-                                      <p:cBhvr>
-                                        <p:cTn id="10" dur="1" fill="hold">
-                                          <p:stCondLst>
-                                            <p:cond delay="0"/>
-                                          </p:stCondLst>
-                                        </p:cTn>
-                                        <p:tgtEl>
-                                          <p:spTgt spid="90115">
-                                            <p:txEl>
-                                              <p:pRg st="1" end="1"/>
-                                            </p:txEl>
-                                          </p:spTgt>
-                                        </p:tgtEl>
-                                        <p:attrNameLst>
-                                          <p:attrName>style.visibility</p:attrName>
-                                        </p:attrNameLst>
-                                      </p:cBhvr>
-                                      <p:to>
-                                        <p:strVal val="visible"/>
-                                      </p:to>
-                                    </p:set>
-                                  </p:childTnLst>
-                                </p:cTn>
-                              </p:par>
-                            </p:childTnLst>
-                          </p:cTn>
-                        </p:par>
-                      </p:childTnLst>
-                    </p:cTn>
-                  </p:par>
-                </p:childTnLst>
-              </p:cTn>
-              <p:prevCondLst>
-                <p:cond evt="onPrev" delay="0">
-                  <p:tgtEl>
-                    <p:sldTgt/>
-                  </p:tgtEl>
-                </p:cond>
-              </p:prevCondLst>
-              <p:nextCondLst>
-                <p:cond evt="onNext" delay="0">
-                  <p:tgtEl>
-                    <p:sldTgt/>
-                  </p:tgtEl>
-                </p:cond>
-              </p:nextCondLst>
-            </p:seq>
-          </p:childTnLst>
-        </p:cTn>
-      </p:par>
-    </p:tnLst>
-    <p:bldLst>
-      <p:bldP spid="90115" grpId="0" build="p"/>
-    </p:bldLst>
-  </p:timing>
-</p:sld>
-</file>
-
-<file path=ppt/slides/slide40.xml><?xml version="1.0" encoding="utf-8"?>
+<file path=ppt/slides/slide41.xml><?xml version="1.0" encoding="utf-8"?>
 <p:sld xmlns:a="http://schemas.openxmlformats.org/drawingml/2006/main" xmlns:r="http://schemas.openxmlformats.org/officeDocument/2006/relationships" xmlns:p="http://schemas.openxmlformats.org/presentationml/2006/main">
   <p:cSld>
     <p:spTree>
@@ -24779,7 +25405,7 @@
 </p:sld>
 </file>
 
-<file path=ppt/slides/slide41.xml><?xml version="1.0" encoding="utf-8"?>
+<file path=ppt/slides/slide42.xml><?xml version="1.0" encoding="utf-8"?>
 <p:sld xmlns:a="http://schemas.openxmlformats.org/drawingml/2006/main" xmlns:r="http://schemas.openxmlformats.org/officeDocument/2006/relationships" xmlns:p="http://schemas.openxmlformats.org/presentationml/2006/main">
   <p:cSld>
     <p:spTree>
@@ -24933,7 +25559,7 @@
 </p:sld>
 </file>
 
-<file path=ppt/slides/slide42.xml><?xml version="1.0" encoding="utf-8"?>
+<file path=ppt/slides/slide43.xml><?xml version="1.0" encoding="utf-8"?>
 <p:sld xmlns:a="http://schemas.openxmlformats.org/drawingml/2006/main" xmlns:r="http://schemas.openxmlformats.org/officeDocument/2006/relationships" xmlns:p="http://schemas.openxmlformats.org/presentationml/2006/main">
   <p:cSld>
     <p:spTree>
@@ -25004,7 +25630,7 @@
 </p:sld>
 </file>
 
-<file path=ppt/slides/slide43.xml><?xml version="1.0" encoding="utf-8"?>
+<file path=ppt/slides/slide44.xml><?xml version="1.0" encoding="utf-8"?>
 <p:sld xmlns:a="http://schemas.openxmlformats.org/drawingml/2006/main" xmlns:r="http://schemas.openxmlformats.org/officeDocument/2006/relationships" xmlns:p="http://schemas.openxmlformats.org/presentationml/2006/main">
   <p:cSld>
     <p:spTree>
@@ -25330,7 +25956,7 @@
 </p:sld>
 </file>
 
-<file path=ppt/slides/slide44.xml><?xml version="1.0" encoding="utf-8"?>
+<file path=ppt/slides/slide45.xml><?xml version="1.0" encoding="utf-8"?>
 <p:sld xmlns:a="http://schemas.openxmlformats.org/drawingml/2006/main" xmlns:r="http://schemas.openxmlformats.org/officeDocument/2006/relationships" xmlns:p="http://schemas.openxmlformats.org/presentationml/2006/main">
   <p:cSld>
     <p:spTree>
@@ -25455,7 +26081,7 @@
 </p:sld>
 </file>
 
-<file path=ppt/slides/slide45.xml><?xml version="1.0" encoding="utf-8"?>
+<file path=ppt/slides/slide46.xml><?xml version="1.0" encoding="utf-8"?>
 <p:sld xmlns:a="http://schemas.openxmlformats.org/drawingml/2006/main" xmlns:r="http://schemas.openxmlformats.org/officeDocument/2006/relationships" xmlns:p="http://schemas.openxmlformats.org/presentationml/2006/main">
   <p:cSld>
     <p:spTree>
@@ -25708,7 +26334,7 @@
 </p:sld>
 </file>
 
-<file path=ppt/slides/slide46.xml><?xml version="1.0" encoding="utf-8"?>
+<file path=ppt/slides/slide47.xml><?xml version="1.0" encoding="utf-8"?>
 <p:sld xmlns:a="http://schemas.openxmlformats.org/drawingml/2006/main" xmlns:r="http://schemas.openxmlformats.org/officeDocument/2006/relationships" xmlns:p="http://schemas.openxmlformats.org/presentationml/2006/main" showMasterPhAnim="0">
   <p:cSld>
     <p:spTree>
@@ -26512,7 +27138,7 @@
 </p:sld>
 </file>
 
-<file path=ppt/slides/slide47.xml><?xml version="1.0" encoding="utf-8"?>
+<file path=ppt/slides/slide48.xml><?xml version="1.0" encoding="utf-8"?>
 <p:sld xmlns:a="http://schemas.openxmlformats.org/drawingml/2006/main" xmlns:r="http://schemas.openxmlformats.org/officeDocument/2006/relationships" xmlns:p="http://schemas.openxmlformats.org/presentationml/2006/main" showMasterPhAnim="0">
   <p:cSld>
     <p:spTree>
@@ -26621,7 +27247,7 @@
 </p:sld>
 </file>
 
-<file path=ppt/slides/slide48.xml><?xml version="1.0" encoding="utf-8"?>
+<file path=ppt/slides/slide49.xml><?xml version="1.0" encoding="utf-8"?>
 <p:sld xmlns:a="http://schemas.openxmlformats.org/drawingml/2006/main" xmlns:r="http://schemas.openxmlformats.org/officeDocument/2006/relationships" xmlns:p="http://schemas.openxmlformats.org/presentationml/2006/main">
   <p:cSld>
     <p:spTree>
@@ -26988,7 +27614,7 @@
 </p:sld>
 </file>
 
-<file path=ppt/slides/slide49.xml><?xml version="1.0" encoding="utf-8"?>
+<file path=ppt/slides/slide5.xml><?xml version="1.0" encoding="utf-8"?>
 <p:sld xmlns:a="http://schemas.openxmlformats.org/drawingml/2006/main" xmlns:r="http://schemas.openxmlformats.org/officeDocument/2006/relationships" xmlns:p="http://schemas.openxmlformats.org/presentationml/2006/main">
   <p:cSld>
     <p:spTree>
@@ -27007,164 +27633,7 @@
       </p:grpSpPr>
       <p:sp>
         <p:nvSpPr>
-          <p:cNvPr id="4" name="Title 3"/>
-          <p:cNvSpPr>
-            <a:spLocks noGrp="1"/>
-          </p:cNvSpPr>
-          <p:nvPr>
-            <p:ph type="title"/>
-          </p:nvPr>
-        </p:nvSpPr>
-        <p:spPr>
-          <a:xfrm>
-            <a:off x="1676400" y="5038725"/>
-            <a:ext cx="8839200" cy="1362075"/>
-          </a:xfrm>
-        </p:spPr>
-        <p:txBody>
-          <a:bodyPr/>
-          <a:lstStyle/>
-          <a:p>
-            <a:r>
-              <a:rPr lang="en-US" dirty="0"/>
-              <a:t> environments  and closures</a:t>
-            </a:r>
-            <a:endParaRPr lang="en-US" dirty="0">
-              <a:solidFill>
-                <a:srgbClr val="00FF00"/>
-              </a:solidFill>
-            </a:endParaRPr>
-          </a:p>
-        </p:txBody>
-      </p:sp>
-      <p:sp>
-        <p:nvSpPr>
-          <p:cNvPr id="5" name="Text Placeholder 4"/>
-          <p:cNvSpPr>
-            <a:spLocks noGrp="1"/>
-          </p:cNvSpPr>
-          <p:nvPr>
-            <p:ph type="body" idx="1"/>
-          </p:nvPr>
-        </p:nvSpPr>
-        <p:spPr>
-          <a:xfrm>
-            <a:off x="685800" y="2514600"/>
-            <a:ext cx="10972800" cy="1817687"/>
-          </a:xfrm>
-        </p:spPr>
-        <p:txBody>
-          <a:bodyPr/>
-          <a:lstStyle/>
-          <a:p>
-            <a:r>
-              <a:rPr lang="en-US" sz="3200" dirty="0">
-                <a:solidFill>
-                  <a:srgbClr val="00FF00"/>
-                </a:solidFill>
-              </a:rPr>
-              <a:t>Some data structures behind Scheme's execution mechanism</a:t>
-            </a:r>
-            <a:br>
-              <a:rPr lang="en-US" sz="2800" dirty="0">
-                <a:solidFill>
-                  <a:srgbClr val="00FF00"/>
-                </a:solidFill>
-              </a:rPr>
-            </a:br>
-            <a:endParaRPr lang="en-US" sz="2800" dirty="0">
-              <a:solidFill>
-                <a:srgbClr val="00FF00"/>
-              </a:solidFill>
-            </a:endParaRPr>
-          </a:p>
-          <a:p>
-            <a:pPr algn="ctr"/>
-            <a:r>
-              <a:rPr lang="en-US" sz="3200" dirty="0"/>
-              <a:t>Many students have found this to be a difficult topic.  </a:t>
-            </a:r>
-            <a:br>
-              <a:rPr lang="en-US" sz="3200" dirty="0"/>
-            </a:br>
-            <a:r>
-              <a:rPr lang="en-US" sz="3200" dirty="0"/>
-              <a:t>We will spend  about 2 class days (17 and 18) on it. </a:t>
-            </a:r>
-          </a:p>
-          <a:p>
-            <a:pPr algn="ctr"/>
-            <a:r>
-              <a:rPr lang="en-US" sz="3200" b="1" dirty="0">
-                <a:solidFill>
-                  <a:srgbClr val="00FF00"/>
-                </a:solidFill>
-              </a:rPr>
-              <a:t>Don't allow yourself to get lost during this discussion! </a:t>
-            </a:r>
-            <a:r>
-              <a:rPr lang="en-US" sz="3200" dirty="0"/>
-              <a:t> </a:t>
-            </a:r>
-            <a:br>
-              <a:rPr lang="en-US" sz="3200" dirty="0"/>
-            </a:br>
-            <a:r>
-              <a:rPr lang="en-US" sz="4000" b="1" dirty="0">
-                <a:solidFill>
-                  <a:srgbClr val="FFFF00"/>
-                </a:solidFill>
-              </a:rPr>
-              <a:t>Ask instead!</a:t>
-            </a:r>
-            <a:br>
-              <a:rPr lang="en-US" sz="3200" b="1" dirty="0">
-                <a:solidFill>
-                  <a:srgbClr val="FFFF00"/>
-                </a:solidFill>
-              </a:rPr>
-            </a:br>
-            <a:endParaRPr lang="en-US" sz="2600" b="1" dirty="0">
-              <a:solidFill>
-                <a:srgbClr val="FFFF00"/>
-              </a:solidFill>
-            </a:endParaRPr>
-          </a:p>
-        </p:txBody>
-      </p:sp>
-    </p:spTree>
-    <p:extLst>
-      <p:ext uri="{BB962C8B-B14F-4D97-AF65-F5344CB8AC3E}">
-        <p14:creationId xmlns:p14="http://schemas.microsoft.com/office/powerpoint/2010/main" val="758303312"/>
-      </p:ext>
-    </p:extLst>
-  </p:cSld>
-  <p:clrMapOvr>
-    <a:masterClrMapping/>
-  </p:clrMapOvr>
-</p:sld>
-</file>
-
-<file path=ppt/slides/slide5.xml><?xml version="1.0" encoding="utf-8"?>
-<p:sld xmlns:a="http://schemas.openxmlformats.org/drawingml/2006/main" xmlns:r="http://schemas.openxmlformats.org/officeDocument/2006/relationships" xmlns:p="http://schemas.openxmlformats.org/presentationml/2006/main" showMasterPhAnim="0">
-  <p:cSld>
-    <p:spTree>
-      <p:nvGrpSpPr>
-        <p:cNvPr id="1" name=""/>
-        <p:cNvGrpSpPr/>
-        <p:nvPr/>
-      </p:nvGrpSpPr>
-      <p:grpSpPr>
-        <a:xfrm>
-          <a:off x="0" y="0"/>
-          <a:ext cx="0" cy="0"/>
-          <a:chOff x="0" y="0"/>
-          <a:chExt cx="0" cy="0"/>
-        </a:xfrm>
-      </p:grpSpPr>
-      <p:sp>
-        <p:nvSpPr>
-          <p:cNvPr id="8194" name="Rectangle 2"/>
+          <p:cNvPr id="90114" name="Rectangle 2"/>
           <p:cNvSpPr>
             <a:spLocks noGrp="1" noChangeArrowheads="1"/>
           </p:cNvSpPr>
@@ -27179,14 +27648,14 @@
           <a:p>
             <a:r>
               <a:rPr lang="en-US"/>
-              <a:t>datatype</a:t>
+              <a:t>data</a:t>
             </a:r>
           </a:p>
         </p:txBody>
       </p:sp>
       <p:sp>
         <p:nvSpPr>
-          <p:cNvPr id="8195" name="Rectangle 3"/>
+          <p:cNvPr id="90115" name="Rectangle 3"/>
           <p:cNvSpPr>
             <a:spLocks noGrp="1" noChangeArrowheads="1"/>
           </p:cNvSpPr>
@@ -27194,94 +27663,28 @@
             <p:ph type="body" idx="1"/>
           </p:nvPr>
         </p:nvSpPr>
-        <p:spPr>
-          <a:xfrm>
-            <a:off x="762000" y="1524000"/>
-            <a:ext cx="10972800" cy="4572000"/>
-          </a:xfrm>
-        </p:spPr>
+        <p:spPr/>
         <p:txBody>
           <a:bodyPr/>
           <a:lstStyle/>
           <a:p>
             <a:r>
               <a:rPr lang="en-US" dirty="0"/>
-              <a:t>What is an (abstract) data type?</a:t>
-            </a:r>
-          </a:p>
-          <a:p>
-            <a:pPr lvl="1"/>
+              <a:t>bits</a:t>
+            </a:r>
+          </a:p>
+          <a:p>
             <a:r>
               <a:rPr lang="en-US" dirty="0"/>
-              <a:t>Interface  (how the user sees it)</a:t>
-            </a:r>
-          </a:p>
-          <a:p>
-            <a:pPr lvl="1"/>
-            <a:r>
-              <a:rPr lang="en-US" dirty="0"/>
-              <a:t>Representation (data structure used)</a:t>
-            </a:r>
-          </a:p>
-          <a:p>
-            <a:pPr lvl="1"/>
-            <a:r>
-              <a:rPr lang="en-US" dirty="0"/>
-              <a:t>Implementation (provide the interface based on the representation)</a:t>
-            </a:r>
-          </a:p>
-          <a:p>
-            <a:r>
-              <a:rPr lang="en-US" dirty="0"/>
-              <a:t>In EoPL notation, </a:t>
-            </a:r>
-            <a:r>
-              <a:rPr lang="en-US" dirty="0">
-                <a:sym typeface="Symbol" pitchFamily="18" charset="2"/>
-              </a:rPr>
-              <a:t>x means “the current representation of x”.</a:t>
-            </a:r>
-          </a:p>
-          <a:p>
-            <a:r>
-              <a:rPr lang="en-US" dirty="0">
-                <a:sym typeface="Symbol" pitchFamily="18" charset="2"/>
-              </a:rPr>
-              <a:t>Example:  non-negative integers.</a:t>
-            </a:r>
-            <a:r>
-              <a:rPr lang="en-US" dirty="0"/>
-              <a:t>         </a:t>
-            </a:r>
-            <a:br>
-              <a:rPr lang="en-US" dirty="0"/>
-            </a:br>
-            <a:r>
-              <a:rPr lang="en-US" dirty="0"/>
-              <a:t>   </a:t>
-            </a:r>
-            <a:r>
-              <a:rPr lang="en-US" dirty="0">
-                <a:sym typeface="Symbol" pitchFamily="18" charset="2"/>
-              </a:rPr>
-              <a:t>n means “the representation of the integer </a:t>
-            </a:r>
-            <a:r>
-              <a:rPr lang="en-US" i="1" dirty="0">
-                <a:sym typeface="Symbol" pitchFamily="18" charset="2"/>
-              </a:rPr>
-              <a:t>n.”</a:t>
-            </a:r>
-            <a:endParaRPr lang="en-US" dirty="0">
-              <a:sym typeface="Symbol" pitchFamily="18" charset="2"/>
-            </a:endParaRPr>
+              <a:t>interpretation</a:t>
+            </a:r>
           </a:p>
         </p:txBody>
       </p:sp>
     </p:spTree>
     <p:extLst>
       <p:ext uri="{BB962C8B-B14F-4D97-AF65-F5344CB8AC3E}">
-        <p14:creationId xmlns:p14="http://schemas.microsoft.com/office/powerpoint/2010/main" val="1424356342"/>
+        <p14:creationId xmlns:p14="http://schemas.microsoft.com/office/powerpoint/2010/main" val="2182728697"/>
       </p:ext>
     </p:extLst>
   </p:cSld>
@@ -27300,9 +27703,6 @@
                     <p:cTn id="3" fill="hold">
                       <p:stCondLst>
                         <p:cond delay="indefinite"/>
-                        <p:cond evt="onBegin" delay="0">
-                          <p:tn val="2"/>
-                        </p:cond>
                       </p:stCondLst>
                       <p:childTnLst>
                         <p:par>
@@ -27312,7 +27712,7 @@
                             </p:stCondLst>
                             <p:childTnLst>
                               <p:par>
-                                <p:cTn id="5" presetID="1" presetClass="entr" presetSubtype="0" fill="hold" grpId="0" nodeType="withEffect">
+                                <p:cTn id="5" presetID="1" presetClass="entr" presetSubtype="0" fill="hold" grpId="0" nodeType="clickEffect">
                                   <p:stCondLst>
                                     <p:cond delay="0"/>
                                   </p:stCondLst>
@@ -27325,7 +27725,7 @@
                                           </p:stCondLst>
                                         </p:cTn>
                                         <p:tgtEl>
-                                          <p:spTgt spid="8195">
+                                          <p:spTgt spid="90115">
                                             <p:txEl>
                                               <p:pRg st="0" end="0"/>
                                             </p:txEl>
@@ -27374,169 +27774,9 @@
                                           </p:stCondLst>
                                         </p:cTn>
                                         <p:tgtEl>
-                                          <p:spTgt spid="8195">
+                                          <p:spTgt spid="90115">
                                             <p:txEl>
                                               <p:pRg st="1" end="1"/>
-                                            </p:txEl>
-                                          </p:spTgt>
-                                        </p:tgtEl>
-                                        <p:attrNameLst>
-                                          <p:attrName>style.visibility</p:attrName>
-                                        </p:attrNameLst>
-                                      </p:cBhvr>
-                                      <p:to>
-                                        <p:strVal val="visible"/>
-                                      </p:to>
-                                    </p:set>
-                                  </p:childTnLst>
-                                </p:cTn>
-                              </p:par>
-                              <p:par>
-                                <p:cTn id="11" presetID="1" presetClass="entr" presetSubtype="0" fill="hold" grpId="0" nodeType="withEffect">
-                                  <p:stCondLst>
-                                    <p:cond delay="0"/>
-                                  </p:stCondLst>
-                                  <p:childTnLst>
-                                    <p:set>
-                                      <p:cBhvr>
-                                        <p:cTn id="12" dur="1" fill="hold">
-                                          <p:stCondLst>
-                                            <p:cond delay="0"/>
-                                          </p:stCondLst>
-                                        </p:cTn>
-                                        <p:tgtEl>
-                                          <p:spTgt spid="8195">
-                                            <p:txEl>
-                                              <p:pRg st="2" end="2"/>
-                                            </p:txEl>
-                                          </p:spTgt>
-                                        </p:tgtEl>
-                                        <p:attrNameLst>
-                                          <p:attrName>style.visibility</p:attrName>
-                                        </p:attrNameLst>
-                                      </p:cBhvr>
-                                      <p:to>
-                                        <p:strVal val="visible"/>
-                                      </p:to>
-                                    </p:set>
-                                  </p:childTnLst>
-                                </p:cTn>
-                              </p:par>
-                              <p:par>
-                                <p:cTn id="13" presetID="1" presetClass="entr" presetSubtype="0" fill="hold" grpId="0" nodeType="withEffect">
-                                  <p:stCondLst>
-                                    <p:cond delay="0"/>
-                                  </p:stCondLst>
-                                  <p:childTnLst>
-                                    <p:set>
-                                      <p:cBhvr>
-                                        <p:cTn id="14" dur="1" fill="hold">
-                                          <p:stCondLst>
-                                            <p:cond delay="0"/>
-                                          </p:stCondLst>
-                                        </p:cTn>
-                                        <p:tgtEl>
-                                          <p:spTgt spid="8195">
-                                            <p:txEl>
-                                              <p:pRg st="3" end="3"/>
-                                            </p:txEl>
-                                          </p:spTgt>
-                                        </p:tgtEl>
-                                        <p:attrNameLst>
-                                          <p:attrName>style.visibility</p:attrName>
-                                        </p:attrNameLst>
-                                      </p:cBhvr>
-                                      <p:to>
-                                        <p:strVal val="visible"/>
-                                      </p:to>
-                                    </p:set>
-                                  </p:childTnLst>
-                                </p:cTn>
-                              </p:par>
-                            </p:childTnLst>
-                          </p:cTn>
-                        </p:par>
-                      </p:childTnLst>
-                    </p:cTn>
-                  </p:par>
-                  <p:par>
-                    <p:cTn id="15" fill="hold">
-                      <p:stCondLst>
-                        <p:cond delay="indefinite"/>
-                      </p:stCondLst>
-                      <p:childTnLst>
-                        <p:par>
-                          <p:cTn id="16" fill="hold">
-                            <p:stCondLst>
-                              <p:cond delay="0"/>
-                            </p:stCondLst>
-                            <p:childTnLst>
-                              <p:par>
-                                <p:cTn id="17" presetID="1" presetClass="entr" presetSubtype="0" fill="hold" grpId="0" nodeType="clickEffect">
-                                  <p:stCondLst>
-                                    <p:cond delay="0"/>
-                                  </p:stCondLst>
-                                  <p:childTnLst>
-                                    <p:set>
-                                      <p:cBhvr>
-                                        <p:cTn id="18" dur="1" fill="hold">
-                                          <p:stCondLst>
-                                            <p:cond delay="0"/>
-                                          </p:stCondLst>
-                                        </p:cTn>
-                                        <p:tgtEl>
-                                          <p:spTgt spid="8195">
-                                            <p:txEl>
-                                              <p:pRg st="4" end="4"/>
-                                            </p:txEl>
-                                          </p:spTgt>
-                                        </p:tgtEl>
-                                        <p:attrNameLst>
-                                          <p:attrName>style.visibility</p:attrName>
-                                        </p:attrNameLst>
-                                      </p:cBhvr>
-                                      <p:to>
-                                        <p:strVal val="visible"/>
-                                      </p:to>
-                                    </p:set>
-                                  </p:childTnLst>
-                                </p:cTn>
-                              </p:par>
-                            </p:childTnLst>
-                          </p:cTn>
-                        </p:par>
-                      </p:childTnLst>
-                    </p:cTn>
-                  </p:par>
-                  <p:par>
-                    <p:cTn id="19" fill="hold">
-                      <p:stCondLst>
-                        <p:cond delay="indefinite"/>
-                      </p:stCondLst>
-                      <p:childTnLst>
-                        <p:par>
-                          <p:cTn id="20" fill="hold">
-                            <p:stCondLst>
-                              <p:cond delay="0"/>
-                            </p:stCondLst>
-                            <p:childTnLst>
-                              <p:par>
-                                <p:cTn id="21" presetID="1" presetClass="entr" presetSubtype="0" fill="hold" grpId="0" nodeType="clickEffect">
-                                  <p:stCondLst>
-                                    <p:cond delay="0"/>
-                                  </p:stCondLst>
-                                  <p:childTnLst>
-                                    <p:set>
-                                      <p:cBhvr>
-                                        <p:cTn id="22" dur="1" fill="hold">
-                                          <p:stCondLst>
-                                            <p:cond delay="0"/>
-                                          </p:stCondLst>
-                                        </p:cTn>
-                                        <p:tgtEl>
-                                          <p:spTgt spid="8195">
-                                            <p:txEl>
-                                              <p:pRg st="5" end="5"/>
                                             </p:txEl>
                                           </p:spTgt>
                                         </p:tgtEl>
@@ -27579,13 +27819,170 @@
       </p:par>
     </p:tnLst>
     <p:bldLst>
-      <p:bldP spid="8195" grpId="0" build="p"/>
+      <p:bldP spid="90115" grpId="0" build="p"/>
     </p:bldLst>
   </p:timing>
 </p:sld>
 </file>
 
 <file path=ppt/slides/slide50.xml><?xml version="1.0" encoding="utf-8"?>
+<p:sld xmlns:a="http://schemas.openxmlformats.org/drawingml/2006/main" xmlns:r="http://schemas.openxmlformats.org/officeDocument/2006/relationships" xmlns:p="http://schemas.openxmlformats.org/presentationml/2006/main">
+  <p:cSld>
+    <p:spTree>
+      <p:nvGrpSpPr>
+        <p:cNvPr id="1" name=""/>
+        <p:cNvGrpSpPr/>
+        <p:nvPr/>
+      </p:nvGrpSpPr>
+      <p:grpSpPr>
+        <a:xfrm>
+          <a:off x="0" y="0"/>
+          <a:ext cx="0" cy="0"/>
+          <a:chOff x="0" y="0"/>
+          <a:chExt cx="0" cy="0"/>
+        </a:xfrm>
+      </p:grpSpPr>
+      <p:sp>
+        <p:nvSpPr>
+          <p:cNvPr id="4" name="Title 3"/>
+          <p:cNvSpPr>
+            <a:spLocks noGrp="1"/>
+          </p:cNvSpPr>
+          <p:nvPr>
+            <p:ph type="title"/>
+          </p:nvPr>
+        </p:nvSpPr>
+        <p:spPr>
+          <a:xfrm>
+            <a:off x="1676400" y="5038725"/>
+            <a:ext cx="8839200" cy="1362075"/>
+          </a:xfrm>
+        </p:spPr>
+        <p:txBody>
+          <a:bodyPr/>
+          <a:lstStyle/>
+          <a:p>
+            <a:r>
+              <a:rPr lang="en-US" dirty="0"/>
+              <a:t> environments  and closures</a:t>
+            </a:r>
+            <a:endParaRPr lang="en-US" dirty="0">
+              <a:solidFill>
+                <a:srgbClr val="00FF00"/>
+              </a:solidFill>
+            </a:endParaRPr>
+          </a:p>
+        </p:txBody>
+      </p:sp>
+      <p:sp>
+        <p:nvSpPr>
+          <p:cNvPr id="5" name="Text Placeholder 4"/>
+          <p:cNvSpPr>
+            <a:spLocks noGrp="1"/>
+          </p:cNvSpPr>
+          <p:nvPr>
+            <p:ph type="body" idx="1"/>
+          </p:nvPr>
+        </p:nvSpPr>
+        <p:spPr>
+          <a:xfrm>
+            <a:off x="685800" y="2514600"/>
+            <a:ext cx="10972800" cy="1817687"/>
+          </a:xfrm>
+        </p:spPr>
+        <p:txBody>
+          <a:bodyPr/>
+          <a:lstStyle/>
+          <a:p>
+            <a:r>
+              <a:rPr lang="en-US" sz="3200" dirty="0">
+                <a:solidFill>
+                  <a:srgbClr val="00FF00"/>
+                </a:solidFill>
+              </a:rPr>
+              <a:t>Some data structures behind Scheme's execution mechanism</a:t>
+            </a:r>
+            <a:br>
+              <a:rPr lang="en-US" sz="2800" dirty="0">
+                <a:solidFill>
+                  <a:srgbClr val="00FF00"/>
+                </a:solidFill>
+              </a:rPr>
+            </a:br>
+            <a:endParaRPr lang="en-US" sz="2800" dirty="0">
+              <a:solidFill>
+                <a:srgbClr val="00FF00"/>
+              </a:solidFill>
+            </a:endParaRPr>
+          </a:p>
+          <a:p>
+            <a:pPr algn="ctr"/>
+            <a:r>
+              <a:rPr lang="en-US" sz="3200" dirty="0"/>
+              <a:t>Many students have found this to be a difficult topic.  </a:t>
+            </a:r>
+            <a:br>
+              <a:rPr lang="en-US" sz="3200" dirty="0"/>
+            </a:br>
+            <a:r>
+              <a:rPr lang="en-US" sz="3200" dirty="0"/>
+              <a:t>We will spend  about 2 class days (17 and 18) on it. </a:t>
+            </a:r>
+          </a:p>
+          <a:p>
+            <a:pPr algn="ctr"/>
+            <a:r>
+              <a:rPr lang="en-US" sz="3200" b="1" dirty="0">
+                <a:solidFill>
+                  <a:srgbClr val="00FF00"/>
+                </a:solidFill>
+              </a:rPr>
+              <a:t>Don't allow yourself to get lost during this discussion! </a:t>
+            </a:r>
+            <a:r>
+              <a:rPr lang="en-US" sz="3200" dirty="0"/>
+              <a:t> </a:t>
+            </a:r>
+            <a:br>
+              <a:rPr lang="en-US" sz="3200" dirty="0"/>
+            </a:br>
+            <a:r>
+              <a:rPr lang="en-US" sz="4000" b="1" dirty="0">
+                <a:solidFill>
+                  <a:srgbClr val="FFFF00"/>
+                </a:solidFill>
+              </a:rPr>
+              <a:t>Ask instead!</a:t>
+            </a:r>
+            <a:br>
+              <a:rPr lang="en-US" sz="3200" b="1" dirty="0">
+                <a:solidFill>
+                  <a:srgbClr val="FFFF00"/>
+                </a:solidFill>
+              </a:rPr>
+            </a:br>
+            <a:endParaRPr lang="en-US" sz="2600" b="1" dirty="0">
+              <a:solidFill>
+                <a:srgbClr val="FFFF00"/>
+              </a:solidFill>
+            </a:endParaRPr>
+          </a:p>
+        </p:txBody>
+      </p:sp>
+    </p:spTree>
+    <p:extLst>
+      <p:ext uri="{BB962C8B-B14F-4D97-AF65-F5344CB8AC3E}">
+        <p14:creationId xmlns:p14="http://schemas.microsoft.com/office/powerpoint/2010/main" val="758303312"/>
+      </p:ext>
+    </p:extLst>
+  </p:cSld>
+  <p:clrMapOvr>
+    <a:masterClrMapping/>
+  </p:clrMapOvr>
+</p:sld>
+</file>
+
+<file path=ppt/slides/slide51.xml><?xml version="1.0" encoding="utf-8"?>
 <p:sld xmlns:a="http://schemas.openxmlformats.org/drawingml/2006/main" xmlns:r="http://schemas.openxmlformats.org/officeDocument/2006/relationships" xmlns:p="http://schemas.openxmlformats.org/presentationml/2006/main" showMasterPhAnim="0">
   <p:cSld>
     <p:spTree>
@@ -28061,7 +28458,7 @@
 </p:sld>
 </file>
 
-<file path=ppt/slides/slide51.xml><?xml version="1.0" encoding="utf-8"?>
+<file path=ppt/slides/slide52.xml><?xml version="1.0" encoding="utf-8"?>
 <p:sld xmlns:a="http://schemas.openxmlformats.org/drawingml/2006/main" xmlns:r="http://schemas.openxmlformats.org/officeDocument/2006/relationships" xmlns:p="http://schemas.openxmlformats.org/presentationml/2006/main" showMasterPhAnim="0">
   <p:cSld>
     <p:spTree>
@@ -28747,7 +29144,7 @@
 </p:sld>
 </file>
 
-<file path=ppt/slides/slide52.xml><?xml version="1.0" encoding="utf-8"?>
+<file path=ppt/slides/slide53.xml><?xml version="1.0" encoding="utf-8"?>
 <p:sld xmlns:a="http://schemas.openxmlformats.org/drawingml/2006/main" xmlns:r="http://schemas.openxmlformats.org/officeDocument/2006/relationships" xmlns:p="http://schemas.openxmlformats.org/presentationml/2006/main" showMasterPhAnim="0">
   <p:cSld>
     <p:spTree>
@@ -29275,7 +29672,7 @@
 </p:sld>
 </file>
 
-<file path=ppt/slides/slide53.xml><?xml version="1.0" encoding="utf-8"?>
+<file path=ppt/slides/slide54.xml><?xml version="1.0" encoding="utf-8"?>
 <p:sld xmlns:a="http://schemas.openxmlformats.org/drawingml/2006/main" xmlns:r="http://schemas.openxmlformats.org/officeDocument/2006/relationships" xmlns:p="http://schemas.openxmlformats.org/presentationml/2006/main">
   <p:cSld>
     <p:spTree>
@@ -29481,7 +29878,7 @@
 </p:sld>
 </file>
 
-<file path=ppt/slides/slide54.xml><?xml version="1.0" encoding="utf-8"?>
+<file path=ppt/slides/slide55.xml><?xml version="1.0" encoding="utf-8"?>
 <p:sld xmlns:a="http://schemas.openxmlformats.org/drawingml/2006/main" xmlns:r="http://schemas.openxmlformats.org/officeDocument/2006/relationships" xmlns:p="http://schemas.openxmlformats.org/presentationml/2006/main" showMasterPhAnim="0">
   <p:cSld>
     <p:spTree>
@@ -30699,7 +31096,7 @@
 </p:sld>
 </file>
 
-<file path=ppt/slides/slide55.xml><?xml version="1.0" encoding="utf-8"?>
+<file path=ppt/slides/slide56.xml><?xml version="1.0" encoding="utf-8"?>
 <p:sld xmlns:a="http://schemas.openxmlformats.org/drawingml/2006/main" xmlns:r="http://schemas.openxmlformats.org/officeDocument/2006/relationships" xmlns:p="http://schemas.openxmlformats.org/presentationml/2006/main">
   <p:cSld>
     <p:spTree>
@@ -30815,7 +31212,7 @@
 </p:sld>
 </file>
 
-<file path=ppt/slides/slide56.xml><?xml version="1.0" encoding="utf-8"?>
+<file path=ppt/slides/slide57.xml><?xml version="1.0" encoding="utf-8"?>
 <p:sld xmlns:a="http://schemas.openxmlformats.org/drawingml/2006/main" xmlns:r="http://schemas.openxmlformats.org/officeDocument/2006/relationships" xmlns:p="http://schemas.openxmlformats.org/presentationml/2006/main">
   <p:cSld>
     <p:spTree>
@@ -31065,7 +31462,7 @@
 </p:sld>
 </file>
 
-<file path=ppt/slides/slide57.xml><?xml version="1.0" encoding="utf-8"?>
+<file path=ppt/slides/slide58.xml><?xml version="1.0" encoding="utf-8"?>
 <p:sld xmlns:a="http://schemas.openxmlformats.org/drawingml/2006/main" xmlns:r="http://schemas.openxmlformats.org/officeDocument/2006/relationships" xmlns:p="http://schemas.openxmlformats.org/presentationml/2006/main" showMasterPhAnim="0">
   <p:cSld>
     <p:spTree>
@@ -32520,7 +32917,7 @@
 </p:sld>
 </file>
 
-<file path=ppt/slides/slide58.xml><?xml version="1.0" encoding="utf-8"?>
+<file path=ppt/slides/slide59.xml><?xml version="1.0" encoding="utf-8"?>
 <p:sld xmlns:a="http://schemas.openxmlformats.org/drawingml/2006/main" xmlns:r="http://schemas.openxmlformats.org/officeDocument/2006/relationships" xmlns:p="http://schemas.openxmlformats.org/presentationml/2006/main" showMasterPhAnim="0">
   <p:cSld>
     <p:spTree>
@@ -33298,7 +33695,447 @@
 </p:sld>
 </file>
 
-<file path=ppt/slides/slide59.xml><?xml version="1.0" encoding="utf-8"?>
+<file path=ppt/slides/slide6.xml><?xml version="1.0" encoding="utf-8"?>
+<p:sld xmlns:a="http://schemas.openxmlformats.org/drawingml/2006/main" xmlns:r="http://schemas.openxmlformats.org/officeDocument/2006/relationships" xmlns:p="http://schemas.openxmlformats.org/presentationml/2006/main" showMasterPhAnim="0">
+  <p:cSld>
+    <p:spTree>
+      <p:nvGrpSpPr>
+        <p:cNvPr id="1" name=""/>
+        <p:cNvGrpSpPr/>
+        <p:nvPr/>
+      </p:nvGrpSpPr>
+      <p:grpSpPr>
+        <a:xfrm>
+          <a:off x="0" y="0"/>
+          <a:ext cx="0" cy="0"/>
+          <a:chOff x="0" y="0"/>
+          <a:chExt cx="0" cy="0"/>
+        </a:xfrm>
+      </p:grpSpPr>
+      <p:sp>
+        <p:nvSpPr>
+          <p:cNvPr id="8194" name="Rectangle 2"/>
+          <p:cNvSpPr>
+            <a:spLocks noGrp="1" noChangeArrowheads="1"/>
+          </p:cNvSpPr>
+          <p:nvPr>
+            <p:ph type="title"/>
+          </p:nvPr>
+        </p:nvSpPr>
+        <p:spPr/>
+        <p:txBody>
+          <a:bodyPr/>
+          <a:lstStyle/>
+          <a:p>
+            <a:r>
+              <a:rPr lang="en-US"/>
+              <a:t>datatype</a:t>
+            </a:r>
+          </a:p>
+        </p:txBody>
+      </p:sp>
+      <p:sp>
+        <p:nvSpPr>
+          <p:cNvPr id="8195" name="Rectangle 3"/>
+          <p:cNvSpPr>
+            <a:spLocks noGrp="1" noChangeArrowheads="1"/>
+          </p:cNvSpPr>
+          <p:nvPr>
+            <p:ph type="body" idx="1"/>
+          </p:nvPr>
+        </p:nvSpPr>
+        <p:spPr>
+          <a:xfrm>
+            <a:off x="762000" y="1524000"/>
+            <a:ext cx="10972800" cy="4572000"/>
+          </a:xfrm>
+        </p:spPr>
+        <p:txBody>
+          <a:bodyPr/>
+          <a:lstStyle/>
+          <a:p>
+            <a:r>
+              <a:rPr lang="en-US" dirty="0"/>
+              <a:t>What is an (abstract) data type?</a:t>
+            </a:r>
+          </a:p>
+          <a:p>
+            <a:pPr lvl="1"/>
+            <a:r>
+              <a:rPr lang="en-US" dirty="0"/>
+              <a:t>Interface  (how the user sees it)</a:t>
+            </a:r>
+          </a:p>
+          <a:p>
+            <a:pPr lvl="1"/>
+            <a:r>
+              <a:rPr lang="en-US" dirty="0"/>
+              <a:t>Representation (data structure used)</a:t>
+            </a:r>
+          </a:p>
+          <a:p>
+            <a:pPr lvl="1"/>
+            <a:r>
+              <a:rPr lang="en-US" dirty="0"/>
+              <a:t>Implementation (provide the interface based on the representation)</a:t>
+            </a:r>
+          </a:p>
+          <a:p>
+            <a:r>
+              <a:rPr lang="en-US" dirty="0"/>
+              <a:t>In EoPL notation, </a:t>
+            </a:r>
+            <a:r>
+              <a:rPr lang="en-US" dirty="0">
+                <a:sym typeface="Symbol" pitchFamily="18" charset="2"/>
+              </a:rPr>
+              <a:t>x means “the current representation of x”.</a:t>
+            </a:r>
+          </a:p>
+          <a:p>
+            <a:r>
+              <a:rPr lang="en-US" dirty="0">
+                <a:sym typeface="Symbol" pitchFamily="18" charset="2"/>
+              </a:rPr>
+              <a:t>Example:  non-negative integers.</a:t>
+            </a:r>
+            <a:r>
+              <a:rPr lang="en-US" dirty="0"/>
+              <a:t>         </a:t>
+            </a:r>
+            <a:br>
+              <a:rPr lang="en-US" dirty="0"/>
+            </a:br>
+            <a:r>
+              <a:rPr lang="en-US" dirty="0"/>
+              <a:t>   </a:t>
+            </a:r>
+            <a:r>
+              <a:rPr lang="en-US" dirty="0">
+                <a:sym typeface="Symbol" pitchFamily="18" charset="2"/>
+              </a:rPr>
+              <a:t>n means “the representation of the integer </a:t>
+            </a:r>
+            <a:r>
+              <a:rPr lang="en-US" i="1" dirty="0">
+                <a:sym typeface="Symbol" pitchFamily="18" charset="2"/>
+              </a:rPr>
+              <a:t>n.”</a:t>
+            </a:r>
+            <a:endParaRPr lang="en-US" dirty="0">
+              <a:sym typeface="Symbol" pitchFamily="18" charset="2"/>
+            </a:endParaRPr>
+          </a:p>
+        </p:txBody>
+      </p:sp>
+    </p:spTree>
+    <p:extLst>
+      <p:ext uri="{BB962C8B-B14F-4D97-AF65-F5344CB8AC3E}">
+        <p14:creationId xmlns:p14="http://schemas.microsoft.com/office/powerpoint/2010/main" val="1424356342"/>
+      </p:ext>
+    </p:extLst>
+  </p:cSld>
+  <p:clrMapOvr>
+    <a:masterClrMapping/>
+  </p:clrMapOvr>
+  <p:timing>
+    <p:tnLst>
+      <p:par>
+        <p:cTn id="1" dur="indefinite" restart="never" nodeType="tmRoot">
+          <p:childTnLst>
+            <p:seq concurrent="1" nextAc="seek">
+              <p:cTn id="2" dur="indefinite" nodeType="mainSeq">
+                <p:childTnLst>
+                  <p:par>
+                    <p:cTn id="3" fill="hold">
+                      <p:stCondLst>
+                        <p:cond delay="indefinite"/>
+                        <p:cond evt="onBegin" delay="0">
+                          <p:tn val="2"/>
+                        </p:cond>
+                      </p:stCondLst>
+                      <p:childTnLst>
+                        <p:par>
+                          <p:cTn id="4" fill="hold">
+                            <p:stCondLst>
+                              <p:cond delay="0"/>
+                            </p:stCondLst>
+                            <p:childTnLst>
+                              <p:par>
+                                <p:cTn id="5" presetID="1" presetClass="entr" presetSubtype="0" fill="hold" grpId="0" nodeType="withEffect">
+                                  <p:stCondLst>
+                                    <p:cond delay="0"/>
+                                  </p:stCondLst>
+                                  <p:childTnLst>
+                                    <p:set>
+                                      <p:cBhvr>
+                                        <p:cTn id="6" dur="1" fill="hold">
+                                          <p:stCondLst>
+                                            <p:cond delay="0"/>
+                                          </p:stCondLst>
+                                        </p:cTn>
+                                        <p:tgtEl>
+                                          <p:spTgt spid="8195">
+                                            <p:txEl>
+                                              <p:pRg st="0" end="0"/>
+                                            </p:txEl>
+                                          </p:spTgt>
+                                        </p:tgtEl>
+                                        <p:attrNameLst>
+                                          <p:attrName>style.visibility</p:attrName>
+                                        </p:attrNameLst>
+                                      </p:cBhvr>
+                                      <p:to>
+                                        <p:strVal val="visible"/>
+                                      </p:to>
+                                    </p:set>
+                                  </p:childTnLst>
+                                </p:cTn>
+                              </p:par>
+                            </p:childTnLst>
+                          </p:cTn>
+                        </p:par>
+                      </p:childTnLst>
+                    </p:cTn>
+                  </p:par>
+                  <p:par>
+                    <p:cTn id="7" fill="hold">
+                      <p:stCondLst>
+                        <p:cond delay="indefinite"/>
+                      </p:stCondLst>
+                      <p:childTnLst>
+                        <p:par>
+                          <p:cTn id="8" fill="hold">
+                            <p:stCondLst>
+                              <p:cond delay="0"/>
+                            </p:stCondLst>
+                            <p:childTnLst>
+                              <p:par>
+                                <p:cTn id="9" presetID="1" presetClass="entr" presetSubtype="0" fill="hold" grpId="0" nodeType="clickEffect">
+                                  <p:stCondLst>
+                                    <p:cond delay="0"/>
+                                  </p:stCondLst>
+                                  <p:childTnLst>
+                                    <p:set>
+                                      <p:cBhvr>
+                                        <p:cTn id="10" dur="1" fill="hold">
+                                          <p:stCondLst>
+                                            <p:cond delay="0"/>
+                                          </p:stCondLst>
+                                        </p:cTn>
+                                        <p:tgtEl>
+                                          <p:spTgt spid="8195">
+                                            <p:txEl>
+                                              <p:pRg st="1" end="1"/>
+                                            </p:txEl>
+                                          </p:spTgt>
+                                        </p:tgtEl>
+                                        <p:attrNameLst>
+                                          <p:attrName>style.visibility</p:attrName>
+                                        </p:attrNameLst>
+                                      </p:cBhvr>
+                                      <p:to>
+                                        <p:strVal val="visible"/>
+                                      </p:to>
+                                    </p:set>
+                                  </p:childTnLst>
+                                </p:cTn>
+                              </p:par>
+                              <p:par>
+                                <p:cTn id="11" presetID="1" presetClass="entr" presetSubtype="0" fill="hold" grpId="0" nodeType="withEffect">
+                                  <p:stCondLst>
+                                    <p:cond delay="0"/>
+                                  </p:stCondLst>
+                                  <p:childTnLst>
+                                    <p:set>
+                                      <p:cBhvr>
+                                        <p:cTn id="12" dur="1" fill="hold">
+                                          <p:stCondLst>
+                                            <p:cond delay="0"/>
+                                          </p:stCondLst>
+                                        </p:cTn>
+                                        <p:tgtEl>
+                                          <p:spTgt spid="8195">
+                                            <p:txEl>
+                                              <p:pRg st="2" end="2"/>
+                                            </p:txEl>
+                                          </p:spTgt>
+                                        </p:tgtEl>
+                                        <p:attrNameLst>
+                                          <p:attrName>style.visibility</p:attrName>
+                                        </p:attrNameLst>
+                                      </p:cBhvr>
+                                      <p:to>
+                                        <p:strVal val="visible"/>
+                                      </p:to>
+                                    </p:set>
+                                  </p:childTnLst>
+                                </p:cTn>
+                              </p:par>
+                              <p:par>
+                                <p:cTn id="13" presetID="1" presetClass="entr" presetSubtype="0" fill="hold" grpId="0" nodeType="withEffect">
+                                  <p:stCondLst>
+                                    <p:cond delay="0"/>
+                                  </p:stCondLst>
+                                  <p:childTnLst>
+                                    <p:set>
+                                      <p:cBhvr>
+                                        <p:cTn id="14" dur="1" fill="hold">
+                                          <p:stCondLst>
+                                            <p:cond delay="0"/>
+                                          </p:stCondLst>
+                                        </p:cTn>
+                                        <p:tgtEl>
+                                          <p:spTgt spid="8195">
+                                            <p:txEl>
+                                              <p:pRg st="3" end="3"/>
+                                            </p:txEl>
+                                          </p:spTgt>
+                                        </p:tgtEl>
+                                        <p:attrNameLst>
+                                          <p:attrName>style.visibility</p:attrName>
+                                        </p:attrNameLst>
+                                      </p:cBhvr>
+                                      <p:to>
+                                        <p:strVal val="visible"/>
+                                      </p:to>
+                                    </p:set>
+                                  </p:childTnLst>
+                                </p:cTn>
+                              </p:par>
+                            </p:childTnLst>
+                          </p:cTn>
+                        </p:par>
+                      </p:childTnLst>
+                    </p:cTn>
+                  </p:par>
+                  <p:par>
+                    <p:cTn id="15" fill="hold">
+                      <p:stCondLst>
+                        <p:cond delay="indefinite"/>
+                      </p:stCondLst>
+                      <p:childTnLst>
+                        <p:par>
+                          <p:cTn id="16" fill="hold">
+                            <p:stCondLst>
+                              <p:cond delay="0"/>
+                            </p:stCondLst>
+                            <p:childTnLst>
+                              <p:par>
+                                <p:cTn id="17" presetID="1" presetClass="entr" presetSubtype="0" fill="hold" grpId="0" nodeType="clickEffect">
+                                  <p:stCondLst>
+                                    <p:cond delay="0"/>
+                                  </p:stCondLst>
+                                  <p:childTnLst>
+                                    <p:set>
+                                      <p:cBhvr>
+                                        <p:cTn id="18" dur="1" fill="hold">
+                                          <p:stCondLst>
+                                            <p:cond delay="0"/>
+                                          </p:stCondLst>
+                                        </p:cTn>
+                                        <p:tgtEl>
+                                          <p:spTgt spid="8195">
+                                            <p:txEl>
+                                              <p:pRg st="4" end="4"/>
+                                            </p:txEl>
+                                          </p:spTgt>
+                                        </p:tgtEl>
+                                        <p:attrNameLst>
+                                          <p:attrName>style.visibility</p:attrName>
+                                        </p:attrNameLst>
+                                      </p:cBhvr>
+                                      <p:to>
+                                        <p:strVal val="visible"/>
+                                      </p:to>
+                                    </p:set>
+                                  </p:childTnLst>
+                                </p:cTn>
+                              </p:par>
+                            </p:childTnLst>
+                          </p:cTn>
+                        </p:par>
+                      </p:childTnLst>
+                    </p:cTn>
+                  </p:par>
+                  <p:par>
+                    <p:cTn id="19" fill="hold">
+                      <p:stCondLst>
+                        <p:cond delay="indefinite"/>
+                      </p:stCondLst>
+                      <p:childTnLst>
+                        <p:par>
+                          <p:cTn id="20" fill="hold">
+                            <p:stCondLst>
+                              <p:cond delay="0"/>
+                            </p:stCondLst>
+                            <p:childTnLst>
+                              <p:par>
+                                <p:cTn id="21" presetID="1" presetClass="entr" presetSubtype="0" fill="hold" grpId="0" nodeType="clickEffect">
+                                  <p:stCondLst>
+                                    <p:cond delay="0"/>
+                                  </p:stCondLst>
+                                  <p:childTnLst>
+                                    <p:set>
+                                      <p:cBhvr>
+                                        <p:cTn id="22" dur="1" fill="hold">
+                                          <p:stCondLst>
+                                            <p:cond delay="0"/>
+                                          </p:stCondLst>
+                                        </p:cTn>
+                                        <p:tgtEl>
+                                          <p:spTgt spid="8195">
+                                            <p:txEl>
+                                              <p:pRg st="5" end="5"/>
+                                            </p:txEl>
+                                          </p:spTgt>
+                                        </p:tgtEl>
+                                        <p:attrNameLst>
+                                          <p:attrName>style.visibility</p:attrName>
+                                        </p:attrNameLst>
+                                      </p:cBhvr>
+                                      <p:to>
+                                        <p:strVal val="visible"/>
+                                      </p:to>
+                                    </p:set>
+                                  </p:childTnLst>
+                                </p:cTn>
+                              </p:par>
+                            </p:childTnLst>
+                          </p:cTn>
+                        </p:par>
+                      </p:childTnLst>
+                    </p:cTn>
+                  </p:par>
+                </p:childTnLst>
+              </p:cTn>
+              <p:prevCondLst>
+                <p:cond evt="onPrev" delay="0">
+                  <p:tgtEl>
+                    <p:sldTgt/>
+                  </p:tgtEl>
+                </p:cond>
+              </p:prevCondLst>
+              <p:nextCondLst>
+                <p:cond evt="onNext" delay="0">
+                  <p:tgtEl>
+                    <p:sldTgt/>
+                  </p:tgtEl>
+                </p:cond>
+              </p:nextCondLst>
+            </p:seq>
+          </p:childTnLst>
+        </p:cTn>
+      </p:par>
+    </p:tnLst>
+    <p:bldLst>
+      <p:bldP spid="8195" grpId="0" build="p"/>
+    </p:bldLst>
+  </p:timing>
+</p:sld>
+</file>
+
+<file path=ppt/slides/slide60.xml><?xml version="1.0" encoding="utf-8"?>
 <p:sld xmlns:a="http://schemas.openxmlformats.org/drawingml/2006/main" xmlns:r="http://schemas.openxmlformats.org/officeDocument/2006/relationships" xmlns:p="http://schemas.openxmlformats.org/presentationml/2006/main" showMasterPhAnim="0">
   <p:cSld>
     <p:spTree>
@@ -33899,170 +34736,7 @@
 </p:sld>
 </file>
 
-<file path=ppt/slides/slide6.xml><?xml version="1.0" encoding="utf-8"?>
-<p:sld xmlns:a="http://schemas.openxmlformats.org/drawingml/2006/main" xmlns:r="http://schemas.openxmlformats.org/officeDocument/2006/relationships" xmlns:p="http://schemas.openxmlformats.org/presentationml/2006/main">
-  <p:cSld>
-    <p:spTree>
-      <p:nvGrpSpPr>
-        <p:cNvPr id="1" name=""/>
-        <p:cNvGrpSpPr/>
-        <p:nvPr/>
-      </p:nvGrpSpPr>
-      <p:grpSpPr>
-        <a:xfrm>
-          <a:off x="0" y="0"/>
-          <a:ext cx="0" cy="0"/>
-          <a:chOff x="0" y="0"/>
-          <a:chExt cx="0" cy="0"/>
-        </a:xfrm>
-      </p:grpSpPr>
-      <p:sp>
-        <p:nvSpPr>
-          <p:cNvPr id="2" name="Title 1">
-            <a:extLst>
-              <a:ext uri="{FF2B5EF4-FFF2-40B4-BE49-F238E27FC236}">
-                <a16:creationId xmlns:a16="http://schemas.microsoft.com/office/drawing/2014/main" id="{A8FD56D5-B82E-4B81-AE7C-C10275DE9D3C}"/>
-              </a:ext>
-            </a:extLst>
-          </p:cNvPr>
-          <p:cNvSpPr>
-            <a:spLocks noGrp="1"/>
-          </p:cNvSpPr>
-          <p:nvPr>
-            <p:ph type="title"/>
-          </p:nvPr>
-        </p:nvSpPr>
-        <p:spPr/>
-        <p:txBody>
-          <a:bodyPr/>
-          <a:lstStyle/>
-          <a:p>
-            <a:r>
-              <a:rPr lang="en-US" dirty="0"/>
-              <a:t>What is “four”?</a:t>
-            </a:r>
-          </a:p>
-        </p:txBody>
-      </p:sp>
-      <p:pic>
-        <p:nvPicPr>
-          <p:cNvPr id="4" name="Picture 3">
-            <a:extLst>
-              <a:ext uri="{FF2B5EF4-FFF2-40B4-BE49-F238E27FC236}">
-                <a16:creationId xmlns:a16="http://schemas.microsoft.com/office/drawing/2014/main" id="{1BC4697E-67F2-4164-9B24-C7FDB7F79FA1}"/>
-              </a:ext>
-            </a:extLst>
-          </p:cNvPr>
-          <p:cNvPicPr>
-            <a:picLocks noChangeAspect="1"/>
-          </p:cNvPicPr>
-          <p:nvPr/>
-        </p:nvPicPr>
-        <p:blipFill>
-          <a:blip r:embed="rId2"/>
-          <a:stretch>
-            <a:fillRect/>
-          </a:stretch>
-        </p:blipFill>
-        <p:spPr>
-          <a:xfrm>
-            <a:off x="762000" y="1783080"/>
-            <a:ext cx="11049000" cy="4178929"/>
-          </a:xfrm>
-          <a:prstGeom prst="rect">
-            <a:avLst/>
-          </a:prstGeom>
-        </p:spPr>
-      </p:pic>
-    </p:spTree>
-    <p:extLst>
-      <p:ext uri="{BB962C8B-B14F-4D97-AF65-F5344CB8AC3E}">
-        <p14:creationId xmlns:p14="http://schemas.microsoft.com/office/powerpoint/2010/main" val="3863196850"/>
-      </p:ext>
-    </p:extLst>
-  </p:cSld>
-  <p:clrMapOvr>
-    <a:masterClrMapping/>
-  </p:clrMapOvr>
-  <p:timing>
-    <p:tnLst>
-      <p:par>
-        <p:cTn id="1" dur="indefinite" restart="never" nodeType="tmRoot">
-          <p:childTnLst>
-            <p:seq concurrent="1" nextAc="seek">
-              <p:cTn id="2" dur="indefinite" nodeType="mainSeq">
-                <p:childTnLst>
-                  <p:par>
-                    <p:cTn id="3" fill="hold">
-                      <p:stCondLst>
-                        <p:cond delay="indefinite"/>
-                      </p:stCondLst>
-                      <p:childTnLst>
-                        <p:par>
-                          <p:cTn id="4" fill="hold">
-                            <p:stCondLst>
-                              <p:cond delay="0"/>
-                            </p:stCondLst>
-                            <p:childTnLst>
-                              <p:par>
-                                <p:cTn id="5" presetID="1" presetClass="entr" presetSubtype="0" fill="hold" nodeType="clickEffect">
-                                  <p:stCondLst>
-                                    <p:cond delay="0"/>
-                                  </p:stCondLst>
-                                  <p:childTnLst>
-                                    <p:set>
-                                      <p:cBhvr>
-                                        <p:cTn id="6" dur="1" fill="hold">
-                                          <p:stCondLst>
-                                            <p:cond delay="0"/>
-                                          </p:stCondLst>
-                                        </p:cTn>
-                                        <p:tgtEl>
-                                          <p:spTgt spid="4"/>
-                                        </p:tgtEl>
-                                        <p:attrNameLst>
-                                          <p:attrName>style.visibility</p:attrName>
-                                        </p:attrNameLst>
-                                      </p:cBhvr>
-                                      <p:to>
-                                        <p:strVal val="visible"/>
-                                      </p:to>
-                                    </p:set>
-                                  </p:childTnLst>
-                                </p:cTn>
-                              </p:par>
-                            </p:childTnLst>
-                          </p:cTn>
-                        </p:par>
-                      </p:childTnLst>
-                    </p:cTn>
-                  </p:par>
-                </p:childTnLst>
-              </p:cTn>
-              <p:prevCondLst>
-                <p:cond evt="onPrev" delay="0">
-                  <p:tgtEl>
-                    <p:sldTgt/>
-                  </p:tgtEl>
-                </p:cond>
-              </p:prevCondLst>
-              <p:nextCondLst>
-                <p:cond evt="onNext" delay="0">
-                  <p:tgtEl>
-                    <p:sldTgt/>
-                  </p:tgtEl>
-                </p:cond>
-              </p:nextCondLst>
-            </p:seq>
-          </p:childTnLst>
-        </p:cTn>
-      </p:par>
-    </p:tnLst>
-  </p:timing>
-</p:sld>
-</file>
-
-<file path=ppt/slides/slide60.xml><?xml version="1.0" encoding="utf-8"?>
+<file path=ppt/slides/slide61.xml><?xml version="1.0" encoding="utf-8"?>
 <p:sld xmlns:a="http://schemas.openxmlformats.org/drawingml/2006/main" xmlns:r="http://schemas.openxmlformats.org/officeDocument/2006/relationships" xmlns:p="http://schemas.openxmlformats.org/presentationml/2006/main">
   <p:cSld>
     <p:spTree>
@@ -34399,6 +35073,169 @@
 </file>
 
 <file path=ppt/slides/slide7.xml><?xml version="1.0" encoding="utf-8"?>
+<p:sld xmlns:a="http://schemas.openxmlformats.org/drawingml/2006/main" xmlns:r="http://schemas.openxmlformats.org/officeDocument/2006/relationships" xmlns:p="http://schemas.openxmlformats.org/presentationml/2006/main">
+  <p:cSld>
+    <p:spTree>
+      <p:nvGrpSpPr>
+        <p:cNvPr id="1" name=""/>
+        <p:cNvGrpSpPr/>
+        <p:nvPr/>
+      </p:nvGrpSpPr>
+      <p:grpSpPr>
+        <a:xfrm>
+          <a:off x="0" y="0"/>
+          <a:ext cx="0" cy="0"/>
+          <a:chOff x="0" y="0"/>
+          <a:chExt cx="0" cy="0"/>
+        </a:xfrm>
+      </p:grpSpPr>
+      <p:sp>
+        <p:nvSpPr>
+          <p:cNvPr id="2" name="Title 1">
+            <a:extLst>
+              <a:ext uri="{FF2B5EF4-FFF2-40B4-BE49-F238E27FC236}">
+                <a16:creationId xmlns:a16="http://schemas.microsoft.com/office/drawing/2014/main" id="{A8FD56D5-B82E-4B81-AE7C-C10275DE9D3C}"/>
+              </a:ext>
+            </a:extLst>
+          </p:cNvPr>
+          <p:cNvSpPr>
+            <a:spLocks noGrp="1"/>
+          </p:cNvSpPr>
+          <p:nvPr>
+            <p:ph type="title"/>
+          </p:nvPr>
+        </p:nvSpPr>
+        <p:spPr/>
+        <p:txBody>
+          <a:bodyPr/>
+          <a:lstStyle/>
+          <a:p>
+            <a:r>
+              <a:rPr lang="en-US" dirty="0"/>
+              <a:t>What is “four”?</a:t>
+            </a:r>
+          </a:p>
+        </p:txBody>
+      </p:sp>
+      <p:pic>
+        <p:nvPicPr>
+          <p:cNvPr id="4" name="Picture 3">
+            <a:extLst>
+              <a:ext uri="{FF2B5EF4-FFF2-40B4-BE49-F238E27FC236}">
+                <a16:creationId xmlns:a16="http://schemas.microsoft.com/office/drawing/2014/main" id="{1BC4697E-67F2-4164-9B24-C7FDB7F79FA1}"/>
+              </a:ext>
+            </a:extLst>
+          </p:cNvPr>
+          <p:cNvPicPr>
+            <a:picLocks noChangeAspect="1"/>
+          </p:cNvPicPr>
+          <p:nvPr/>
+        </p:nvPicPr>
+        <p:blipFill>
+          <a:blip r:embed="rId2"/>
+          <a:stretch>
+            <a:fillRect/>
+          </a:stretch>
+        </p:blipFill>
+        <p:spPr>
+          <a:xfrm>
+            <a:off x="762000" y="1783080"/>
+            <a:ext cx="11049000" cy="4178929"/>
+          </a:xfrm>
+          <a:prstGeom prst="rect">
+            <a:avLst/>
+          </a:prstGeom>
+        </p:spPr>
+      </p:pic>
+    </p:spTree>
+    <p:extLst>
+      <p:ext uri="{BB962C8B-B14F-4D97-AF65-F5344CB8AC3E}">
+        <p14:creationId xmlns:p14="http://schemas.microsoft.com/office/powerpoint/2010/main" val="3863196850"/>
+      </p:ext>
+    </p:extLst>
+  </p:cSld>
+  <p:clrMapOvr>
+    <a:masterClrMapping/>
+  </p:clrMapOvr>
+  <p:timing>
+    <p:tnLst>
+      <p:par>
+        <p:cTn id="1" dur="indefinite" restart="never" nodeType="tmRoot">
+          <p:childTnLst>
+            <p:seq concurrent="1" nextAc="seek">
+              <p:cTn id="2" dur="indefinite" nodeType="mainSeq">
+                <p:childTnLst>
+                  <p:par>
+                    <p:cTn id="3" fill="hold">
+                      <p:stCondLst>
+                        <p:cond delay="indefinite"/>
+                      </p:stCondLst>
+                      <p:childTnLst>
+                        <p:par>
+                          <p:cTn id="4" fill="hold">
+                            <p:stCondLst>
+                              <p:cond delay="0"/>
+                            </p:stCondLst>
+                            <p:childTnLst>
+                              <p:par>
+                                <p:cTn id="5" presetID="1" presetClass="entr" presetSubtype="0" fill="hold" nodeType="clickEffect">
+                                  <p:stCondLst>
+                                    <p:cond delay="0"/>
+                                  </p:stCondLst>
+                                  <p:childTnLst>
+                                    <p:set>
+                                      <p:cBhvr>
+                                        <p:cTn id="6" dur="1" fill="hold">
+                                          <p:stCondLst>
+                                            <p:cond delay="0"/>
+                                          </p:stCondLst>
+                                        </p:cTn>
+                                        <p:tgtEl>
+                                          <p:spTgt spid="4"/>
+                                        </p:tgtEl>
+                                        <p:attrNameLst>
+                                          <p:attrName>style.visibility</p:attrName>
+                                        </p:attrNameLst>
+                                      </p:cBhvr>
+                                      <p:to>
+                                        <p:strVal val="visible"/>
+                                      </p:to>
+                                    </p:set>
+                                  </p:childTnLst>
+                                </p:cTn>
+                              </p:par>
+                            </p:childTnLst>
+                          </p:cTn>
+                        </p:par>
+                      </p:childTnLst>
+                    </p:cTn>
+                  </p:par>
+                </p:childTnLst>
+              </p:cTn>
+              <p:prevCondLst>
+                <p:cond evt="onPrev" delay="0">
+                  <p:tgtEl>
+                    <p:sldTgt/>
+                  </p:tgtEl>
+                </p:cond>
+              </p:prevCondLst>
+              <p:nextCondLst>
+                <p:cond evt="onNext" delay="0">
+                  <p:tgtEl>
+                    <p:sldTgt/>
+                  </p:tgtEl>
+                </p:cond>
+              </p:nextCondLst>
+            </p:seq>
+          </p:childTnLst>
+        </p:cTn>
+      </p:par>
+    </p:tnLst>
+  </p:timing>
+</p:sld>
+</file>
+
+<file path=ppt/slides/slide8.xml><?xml version="1.0" encoding="utf-8"?>
 <p:sld xmlns:a="http://schemas.openxmlformats.org/drawingml/2006/main" xmlns:r="http://schemas.openxmlformats.org/officeDocument/2006/relationships" xmlns:p="http://schemas.openxmlformats.org/presentationml/2006/main">
   <p:cSld>
     <p:spTree>
@@ -35343,7 +36180,7 @@
 </p:sld>
 </file>
 
-<file path=ppt/slides/slide8.xml><?xml version="1.0" encoding="utf-8"?>
+<file path=ppt/slides/slide9.xml><?xml version="1.0" encoding="utf-8"?>
 <p:sld xmlns:a="http://schemas.openxmlformats.org/drawingml/2006/main" xmlns:r="http://schemas.openxmlformats.org/officeDocument/2006/relationships" xmlns:p="http://schemas.openxmlformats.org/presentationml/2006/main" showMasterPhAnim="0">
   <p:cSld>
     <p:spTree>
@@ -35900,677 +36737,6 @@
                                           <p:spTgt spid="10243">
                                             <p:txEl>
                                               <p:pRg st="3" end="3"/>
-                                            </p:txEl>
-                                          </p:spTgt>
-                                        </p:tgtEl>
-                                        <p:attrNameLst>
-                                          <p:attrName>style.visibility</p:attrName>
-                                        </p:attrNameLst>
-                                      </p:cBhvr>
-                                      <p:to>
-                                        <p:strVal val="visible"/>
-                                      </p:to>
-                                    </p:set>
-                                  </p:childTnLst>
-                                </p:cTn>
-                              </p:par>
-                            </p:childTnLst>
-                          </p:cTn>
-                        </p:par>
-                      </p:childTnLst>
-                    </p:cTn>
-                  </p:par>
-                </p:childTnLst>
-              </p:cTn>
-              <p:prevCondLst>
-                <p:cond evt="onPrev" delay="0">
-                  <p:tgtEl>
-                    <p:sldTgt/>
-                  </p:tgtEl>
-                </p:cond>
-              </p:prevCondLst>
-              <p:nextCondLst>
-                <p:cond evt="onNext" delay="0">
-                  <p:tgtEl>
-                    <p:sldTgt/>
-                  </p:tgtEl>
-                </p:cond>
-              </p:nextCondLst>
-            </p:seq>
-          </p:childTnLst>
-        </p:cTn>
-      </p:par>
-    </p:tnLst>
-    <p:bldLst>
-      <p:bldP spid="10243" grpId="0" build="p"/>
-    </p:bldLst>
-  </p:timing>
-</p:sld>
-</file>
-
-<file path=ppt/slides/slide9.xml><?xml version="1.0" encoding="utf-8"?>
-<p:sld xmlns:a="http://schemas.openxmlformats.org/drawingml/2006/main" xmlns:r="http://schemas.openxmlformats.org/officeDocument/2006/relationships" xmlns:p="http://schemas.openxmlformats.org/presentationml/2006/main" showMasterPhAnim="0">
-  <p:cSld>
-    <p:spTree>
-      <p:nvGrpSpPr>
-        <p:cNvPr id="1" name=""/>
-        <p:cNvGrpSpPr/>
-        <p:nvPr/>
-      </p:nvGrpSpPr>
-      <p:grpSpPr>
-        <a:xfrm>
-          <a:off x="0" y="0"/>
-          <a:ext cx="0" cy="0"/>
-          <a:chOff x="0" y="0"/>
-          <a:chExt cx="0" cy="0"/>
-        </a:xfrm>
-      </p:grpSpPr>
-      <p:sp>
-        <p:nvSpPr>
-          <p:cNvPr id="10242" name="Rectangle 2"/>
-          <p:cNvSpPr>
-            <a:spLocks noGrp="1" noChangeArrowheads="1"/>
-          </p:cNvSpPr>
-          <p:nvPr>
-            <p:ph type="title"/>
-          </p:nvPr>
-        </p:nvSpPr>
-        <p:spPr>
-          <a:xfrm>
-            <a:off x="1752600" y="457200"/>
-            <a:ext cx="8686800" cy="1143000"/>
-          </a:xfrm>
-        </p:spPr>
-        <p:txBody>
-          <a:bodyPr/>
-          <a:lstStyle/>
-          <a:p>
-            <a:r>
-              <a:rPr lang="en-US" sz="4000" dirty="0">
-                <a:solidFill>
-                  <a:srgbClr val="00FF00"/>
-                </a:solidFill>
-              </a:rPr>
-              <a:t>Representation 1:</a:t>
-            </a:r>
-            <a:r>
-              <a:rPr lang="en-US" sz="4000" dirty="0"/>
-              <a:t> Unary representation of non-negative integers</a:t>
-            </a:r>
-          </a:p>
-        </p:txBody>
-      </p:sp>
-      <p:sp>
-        <p:nvSpPr>
-          <p:cNvPr id="10243" name="Rectangle 3"/>
-          <p:cNvSpPr>
-            <a:spLocks noGrp="1" noChangeArrowheads="1"/>
-          </p:cNvSpPr>
-          <p:nvPr>
-            <p:ph type="body" idx="1"/>
-          </p:nvPr>
-        </p:nvSpPr>
-        <p:spPr>
-          <a:xfrm>
-            <a:off x="304800" y="1676400"/>
-            <a:ext cx="9791700" cy="4572000"/>
-          </a:xfrm>
-        </p:spPr>
-        <p:txBody>
-          <a:bodyPr/>
-          <a:lstStyle/>
-          <a:p>
-            <a:pPr>
-              <a:lnSpc>
-                <a:spcPct val="90000"/>
-              </a:lnSpc>
-            </a:pPr>
-            <a:r>
-              <a:rPr lang="en-US" sz="2800" dirty="0">
-                <a:sym typeface="Symbol" pitchFamily="18" charset="2"/>
-              </a:rPr>
-              <a:t>0  = ( )         ; the empty list</a:t>
-            </a:r>
-          </a:p>
-          <a:p>
-            <a:pPr>
-              <a:lnSpc>
-                <a:spcPct val="90000"/>
-              </a:lnSpc>
-            </a:pPr>
-            <a:r>
-              <a:rPr lang="en-US" sz="2800" dirty="0">
-                <a:sym typeface="Symbol" pitchFamily="18" charset="2"/>
-              </a:rPr>
-              <a:t>n+1 = (cons  #t   n )</a:t>
-            </a:r>
-            <a:br>
-              <a:rPr lang="en-US" sz="2800" dirty="0">
-                <a:sym typeface="Symbol" pitchFamily="18" charset="2"/>
-              </a:rPr>
-            </a:br>
-            <a:br>
-              <a:rPr lang="en-US" sz="2800" dirty="0">
-                <a:sym typeface="Symbol" pitchFamily="18" charset="2"/>
-              </a:rPr>
-            </a:br>
-            <a:endParaRPr lang="en-US" sz="2800" dirty="0">
-              <a:sym typeface="Symbol" pitchFamily="18" charset="2"/>
-            </a:endParaRPr>
-          </a:p>
-          <a:p>
-            <a:pPr>
-              <a:lnSpc>
-                <a:spcPct val="90000"/>
-              </a:lnSpc>
-            </a:pPr>
-            <a:r>
-              <a:rPr lang="en-US" sz="2800" dirty="0">
-                <a:sym typeface="Symbol" pitchFamily="18" charset="2"/>
-              </a:rPr>
-              <a:t>There is a (slightly) more </a:t>
-            </a:r>
-            <a:br>
-              <a:rPr lang="en-US" sz="2800" dirty="0">
-                <a:sym typeface="Symbol" pitchFamily="18" charset="2"/>
-              </a:rPr>
-            </a:br>
-            <a:r>
-              <a:rPr lang="en-US" sz="2800" dirty="0">
-                <a:sym typeface="Symbol" pitchFamily="18" charset="2"/>
-              </a:rPr>
-              <a:t>efficient implementation of </a:t>
-            </a:r>
-            <a:r>
-              <a:rPr lang="en-US" sz="2800" b="1" dirty="0">
-                <a:solidFill>
-                  <a:srgbClr val="00FF00"/>
-                </a:solidFill>
-                <a:sym typeface="Symbol" pitchFamily="18" charset="2"/>
-              </a:rPr>
-              <a:t>add</a:t>
-            </a:r>
-            <a:r>
-              <a:rPr lang="en-US" sz="2800" b="1" dirty="0">
-                <a:sym typeface="Symbol" pitchFamily="18" charset="2"/>
-              </a:rPr>
-              <a:t> </a:t>
-            </a:r>
-            <a:br>
-              <a:rPr lang="en-US" sz="2800" b="1" dirty="0">
-                <a:sym typeface="Symbol" pitchFamily="18" charset="2"/>
-              </a:rPr>
-            </a:br>
-            <a:r>
-              <a:rPr lang="en-US" sz="2800" dirty="0">
-                <a:sym typeface="Symbol" pitchFamily="18" charset="2"/>
-              </a:rPr>
-              <a:t>(than the one from the non-negative-integer interface slide) if we base it on this representation instead of the ADT. </a:t>
-            </a:r>
-            <a:endParaRPr lang="en-US" dirty="0">
-              <a:sym typeface="Symbol" pitchFamily="18" charset="2"/>
-            </a:endParaRPr>
-          </a:p>
-          <a:p>
-            <a:pPr lvl="1">
-              <a:lnSpc>
-                <a:spcPct val="90000"/>
-              </a:lnSpc>
-            </a:pPr>
-            <a:r>
-              <a:rPr lang="en-US" dirty="0">
-                <a:sym typeface="Symbol" pitchFamily="18" charset="2"/>
-              </a:rPr>
-              <a:t> Can you see what it is?</a:t>
-            </a:r>
-          </a:p>
-          <a:p>
-            <a:pPr lvl="1">
-              <a:lnSpc>
-                <a:spcPct val="90000"/>
-              </a:lnSpc>
-            </a:pPr>
-            <a:r>
-              <a:rPr lang="en-US" dirty="0">
-                <a:sym typeface="Symbol" pitchFamily="18" charset="2"/>
-              </a:rPr>
-              <a:t>That implementation is </a:t>
-            </a:r>
-            <a:r>
-              <a:rPr lang="en-US" b="1" dirty="0">
-                <a:solidFill>
-                  <a:srgbClr val="00FF00"/>
-                </a:solidFill>
-                <a:sym typeface="Symbol" pitchFamily="18" charset="2"/>
-              </a:rPr>
-              <a:t>representation-dependent</a:t>
-            </a:r>
-            <a:r>
-              <a:rPr lang="en-US" dirty="0">
-                <a:sym typeface="Symbol" pitchFamily="18" charset="2"/>
-              </a:rPr>
-              <a:t>.</a:t>
-            </a:r>
-          </a:p>
-          <a:p>
-            <a:pPr marL="0" indent="0">
-              <a:lnSpc>
-                <a:spcPct val="90000"/>
-              </a:lnSpc>
-              <a:buNone/>
-            </a:pPr>
-            <a:endParaRPr lang="en-US" dirty="0">
-              <a:sym typeface="Symbol" pitchFamily="18" charset="2"/>
-            </a:endParaRPr>
-          </a:p>
-        </p:txBody>
-      </p:sp>
-      <p:sp>
-        <p:nvSpPr>
-          <p:cNvPr id="2" name="TextBox 1">
-            <a:extLst>
-              <a:ext uri="{FF2B5EF4-FFF2-40B4-BE49-F238E27FC236}">
-                <a16:creationId xmlns:a16="http://schemas.microsoft.com/office/drawing/2014/main" id="{F8D9AF6E-F043-4595-9C6A-62FED00C9DC4}"/>
-              </a:ext>
-            </a:extLst>
-          </p:cNvPr>
-          <p:cNvSpPr txBox="1"/>
-          <p:nvPr/>
-        </p:nvSpPr>
-        <p:spPr>
-          <a:xfrm>
-            <a:off x="5638800" y="1828800"/>
-            <a:ext cx="5943600" cy="2086725"/>
-          </a:xfrm>
-          <a:prstGeom prst="rect">
-            <a:avLst/>
-          </a:prstGeom>
-          <a:solidFill>
-            <a:srgbClr val="0066FF"/>
-          </a:solidFill>
-          <a:ln>
-            <a:solidFill>
-              <a:schemeClr val="bg1"/>
-            </a:solidFill>
-          </a:ln>
-        </p:spPr>
-        <p:txBody>
-          <a:bodyPr wrap="square" rtlCol="0">
-            <a:spAutoFit/>
-          </a:bodyPr>
-          <a:lstStyle/>
-          <a:p>
-            <a:pPr>
-              <a:lnSpc>
-                <a:spcPct val="90000"/>
-              </a:lnSpc>
-            </a:pPr>
-            <a:r>
-              <a:rPr lang="en-US" dirty="0">
-                <a:solidFill>
-                  <a:schemeClr val="bg1"/>
-                </a:solidFill>
-              </a:rPr>
-              <a:t>(zero)                 =  </a:t>
-            </a:r>
-            <a:r>
-              <a:rPr lang="en-US" dirty="0">
-                <a:solidFill>
-                  <a:schemeClr val="bg1"/>
-                </a:solidFill>
-                <a:sym typeface="Symbol" pitchFamily="18" charset="2"/>
-              </a:rPr>
-              <a:t>0 </a:t>
-            </a:r>
-          </a:p>
-          <a:p>
-            <a:pPr>
-              <a:lnSpc>
-                <a:spcPct val="90000"/>
-              </a:lnSpc>
-            </a:pPr>
-            <a:r>
-              <a:rPr lang="en-US" dirty="0">
-                <a:solidFill>
-                  <a:schemeClr val="bg1"/>
-                </a:solidFill>
-                <a:sym typeface="Symbol" pitchFamily="18" charset="2"/>
-              </a:rPr>
-              <a:t>(</a:t>
-            </a:r>
-            <a:r>
-              <a:rPr lang="en-US" dirty="0" err="1">
-                <a:solidFill>
-                  <a:schemeClr val="bg1"/>
-                </a:solidFill>
-                <a:sym typeface="Symbol" pitchFamily="18" charset="2"/>
-              </a:rPr>
-              <a:t>iszero</a:t>
-            </a:r>
-            <a:r>
-              <a:rPr lang="en-US" dirty="0">
-                <a:solidFill>
-                  <a:schemeClr val="bg1"/>
-                </a:solidFill>
-                <a:sym typeface="Symbol" pitchFamily="18" charset="2"/>
-              </a:rPr>
-              <a:t>?  n )   =  #t  if  n  is the </a:t>
-            </a:r>
-            <a:br>
-              <a:rPr lang="en-US" dirty="0">
-                <a:solidFill>
-                  <a:schemeClr val="bg1"/>
-                </a:solidFill>
-                <a:sym typeface="Symbol" pitchFamily="18" charset="2"/>
-              </a:rPr>
-            </a:br>
-            <a:r>
-              <a:rPr lang="en-US" dirty="0">
-                <a:solidFill>
-                  <a:schemeClr val="bg1"/>
-                </a:solidFill>
-                <a:sym typeface="Symbol" pitchFamily="18" charset="2"/>
-              </a:rPr>
-              <a:t>                                    representation of zero, </a:t>
-            </a:r>
-            <a:br>
-              <a:rPr lang="en-US" dirty="0">
-                <a:solidFill>
-                  <a:schemeClr val="bg1"/>
-                </a:solidFill>
-                <a:sym typeface="Symbol" pitchFamily="18" charset="2"/>
-              </a:rPr>
-            </a:br>
-            <a:r>
-              <a:rPr lang="en-US" dirty="0">
-                <a:solidFill>
-                  <a:schemeClr val="bg1"/>
-                </a:solidFill>
-                <a:sym typeface="Symbol" pitchFamily="18" charset="2"/>
-              </a:rPr>
-              <a:t>                              #f  otherwise.</a:t>
-            </a:r>
-          </a:p>
-          <a:p>
-            <a:pPr>
-              <a:lnSpc>
-                <a:spcPct val="90000"/>
-              </a:lnSpc>
-            </a:pPr>
-            <a:r>
-              <a:rPr lang="en-US" dirty="0">
-                <a:solidFill>
-                  <a:schemeClr val="bg1"/>
-                </a:solidFill>
-                <a:sym typeface="Symbol" pitchFamily="18" charset="2"/>
-              </a:rPr>
-              <a:t>(</a:t>
-            </a:r>
-            <a:r>
-              <a:rPr lang="en-US" dirty="0" err="1">
-                <a:solidFill>
-                  <a:schemeClr val="bg1"/>
-                </a:solidFill>
-                <a:sym typeface="Symbol" pitchFamily="18" charset="2"/>
-              </a:rPr>
-              <a:t>succ</a:t>
-            </a:r>
-            <a:r>
-              <a:rPr lang="en-US" dirty="0">
-                <a:solidFill>
-                  <a:schemeClr val="bg1"/>
-                </a:solidFill>
-                <a:sym typeface="Symbol" pitchFamily="18" charset="2"/>
-              </a:rPr>
-              <a:t>  n )       =  n+1  ( n  0)</a:t>
-            </a:r>
-          </a:p>
-          <a:p>
-            <a:pPr>
-              <a:lnSpc>
-                <a:spcPct val="90000"/>
-              </a:lnSpc>
-            </a:pPr>
-            <a:r>
-              <a:rPr lang="en-US" dirty="0">
-                <a:solidFill>
-                  <a:schemeClr val="bg1"/>
-                </a:solidFill>
-                <a:sym typeface="Symbol" pitchFamily="18" charset="2"/>
-              </a:rPr>
-              <a:t>(</a:t>
-            </a:r>
-            <a:r>
-              <a:rPr lang="en-US" dirty="0" err="1">
-                <a:solidFill>
-                  <a:schemeClr val="bg1"/>
-                </a:solidFill>
-                <a:sym typeface="Symbol" pitchFamily="18" charset="2"/>
-              </a:rPr>
-              <a:t>pred</a:t>
-            </a:r>
-            <a:r>
-              <a:rPr lang="en-US" dirty="0">
-                <a:solidFill>
-                  <a:schemeClr val="bg1"/>
-                </a:solidFill>
-                <a:sym typeface="Symbol" pitchFamily="18" charset="2"/>
-              </a:rPr>
-              <a:t>  n+1 )  =  n      ( n  0)</a:t>
-            </a:r>
-          </a:p>
-        </p:txBody>
-      </p:sp>
-    </p:spTree>
-    <p:extLst>
-      <p:ext uri="{BB962C8B-B14F-4D97-AF65-F5344CB8AC3E}">
-        <p14:creationId xmlns:p14="http://schemas.microsoft.com/office/powerpoint/2010/main" val="3509633748"/>
-      </p:ext>
-    </p:extLst>
-  </p:cSld>
-  <p:clrMapOvr>
-    <a:masterClrMapping/>
-  </p:clrMapOvr>
-  <p:timing>
-    <p:tnLst>
-      <p:par>
-        <p:cTn id="1" dur="indefinite" restart="never" nodeType="tmRoot">
-          <p:childTnLst>
-            <p:seq concurrent="1" nextAc="seek">
-              <p:cTn id="2" dur="indefinite" nodeType="mainSeq">
-                <p:childTnLst>
-                  <p:par>
-                    <p:cTn id="3" fill="hold">
-                      <p:stCondLst>
-                        <p:cond delay="indefinite"/>
-                        <p:cond evt="onBegin" delay="0">
-                          <p:tn val="2"/>
-                        </p:cond>
-                      </p:stCondLst>
-                      <p:childTnLst>
-                        <p:par>
-                          <p:cTn id="4" fill="hold">
-                            <p:stCondLst>
-                              <p:cond delay="0"/>
-                            </p:stCondLst>
-                            <p:childTnLst>
-                              <p:par>
-                                <p:cTn id="5" presetID="1" presetClass="entr" presetSubtype="0" fill="hold" grpId="0" nodeType="withEffect">
-                                  <p:stCondLst>
-                                    <p:cond delay="0"/>
-                                  </p:stCondLst>
-                                  <p:childTnLst>
-                                    <p:set>
-                                      <p:cBhvr>
-                                        <p:cTn id="6" dur="1" fill="hold">
-                                          <p:stCondLst>
-                                            <p:cond delay="0"/>
-                                          </p:stCondLst>
-                                        </p:cTn>
-                                        <p:tgtEl>
-                                          <p:spTgt spid="10243">
-                                            <p:txEl>
-                                              <p:pRg st="0" end="0"/>
-                                            </p:txEl>
-                                          </p:spTgt>
-                                        </p:tgtEl>
-                                        <p:attrNameLst>
-                                          <p:attrName>style.visibility</p:attrName>
-                                        </p:attrNameLst>
-                                      </p:cBhvr>
-                                      <p:to>
-                                        <p:strVal val="visible"/>
-                                      </p:to>
-                                    </p:set>
-                                  </p:childTnLst>
-                                </p:cTn>
-                              </p:par>
-                            </p:childTnLst>
-                          </p:cTn>
-                        </p:par>
-                      </p:childTnLst>
-                    </p:cTn>
-                  </p:par>
-                  <p:par>
-                    <p:cTn id="7" fill="hold">
-                      <p:stCondLst>
-                        <p:cond delay="indefinite"/>
-                      </p:stCondLst>
-                      <p:childTnLst>
-                        <p:par>
-                          <p:cTn id="8" fill="hold">
-                            <p:stCondLst>
-                              <p:cond delay="0"/>
-                            </p:stCondLst>
-                            <p:childTnLst>
-                              <p:par>
-                                <p:cTn id="9" presetID="1" presetClass="entr" presetSubtype="0" fill="hold" grpId="0" nodeType="clickEffect">
-                                  <p:stCondLst>
-                                    <p:cond delay="0"/>
-                                  </p:stCondLst>
-                                  <p:childTnLst>
-                                    <p:set>
-                                      <p:cBhvr>
-                                        <p:cTn id="10" dur="1" fill="hold">
-                                          <p:stCondLst>
-                                            <p:cond delay="0"/>
-                                          </p:stCondLst>
-                                        </p:cTn>
-                                        <p:tgtEl>
-                                          <p:spTgt spid="10243">
-                                            <p:txEl>
-                                              <p:pRg st="1" end="1"/>
-                                            </p:txEl>
-                                          </p:spTgt>
-                                        </p:tgtEl>
-                                        <p:attrNameLst>
-                                          <p:attrName>style.visibility</p:attrName>
-                                        </p:attrNameLst>
-                                      </p:cBhvr>
-                                      <p:to>
-                                        <p:strVal val="visible"/>
-                                      </p:to>
-                                    </p:set>
-                                  </p:childTnLst>
-                                </p:cTn>
-                              </p:par>
-                            </p:childTnLst>
-                          </p:cTn>
-                        </p:par>
-                      </p:childTnLst>
-                    </p:cTn>
-                  </p:par>
-                  <p:par>
-                    <p:cTn id="11" fill="hold">
-                      <p:stCondLst>
-                        <p:cond delay="indefinite"/>
-                      </p:stCondLst>
-                      <p:childTnLst>
-                        <p:par>
-                          <p:cTn id="12" fill="hold">
-                            <p:stCondLst>
-                              <p:cond delay="0"/>
-                            </p:stCondLst>
-                            <p:childTnLst>
-                              <p:par>
-                                <p:cTn id="13" presetID="1" presetClass="entr" presetSubtype="0" fill="hold" grpId="0" nodeType="clickEffect">
-                                  <p:stCondLst>
-                                    <p:cond delay="0"/>
-                                  </p:stCondLst>
-                                  <p:childTnLst>
-                                    <p:set>
-                                      <p:cBhvr>
-                                        <p:cTn id="14" dur="1" fill="hold">
-                                          <p:stCondLst>
-                                            <p:cond delay="0"/>
-                                          </p:stCondLst>
-                                        </p:cTn>
-                                        <p:tgtEl>
-                                          <p:spTgt spid="10243">
-                                            <p:txEl>
-                                              <p:pRg st="2" end="2"/>
-                                            </p:txEl>
-                                          </p:spTgt>
-                                        </p:tgtEl>
-                                        <p:attrNameLst>
-                                          <p:attrName>style.visibility</p:attrName>
-                                        </p:attrNameLst>
-                                      </p:cBhvr>
-                                      <p:to>
-                                        <p:strVal val="visible"/>
-                                      </p:to>
-                                    </p:set>
-                                  </p:childTnLst>
-                                </p:cTn>
-                              </p:par>
-                              <p:par>
-                                <p:cTn id="15" presetID="1" presetClass="entr" presetSubtype="0" fill="hold" grpId="0" nodeType="withEffect">
-                                  <p:stCondLst>
-                                    <p:cond delay="0"/>
-                                  </p:stCondLst>
-                                  <p:childTnLst>
-                                    <p:set>
-                                      <p:cBhvr>
-                                        <p:cTn id="16" dur="1" fill="hold">
-                                          <p:stCondLst>
-                                            <p:cond delay="0"/>
-                                          </p:stCondLst>
-                                        </p:cTn>
-                                        <p:tgtEl>
-                                          <p:spTgt spid="10243">
-                                            <p:txEl>
-                                              <p:pRg st="3" end="3"/>
-                                            </p:txEl>
-                                          </p:spTgt>
-                                        </p:tgtEl>
-                                        <p:attrNameLst>
-                                          <p:attrName>style.visibility</p:attrName>
-                                        </p:attrNameLst>
-                                      </p:cBhvr>
-                                      <p:to>
-                                        <p:strVal val="visible"/>
-                                      </p:to>
-                                    </p:set>
-                                  </p:childTnLst>
-                                </p:cTn>
-                              </p:par>
-                              <p:par>
-                                <p:cTn id="17" presetID="1" presetClass="entr" presetSubtype="0" fill="hold" grpId="0" nodeType="withEffect">
-                                  <p:stCondLst>
-                                    <p:cond delay="0"/>
-                                  </p:stCondLst>
-                                  <p:childTnLst>
-                                    <p:set>
-                                      <p:cBhvr>
-                                        <p:cTn id="18" dur="1" fill="hold">
-                                          <p:stCondLst>
-                                            <p:cond delay="0"/>
-                                          </p:stCondLst>
-                                        </p:cTn>
-                                        <p:tgtEl>
-                                          <p:spTgt spid="10243">
-                                            <p:txEl>
-                                              <p:pRg st="4" end="4"/>
                                             </p:txEl>
                                           </p:spTgt>
                                         </p:tgtEl>

--- a/ClassMaterials/DatatypesParsing/15-16-datatypes-parsing.pptx
+++ b/ClassMaterials/DatatypesParsing/15-16-datatypes-parsing.pptx
@@ -5,73 +5,71 @@
     <p:sldMasterId id="2147483648" r:id="rId1"/>
   </p:sldMasterIdLst>
   <p:notesMasterIdLst>
-    <p:notesMasterId r:id="rId63"/>
+    <p:notesMasterId r:id="rId61"/>
   </p:notesMasterIdLst>
   <p:handoutMasterIdLst>
-    <p:handoutMasterId r:id="rId64"/>
+    <p:handoutMasterId r:id="rId62"/>
   </p:handoutMasterIdLst>
   <p:sldIdLst>
     <p:sldId id="362" r:id="rId2"/>
     <p:sldId id="438" r:id="rId3"/>
-    <p:sldId id="403" r:id="rId4"/>
-    <p:sldId id="352" r:id="rId5"/>
-    <p:sldId id="353" r:id="rId6"/>
-    <p:sldId id="354" r:id="rId7"/>
-    <p:sldId id="436" r:id="rId8"/>
-    <p:sldId id="355" r:id="rId9"/>
-    <p:sldId id="356" r:id="rId10"/>
-    <p:sldId id="437" r:id="rId11"/>
-    <p:sldId id="404" r:id="rId12"/>
-    <p:sldId id="357" r:id="rId13"/>
-    <p:sldId id="358" r:id="rId14"/>
-    <p:sldId id="359" r:id="rId15"/>
-    <p:sldId id="360" r:id="rId16"/>
-    <p:sldId id="342" r:id="rId17"/>
-    <p:sldId id="363" r:id="rId18"/>
-    <p:sldId id="364" r:id="rId19"/>
-    <p:sldId id="365" r:id="rId20"/>
-    <p:sldId id="366" r:id="rId21"/>
-    <p:sldId id="368" r:id="rId22"/>
-    <p:sldId id="369" r:id="rId23"/>
-    <p:sldId id="370" r:id="rId24"/>
-    <p:sldId id="405" r:id="rId25"/>
-    <p:sldId id="371" r:id="rId26"/>
-    <p:sldId id="383" r:id="rId27"/>
-    <p:sldId id="406" r:id="rId28"/>
-    <p:sldId id="384" r:id="rId29"/>
-    <p:sldId id="385" r:id="rId30"/>
-    <p:sldId id="386" r:id="rId31"/>
-    <p:sldId id="435" r:id="rId32"/>
-    <p:sldId id="388" r:id="rId33"/>
-    <p:sldId id="389" r:id="rId34"/>
-    <p:sldId id="390" r:id="rId35"/>
-    <p:sldId id="391" r:id="rId36"/>
-    <p:sldId id="392" r:id="rId37"/>
-    <p:sldId id="393" r:id="rId38"/>
-    <p:sldId id="394" r:id="rId39"/>
-    <p:sldId id="395" r:id="rId40"/>
-    <p:sldId id="427" r:id="rId41"/>
-    <p:sldId id="412" r:id="rId42"/>
-    <p:sldId id="413" r:id="rId43"/>
-    <p:sldId id="414" r:id="rId44"/>
-    <p:sldId id="415" r:id="rId45"/>
-    <p:sldId id="416" r:id="rId46"/>
-    <p:sldId id="417" r:id="rId47"/>
-    <p:sldId id="418" r:id="rId48"/>
-    <p:sldId id="419" r:id="rId49"/>
-    <p:sldId id="381" r:id="rId50"/>
-    <p:sldId id="382" r:id="rId51"/>
-    <p:sldId id="428" r:id="rId52"/>
-    <p:sldId id="429" r:id="rId53"/>
-    <p:sldId id="430" r:id="rId54"/>
-    <p:sldId id="431" r:id="rId55"/>
-    <p:sldId id="432" r:id="rId56"/>
-    <p:sldId id="433" r:id="rId57"/>
-    <p:sldId id="434" r:id="rId58"/>
-    <p:sldId id="408" r:id="rId59"/>
-    <p:sldId id="409" r:id="rId60"/>
-    <p:sldId id="410" r:id="rId61"/>
-    <p:sldId id="411" r:id="rId62"/>
+    <p:sldId id="352" r:id="rId4"/>
+    <p:sldId id="353" r:id="rId5"/>
+    <p:sldId id="354" r:id="rId6"/>
+    <p:sldId id="436" r:id="rId7"/>
+    <p:sldId id="355" r:id="rId8"/>
+    <p:sldId id="356" r:id="rId9"/>
+    <p:sldId id="437" r:id="rId10"/>
+    <p:sldId id="404" r:id="rId11"/>
+    <p:sldId id="357" r:id="rId12"/>
+    <p:sldId id="358" r:id="rId13"/>
+    <p:sldId id="359" r:id="rId14"/>
+    <p:sldId id="360" r:id="rId15"/>
+    <p:sldId id="342" r:id="rId16"/>
+    <p:sldId id="363" r:id="rId17"/>
+    <p:sldId id="364" r:id="rId18"/>
+    <p:sldId id="365" r:id="rId19"/>
+    <p:sldId id="366" r:id="rId20"/>
+    <p:sldId id="368" r:id="rId21"/>
+    <p:sldId id="369" r:id="rId22"/>
+    <p:sldId id="370" r:id="rId23"/>
+    <p:sldId id="371" r:id="rId24"/>
+    <p:sldId id="383" r:id="rId25"/>
+    <p:sldId id="406" r:id="rId26"/>
+    <p:sldId id="384" r:id="rId27"/>
+    <p:sldId id="385" r:id="rId28"/>
+    <p:sldId id="386" r:id="rId29"/>
+    <p:sldId id="435" r:id="rId30"/>
+    <p:sldId id="388" r:id="rId31"/>
+    <p:sldId id="389" r:id="rId32"/>
+    <p:sldId id="390" r:id="rId33"/>
+    <p:sldId id="391" r:id="rId34"/>
+    <p:sldId id="392" r:id="rId35"/>
+    <p:sldId id="393" r:id="rId36"/>
+    <p:sldId id="394" r:id="rId37"/>
+    <p:sldId id="395" r:id="rId38"/>
+    <p:sldId id="427" r:id="rId39"/>
+    <p:sldId id="412" r:id="rId40"/>
+    <p:sldId id="413" r:id="rId41"/>
+    <p:sldId id="414" r:id="rId42"/>
+    <p:sldId id="415" r:id="rId43"/>
+    <p:sldId id="416" r:id="rId44"/>
+    <p:sldId id="417" r:id="rId45"/>
+    <p:sldId id="418" r:id="rId46"/>
+    <p:sldId id="419" r:id="rId47"/>
+    <p:sldId id="381" r:id="rId48"/>
+    <p:sldId id="382" r:id="rId49"/>
+    <p:sldId id="428" r:id="rId50"/>
+    <p:sldId id="429" r:id="rId51"/>
+    <p:sldId id="430" r:id="rId52"/>
+    <p:sldId id="431" r:id="rId53"/>
+    <p:sldId id="432" r:id="rId54"/>
+    <p:sldId id="433" r:id="rId55"/>
+    <p:sldId id="434" r:id="rId56"/>
+    <p:sldId id="408" r:id="rId57"/>
+    <p:sldId id="409" r:id="rId58"/>
+    <p:sldId id="410" r:id="rId59"/>
+    <p:sldId id="411" r:id="rId60"/>
   </p:sldIdLst>
   <p:sldSz cx="12192000" cy="6858000"/>
   <p:notesSz cx="7315200" cy="9601200"/>
@@ -253,6 +251,44 @@
       </pc:sldChg>
     </pc:docChg>
   </pc:docChgLst>
+  <pc:docChgLst>
+    <pc:chgData name="Hewner, Mike" userId="7f3f83dd-6dfb-4127-a87f-c1714bd4fac9" providerId="ADAL" clId="{1F5197B8-FAC2-475F-96BE-76FED434C9CB}"/>
+    <pc:docChg chg="delSld modSld">
+      <pc:chgData name="Hewner, Mike" userId="7f3f83dd-6dfb-4127-a87f-c1714bd4fac9" providerId="ADAL" clId="{1F5197B8-FAC2-475F-96BE-76FED434C9CB}" dt="2023-01-05T14:05:52.965" v="7" actId="47"/>
+      <pc:docMkLst>
+        <pc:docMk/>
+      </pc:docMkLst>
+      <pc:sldChg chg="del">
+        <pc:chgData name="Hewner, Mike" userId="7f3f83dd-6dfb-4127-a87f-c1714bd4fac9" providerId="ADAL" clId="{1F5197B8-FAC2-475F-96BE-76FED434C9CB}" dt="2023-01-05T14:04:56.589" v="6" actId="47"/>
+        <pc:sldMkLst>
+          <pc:docMk/>
+          <pc:sldMk cId="3647339432" sldId="403"/>
+        </pc:sldMkLst>
+      </pc:sldChg>
+      <pc:sldChg chg="del">
+        <pc:chgData name="Hewner, Mike" userId="7f3f83dd-6dfb-4127-a87f-c1714bd4fac9" providerId="ADAL" clId="{1F5197B8-FAC2-475F-96BE-76FED434C9CB}" dt="2023-01-05T14:05:52.965" v="7" actId="47"/>
+        <pc:sldMkLst>
+          <pc:docMk/>
+          <pc:sldMk cId="2800941064" sldId="405"/>
+        </pc:sldMkLst>
+      </pc:sldChg>
+      <pc:sldChg chg="modSp mod">
+        <pc:chgData name="Hewner, Mike" userId="7f3f83dd-6dfb-4127-a87f-c1714bd4fac9" providerId="ADAL" clId="{1F5197B8-FAC2-475F-96BE-76FED434C9CB}" dt="2023-01-05T14:04:46.582" v="5" actId="20577"/>
+        <pc:sldMkLst>
+          <pc:docMk/>
+          <pc:sldMk cId="1335901485" sldId="438"/>
+        </pc:sldMkLst>
+        <pc:spChg chg="mod">
+          <ac:chgData name="Hewner, Mike" userId="7f3f83dd-6dfb-4127-a87f-c1714bd4fac9" providerId="ADAL" clId="{1F5197B8-FAC2-475F-96BE-76FED434C9CB}" dt="2023-01-05T14:04:46.582" v="5" actId="20577"/>
+          <ac:spMkLst>
+            <pc:docMk/>
+            <pc:sldMk cId="1335901485" sldId="438"/>
+            <ac:spMk id="3" creationId="{B000FFC8-9A56-4400-8E26-709315136AE1}"/>
+          </ac:spMkLst>
+        </pc:spChg>
+      </pc:sldChg>
+    </pc:docChg>
+  </pc:docChgLst>
 </pc:chgInfo>
 </file>
 
@@ -1125,14 +1161,14 @@
           <a:bodyPr/>
           <a:lstStyle/>
           <a:p>
-            <a:endParaRPr lang="en-US" dirty="0"/>
+            <a:endParaRPr lang="en-US"/>
           </a:p>
         </p:txBody>
       </p:sp>
     </p:spTree>
     <p:extLst>
       <p:ext uri="{BB962C8B-B14F-4D97-AF65-F5344CB8AC3E}">
-        <p14:creationId xmlns:p14="http://schemas.microsoft.com/office/powerpoint/2010/main" val="1176500181"/>
+        <p14:creationId xmlns:p14="http://schemas.microsoft.com/office/powerpoint/2010/main" val="1679274982"/>
       </p:ext>
     </p:extLst>
   </p:cSld>
@@ -1176,10 +1212,10 @@
           <a:bodyPr/>
           <a:lstStyle/>
           <a:p>
-            <a:fld id="{F15C6B3F-0D26-4B69-96AB-0B41EC2F044E}" type="slidenum">
+            <a:fld id="{38FBCDCB-104E-4995-B352-47CB3AC801FB}" type="slidenum">
               <a:rPr lang="en-US"/>
               <a:pPr/>
-              <a:t>15</a:t>
+              <a:t>17</a:t>
             </a:fld>
             <a:endParaRPr lang="en-US"/>
           </a:p>
@@ -1187,7 +1223,7 @@
       </p:sp>
       <p:sp>
         <p:nvSpPr>
-          <p:cNvPr id="41986" name="Rectangle 2"/>
+          <p:cNvPr id="43010" name="Rectangle 2"/>
           <p:cNvSpPr>
             <a:spLocks noGrp="1" noRot="1" noChangeAspect="1" noChangeArrowheads="1" noTextEdit="1"/>
           </p:cNvSpPr>
@@ -1205,7 +1241,7 @@
       </p:sp>
       <p:sp>
         <p:nvSpPr>
-          <p:cNvPr id="41987" name="Rectangle 3"/>
+          <p:cNvPr id="43011" name="Rectangle 3"/>
           <p:cNvSpPr>
             <a:spLocks noGrp="1" noChangeArrowheads="1"/>
           </p:cNvSpPr>
@@ -1218,14 +1254,22 @@
           <a:bodyPr/>
           <a:lstStyle/>
           <a:p>
-            <a:endParaRPr lang="en-US"/>
+            <a:r>
+              <a:rPr lang="en-US" dirty="0"/>
+              <a:t>Java. question:  Yes, but they may be</a:t>
+            </a:r>
+            <a:r>
+              <a:rPr lang="en-US" baseline="0" dirty="0"/>
+              <a:t> subtypes (extensions of a class, implementations of an interface).  And everything is an extension of object!</a:t>
+            </a:r>
+            <a:endParaRPr lang="en-US" dirty="0"/>
           </a:p>
         </p:txBody>
       </p:sp>
     </p:spTree>
     <p:extLst>
       <p:ext uri="{BB962C8B-B14F-4D97-AF65-F5344CB8AC3E}">
-        <p14:creationId xmlns:p14="http://schemas.microsoft.com/office/powerpoint/2010/main" val="1679274982"/>
+        <p14:creationId xmlns:p14="http://schemas.microsoft.com/office/powerpoint/2010/main" val="3608596769"/>
       </p:ext>
     </p:extLst>
   </p:cSld>
@@ -1269,7 +1313,7 @@
           <a:bodyPr/>
           <a:lstStyle/>
           <a:p>
-            <a:fld id="{38FBCDCB-104E-4995-B352-47CB3AC801FB}" type="slidenum">
+            <a:fld id="{73CBFAE4-9331-4D41-949C-0F703B700E5C}" type="slidenum">
               <a:rPr lang="en-US"/>
               <a:pPr/>
               <a:t>18</a:t>
@@ -1280,7 +1324,7 @@
       </p:sp>
       <p:sp>
         <p:nvSpPr>
-          <p:cNvPr id="43010" name="Rectangle 2"/>
+          <p:cNvPr id="44034" name="Rectangle 2"/>
           <p:cNvSpPr>
             <a:spLocks noGrp="1" noRot="1" noChangeAspect="1" noChangeArrowheads="1" noTextEdit="1"/>
           </p:cNvSpPr>
@@ -1298,7 +1342,7 @@
       </p:sp>
       <p:sp>
         <p:nvSpPr>
-          <p:cNvPr id="43011" name="Rectangle 3"/>
+          <p:cNvPr id="44035" name="Rectangle 3"/>
           <p:cNvSpPr>
             <a:spLocks noGrp="1" noChangeArrowheads="1"/>
           </p:cNvSpPr>
@@ -1311,22 +1355,14 @@
           <a:bodyPr/>
           <a:lstStyle/>
           <a:p>
-            <a:r>
-              <a:rPr lang="en-US" dirty="0"/>
-              <a:t>Java. question:  Yes, but they may be</a:t>
-            </a:r>
-            <a:r>
-              <a:rPr lang="en-US" baseline="0" dirty="0"/>
-              <a:t> subtypes (extensions of a class, implementations of an interface).  And everything is an extension of object!</a:t>
-            </a:r>
-            <a:endParaRPr lang="en-US" dirty="0"/>
+            <a:endParaRPr lang="en-US"/>
           </a:p>
         </p:txBody>
       </p:sp>
     </p:spTree>
     <p:extLst>
       <p:ext uri="{BB962C8B-B14F-4D97-AF65-F5344CB8AC3E}">
-        <p14:creationId xmlns:p14="http://schemas.microsoft.com/office/powerpoint/2010/main" val="3608596769"/>
+        <p14:creationId xmlns:p14="http://schemas.microsoft.com/office/powerpoint/2010/main" val="3108855902"/>
       </p:ext>
     </p:extLst>
   </p:cSld>
@@ -1370,7 +1406,7 @@
           <a:bodyPr/>
           <a:lstStyle/>
           <a:p>
-            <a:fld id="{73CBFAE4-9331-4D41-949C-0F703B700E5C}" type="slidenum">
+            <a:fld id="{8F7BEABF-27CD-4CA1-A625-314329A79481}" type="slidenum">
               <a:rPr lang="en-US"/>
               <a:pPr/>
               <a:t>19</a:t>
@@ -1381,7 +1417,7 @@
       </p:sp>
       <p:sp>
         <p:nvSpPr>
-          <p:cNvPr id="44034" name="Rectangle 2"/>
+          <p:cNvPr id="45058" name="Rectangle 2"/>
           <p:cNvSpPr>
             <a:spLocks noGrp="1" noRot="1" noChangeAspect="1" noChangeArrowheads="1" noTextEdit="1"/>
           </p:cNvSpPr>
@@ -1399,7 +1435,7 @@
       </p:sp>
       <p:sp>
         <p:nvSpPr>
-          <p:cNvPr id="44035" name="Rectangle 3"/>
+          <p:cNvPr id="45059" name="Rectangle 3"/>
           <p:cNvSpPr>
             <a:spLocks noGrp="1" noChangeArrowheads="1"/>
           </p:cNvSpPr>
@@ -1412,14 +1448,26 @@
           <a:bodyPr/>
           <a:lstStyle/>
           <a:p>
-            <a:endParaRPr lang="en-US"/>
+            <a:r>
+              <a:rPr lang="en-US" dirty="0"/>
+              <a:t>1st sub-bullet, say  (instead of containing a collection of fields from several other types)</a:t>
+            </a:r>
+          </a:p>
+          <a:p>
+            <a:endParaRPr lang="en-US" dirty="0"/>
+          </a:p>
+          <a:p>
+            <a:r>
+              <a:rPr lang="en-US" dirty="0"/>
+              <a:t>Answer to question in last bullet: interfaces</a:t>
+            </a:r>
           </a:p>
         </p:txBody>
       </p:sp>
     </p:spTree>
     <p:extLst>
       <p:ext uri="{BB962C8B-B14F-4D97-AF65-F5344CB8AC3E}">
-        <p14:creationId xmlns:p14="http://schemas.microsoft.com/office/powerpoint/2010/main" val="3108855902"/>
+        <p14:creationId xmlns:p14="http://schemas.microsoft.com/office/powerpoint/2010/main" val="150544770"/>
       </p:ext>
     </p:extLst>
   </p:cSld>
@@ -1463,10 +1511,10 @@
           <a:bodyPr/>
           <a:lstStyle/>
           <a:p>
-            <a:fld id="{8F7BEABF-27CD-4CA1-A625-314329A79481}" type="slidenum">
+            <a:fld id="{6751DAD4-E002-4A7C-AA7D-0AB84E917F79}" type="slidenum">
               <a:rPr lang="en-US"/>
               <a:pPr/>
-              <a:t>20</a:t>
+              <a:t>21</a:t>
             </a:fld>
             <a:endParaRPr lang="en-US"/>
           </a:p>
@@ -1474,7 +1522,7 @@
       </p:sp>
       <p:sp>
         <p:nvSpPr>
-          <p:cNvPr id="45058" name="Rectangle 2"/>
+          <p:cNvPr id="46082" name="Rectangle 2"/>
           <p:cNvSpPr>
             <a:spLocks noGrp="1" noRot="1" noChangeAspect="1" noChangeArrowheads="1" noTextEdit="1"/>
           </p:cNvSpPr>
@@ -1492,7 +1540,7 @@
       </p:sp>
       <p:sp>
         <p:nvSpPr>
-          <p:cNvPr id="45059" name="Rectangle 3"/>
+          <p:cNvPr id="46083" name="Rectangle 3"/>
           <p:cNvSpPr>
             <a:spLocks noGrp="1" noChangeArrowheads="1"/>
           </p:cNvSpPr>
@@ -1505,26 +1553,14 @@
           <a:bodyPr/>
           <a:lstStyle/>
           <a:p>
-            <a:r>
-              <a:rPr lang="en-US" dirty="0"/>
-              <a:t>1st sub-bullet, say  (instead of containing a collection of fields from several other types)</a:t>
-            </a:r>
-          </a:p>
-          <a:p>
-            <a:endParaRPr lang="en-US" dirty="0"/>
-          </a:p>
-          <a:p>
-            <a:r>
-              <a:rPr lang="en-US" dirty="0"/>
-              <a:t>Answer to question in last bullet: interfaces</a:t>
-            </a:r>
+            <a:endParaRPr lang="en-US"/>
           </a:p>
         </p:txBody>
       </p:sp>
     </p:spTree>
     <p:extLst>
       <p:ext uri="{BB962C8B-B14F-4D97-AF65-F5344CB8AC3E}">
-        <p14:creationId xmlns:p14="http://schemas.microsoft.com/office/powerpoint/2010/main" val="150544770"/>
+        <p14:creationId xmlns:p14="http://schemas.microsoft.com/office/powerpoint/2010/main" val="2973289136"/>
       </p:ext>
     </p:extLst>
   </p:cSld>
@@ -1617,7 +1653,7 @@
     </p:spTree>
     <p:extLst>
       <p:ext uri="{BB962C8B-B14F-4D97-AF65-F5344CB8AC3E}">
-        <p14:creationId xmlns:p14="http://schemas.microsoft.com/office/powerpoint/2010/main" val="2973289136"/>
+        <p14:creationId xmlns:p14="http://schemas.microsoft.com/office/powerpoint/2010/main" val="2972681746"/>
       </p:ext>
     </p:extLst>
   </p:cSld>
@@ -1661,7 +1697,7 @@
           <a:bodyPr/>
           <a:lstStyle/>
           <a:p>
-            <a:fld id="{6751DAD4-E002-4A7C-AA7D-0AB84E917F79}" type="slidenum">
+            <a:fld id="{7F3E50EB-1F55-4A5C-8847-69778556AFDE}" type="slidenum">
               <a:rPr lang="en-US"/>
               <a:pPr/>
               <a:t>23</a:t>
@@ -1672,7 +1708,7 @@
       </p:sp>
       <p:sp>
         <p:nvSpPr>
-          <p:cNvPr id="46082" name="Rectangle 2"/>
+          <p:cNvPr id="48130" name="Rectangle 2"/>
           <p:cNvSpPr>
             <a:spLocks noGrp="1" noRot="1" noChangeAspect="1" noChangeArrowheads="1" noTextEdit="1"/>
           </p:cNvSpPr>
@@ -1690,7 +1726,7 @@
       </p:sp>
       <p:sp>
         <p:nvSpPr>
-          <p:cNvPr id="46083" name="Rectangle 3"/>
+          <p:cNvPr id="48131" name="Rectangle 3"/>
           <p:cNvSpPr>
             <a:spLocks noGrp="1" noChangeArrowheads="1"/>
           </p:cNvSpPr>
@@ -1703,14 +1739,14 @@
           <a:bodyPr/>
           <a:lstStyle/>
           <a:p>
-            <a:endParaRPr lang="en-US"/>
+            <a:endParaRPr lang="en-US" dirty="0"/>
           </a:p>
         </p:txBody>
       </p:sp>
     </p:spTree>
     <p:extLst>
       <p:ext uri="{BB962C8B-B14F-4D97-AF65-F5344CB8AC3E}">
-        <p14:creationId xmlns:p14="http://schemas.microsoft.com/office/powerpoint/2010/main" val="2972681746"/>
+        <p14:creationId xmlns:p14="http://schemas.microsoft.com/office/powerpoint/2010/main" val="3657673999"/>
       </p:ext>
     </p:extLst>
   </p:cSld>
@@ -1754,10 +1790,10 @@
           <a:bodyPr/>
           <a:lstStyle/>
           <a:p>
-            <a:fld id="{7F3E50EB-1F55-4A5C-8847-69778556AFDE}" type="slidenum">
+            <a:fld id="{41647C92-0AFF-4275-B96A-0BF10E19941D}" type="slidenum">
               <a:rPr lang="en-US"/>
               <a:pPr/>
-              <a:t>25</a:t>
+              <a:t>24</a:t>
             </a:fld>
             <a:endParaRPr lang="en-US"/>
           </a:p>
@@ -1765,7 +1801,7 @@
       </p:sp>
       <p:sp>
         <p:nvSpPr>
-          <p:cNvPr id="48130" name="Rectangle 2"/>
+          <p:cNvPr id="49154" name="Rectangle 2"/>
           <p:cNvSpPr>
             <a:spLocks noGrp="1" noRot="1" noChangeAspect="1" noChangeArrowheads="1" noTextEdit="1"/>
           </p:cNvSpPr>
@@ -1783,7 +1819,7 @@
       </p:sp>
       <p:sp>
         <p:nvSpPr>
-          <p:cNvPr id="48131" name="Rectangle 3"/>
+          <p:cNvPr id="49155" name="Rectangle 3"/>
           <p:cNvSpPr>
             <a:spLocks noGrp="1" noChangeArrowheads="1"/>
           </p:cNvSpPr>
@@ -1796,6 +1832,23 @@
           <a:bodyPr/>
           <a:lstStyle/>
           <a:p>
+            <a:r>
+              <a:rPr lang="en-US" dirty="0"/>
+              <a:t>Do</a:t>
+            </a:r>
+            <a:r>
+              <a:rPr lang="en-US" baseline="0" dirty="0"/>
+              <a:t> this live.</a:t>
+            </a:r>
+          </a:p>
+          <a:p>
+            <a:endParaRPr lang="en-US" baseline="0" dirty="0"/>
+          </a:p>
+          <a:p>
+            <a:r>
+              <a:rPr lang="en-US" baseline="0" dirty="0"/>
+              <a:t>Why these records are transparent.</a:t>
+            </a:r>
             <a:endParaRPr lang="en-US" dirty="0"/>
           </a:p>
         </p:txBody>
@@ -1803,7 +1856,7 @@
     </p:spTree>
     <p:extLst>
       <p:ext uri="{BB962C8B-B14F-4D97-AF65-F5344CB8AC3E}">
-        <p14:creationId xmlns:p14="http://schemas.microsoft.com/office/powerpoint/2010/main" val="3657673999"/>
+        <p14:creationId xmlns:p14="http://schemas.microsoft.com/office/powerpoint/2010/main" val="1815827209"/>
       </p:ext>
     </p:extLst>
   </p:cSld>
@@ -1847,7 +1900,7 @@
           <a:bodyPr/>
           <a:lstStyle/>
           <a:p>
-            <a:fld id="{41647C92-0AFF-4275-B96A-0BF10E19941D}" type="slidenum">
+            <a:fld id="{12E5A5A3-08E2-470E-B78F-653DD8F8DAA7}" type="slidenum">
               <a:rPr lang="en-US"/>
               <a:pPr/>
               <a:t>26</a:t>
@@ -1858,7 +1911,7 @@
       </p:sp>
       <p:sp>
         <p:nvSpPr>
-          <p:cNvPr id="49154" name="Rectangle 2"/>
+          <p:cNvPr id="50178" name="Rectangle 2"/>
           <p:cNvSpPr>
             <a:spLocks noGrp="1" noRot="1" noChangeAspect="1" noChangeArrowheads="1" noTextEdit="1"/>
           </p:cNvSpPr>
@@ -1876,7 +1929,7 @@
       </p:sp>
       <p:sp>
         <p:nvSpPr>
-          <p:cNvPr id="49155" name="Rectangle 3"/>
+          <p:cNvPr id="50179" name="Rectangle 3"/>
           <p:cNvSpPr>
             <a:spLocks noGrp="1" noChangeArrowheads="1"/>
           </p:cNvSpPr>
@@ -1889,31 +1942,14 @@
           <a:bodyPr/>
           <a:lstStyle/>
           <a:p>
-            <a:r>
-              <a:rPr lang="en-US" dirty="0"/>
-              <a:t>Do</a:t>
-            </a:r>
-            <a:r>
-              <a:rPr lang="en-US" baseline="0" dirty="0"/>
-              <a:t> this live.</a:t>
-            </a:r>
-          </a:p>
-          <a:p>
-            <a:endParaRPr lang="en-US" baseline="0" dirty="0"/>
-          </a:p>
-          <a:p>
-            <a:r>
-              <a:rPr lang="en-US" baseline="0" dirty="0"/>
-              <a:t>Why these records are transparent.</a:t>
-            </a:r>
-            <a:endParaRPr lang="en-US" dirty="0"/>
+            <a:endParaRPr lang="en-US"/>
           </a:p>
         </p:txBody>
       </p:sp>
     </p:spTree>
     <p:extLst>
       <p:ext uri="{BB962C8B-B14F-4D97-AF65-F5344CB8AC3E}">
-        <p14:creationId xmlns:p14="http://schemas.microsoft.com/office/powerpoint/2010/main" val="1815827209"/>
+        <p14:creationId xmlns:p14="http://schemas.microsoft.com/office/powerpoint/2010/main" val="1832135862"/>
       </p:ext>
     </p:extLst>
   </p:cSld>
@@ -1960,7 +1996,7 @@
             <a:fld id="{12E5A5A3-08E2-470E-B78F-653DD8F8DAA7}" type="slidenum">
               <a:rPr lang="en-US"/>
               <a:pPr/>
-              <a:t>28</a:t>
+              <a:t>27</a:t>
             </a:fld>
             <a:endParaRPr lang="en-US"/>
           </a:p>
@@ -1999,14 +2035,22 @@
           <a:bodyPr/>
           <a:lstStyle/>
           <a:p>
-            <a:endParaRPr lang="en-US"/>
+            <a:r>
+              <a:rPr lang="en-US" dirty="0"/>
+              <a:t>Don't</a:t>
+            </a:r>
+            <a:r>
+              <a:rPr lang="en-US" baseline="0" dirty="0"/>
+              <a:t> put this slide online</a:t>
+            </a:r>
+            <a:endParaRPr lang="en-US" dirty="0"/>
           </a:p>
         </p:txBody>
       </p:sp>
     </p:spTree>
     <p:extLst>
       <p:ext uri="{BB962C8B-B14F-4D97-AF65-F5344CB8AC3E}">
-        <p14:creationId xmlns:p14="http://schemas.microsoft.com/office/powerpoint/2010/main" val="1832135862"/>
+        <p14:creationId xmlns:p14="http://schemas.microsoft.com/office/powerpoint/2010/main" val="1327130845"/>
       </p:ext>
     </p:extLst>
   </p:cSld>
@@ -2062,9 +2106,28 @@
         </p:nvSpPr>
         <p:spPr/>
         <p:txBody>
-          <a:bodyPr/>
+          <a:bodyPr>
+            <a:normAutofit/>
+          </a:bodyPr>
           <a:lstStyle/>
           <a:p>
+            <a:r>
+              <a:rPr lang="en-US" dirty="0"/>
+              <a:t>This should be a review of material from</a:t>
+            </a:r>
+            <a:r>
+              <a:rPr lang="en-US" baseline="0" dirty="0"/>
+              <a:t> CSSE 220 or 230</a:t>
+            </a:r>
+          </a:p>
+          <a:p>
+            <a:endParaRPr lang="en-US" baseline="0" dirty="0"/>
+          </a:p>
+          <a:p>
+            <a:r>
+              <a:rPr lang="en-US" baseline="0" dirty="0"/>
+              <a:t>01000001</a:t>
+            </a:r>
             <a:endParaRPr lang="en-US" dirty="0"/>
           </a:p>
         </p:txBody>
@@ -2084,10 +2147,10 @@
           <a:bodyPr/>
           <a:lstStyle/>
           <a:p>
-            <a:fld id="{957F737C-2939-4B3C-A229-35593C5DE391}" type="slidenum">
+            <a:fld id="{A59661A3-F70F-48E8-AB77-4A34EFF09268}" type="slidenum">
               <a:rPr lang="en-US" smtClean="0"/>
               <a:pPr/>
-              <a:t>3</a:t>
+              <a:t>4</a:t>
             </a:fld>
             <a:endParaRPr lang="en-US"/>
           </a:p>
@@ -2096,7 +2159,7 @@
     </p:spTree>
     <p:extLst>
       <p:ext uri="{BB962C8B-B14F-4D97-AF65-F5344CB8AC3E}">
-        <p14:creationId xmlns:p14="http://schemas.microsoft.com/office/powerpoint/2010/main" val="963005493"/>
+        <p14:creationId xmlns:p14="http://schemas.microsoft.com/office/powerpoint/2010/main" val="806240140"/>
       </p:ext>
     </p:extLst>
   </p:cSld>
@@ -2140,111 +2203,10 @@
           <a:bodyPr/>
           <a:lstStyle/>
           <a:p>
-            <a:fld id="{12E5A5A3-08E2-470E-B78F-653DD8F8DAA7}" type="slidenum">
-              <a:rPr lang="en-US"/>
-              <a:pPr/>
-              <a:t>29</a:t>
-            </a:fld>
-            <a:endParaRPr lang="en-US"/>
-          </a:p>
-        </p:txBody>
-      </p:sp>
-      <p:sp>
-        <p:nvSpPr>
-          <p:cNvPr id="50178" name="Rectangle 2"/>
-          <p:cNvSpPr>
-            <a:spLocks noGrp="1" noRot="1" noChangeAspect="1" noChangeArrowheads="1" noTextEdit="1"/>
-          </p:cNvSpPr>
-          <p:nvPr>
-            <p:ph type="sldImg"/>
-          </p:nvPr>
-        </p:nvSpPr>
-        <p:spPr>
-          <a:xfrm>
-            <a:off x="457200" y="720725"/>
-            <a:ext cx="6400800" cy="3600450"/>
-          </a:xfrm>
-          <a:ln/>
-        </p:spPr>
-      </p:sp>
-      <p:sp>
-        <p:nvSpPr>
-          <p:cNvPr id="50179" name="Rectangle 3"/>
-          <p:cNvSpPr>
-            <a:spLocks noGrp="1" noChangeArrowheads="1"/>
-          </p:cNvSpPr>
-          <p:nvPr>
-            <p:ph type="body" idx="1"/>
-          </p:nvPr>
-        </p:nvSpPr>
-        <p:spPr/>
-        <p:txBody>
-          <a:bodyPr/>
-          <a:lstStyle/>
-          <a:p>
-            <a:r>
-              <a:rPr lang="en-US" dirty="0"/>
-              <a:t>Don't</a:t>
-            </a:r>
-            <a:r>
-              <a:rPr lang="en-US" baseline="0" dirty="0"/>
-              <a:t> put this slide online</a:t>
-            </a:r>
-            <a:endParaRPr lang="en-US" dirty="0"/>
-          </a:p>
-        </p:txBody>
-      </p:sp>
-    </p:spTree>
-    <p:extLst>
-      <p:ext uri="{BB962C8B-B14F-4D97-AF65-F5344CB8AC3E}">
-        <p14:creationId xmlns:p14="http://schemas.microsoft.com/office/powerpoint/2010/main" val="1327130845"/>
-      </p:ext>
-    </p:extLst>
-  </p:cSld>
-  <p:clrMapOvr>
-    <a:masterClrMapping/>
-  </p:clrMapOvr>
-</p:notes>
-</file>
-
-<file path=ppt/notesSlides/notesSlide21.xml><?xml version="1.0" encoding="utf-8"?>
-<p:notes xmlns:a="http://schemas.openxmlformats.org/drawingml/2006/main" xmlns:r="http://schemas.openxmlformats.org/officeDocument/2006/relationships" xmlns:p="http://schemas.openxmlformats.org/presentationml/2006/main">
-  <p:cSld>
-    <p:spTree>
-      <p:nvGrpSpPr>
-        <p:cNvPr id="1" name=""/>
-        <p:cNvGrpSpPr/>
-        <p:nvPr/>
-      </p:nvGrpSpPr>
-      <p:grpSpPr>
-        <a:xfrm>
-          <a:off x="0" y="0"/>
-          <a:ext cx="0" cy="0"/>
-          <a:chOff x="0" y="0"/>
-          <a:chExt cx="0" cy="0"/>
-        </a:xfrm>
-      </p:grpSpPr>
-      <p:sp>
-        <p:nvSpPr>
-          <p:cNvPr id="7" name="Rectangle 7"/>
-          <p:cNvSpPr>
-            <a:spLocks noGrp="1" noChangeArrowheads="1"/>
-          </p:cNvSpPr>
-          <p:nvPr>
-            <p:ph type="sldNum" sz="quarter" idx="5"/>
-          </p:nvPr>
-        </p:nvSpPr>
-        <p:spPr>
-          <a:ln/>
-        </p:spPr>
-        <p:txBody>
-          <a:bodyPr/>
-          <a:lstStyle/>
-          <a:p>
             <a:fld id="{117E4217-174C-44FA-8CA5-F817CA61549F}" type="slidenum">
               <a:rPr lang="en-US"/>
               <a:pPr/>
-              <a:t>30</a:t>
+              <a:t>28</a:t>
             </a:fld>
             <a:endParaRPr lang="en-US"/>
           </a:p>
@@ -2300,7 +2262,7 @@
 </p:notes>
 </file>
 
-<file path=ppt/notesSlides/notesSlide22.xml><?xml version="1.0" encoding="utf-8"?>
+<file path=ppt/notesSlides/notesSlide21.xml><?xml version="1.0" encoding="utf-8"?>
 <p:notes xmlns:a="http://schemas.openxmlformats.org/drawingml/2006/main" xmlns:r="http://schemas.openxmlformats.org/officeDocument/2006/relationships" xmlns:p="http://schemas.openxmlformats.org/presentationml/2006/main">
   <p:cSld>
     <p:spTree>
@@ -2381,7 +2343,7 @@
             <a:fld id="{A59661A3-F70F-48E8-AB77-4A34EFF09268}" type="slidenum">
               <a:rPr lang="en-US" smtClean="0"/>
               <a:pPr/>
-              <a:t>32</a:t>
+              <a:t>30</a:t>
             </a:fld>
             <a:endParaRPr lang="en-US"/>
           </a:p>
@@ -2391,6 +2353,99 @@
     <p:extLst>
       <p:ext uri="{BB962C8B-B14F-4D97-AF65-F5344CB8AC3E}">
         <p14:creationId xmlns:p14="http://schemas.microsoft.com/office/powerpoint/2010/main" val="2535146623"/>
+      </p:ext>
+    </p:extLst>
+  </p:cSld>
+  <p:clrMapOvr>
+    <a:masterClrMapping/>
+  </p:clrMapOvr>
+</p:notes>
+</file>
+
+<file path=ppt/notesSlides/notesSlide22.xml><?xml version="1.0" encoding="utf-8"?>
+<p:notes xmlns:a="http://schemas.openxmlformats.org/drawingml/2006/main" xmlns:r="http://schemas.openxmlformats.org/officeDocument/2006/relationships" xmlns:p="http://schemas.openxmlformats.org/presentationml/2006/main">
+  <p:cSld>
+    <p:spTree>
+      <p:nvGrpSpPr>
+        <p:cNvPr id="1" name=""/>
+        <p:cNvGrpSpPr/>
+        <p:nvPr/>
+      </p:nvGrpSpPr>
+      <p:grpSpPr>
+        <a:xfrm>
+          <a:off x="0" y="0"/>
+          <a:ext cx="0" cy="0"/>
+          <a:chOff x="0" y="0"/>
+          <a:chExt cx="0" cy="0"/>
+        </a:xfrm>
+      </p:grpSpPr>
+      <p:sp>
+        <p:nvSpPr>
+          <p:cNvPr id="7" name="Rectangle 7"/>
+          <p:cNvSpPr>
+            <a:spLocks noGrp="1" noChangeArrowheads="1"/>
+          </p:cNvSpPr>
+          <p:nvPr>
+            <p:ph type="sldNum" sz="quarter" idx="5"/>
+          </p:nvPr>
+        </p:nvSpPr>
+        <p:spPr>
+          <a:ln/>
+        </p:spPr>
+        <p:txBody>
+          <a:bodyPr/>
+          <a:lstStyle/>
+          <a:p>
+            <a:fld id="{2140B3C9-24C6-480C-BBFD-4C50FC7C93CB}" type="slidenum">
+              <a:rPr lang="en-US"/>
+              <a:pPr/>
+              <a:t>31</a:t>
+            </a:fld>
+            <a:endParaRPr lang="en-US"/>
+          </a:p>
+        </p:txBody>
+      </p:sp>
+      <p:sp>
+        <p:nvSpPr>
+          <p:cNvPr id="53250" name="Rectangle 2"/>
+          <p:cNvSpPr>
+            <a:spLocks noGrp="1" noRot="1" noChangeAspect="1" noChangeArrowheads="1" noTextEdit="1"/>
+          </p:cNvSpPr>
+          <p:nvPr>
+            <p:ph type="sldImg"/>
+          </p:nvPr>
+        </p:nvSpPr>
+        <p:spPr>
+          <a:xfrm>
+            <a:off x="457200" y="720725"/>
+            <a:ext cx="6400800" cy="3600450"/>
+          </a:xfrm>
+          <a:ln/>
+        </p:spPr>
+      </p:sp>
+      <p:sp>
+        <p:nvSpPr>
+          <p:cNvPr id="53251" name="Rectangle 3"/>
+          <p:cNvSpPr>
+            <a:spLocks noGrp="1" noChangeArrowheads="1"/>
+          </p:cNvSpPr>
+          <p:nvPr>
+            <p:ph type="body" idx="1"/>
+          </p:nvPr>
+        </p:nvSpPr>
+        <p:spPr/>
+        <p:txBody>
+          <a:bodyPr/>
+          <a:lstStyle/>
+          <a:p>
+            <a:endParaRPr lang="en-US"/>
+          </a:p>
+        </p:txBody>
+      </p:sp>
+    </p:spTree>
+    <p:extLst>
+      <p:ext uri="{BB962C8B-B14F-4D97-AF65-F5344CB8AC3E}">
+        <p14:creationId xmlns:p14="http://schemas.microsoft.com/office/powerpoint/2010/main" val="1920408717"/>
       </p:ext>
     </p:extLst>
   </p:cSld>
@@ -2434,10 +2489,10 @@
           <a:bodyPr/>
           <a:lstStyle/>
           <a:p>
-            <a:fld id="{2140B3C9-24C6-480C-BBFD-4C50FC7C93CB}" type="slidenum">
+            <a:fld id="{3E1CF1FD-37F9-472B-AF89-DF609A54A7A4}" type="slidenum">
               <a:rPr lang="en-US"/>
               <a:pPr/>
-              <a:t>33</a:t>
+              <a:t>32</a:t>
             </a:fld>
             <a:endParaRPr lang="en-US"/>
           </a:p>
@@ -2445,7 +2500,7 @@
       </p:sp>
       <p:sp>
         <p:nvSpPr>
-          <p:cNvPr id="53250" name="Rectangle 2"/>
+          <p:cNvPr id="52226" name="Rectangle 2"/>
           <p:cNvSpPr>
             <a:spLocks noGrp="1" noRot="1" noChangeAspect="1" noChangeArrowheads="1" noTextEdit="1"/>
           </p:cNvSpPr>
@@ -2463,7 +2518,7 @@
       </p:sp>
       <p:sp>
         <p:nvSpPr>
-          <p:cNvPr id="53251" name="Rectangle 3"/>
+          <p:cNvPr id="52227" name="Rectangle 3"/>
           <p:cNvSpPr>
             <a:spLocks noGrp="1" noChangeArrowheads="1"/>
           </p:cNvSpPr>
@@ -2483,7 +2538,7 @@
     </p:spTree>
     <p:extLst>
       <p:ext uri="{BB962C8B-B14F-4D97-AF65-F5344CB8AC3E}">
-        <p14:creationId xmlns:p14="http://schemas.microsoft.com/office/powerpoint/2010/main" val="1920408717"/>
+        <p14:creationId xmlns:p14="http://schemas.microsoft.com/office/powerpoint/2010/main" val="2697761985"/>
       </p:ext>
     </p:extLst>
   </p:cSld>
@@ -2527,10 +2582,10 @@
           <a:bodyPr/>
           <a:lstStyle/>
           <a:p>
-            <a:fld id="{3E1CF1FD-37F9-472B-AF89-DF609A54A7A4}" type="slidenum">
+            <a:fld id="{EC30D903-EC7E-4D3C-BC5F-E65DE184E6F7}" type="slidenum">
               <a:rPr lang="en-US"/>
               <a:pPr/>
-              <a:t>34</a:t>
+              <a:t>33</a:t>
             </a:fld>
             <a:endParaRPr lang="en-US"/>
           </a:p>
@@ -2538,7 +2593,7 @@
       </p:sp>
       <p:sp>
         <p:nvSpPr>
-          <p:cNvPr id="52226" name="Rectangle 2"/>
+          <p:cNvPr id="54274" name="Rectangle 2"/>
           <p:cNvSpPr>
             <a:spLocks noGrp="1" noRot="1" noChangeAspect="1" noChangeArrowheads="1" noTextEdit="1"/>
           </p:cNvSpPr>
@@ -2556,7 +2611,7 @@
       </p:sp>
       <p:sp>
         <p:nvSpPr>
-          <p:cNvPr id="52227" name="Rectangle 3"/>
+          <p:cNvPr id="54275" name="Rectangle 3"/>
           <p:cNvSpPr>
             <a:spLocks noGrp="1" noChangeArrowheads="1"/>
           </p:cNvSpPr>
@@ -2569,14 +2624,30 @@
           <a:bodyPr/>
           <a:lstStyle/>
           <a:p>
-            <a:endParaRPr lang="en-US"/>
+            <a:r>
+              <a:rPr lang="en-US" dirty="0"/>
+              <a:t>Ask:</a:t>
+            </a:r>
+            <a:r>
+              <a:rPr lang="en-US" baseline="0" dirty="0"/>
+              <a:t>  In the second case, why don't we call parse-exp on (</a:t>
+            </a:r>
+            <a:r>
+              <a:rPr lang="en-US" baseline="0" dirty="0" err="1"/>
+              <a:t>caadr</a:t>
+            </a:r>
+            <a:r>
+              <a:rPr lang="en-US" baseline="0" dirty="0"/>
+              <a:t> datum)?</a:t>
+            </a:r>
+            <a:endParaRPr lang="en-US" dirty="0"/>
           </a:p>
         </p:txBody>
       </p:sp>
     </p:spTree>
     <p:extLst>
       <p:ext uri="{BB962C8B-B14F-4D97-AF65-F5344CB8AC3E}">
-        <p14:creationId xmlns:p14="http://schemas.microsoft.com/office/powerpoint/2010/main" val="2697761985"/>
+        <p14:creationId xmlns:p14="http://schemas.microsoft.com/office/powerpoint/2010/main" val="1197178986"/>
       </p:ext>
     </p:extLst>
   </p:cSld>
@@ -2620,119 +2691,10 @@
           <a:bodyPr/>
           <a:lstStyle/>
           <a:p>
-            <a:fld id="{EC30D903-EC7E-4D3C-BC5F-E65DE184E6F7}" type="slidenum">
-              <a:rPr lang="en-US"/>
-              <a:pPr/>
-              <a:t>35</a:t>
-            </a:fld>
-            <a:endParaRPr lang="en-US"/>
-          </a:p>
-        </p:txBody>
-      </p:sp>
-      <p:sp>
-        <p:nvSpPr>
-          <p:cNvPr id="54274" name="Rectangle 2"/>
-          <p:cNvSpPr>
-            <a:spLocks noGrp="1" noRot="1" noChangeAspect="1" noChangeArrowheads="1" noTextEdit="1"/>
-          </p:cNvSpPr>
-          <p:nvPr>
-            <p:ph type="sldImg"/>
-          </p:nvPr>
-        </p:nvSpPr>
-        <p:spPr>
-          <a:xfrm>
-            <a:off x="457200" y="720725"/>
-            <a:ext cx="6400800" cy="3600450"/>
-          </a:xfrm>
-          <a:ln/>
-        </p:spPr>
-      </p:sp>
-      <p:sp>
-        <p:nvSpPr>
-          <p:cNvPr id="54275" name="Rectangle 3"/>
-          <p:cNvSpPr>
-            <a:spLocks noGrp="1" noChangeArrowheads="1"/>
-          </p:cNvSpPr>
-          <p:nvPr>
-            <p:ph type="body" idx="1"/>
-          </p:nvPr>
-        </p:nvSpPr>
-        <p:spPr/>
-        <p:txBody>
-          <a:bodyPr/>
-          <a:lstStyle/>
-          <a:p>
-            <a:r>
-              <a:rPr lang="en-US" dirty="0"/>
-              <a:t>Ask:</a:t>
-            </a:r>
-            <a:r>
-              <a:rPr lang="en-US" baseline="0" dirty="0"/>
-              <a:t>  In the second case, why don't we call parse-exp on (</a:t>
-            </a:r>
-            <a:r>
-              <a:rPr lang="en-US" baseline="0" dirty="0" err="1"/>
-              <a:t>caadr</a:t>
-            </a:r>
-            <a:r>
-              <a:rPr lang="en-US" baseline="0" dirty="0"/>
-              <a:t> datum)?</a:t>
-            </a:r>
-            <a:endParaRPr lang="en-US" dirty="0"/>
-          </a:p>
-        </p:txBody>
-      </p:sp>
-    </p:spTree>
-    <p:extLst>
-      <p:ext uri="{BB962C8B-B14F-4D97-AF65-F5344CB8AC3E}">
-        <p14:creationId xmlns:p14="http://schemas.microsoft.com/office/powerpoint/2010/main" val="1197178986"/>
-      </p:ext>
-    </p:extLst>
-  </p:cSld>
-  <p:clrMapOvr>
-    <a:masterClrMapping/>
-  </p:clrMapOvr>
-</p:notes>
-</file>
-
-<file path=ppt/notesSlides/notesSlide26.xml><?xml version="1.0" encoding="utf-8"?>
-<p:notes xmlns:a="http://schemas.openxmlformats.org/drawingml/2006/main" xmlns:r="http://schemas.openxmlformats.org/officeDocument/2006/relationships" xmlns:p="http://schemas.openxmlformats.org/presentationml/2006/main">
-  <p:cSld>
-    <p:spTree>
-      <p:nvGrpSpPr>
-        <p:cNvPr id="1" name=""/>
-        <p:cNvGrpSpPr/>
-        <p:nvPr/>
-      </p:nvGrpSpPr>
-      <p:grpSpPr>
-        <a:xfrm>
-          <a:off x="0" y="0"/>
-          <a:ext cx="0" cy="0"/>
-          <a:chOff x="0" y="0"/>
-          <a:chExt cx="0" cy="0"/>
-        </a:xfrm>
-      </p:grpSpPr>
-      <p:sp>
-        <p:nvSpPr>
-          <p:cNvPr id="7" name="Rectangle 7"/>
-          <p:cNvSpPr>
-            <a:spLocks noGrp="1" noChangeArrowheads="1"/>
-          </p:cNvSpPr>
-          <p:nvPr>
-            <p:ph type="sldNum" sz="quarter" idx="5"/>
-          </p:nvPr>
-        </p:nvSpPr>
-        <p:spPr>
-          <a:ln/>
-        </p:spPr>
-        <p:txBody>
-          <a:bodyPr/>
-          <a:lstStyle/>
-          <a:p>
             <a:fld id="{0C7D3869-7C3F-42B9-84A7-4890E8D62701}" type="slidenum">
               <a:rPr lang="en-US"/>
               <a:pPr/>
-              <a:t>36</a:t>
+              <a:t>34</a:t>
             </a:fld>
             <a:endParaRPr lang="en-US"/>
           </a:p>
@@ -2848,7 +2810,7 @@
 </p:notes>
 </file>
 
-<file path=ppt/notesSlides/notesSlide27.xml><?xml version="1.0" encoding="utf-8"?>
+<file path=ppt/notesSlides/notesSlide26.xml><?xml version="1.0" encoding="utf-8"?>
 <p:notes xmlns:a="http://schemas.openxmlformats.org/drawingml/2006/main" xmlns:r="http://schemas.openxmlformats.org/officeDocument/2006/relationships" xmlns:p="http://schemas.openxmlformats.org/presentationml/2006/main">
   <p:cSld>
     <p:spTree>
@@ -2946,7 +2908,7 @@
             <a:fld id="{A59661A3-F70F-48E8-AB77-4A34EFF09268}" type="slidenum">
               <a:rPr lang="en-US" smtClean="0"/>
               <a:pPr/>
-              <a:t>38</a:t>
+              <a:t>36</a:t>
             </a:fld>
             <a:endParaRPr lang="en-US"/>
           </a:p>
@@ -2965,7 +2927,7 @@
 </p:notes>
 </file>
 
-<file path=ppt/notesSlides/notesSlide28.xml><?xml version="1.0" encoding="utf-8"?>
+<file path=ppt/notesSlides/notesSlide27.xml><?xml version="1.0" encoding="utf-8"?>
 <p:notes xmlns:a="http://schemas.openxmlformats.org/drawingml/2006/main" xmlns:r="http://schemas.openxmlformats.org/officeDocument/2006/relationships" xmlns:p="http://schemas.openxmlformats.org/presentationml/2006/main">
   <p:cSld>
     <p:spTree>
@@ -3002,7 +2964,7 @@
             <a:fld id="{EF09F508-BCFF-45D3-ACD1-41AB7A918C27}" type="slidenum">
               <a:rPr lang="en-US"/>
               <a:pPr/>
-              <a:t>39</a:t>
+              <a:t>37</a:t>
             </a:fld>
             <a:endParaRPr lang="en-US"/>
           </a:p>
@@ -3052,6 +3014,96 @@
     <p:extLst>
       <p:ext uri="{BB962C8B-B14F-4D97-AF65-F5344CB8AC3E}">
         <p14:creationId xmlns:p14="http://schemas.microsoft.com/office/powerpoint/2010/main" val="3266384834"/>
+      </p:ext>
+    </p:extLst>
+  </p:cSld>
+  <p:clrMapOvr>
+    <a:masterClrMapping/>
+  </p:clrMapOvr>
+</p:notes>
+</file>
+
+<file path=ppt/notesSlides/notesSlide28.xml><?xml version="1.0" encoding="utf-8"?>
+<p:notes xmlns:a="http://schemas.openxmlformats.org/drawingml/2006/main" xmlns:r="http://schemas.openxmlformats.org/officeDocument/2006/relationships" xmlns:p="http://schemas.openxmlformats.org/presentationml/2006/main">
+  <p:cSld>
+    <p:spTree>
+      <p:nvGrpSpPr>
+        <p:cNvPr id="1" name=""/>
+        <p:cNvGrpSpPr/>
+        <p:nvPr/>
+      </p:nvGrpSpPr>
+      <p:grpSpPr>
+        <a:xfrm>
+          <a:off x="0" y="0"/>
+          <a:ext cx="0" cy="0"/>
+          <a:chOff x="0" y="0"/>
+          <a:chExt cx="0" cy="0"/>
+        </a:xfrm>
+      </p:grpSpPr>
+      <p:sp>
+        <p:nvSpPr>
+          <p:cNvPr id="2" name="Slide Image Placeholder 1"/>
+          <p:cNvSpPr>
+            <a:spLocks noGrp="1" noRot="1" noChangeAspect="1"/>
+          </p:cNvSpPr>
+          <p:nvPr>
+            <p:ph type="sldImg"/>
+          </p:nvPr>
+        </p:nvSpPr>
+        <p:spPr/>
+      </p:sp>
+      <p:sp>
+        <p:nvSpPr>
+          <p:cNvPr id="3" name="Notes Placeholder 2"/>
+          <p:cNvSpPr>
+            <a:spLocks noGrp="1"/>
+          </p:cNvSpPr>
+          <p:nvPr>
+            <p:ph type="body" idx="1"/>
+          </p:nvPr>
+        </p:nvSpPr>
+        <p:spPr/>
+        <p:txBody>
+          <a:bodyPr>
+            <a:normAutofit/>
+          </a:bodyPr>
+          <a:lstStyle/>
+          <a:p>
+            <a:r>
+              <a:rPr lang="en-US" dirty="0"/>
+              <a:t>Tell students that they don't have to know the details of any of this; it is just a little "cultural foray" in to language theory.</a:t>
+            </a:r>
+          </a:p>
+        </p:txBody>
+      </p:sp>
+      <p:sp>
+        <p:nvSpPr>
+          <p:cNvPr id="4" name="Slide Number Placeholder 3"/>
+          <p:cNvSpPr>
+            <a:spLocks noGrp="1"/>
+          </p:cNvSpPr>
+          <p:nvPr>
+            <p:ph type="sldNum" sz="quarter" idx="10"/>
+          </p:nvPr>
+        </p:nvSpPr>
+        <p:spPr/>
+        <p:txBody>
+          <a:bodyPr/>
+          <a:lstStyle/>
+          <a:p>
+            <a:fld id="{AA9C29A4-A030-44E6-BCFC-ED4B6AFE8485}" type="slidenum">
+              <a:rPr lang="en-US" smtClean="0"/>
+              <a:pPr/>
+              <a:t>39</a:t>
+            </a:fld>
+            <a:endParaRPr lang="en-US"/>
+          </a:p>
+        </p:txBody>
+      </p:sp>
+    </p:spTree>
+    <p:extLst>
+      <p:ext uri="{BB962C8B-B14F-4D97-AF65-F5344CB8AC3E}">
+        <p14:creationId xmlns:p14="http://schemas.microsoft.com/office/powerpoint/2010/main" val="4287843220"/>
       </p:ext>
     </p:extLst>
   </p:cSld>
@@ -3102,15 +3154,10 @@
         </p:nvSpPr>
         <p:spPr/>
         <p:txBody>
-          <a:bodyPr>
-            <a:normAutofit/>
-          </a:bodyPr>
+          <a:bodyPr/>
           <a:lstStyle/>
           <a:p>
-            <a:r>
-              <a:rPr lang="en-US" dirty="0"/>
-              <a:t>Tell students that they don't have to know the details of any of this; it is just a little "cultural foray" in to language theory.</a:t>
-            </a:r>
+            <a:endParaRPr lang="en-US" dirty="0"/>
           </a:p>
         </p:txBody>
       </p:sp>
@@ -3121,7 +3168,7 @@
             <a:spLocks noGrp="1"/>
           </p:cNvSpPr>
           <p:nvPr>
-            <p:ph type="sldNum" sz="quarter" idx="10"/>
+            <p:ph type="sldNum" sz="quarter" idx="5"/>
           </p:nvPr>
         </p:nvSpPr>
         <p:spPr/>
@@ -3129,10 +3176,10 @@
           <a:bodyPr/>
           <a:lstStyle/>
           <a:p>
-            <a:fld id="{AA9C29A4-A030-44E6-BCFC-ED4B6AFE8485}" type="slidenum">
+            <a:fld id="{A59661A3-F70F-48E8-AB77-4A34EFF09268}" type="slidenum">
               <a:rPr lang="en-US" smtClean="0"/>
               <a:pPr/>
-              <a:t>41</a:t>
+              <a:t>45</a:t>
             </a:fld>
             <a:endParaRPr lang="en-US"/>
           </a:p>
@@ -3141,7 +3188,7 @@
     </p:spTree>
     <p:extLst>
       <p:ext uri="{BB962C8B-B14F-4D97-AF65-F5344CB8AC3E}">
-        <p14:creationId xmlns:p14="http://schemas.microsoft.com/office/powerpoint/2010/main" val="4287843220"/>
+        <p14:creationId xmlns:p14="http://schemas.microsoft.com/office/powerpoint/2010/main" val="3674019339"/>
       </p:ext>
     </p:extLst>
   </p:cSld>
@@ -3170,9 +3217,35 @@
       </p:grpSpPr>
       <p:sp>
         <p:nvSpPr>
-          <p:cNvPr id="2" name="Slide Image Placeholder 1"/>
+          <p:cNvPr id="7" name="Rectangle 7"/>
           <p:cNvSpPr>
-            <a:spLocks noGrp="1" noRot="1" noChangeAspect="1"/>
+            <a:spLocks noGrp="1" noChangeArrowheads="1"/>
+          </p:cNvSpPr>
+          <p:nvPr>
+            <p:ph type="sldNum" sz="quarter" idx="5"/>
+          </p:nvPr>
+        </p:nvSpPr>
+        <p:spPr>
+          <a:ln/>
+        </p:spPr>
+        <p:txBody>
+          <a:bodyPr/>
+          <a:lstStyle/>
+          <a:p>
+            <a:fld id="{4CEA281A-0C08-4CCA-A259-14099FBBAA93}" type="slidenum">
+              <a:rPr lang="en-US"/>
+              <a:pPr/>
+              <a:t>5</a:t>
+            </a:fld>
+            <a:endParaRPr lang="en-US"/>
+          </a:p>
+        </p:txBody>
+      </p:sp>
+      <p:sp>
+        <p:nvSpPr>
+          <p:cNvPr id="37890" name="Rectangle 2"/>
+          <p:cNvSpPr>
+            <a:spLocks noGrp="1" noRot="1" noChangeAspect="1" noChangeArrowheads="1" noTextEdit="1"/>
           </p:cNvSpPr>
           <p:nvPr>
             <p:ph type="sldImg"/>
@@ -3183,13 +3256,14 @@
             <a:off x="457200" y="720725"/>
             <a:ext cx="6400800" cy="3600450"/>
           </a:xfrm>
+          <a:ln/>
         </p:spPr>
       </p:sp>
       <p:sp>
         <p:nvSpPr>
-          <p:cNvPr id="3" name="Notes Placeholder 2"/>
+          <p:cNvPr id="37891" name="Rectangle 3"/>
           <p:cNvSpPr>
-            <a:spLocks noGrp="1"/>
+            <a:spLocks noGrp="1" noChangeArrowheads="1"/>
           </p:cNvSpPr>
           <p:nvPr>
             <p:ph type="body" idx="1"/>
@@ -3197,52 +3271,9 @@
         </p:nvSpPr>
         <p:spPr/>
         <p:txBody>
-          <a:bodyPr>
-            <a:normAutofit/>
-          </a:bodyPr>
-          <a:lstStyle/>
-          <a:p>
-            <a:r>
-              <a:rPr lang="en-US" dirty="0"/>
-              <a:t>This should be a review of material from</a:t>
-            </a:r>
-            <a:r>
-              <a:rPr lang="en-US" baseline="0" dirty="0"/>
-              <a:t> CSSE 220 or 230</a:t>
-            </a:r>
-          </a:p>
-          <a:p>
-            <a:endParaRPr lang="en-US" baseline="0" dirty="0"/>
-          </a:p>
-          <a:p>
-            <a:r>
-              <a:rPr lang="en-US" baseline="0" dirty="0"/>
-              <a:t>01000001</a:t>
-            </a:r>
-            <a:endParaRPr lang="en-US" dirty="0"/>
-          </a:p>
-        </p:txBody>
-      </p:sp>
-      <p:sp>
-        <p:nvSpPr>
-          <p:cNvPr id="4" name="Slide Number Placeholder 3"/>
-          <p:cNvSpPr>
-            <a:spLocks noGrp="1"/>
-          </p:cNvSpPr>
-          <p:nvPr>
-            <p:ph type="sldNum" sz="quarter" idx="10"/>
-          </p:nvPr>
-        </p:nvSpPr>
-        <p:spPr/>
-        <p:txBody>
           <a:bodyPr/>
           <a:lstStyle/>
           <a:p>
-            <a:fld id="{A59661A3-F70F-48E8-AB77-4A34EFF09268}" type="slidenum">
-              <a:rPr lang="en-US" smtClean="0"/>
-              <a:pPr/>
-              <a:t>5</a:t>
-            </a:fld>
             <a:endParaRPr lang="en-US"/>
           </a:p>
         </p:txBody>
@@ -3250,7 +3281,7 @@
     </p:spTree>
     <p:extLst>
       <p:ext uri="{BB962C8B-B14F-4D97-AF65-F5344CB8AC3E}">
-        <p14:creationId xmlns:p14="http://schemas.microsoft.com/office/powerpoint/2010/main" val="806240140"/>
+        <p14:creationId xmlns:p14="http://schemas.microsoft.com/office/powerpoint/2010/main" val="3235080495"/>
       </p:ext>
     </p:extLst>
   </p:cSld>
@@ -3301,10 +3332,23 @@
         </p:nvSpPr>
         <p:spPr/>
         <p:txBody>
-          <a:bodyPr/>
+          <a:bodyPr>
+            <a:normAutofit/>
+          </a:bodyPr>
           <a:lstStyle/>
           <a:p>
-            <a:endParaRPr lang="en-US" dirty="0"/>
+            <a:r>
+              <a:rPr lang="en-US" dirty="0"/>
+              <a:t>no define, no </a:t>
+            </a:r>
+            <a:r>
+              <a:rPr lang="en-US" dirty="0" err="1"/>
+              <a:t>letrec</a:t>
+            </a:r>
+            <a:r>
+              <a:rPr lang="en-US" dirty="0"/>
+              <a:t>.  It's truly an anonymous recursive procedure.</a:t>
+            </a:r>
           </a:p>
         </p:txBody>
       </p:sp>
@@ -3315,7 +3359,7 @@
             <a:spLocks noGrp="1"/>
           </p:cNvSpPr>
           <p:nvPr>
-            <p:ph type="sldNum" sz="quarter" idx="5"/>
+            <p:ph type="sldNum" sz="quarter" idx="10"/>
           </p:nvPr>
         </p:nvSpPr>
         <p:spPr/>
@@ -3323,10 +3367,10 @@
           <a:bodyPr/>
           <a:lstStyle/>
           <a:p>
-            <a:fld id="{A59661A3-F70F-48E8-AB77-4A34EFF09268}" type="slidenum">
+            <a:fld id="{AA9C29A4-A030-44E6-BCFC-ED4B6AFE8485}" type="slidenum">
               <a:rPr lang="en-US" smtClean="0"/>
               <a:pPr/>
-              <a:t>47</a:t>
+              <a:t>46</a:t>
             </a:fld>
             <a:endParaRPr lang="en-US"/>
           </a:p>
@@ -3335,7 +3379,7 @@
     </p:spTree>
     <p:extLst>
       <p:ext uri="{BB962C8B-B14F-4D97-AF65-F5344CB8AC3E}">
-        <p14:creationId xmlns:p14="http://schemas.microsoft.com/office/powerpoint/2010/main" val="3674019339"/>
+        <p14:creationId xmlns:p14="http://schemas.microsoft.com/office/powerpoint/2010/main" val="2640288150"/>
       </p:ext>
     </p:extLst>
   </p:cSld>
@@ -3386,23 +3430,10 @@
         </p:nvSpPr>
         <p:spPr/>
         <p:txBody>
-          <a:bodyPr>
-            <a:normAutofit/>
-          </a:bodyPr>
+          <a:bodyPr/>
           <a:lstStyle/>
           <a:p>
-            <a:r>
-              <a:rPr lang="en-US" dirty="0"/>
-              <a:t>no define, no </a:t>
-            </a:r>
-            <a:r>
-              <a:rPr lang="en-US" dirty="0" err="1"/>
-              <a:t>letrec</a:t>
-            </a:r>
-            <a:r>
-              <a:rPr lang="en-US" dirty="0"/>
-              <a:t>.  It's truly an anonymous recursive procedure.</a:t>
-            </a:r>
+            <a:endParaRPr lang="en-US" dirty="0"/>
           </a:p>
         </p:txBody>
       </p:sp>
@@ -3421,10 +3452,10 @@
           <a:bodyPr/>
           <a:lstStyle/>
           <a:p>
-            <a:fld id="{AA9C29A4-A030-44E6-BCFC-ED4B6AFE8485}" type="slidenum">
+            <a:fld id="{A59661A3-F70F-48E8-AB77-4A34EFF09268}" type="slidenum">
               <a:rPr lang="en-US" smtClean="0"/>
               <a:pPr/>
-              <a:t>48</a:t>
+              <a:t>47</a:t>
             </a:fld>
             <a:endParaRPr lang="en-US"/>
           </a:p>
@@ -3433,7 +3464,7 @@
     </p:spTree>
     <p:extLst>
       <p:ext uri="{BB962C8B-B14F-4D97-AF65-F5344CB8AC3E}">
-        <p14:creationId xmlns:p14="http://schemas.microsoft.com/office/powerpoint/2010/main" val="2640288150"/>
+        <p14:creationId xmlns:p14="http://schemas.microsoft.com/office/powerpoint/2010/main" val="2093058536"/>
       </p:ext>
     </p:extLst>
   </p:cSld>
@@ -3487,6 +3518,14 @@
           <a:bodyPr/>
           <a:lstStyle/>
           <a:p>
+            <a:r>
+              <a:rPr lang="en-US" dirty="0"/>
+              <a:t>In</a:t>
+            </a:r>
+            <a:r>
+              <a:rPr lang="en-US" baseline="0" dirty="0"/>
+              <a:t> the picture, be sure to include + and list in the global environment.</a:t>
+            </a:r>
             <a:endParaRPr lang="en-US" dirty="0"/>
           </a:p>
         </p:txBody>
@@ -3518,7 +3557,7 @@
     </p:spTree>
     <p:extLst>
       <p:ext uri="{BB962C8B-B14F-4D97-AF65-F5344CB8AC3E}">
-        <p14:creationId xmlns:p14="http://schemas.microsoft.com/office/powerpoint/2010/main" val="2093058536"/>
+        <p14:creationId xmlns:p14="http://schemas.microsoft.com/office/powerpoint/2010/main" val="2047278121"/>
       </p:ext>
     </p:extLst>
   </p:cSld>
@@ -3602,7 +3641,7 @@
             <a:fld id="{A59661A3-F70F-48E8-AB77-4A34EFF09268}" type="slidenum">
               <a:rPr lang="en-US" smtClean="0"/>
               <a:pPr/>
-              <a:t>51</a:t>
+              <a:t>50</a:t>
             </a:fld>
             <a:endParaRPr lang="en-US"/>
           </a:p>
@@ -3611,7 +3650,7 @@
     </p:spTree>
     <p:extLst>
       <p:ext uri="{BB962C8B-B14F-4D97-AF65-F5344CB8AC3E}">
-        <p14:creationId xmlns:p14="http://schemas.microsoft.com/office/powerpoint/2010/main" val="2047278121"/>
+        <p14:creationId xmlns:p14="http://schemas.microsoft.com/office/powerpoint/2010/main" val="2628753483"/>
       </p:ext>
     </p:extLst>
   </p:cSld>
@@ -3695,7 +3734,7 @@
             <a:fld id="{A59661A3-F70F-48E8-AB77-4A34EFF09268}" type="slidenum">
               <a:rPr lang="en-US" smtClean="0"/>
               <a:pPr/>
-              <a:t>52</a:t>
+              <a:t>51</a:t>
             </a:fld>
             <a:endParaRPr lang="en-US"/>
           </a:p>
@@ -3704,7 +3743,7 @@
     </p:spTree>
     <p:extLst>
       <p:ext uri="{BB962C8B-B14F-4D97-AF65-F5344CB8AC3E}">
-        <p14:creationId xmlns:p14="http://schemas.microsoft.com/office/powerpoint/2010/main" val="2628753483"/>
+        <p14:creationId xmlns:p14="http://schemas.microsoft.com/office/powerpoint/2010/main" val="877924387"/>
       </p:ext>
     </p:extLst>
   </p:cSld>
@@ -3758,14 +3797,6 @@
           <a:bodyPr/>
           <a:lstStyle/>
           <a:p>
-            <a:r>
-              <a:rPr lang="en-US" dirty="0"/>
-              <a:t>In</a:t>
-            </a:r>
-            <a:r>
-              <a:rPr lang="en-US" baseline="0" dirty="0"/>
-              <a:t> the picture, be sure to include + and list in the global environment.</a:t>
-            </a:r>
             <a:endParaRPr lang="en-US" dirty="0"/>
           </a:p>
         </p:txBody>
@@ -3788,7 +3819,7 @@
             <a:fld id="{A59661A3-F70F-48E8-AB77-4A34EFF09268}" type="slidenum">
               <a:rPr lang="en-US" smtClean="0"/>
               <a:pPr/>
-              <a:t>53</a:t>
+              <a:t>52</a:t>
             </a:fld>
             <a:endParaRPr lang="en-US"/>
           </a:p>
@@ -3797,7 +3828,7 @@
     </p:spTree>
     <p:extLst>
       <p:ext uri="{BB962C8B-B14F-4D97-AF65-F5344CB8AC3E}">
-        <p14:creationId xmlns:p14="http://schemas.microsoft.com/office/powerpoint/2010/main" val="877924387"/>
+        <p14:creationId xmlns:p14="http://schemas.microsoft.com/office/powerpoint/2010/main" val="2092902290"/>
       </p:ext>
     </p:extLst>
   </p:cSld>
@@ -3873,7 +3904,7 @@
             <a:fld id="{A59661A3-F70F-48E8-AB77-4A34EFF09268}" type="slidenum">
               <a:rPr lang="en-US" smtClean="0"/>
               <a:pPr/>
-              <a:t>54</a:t>
+              <a:t>53</a:t>
             </a:fld>
             <a:endParaRPr lang="en-US"/>
           </a:p>
@@ -3882,7 +3913,7 @@
     </p:spTree>
     <p:extLst>
       <p:ext uri="{BB962C8B-B14F-4D97-AF65-F5344CB8AC3E}">
-        <p14:creationId xmlns:p14="http://schemas.microsoft.com/office/powerpoint/2010/main" val="2092902290"/>
+        <p14:creationId xmlns:p14="http://schemas.microsoft.com/office/powerpoint/2010/main" val="1317415209"/>
       </p:ext>
     </p:extLst>
   </p:cSld>
@@ -3933,10 +3964,15 @@
         </p:nvSpPr>
         <p:spPr/>
         <p:txBody>
-          <a:bodyPr/>
+          <a:bodyPr>
+            <a:normAutofit/>
+          </a:bodyPr>
           <a:lstStyle/>
           <a:p>
-            <a:endParaRPr lang="en-US" dirty="0"/>
+            <a:r>
+              <a:rPr lang="en-US" dirty="0"/>
+              <a:t>Closure is another name for "user-defined procedure"</a:t>
+            </a:r>
           </a:p>
         </p:txBody>
       </p:sp>
@@ -3958,7 +3994,7 @@
             <a:fld id="{A59661A3-F70F-48E8-AB77-4A34EFF09268}" type="slidenum">
               <a:rPr lang="en-US" smtClean="0"/>
               <a:pPr/>
-              <a:t>55</a:t>
+              <a:t>54</a:t>
             </a:fld>
             <a:endParaRPr lang="en-US"/>
           </a:p>
@@ -3967,7 +4003,7 @@
     </p:spTree>
     <p:extLst>
       <p:ext uri="{BB962C8B-B14F-4D97-AF65-F5344CB8AC3E}">
-        <p14:creationId xmlns:p14="http://schemas.microsoft.com/office/powerpoint/2010/main" val="1317415209"/>
+        <p14:creationId xmlns:p14="http://schemas.microsoft.com/office/powerpoint/2010/main" val="1422355214"/>
       </p:ext>
     </p:extLst>
   </p:cSld>
@@ -4018,15 +4054,18 @@
         </p:nvSpPr>
         <p:spPr/>
         <p:txBody>
-          <a:bodyPr>
-            <a:normAutofit/>
-          </a:bodyPr>
+          <a:bodyPr/>
           <a:lstStyle/>
           <a:p>
             <a:r>
               <a:rPr lang="en-US" dirty="0"/>
-              <a:t>Closure is another name for "user-defined procedure"</a:t>
-            </a:r>
+              <a:t>A</a:t>
+            </a:r>
+            <a:r>
+              <a:rPr lang="en-US" baseline="0" dirty="0"/>
+              <a:t> lambda-expression is a piece of code, which, when it gets evaluated, creates a procedure.</a:t>
+            </a:r>
+            <a:endParaRPr lang="en-US" dirty="0"/>
           </a:p>
         </p:txBody>
       </p:sp>
@@ -4048,7 +4087,7 @@
             <a:fld id="{A59661A3-F70F-48E8-AB77-4A34EFF09268}" type="slidenum">
               <a:rPr lang="en-US" smtClean="0"/>
               <a:pPr/>
-              <a:t>56</a:t>
+              <a:t>55</a:t>
             </a:fld>
             <a:endParaRPr lang="en-US"/>
           </a:p>
@@ -4057,7 +4096,7 @@
     </p:spTree>
     <p:extLst>
       <p:ext uri="{BB962C8B-B14F-4D97-AF65-F5344CB8AC3E}">
-        <p14:creationId xmlns:p14="http://schemas.microsoft.com/office/powerpoint/2010/main" val="1422355214"/>
+        <p14:creationId xmlns:p14="http://schemas.microsoft.com/office/powerpoint/2010/main" val="255680648"/>
       </p:ext>
     </p:extLst>
   </p:cSld>
@@ -4108,17 +4147,11 @@
         </p:nvSpPr>
         <p:spPr/>
         <p:txBody>
-          <a:bodyPr/>
+          <a:bodyPr>
+            <a:normAutofit/>
+          </a:bodyPr>
           <a:lstStyle/>
           <a:p>
-            <a:r>
-              <a:rPr lang="en-US" dirty="0"/>
-              <a:t>A</a:t>
-            </a:r>
-            <a:r>
-              <a:rPr lang="en-US" baseline="0" dirty="0"/>
-              <a:t> lambda-expression is a piece of code, which, when it gets evaluated, creates a procedure.</a:t>
-            </a:r>
             <a:endParaRPr lang="en-US" dirty="0"/>
           </a:p>
         </p:txBody>
@@ -4150,7 +4183,7 @@
     </p:spTree>
     <p:extLst>
       <p:ext uri="{BB962C8B-B14F-4D97-AF65-F5344CB8AC3E}">
-        <p14:creationId xmlns:p14="http://schemas.microsoft.com/office/powerpoint/2010/main" val="255680648"/>
+        <p14:creationId xmlns:p14="http://schemas.microsoft.com/office/powerpoint/2010/main" val="3151530519"/>
       </p:ext>
     </p:extLst>
   </p:cSld>
@@ -4194,10 +4227,10 @@
           <a:bodyPr/>
           <a:lstStyle/>
           <a:p>
-            <a:fld id="{4CEA281A-0C08-4CCA-A259-14099FBBAA93}" type="slidenum">
+            <a:fld id="{23EB3EA3-8C16-4FB4-8D2F-B9B9A0392814}" type="slidenum">
               <a:rPr lang="en-US"/>
               <a:pPr/>
-              <a:t>6</a:t>
+              <a:t>7</a:t>
             </a:fld>
             <a:endParaRPr lang="en-US"/>
           </a:p>
@@ -4205,7 +4238,7 @@
       </p:sp>
       <p:sp>
         <p:nvSpPr>
-          <p:cNvPr id="37890" name="Rectangle 2"/>
+          <p:cNvPr id="38914" name="Rectangle 2"/>
           <p:cNvSpPr>
             <a:spLocks noGrp="1" noRot="1" noChangeAspect="1" noChangeArrowheads="1" noTextEdit="1"/>
           </p:cNvSpPr>
@@ -4223,7 +4256,7 @@
       </p:sp>
       <p:sp>
         <p:nvSpPr>
-          <p:cNvPr id="37891" name="Rectangle 3"/>
+          <p:cNvPr id="38915" name="Rectangle 3"/>
           <p:cNvSpPr>
             <a:spLocks noGrp="1" noChangeArrowheads="1"/>
           </p:cNvSpPr>
@@ -4236,14 +4269,26 @@
           <a:bodyPr/>
           <a:lstStyle/>
           <a:p>
-            <a:endParaRPr lang="en-US"/>
+            <a:r>
+              <a:rPr lang="en-US" b="1" dirty="0"/>
+              <a:t>Do an example:</a:t>
+            </a:r>
+            <a:r>
+              <a:rPr lang="en-US" b="1" baseline="0" dirty="0"/>
+              <a:t>  </a:t>
+            </a:r>
+            <a:r>
+              <a:rPr lang="en-US" baseline="0" dirty="0"/>
+              <a:t>(add 3 2)</a:t>
+            </a:r>
+            <a:endParaRPr lang="en-US" dirty="0"/>
           </a:p>
         </p:txBody>
       </p:sp>
     </p:spTree>
     <p:extLst>
       <p:ext uri="{BB962C8B-B14F-4D97-AF65-F5344CB8AC3E}">
-        <p14:creationId xmlns:p14="http://schemas.microsoft.com/office/powerpoint/2010/main" val="3235080495"/>
+        <p14:creationId xmlns:p14="http://schemas.microsoft.com/office/powerpoint/2010/main" val="883604994"/>
       </p:ext>
     </p:extLst>
   </p:cSld>
@@ -4294,9 +4339,7 @@
         </p:nvSpPr>
         <p:spPr/>
         <p:txBody>
-          <a:bodyPr>
-            <a:normAutofit/>
-          </a:bodyPr>
+          <a:bodyPr/>
           <a:lstStyle/>
           <a:p>
             <a:endParaRPr lang="en-US" dirty="0"/>
@@ -4322,91 +4365,6 @@
               <a:rPr lang="en-US" smtClean="0"/>
               <a:pPr/>
               <a:t>59</a:t>
-            </a:fld>
-            <a:endParaRPr lang="en-US"/>
-          </a:p>
-        </p:txBody>
-      </p:sp>
-    </p:spTree>
-    <p:extLst>
-      <p:ext uri="{BB962C8B-B14F-4D97-AF65-F5344CB8AC3E}">
-        <p14:creationId xmlns:p14="http://schemas.microsoft.com/office/powerpoint/2010/main" val="3151530519"/>
-      </p:ext>
-    </p:extLst>
-  </p:cSld>
-  <p:clrMapOvr>
-    <a:masterClrMapping/>
-  </p:clrMapOvr>
-</p:notes>
-</file>
-
-<file path=ppt/notesSlides/notesSlide41.xml><?xml version="1.0" encoding="utf-8"?>
-<p:notes xmlns:a="http://schemas.openxmlformats.org/drawingml/2006/main" xmlns:r="http://schemas.openxmlformats.org/officeDocument/2006/relationships" xmlns:p="http://schemas.openxmlformats.org/presentationml/2006/main">
-  <p:cSld>
-    <p:spTree>
-      <p:nvGrpSpPr>
-        <p:cNvPr id="1" name=""/>
-        <p:cNvGrpSpPr/>
-        <p:nvPr/>
-      </p:nvGrpSpPr>
-      <p:grpSpPr>
-        <a:xfrm>
-          <a:off x="0" y="0"/>
-          <a:ext cx="0" cy="0"/>
-          <a:chOff x="0" y="0"/>
-          <a:chExt cx="0" cy="0"/>
-        </a:xfrm>
-      </p:grpSpPr>
-      <p:sp>
-        <p:nvSpPr>
-          <p:cNvPr id="2" name="Slide Image Placeholder 1"/>
-          <p:cNvSpPr>
-            <a:spLocks noGrp="1" noRot="1" noChangeAspect="1"/>
-          </p:cNvSpPr>
-          <p:nvPr>
-            <p:ph type="sldImg"/>
-          </p:nvPr>
-        </p:nvSpPr>
-        <p:spPr/>
-      </p:sp>
-      <p:sp>
-        <p:nvSpPr>
-          <p:cNvPr id="3" name="Notes Placeholder 2"/>
-          <p:cNvSpPr>
-            <a:spLocks noGrp="1"/>
-          </p:cNvSpPr>
-          <p:nvPr>
-            <p:ph type="body" idx="1"/>
-          </p:nvPr>
-        </p:nvSpPr>
-        <p:spPr/>
-        <p:txBody>
-          <a:bodyPr/>
-          <a:lstStyle/>
-          <a:p>
-            <a:endParaRPr lang="en-US" dirty="0"/>
-          </a:p>
-        </p:txBody>
-      </p:sp>
-      <p:sp>
-        <p:nvSpPr>
-          <p:cNvPr id="4" name="Slide Number Placeholder 3"/>
-          <p:cNvSpPr>
-            <a:spLocks noGrp="1"/>
-          </p:cNvSpPr>
-          <p:nvPr>
-            <p:ph type="sldNum" sz="quarter" idx="10"/>
-          </p:nvPr>
-        </p:nvSpPr>
-        <p:spPr/>
-        <p:txBody>
-          <a:bodyPr/>
-          <a:lstStyle/>
-          <a:p>
-            <a:fld id="{A59661A3-F70F-48E8-AB77-4A34EFF09268}" type="slidenum">
-              <a:rPr lang="en-US" smtClean="0"/>
-              <a:pPr/>
-              <a:t>61</a:t>
             </a:fld>
             <a:endParaRPr lang="en-US"/>
           </a:p>
@@ -4459,7 +4417,7 @@
           <a:bodyPr/>
           <a:lstStyle/>
           <a:p>
-            <a:fld id="{23EB3EA3-8C16-4FB4-8D2F-B9B9A0392814}" type="slidenum">
+            <a:fld id="{2AC5B6D9-1720-4489-8EC2-0FD46CEDC03D}" type="slidenum">
               <a:rPr lang="en-US"/>
               <a:pPr/>
               <a:t>8</a:t>
@@ -4470,7 +4428,7 @@
       </p:sp>
       <p:sp>
         <p:nvSpPr>
-          <p:cNvPr id="38914" name="Rectangle 2"/>
+          <p:cNvPr id="11266" name="Rectangle 2"/>
           <p:cNvSpPr>
             <a:spLocks noGrp="1" noRot="1" noChangeAspect="1" noChangeArrowheads="1" noTextEdit="1"/>
           </p:cNvSpPr>
@@ -4488,7 +4446,7 @@
       </p:sp>
       <p:sp>
         <p:nvSpPr>
-          <p:cNvPr id="38915" name="Rectangle 3"/>
+          <p:cNvPr id="11267" name="Rectangle 3"/>
           <p:cNvSpPr>
             <a:spLocks noGrp="1" noChangeArrowheads="1"/>
           </p:cNvSpPr>
@@ -4496,31 +4454,27 @@
             <p:ph type="body" idx="1"/>
           </p:nvPr>
         </p:nvSpPr>
-        <p:spPr/>
+        <p:spPr>
+          <a:xfrm>
+            <a:off x="732507" y="4559720"/>
+            <a:ext cx="5850193" cy="4320967"/>
+          </a:xfrm>
+        </p:spPr>
         <p:txBody>
           <a:bodyPr/>
           <a:lstStyle/>
           <a:p>
             <a:r>
-              <a:rPr lang="en-US" b="1" dirty="0"/>
-              <a:t>Do an example:</a:t>
-            </a:r>
-            <a:r>
-              <a:rPr lang="en-US" b="1" baseline="0" dirty="0"/>
-              <a:t>  </a:t>
-            </a:r>
-            <a:r>
-              <a:rPr lang="en-US" baseline="0" dirty="0"/>
-              <a:t>(add 3 2)</a:t>
-            </a:r>
-            <a:endParaRPr lang="en-US" dirty="0"/>
+              <a:rPr lang="en-US"/>
+              <a:t>answer: append</a:t>
+            </a:r>
           </a:p>
         </p:txBody>
       </p:sp>
     </p:spTree>
     <p:extLst>
       <p:ext uri="{BB962C8B-B14F-4D97-AF65-F5344CB8AC3E}">
-        <p14:creationId xmlns:p14="http://schemas.microsoft.com/office/powerpoint/2010/main" val="883604994"/>
+        <p14:creationId xmlns:p14="http://schemas.microsoft.com/office/powerpoint/2010/main" val="256399074"/>
       </p:ext>
     </p:extLst>
   </p:cSld>
@@ -4621,7 +4575,7 @@
     </p:spTree>
     <p:extLst>
       <p:ext uri="{BB962C8B-B14F-4D97-AF65-F5344CB8AC3E}">
-        <p14:creationId xmlns:p14="http://schemas.microsoft.com/office/powerpoint/2010/main" val="256399074"/>
+        <p14:creationId xmlns:p14="http://schemas.microsoft.com/office/powerpoint/2010/main" val="4230412333"/>
       </p:ext>
     </p:extLst>
   </p:cSld>
@@ -4665,10 +4619,10 @@
           <a:bodyPr/>
           <a:lstStyle/>
           <a:p>
-            <a:fld id="{2AC5B6D9-1720-4489-8EC2-0FD46CEDC03D}" type="slidenum">
+            <a:fld id="{D43DDDA4-5BBB-4069-A4AA-58EED012735B}" type="slidenum">
               <a:rPr lang="en-US"/>
               <a:pPr/>
-              <a:t>10</a:t>
+              <a:t>11</a:t>
             </a:fld>
             <a:endParaRPr lang="en-US"/>
           </a:p>
@@ -4676,7 +4630,7 @@
       </p:sp>
       <p:sp>
         <p:nvSpPr>
-          <p:cNvPr id="11266" name="Rectangle 2"/>
+          <p:cNvPr id="40962" name="Rectangle 2"/>
           <p:cNvSpPr>
             <a:spLocks noGrp="1" noRot="1" noChangeAspect="1" noChangeArrowheads="1" noTextEdit="1"/>
           </p:cNvSpPr>
@@ -4694,7 +4648,7 @@
       </p:sp>
       <p:sp>
         <p:nvSpPr>
-          <p:cNvPr id="11267" name="Rectangle 3"/>
+          <p:cNvPr id="40963" name="Rectangle 3"/>
           <p:cNvSpPr>
             <a:spLocks noGrp="1" noChangeArrowheads="1"/>
           </p:cNvSpPr>
@@ -4702,27 +4656,52 @@
             <p:ph type="body" idx="1"/>
           </p:nvPr>
         </p:nvSpPr>
-        <p:spPr>
-          <a:xfrm>
-            <a:off x="732507" y="4559720"/>
-            <a:ext cx="5850193" cy="4320967"/>
-          </a:xfrm>
-        </p:spPr>
+        <p:spPr/>
         <p:txBody>
           <a:bodyPr/>
           <a:lstStyle/>
           <a:p>
-            <a:r>
-              <a:rPr lang="en-US"/>
-              <a:t>answer: append</a:t>
-            </a:r>
+            <a:pPr defTabSz="938727">
+              <a:defRPr/>
+            </a:pPr>
+            <a:endParaRPr lang="en-US" dirty="0">
+              <a:solidFill>
+                <a:srgbClr val="00FF00"/>
+              </a:solidFill>
+            </a:endParaRPr>
+          </a:p>
+          <a:p>
+            <a:pPr defTabSz="938727">
+              <a:defRPr/>
+            </a:pPr>
+            <a:endParaRPr lang="en-US" dirty="0">
+              <a:solidFill>
+                <a:srgbClr val="00FF00"/>
+              </a:solidFill>
+            </a:endParaRPr>
+          </a:p>
+          <a:p>
+            <a:pPr defTabSz="938727">
+              <a:defRPr/>
+            </a:pPr>
+            <a:r>
+              <a:rPr lang="en-US" dirty="0">
+                <a:solidFill>
+                  <a:srgbClr val="00FF00"/>
+                </a:solidFill>
+              </a:rPr>
+              <a:t>I typically give this exercise as a CSE 220 programming exercise</a:t>
+            </a:r>
+          </a:p>
+          <a:p>
+            <a:endParaRPr lang="en-US" dirty="0"/>
           </a:p>
         </p:txBody>
       </p:sp>
     </p:spTree>
     <p:extLst>
       <p:ext uri="{BB962C8B-B14F-4D97-AF65-F5344CB8AC3E}">
-        <p14:creationId xmlns:p14="http://schemas.microsoft.com/office/powerpoint/2010/main" val="4230412333"/>
+        <p14:creationId xmlns:p14="http://schemas.microsoft.com/office/powerpoint/2010/main" val="1628176980"/>
       </p:ext>
     </p:extLst>
   </p:cSld>
@@ -4766,7 +4745,7 @@
           <a:bodyPr/>
           <a:lstStyle/>
           <a:p>
-            <a:fld id="{D43DDDA4-5BBB-4069-A4AA-58EED012735B}" type="slidenum">
+            <a:fld id="{671C36F3-AB90-4342-9DF9-B36E716B5C51}" type="slidenum">
               <a:rPr lang="en-US"/>
               <a:pPr/>
               <a:t>12</a:t>
@@ -4777,7 +4756,7 @@
       </p:sp>
       <p:sp>
         <p:nvSpPr>
-          <p:cNvPr id="40962" name="Rectangle 2"/>
+          <p:cNvPr id="39938" name="Rectangle 2"/>
           <p:cNvSpPr>
             <a:spLocks noGrp="1" noRot="1" noChangeAspect="1" noChangeArrowheads="1" noTextEdit="1"/>
           </p:cNvSpPr>
@@ -4795,7 +4774,7 @@
       </p:sp>
       <p:sp>
         <p:nvSpPr>
-          <p:cNvPr id="40963" name="Rectangle 3"/>
+          <p:cNvPr id="39939" name="Rectangle 3"/>
           <p:cNvSpPr>
             <a:spLocks noGrp="1" noChangeArrowheads="1"/>
           </p:cNvSpPr>
@@ -4808,47 +4787,14 @@
           <a:bodyPr/>
           <a:lstStyle/>
           <a:p>
-            <a:pPr defTabSz="938727">
-              <a:defRPr/>
-            </a:pPr>
-            <a:endParaRPr lang="en-US" dirty="0">
-              <a:solidFill>
-                <a:srgbClr val="00FF00"/>
-              </a:solidFill>
-            </a:endParaRPr>
-          </a:p>
-          <a:p>
-            <a:pPr defTabSz="938727">
-              <a:defRPr/>
-            </a:pPr>
-            <a:endParaRPr lang="en-US" dirty="0">
-              <a:solidFill>
-                <a:srgbClr val="00FF00"/>
-              </a:solidFill>
-            </a:endParaRPr>
-          </a:p>
-          <a:p>
-            <a:pPr defTabSz="938727">
-              <a:defRPr/>
-            </a:pPr>
-            <a:r>
-              <a:rPr lang="en-US" dirty="0">
-                <a:solidFill>
-                  <a:srgbClr val="00FF00"/>
-                </a:solidFill>
-              </a:rPr>
-              <a:t>I typically give this exercise as a CSE 220 programming exercise</a:t>
-            </a:r>
-          </a:p>
-          <a:p>
-            <a:endParaRPr lang="en-US" dirty="0"/>
+            <a:endParaRPr lang="en-US"/>
           </a:p>
         </p:txBody>
       </p:sp>
     </p:spTree>
     <p:extLst>
       <p:ext uri="{BB962C8B-B14F-4D97-AF65-F5344CB8AC3E}">
-        <p14:creationId xmlns:p14="http://schemas.microsoft.com/office/powerpoint/2010/main" val="1628176980"/>
+        <p14:creationId xmlns:p14="http://schemas.microsoft.com/office/powerpoint/2010/main" val="1871870874"/>
       </p:ext>
     </p:extLst>
   </p:cSld>
@@ -4892,7 +4838,7 @@
           <a:bodyPr/>
           <a:lstStyle/>
           <a:p>
-            <a:fld id="{671C36F3-AB90-4342-9DF9-B36E716B5C51}" type="slidenum">
+            <a:fld id="{F15C6B3F-0D26-4B69-96AB-0B41EC2F044E}" type="slidenum">
               <a:rPr lang="en-US"/>
               <a:pPr/>
               <a:t>13</a:t>
@@ -4903,7 +4849,7 @@
       </p:sp>
       <p:sp>
         <p:nvSpPr>
-          <p:cNvPr id="39938" name="Rectangle 2"/>
+          <p:cNvPr id="41986" name="Rectangle 2"/>
           <p:cNvSpPr>
             <a:spLocks noGrp="1" noRot="1" noChangeAspect="1" noChangeArrowheads="1" noTextEdit="1"/>
           </p:cNvSpPr>
@@ -4921,7 +4867,7 @@
       </p:sp>
       <p:sp>
         <p:nvSpPr>
-          <p:cNvPr id="39939" name="Rectangle 3"/>
+          <p:cNvPr id="41987" name="Rectangle 3"/>
           <p:cNvSpPr>
             <a:spLocks noGrp="1" noChangeArrowheads="1"/>
           </p:cNvSpPr>
@@ -4934,14 +4880,14 @@
           <a:bodyPr/>
           <a:lstStyle/>
           <a:p>
-            <a:endParaRPr lang="en-US"/>
+            <a:endParaRPr lang="en-US" dirty="0"/>
           </a:p>
         </p:txBody>
       </p:sp>
     </p:spTree>
     <p:extLst>
       <p:ext uri="{BB962C8B-B14F-4D97-AF65-F5344CB8AC3E}">
-        <p14:creationId xmlns:p14="http://schemas.microsoft.com/office/powerpoint/2010/main" val="1871870874"/>
+        <p14:creationId xmlns:p14="http://schemas.microsoft.com/office/powerpoint/2010/main" val="1176500181"/>
       </p:ext>
     </p:extLst>
   </p:cSld>
@@ -7496,677 +7442,6 @@
 </file>
 
 <file path=ppt/slides/slide10.xml><?xml version="1.0" encoding="utf-8"?>
-<p:sld xmlns:a="http://schemas.openxmlformats.org/drawingml/2006/main" xmlns:r="http://schemas.openxmlformats.org/officeDocument/2006/relationships" xmlns:p="http://schemas.openxmlformats.org/presentationml/2006/main" showMasterPhAnim="0">
-  <p:cSld>
-    <p:spTree>
-      <p:nvGrpSpPr>
-        <p:cNvPr id="1" name=""/>
-        <p:cNvGrpSpPr/>
-        <p:nvPr/>
-      </p:nvGrpSpPr>
-      <p:grpSpPr>
-        <a:xfrm>
-          <a:off x="0" y="0"/>
-          <a:ext cx="0" cy="0"/>
-          <a:chOff x="0" y="0"/>
-          <a:chExt cx="0" cy="0"/>
-        </a:xfrm>
-      </p:grpSpPr>
-      <p:sp>
-        <p:nvSpPr>
-          <p:cNvPr id="10242" name="Rectangle 2"/>
-          <p:cNvSpPr>
-            <a:spLocks noGrp="1" noChangeArrowheads="1"/>
-          </p:cNvSpPr>
-          <p:nvPr>
-            <p:ph type="title"/>
-          </p:nvPr>
-        </p:nvSpPr>
-        <p:spPr>
-          <a:xfrm>
-            <a:off x="1752600" y="457200"/>
-            <a:ext cx="8686800" cy="1143000"/>
-          </a:xfrm>
-        </p:spPr>
-        <p:txBody>
-          <a:bodyPr/>
-          <a:lstStyle/>
-          <a:p>
-            <a:r>
-              <a:rPr lang="en-US" sz="4000" dirty="0">
-                <a:solidFill>
-                  <a:srgbClr val="00FF00"/>
-                </a:solidFill>
-              </a:rPr>
-              <a:t>Representation 1:</a:t>
-            </a:r>
-            <a:r>
-              <a:rPr lang="en-US" sz="4000" dirty="0"/>
-              <a:t> Unary representation of non-negative integers</a:t>
-            </a:r>
-          </a:p>
-        </p:txBody>
-      </p:sp>
-      <p:sp>
-        <p:nvSpPr>
-          <p:cNvPr id="10243" name="Rectangle 3"/>
-          <p:cNvSpPr>
-            <a:spLocks noGrp="1" noChangeArrowheads="1"/>
-          </p:cNvSpPr>
-          <p:nvPr>
-            <p:ph type="body" idx="1"/>
-          </p:nvPr>
-        </p:nvSpPr>
-        <p:spPr>
-          <a:xfrm>
-            <a:off x="304800" y="1676400"/>
-            <a:ext cx="9791700" cy="4572000"/>
-          </a:xfrm>
-        </p:spPr>
-        <p:txBody>
-          <a:bodyPr/>
-          <a:lstStyle/>
-          <a:p>
-            <a:pPr>
-              <a:lnSpc>
-                <a:spcPct val="90000"/>
-              </a:lnSpc>
-            </a:pPr>
-            <a:r>
-              <a:rPr lang="en-US" sz="2800" dirty="0">
-                <a:sym typeface="Symbol" pitchFamily="18" charset="2"/>
-              </a:rPr>
-              <a:t>0  = ( )         ; the empty list</a:t>
-            </a:r>
-          </a:p>
-          <a:p>
-            <a:pPr>
-              <a:lnSpc>
-                <a:spcPct val="90000"/>
-              </a:lnSpc>
-            </a:pPr>
-            <a:r>
-              <a:rPr lang="en-US" sz="2800" dirty="0">
-                <a:sym typeface="Symbol" pitchFamily="18" charset="2"/>
-              </a:rPr>
-              <a:t>n+1 = (cons  #t   n )</a:t>
-            </a:r>
-            <a:br>
-              <a:rPr lang="en-US" sz="2800" dirty="0">
-                <a:sym typeface="Symbol" pitchFamily="18" charset="2"/>
-              </a:rPr>
-            </a:br>
-            <a:br>
-              <a:rPr lang="en-US" sz="2800" dirty="0">
-                <a:sym typeface="Symbol" pitchFamily="18" charset="2"/>
-              </a:rPr>
-            </a:br>
-            <a:endParaRPr lang="en-US" sz="2800" dirty="0">
-              <a:sym typeface="Symbol" pitchFamily="18" charset="2"/>
-            </a:endParaRPr>
-          </a:p>
-          <a:p>
-            <a:pPr>
-              <a:lnSpc>
-                <a:spcPct val="90000"/>
-              </a:lnSpc>
-            </a:pPr>
-            <a:r>
-              <a:rPr lang="en-US" sz="2800" dirty="0">
-                <a:sym typeface="Symbol" pitchFamily="18" charset="2"/>
-              </a:rPr>
-              <a:t>There is a (slightly) more </a:t>
-            </a:r>
-            <a:br>
-              <a:rPr lang="en-US" sz="2800" dirty="0">
-                <a:sym typeface="Symbol" pitchFamily="18" charset="2"/>
-              </a:rPr>
-            </a:br>
-            <a:r>
-              <a:rPr lang="en-US" sz="2800" dirty="0">
-                <a:sym typeface="Symbol" pitchFamily="18" charset="2"/>
-              </a:rPr>
-              <a:t>efficient implementation of </a:t>
-            </a:r>
-            <a:r>
-              <a:rPr lang="en-US" sz="2800" b="1" dirty="0">
-                <a:solidFill>
-                  <a:srgbClr val="00FF00"/>
-                </a:solidFill>
-                <a:sym typeface="Symbol" pitchFamily="18" charset="2"/>
-              </a:rPr>
-              <a:t>add</a:t>
-            </a:r>
-            <a:r>
-              <a:rPr lang="en-US" sz="2800" b="1" dirty="0">
-                <a:sym typeface="Symbol" pitchFamily="18" charset="2"/>
-              </a:rPr>
-              <a:t> </a:t>
-            </a:r>
-            <a:br>
-              <a:rPr lang="en-US" sz="2800" b="1" dirty="0">
-                <a:sym typeface="Symbol" pitchFamily="18" charset="2"/>
-              </a:rPr>
-            </a:br>
-            <a:r>
-              <a:rPr lang="en-US" sz="2800" dirty="0">
-                <a:sym typeface="Symbol" pitchFamily="18" charset="2"/>
-              </a:rPr>
-              <a:t>(than the one from the non-negative-integer interface slide) if we base it on this representation instead of the ADT. </a:t>
-            </a:r>
-            <a:endParaRPr lang="en-US" dirty="0">
-              <a:sym typeface="Symbol" pitchFamily="18" charset="2"/>
-            </a:endParaRPr>
-          </a:p>
-          <a:p>
-            <a:pPr lvl="1">
-              <a:lnSpc>
-                <a:spcPct val="90000"/>
-              </a:lnSpc>
-            </a:pPr>
-            <a:r>
-              <a:rPr lang="en-US" dirty="0">
-                <a:sym typeface="Symbol" pitchFamily="18" charset="2"/>
-              </a:rPr>
-              <a:t> Can you see what it is?</a:t>
-            </a:r>
-          </a:p>
-          <a:p>
-            <a:pPr lvl="1">
-              <a:lnSpc>
-                <a:spcPct val="90000"/>
-              </a:lnSpc>
-            </a:pPr>
-            <a:r>
-              <a:rPr lang="en-US" dirty="0">
-                <a:sym typeface="Symbol" pitchFamily="18" charset="2"/>
-              </a:rPr>
-              <a:t>That implementation is </a:t>
-            </a:r>
-            <a:r>
-              <a:rPr lang="en-US" b="1" dirty="0">
-                <a:solidFill>
-                  <a:srgbClr val="00FF00"/>
-                </a:solidFill>
-                <a:sym typeface="Symbol" pitchFamily="18" charset="2"/>
-              </a:rPr>
-              <a:t>representation-dependent</a:t>
-            </a:r>
-            <a:r>
-              <a:rPr lang="en-US" dirty="0">
-                <a:sym typeface="Symbol" pitchFamily="18" charset="2"/>
-              </a:rPr>
-              <a:t>.</a:t>
-            </a:r>
-          </a:p>
-          <a:p>
-            <a:pPr marL="0" indent="0">
-              <a:lnSpc>
-                <a:spcPct val="90000"/>
-              </a:lnSpc>
-              <a:buNone/>
-            </a:pPr>
-            <a:endParaRPr lang="en-US" dirty="0">
-              <a:sym typeface="Symbol" pitchFamily="18" charset="2"/>
-            </a:endParaRPr>
-          </a:p>
-        </p:txBody>
-      </p:sp>
-      <p:sp>
-        <p:nvSpPr>
-          <p:cNvPr id="2" name="TextBox 1">
-            <a:extLst>
-              <a:ext uri="{FF2B5EF4-FFF2-40B4-BE49-F238E27FC236}">
-                <a16:creationId xmlns:a16="http://schemas.microsoft.com/office/drawing/2014/main" id="{F8D9AF6E-F043-4595-9C6A-62FED00C9DC4}"/>
-              </a:ext>
-            </a:extLst>
-          </p:cNvPr>
-          <p:cNvSpPr txBox="1"/>
-          <p:nvPr/>
-        </p:nvSpPr>
-        <p:spPr>
-          <a:xfrm>
-            <a:off x="5638800" y="1828800"/>
-            <a:ext cx="5943600" cy="2086725"/>
-          </a:xfrm>
-          <a:prstGeom prst="rect">
-            <a:avLst/>
-          </a:prstGeom>
-          <a:solidFill>
-            <a:srgbClr val="0066FF"/>
-          </a:solidFill>
-          <a:ln>
-            <a:solidFill>
-              <a:schemeClr val="bg1"/>
-            </a:solidFill>
-          </a:ln>
-        </p:spPr>
-        <p:txBody>
-          <a:bodyPr wrap="square" rtlCol="0">
-            <a:spAutoFit/>
-          </a:bodyPr>
-          <a:lstStyle/>
-          <a:p>
-            <a:pPr>
-              <a:lnSpc>
-                <a:spcPct val="90000"/>
-              </a:lnSpc>
-            </a:pPr>
-            <a:r>
-              <a:rPr lang="en-US" dirty="0">
-                <a:solidFill>
-                  <a:schemeClr val="bg1"/>
-                </a:solidFill>
-              </a:rPr>
-              <a:t>(zero)                 =  </a:t>
-            </a:r>
-            <a:r>
-              <a:rPr lang="en-US" dirty="0">
-                <a:solidFill>
-                  <a:schemeClr val="bg1"/>
-                </a:solidFill>
-                <a:sym typeface="Symbol" pitchFamily="18" charset="2"/>
-              </a:rPr>
-              <a:t>0 </a:t>
-            </a:r>
-          </a:p>
-          <a:p>
-            <a:pPr>
-              <a:lnSpc>
-                <a:spcPct val="90000"/>
-              </a:lnSpc>
-            </a:pPr>
-            <a:r>
-              <a:rPr lang="en-US" dirty="0">
-                <a:solidFill>
-                  <a:schemeClr val="bg1"/>
-                </a:solidFill>
-                <a:sym typeface="Symbol" pitchFamily="18" charset="2"/>
-              </a:rPr>
-              <a:t>(</a:t>
-            </a:r>
-            <a:r>
-              <a:rPr lang="en-US" dirty="0" err="1">
-                <a:solidFill>
-                  <a:schemeClr val="bg1"/>
-                </a:solidFill>
-                <a:sym typeface="Symbol" pitchFamily="18" charset="2"/>
-              </a:rPr>
-              <a:t>iszero</a:t>
-            </a:r>
-            <a:r>
-              <a:rPr lang="en-US" dirty="0">
-                <a:solidFill>
-                  <a:schemeClr val="bg1"/>
-                </a:solidFill>
-                <a:sym typeface="Symbol" pitchFamily="18" charset="2"/>
-              </a:rPr>
-              <a:t>?  n )   =  #t  if  n  is the </a:t>
-            </a:r>
-            <a:br>
-              <a:rPr lang="en-US" dirty="0">
-                <a:solidFill>
-                  <a:schemeClr val="bg1"/>
-                </a:solidFill>
-                <a:sym typeface="Symbol" pitchFamily="18" charset="2"/>
-              </a:rPr>
-            </a:br>
-            <a:r>
-              <a:rPr lang="en-US" dirty="0">
-                <a:solidFill>
-                  <a:schemeClr val="bg1"/>
-                </a:solidFill>
-                <a:sym typeface="Symbol" pitchFamily="18" charset="2"/>
-              </a:rPr>
-              <a:t>                                    representation of zero, </a:t>
-            </a:r>
-            <a:br>
-              <a:rPr lang="en-US" dirty="0">
-                <a:solidFill>
-                  <a:schemeClr val="bg1"/>
-                </a:solidFill>
-                <a:sym typeface="Symbol" pitchFamily="18" charset="2"/>
-              </a:rPr>
-            </a:br>
-            <a:r>
-              <a:rPr lang="en-US" dirty="0">
-                <a:solidFill>
-                  <a:schemeClr val="bg1"/>
-                </a:solidFill>
-                <a:sym typeface="Symbol" pitchFamily="18" charset="2"/>
-              </a:rPr>
-              <a:t>                              #f  otherwise.</a:t>
-            </a:r>
-          </a:p>
-          <a:p>
-            <a:pPr>
-              <a:lnSpc>
-                <a:spcPct val="90000"/>
-              </a:lnSpc>
-            </a:pPr>
-            <a:r>
-              <a:rPr lang="en-US" dirty="0">
-                <a:solidFill>
-                  <a:schemeClr val="bg1"/>
-                </a:solidFill>
-                <a:sym typeface="Symbol" pitchFamily="18" charset="2"/>
-              </a:rPr>
-              <a:t>(</a:t>
-            </a:r>
-            <a:r>
-              <a:rPr lang="en-US" dirty="0" err="1">
-                <a:solidFill>
-                  <a:schemeClr val="bg1"/>
-                </a:solidFill>
-                <a:sym typeface="Symbol" pitchFamily="18" charset="2"/>
-              </a:rPr>
-              <a:t>succ</a:t>
-            </a:r>
-            <a:r>
-              <a:rPr lang="en-US" dirty="0">
-                <a:solidFill>
-                  <a:schemeClr val="bg1"/>
-                </a:solidFill>
-                <a:sym typeface="Symbol" pitchFamily="18" charset="2"/>
-              </a:rPr>
-              <a:t>  n )       =  n+1  ( n  0)</a:t>
-            </a:r>
-          </a:p>
-          <a:p>
-            <a:pPr>
-              <a:lnSpc>
-                <a:spcPct val="90000"/>
-              </a:lnSpc>
-            </a:pPr>
-            <a:r>
-              <a:rPr lang="en-US" dirty="0">
-                <a:solidFill>
-                  <a:schemeClr val="bg1"/>
-                </a:solidFill>
-                <a:sym typeface="Symbol" pitchFamily="18" charset="2"/>
-              </a:rPr>
-              <a:t>(</a:t>
-            </a:r>
-            <a:r>
-              <a:rPr lang="en-US" dirty="0" err="1">
-                <a:solidFill>
-                  <a:schemeClr val="bg1"/>
-                </a:solidFill>
-                <a:sym typeface="Symbol" pitchFamily="18" charset="2"/>
-              </a:rPr>
-              <a:t>pred</a:t>
-            </a:r>
-            <a:r>
-              <a:rPr lang="en-US" dirty="0">
-                <a:solidFill>
-                  <a:schemeClr val="bg1"/>
-                </a:solidFill>
-                <a:sym typeface="Symbol" pitchFamily="18" charset="2"/>
-              </a:rPr>
-              <a:t>  n+1 )  =  n      ( n  0)</a:t>
-            </a:r>
-          </a:p>
-        </p:txBody>
-      </p:sp>
-    </p:spTree>
-    <p:extLst>
-      <p:ext uri="{BB962C8B-B14F-4D97-AF65-F5344CB8AC3E}">
-        <p14:creationId xmlns:p14="http://schemas.microsoft.com/office/powerpoint/2010/main" val="3509633748"/>
-      </p:ext>
-    </p:extLst>
-  </p:cSld>
-  <p:clrMapOvr>
-    <a:masterClrMapping/>
-  </p:clrMapOvr>
-  <p:timing>
-    <p:tnLst>
-      <p:par>
-        <p:cTn id="1" dur="indefinite" restart="never" nodeType="tmRoot">
-          <p:childTnLst>
-            <p:seq concurrent="1" nextAc="seek">
-              <p:cTn id="2" dur="indefinite" nodeType="mainSeq">
-                <p:childTnLst>
-                  <p:par>
-                    <p:cTn id="3" fill="hold">
-                      <p:stCondLst>
-                        <p:cond delay="indefinite"/>
-                        <p:cond evt="onBegin" delay="0">
-                          <p:tn val="2"/>
-                        </p:cond>
-                      </p:stCondLst>
-                      <p:childTnLst>
-                        <p:par>
-                          <p:cTn id="4" fill="hold">
-                            <p:stCondLst>
-                              <p:cond delay="0"/>
-                            </p:stCondLst>
-                            <p:childTnLst>
-                              <p:par>
-                                <p:cTn id="5" presetID="1" presetClass="entr" presetSubtype="0" fill="hold" grpId="0" nodeType="withEffect">
-                                  <p:stCondLst>
-                                    <p:cond delay="0"/>
-                                  </p:stCondLst>
-                                  <p:childTnLst>
-                                    <p:set>
-                                      <p:cBhvr>
-                                        <p:cTn id="6" dur="1" fill="hold">
-                                          <p:stCondLst>
-                                            <p:cond delay="0"/>
-                                          </p:stCondLst>
-                                        </p:cTn>
-                                        <p:tgtEl>
-                                          <p:spTgt spid="10243">
-                                            <p:txEl>
-                                              <p:pRg st="0" end="0"/>
-                                            </p:txEl>
-                                          </p:spTgt>
-                                        </p:tgtEl>
-                                        <p:attrNameLst>
-                                          <p:attrName>style.visibility</p:attrName>
-                                        </p:attrNameLst>
-                                      </p:cBhvr>
-                                      <p:to>
-                                        <p:strVal val="visible"/>
-                                      </p:to>
-                                    </p:set>
-                                  </p:childTnLst>
-                                </p:cTn>
-                              </p:par>
-                            </p:childTnLst>
-                          </p:cTn>
-                        </p:par>
-                      </p:childTnLst>
-                    </p:cTn>
-                  </p:par>
-                  <p:par>
-                    <p:cTn id="7" fill="hold">
-                      <p:stCondLst>
-                        <p:cond delay="indefinite"/>
-                      </p:stCondLst>
-                      <p:childTnLst>
-                        <p:par>
-                          <p:cTn id="8" fill="hold">
-                            <p:stCondLst>
-                              <p:cond delay="0"/>
-                            </p:stCondLst>
-                            <p:childTnLst>
-                              <p:par>
-                                <p:cTn id="9" presetID="1" presetClass="entr" presetSubtype="0" fill="hold" grpId="0" nodeType="clickEffect">
-                                  <p:stCondLst>
-                                    <p:cond delay="0"/>
-                                  </p:stCondLst>
-                                  <p:childTnLst>
-                                    <p:set>
-                                      <p:cBhvr>
-                                        <p:cTn id="10" dur="1" fill="hold">
-                                          <p:stCondLst>
-                                            <p:cond delay="0"/>
-                                          </p:stCondLst>
-                                        </p:cTn>
-                                        <p:tgtEl>
-                                          <p:spTgt spid="10243">
-                                            <p:txEl>
-                                              <p:pRg st="1" end="1"/>
-                                            </p:txEl>
-                                          </p:spTgt>
-                                        </p:tgtEl>
-                                        <p:attrNameLst>
-                                          <p:attrName>style.visibility</p:attrName>
-                                        </p:attrNameLst>
-                                      </p:cBhvr>
-                                      <p:to>
-                                        <p:strVal val="visible"/>
-                                      </p:to>
-                                    </p:set>
-                                  </p:childTnLst>
-                                </p:cTn>
-                              </p:par>
-                            </p:childTnLst>
-                          </p:cTn>
-                        </p:par>
-                      </p:childTnLst>
-                    </p:cTn>
-                  </p:par>
-                  <p:par>
-                    <p:cTn id="11" fill="hold">
-                      <p:stCondLst>
-                        <p:cond delay="indefinite"/>
-                      </p:stCondLst>
-                      <p:childTnLst>
-                        <p:par>
-                          <p:cTn id="12" fill="hold">
-                            <p:stCondLst>
-                              <p:cond delay="0"/>
-                            </p:stCondLst>
-                            <p:childTnLst>
-                              <p:par>
-                                <p:cTn id="13" presetID="1" presetClass="entr" presetSubtype="0" fill="hold" grpId="0" nodeType="clickEffect">
-                                  <p:stCondLst>
-                                    <p:cond delay="0"/>
-                                  </p:stCondLst>
-                                  <p:childTnLst>
-                                    <p:set>
-                                      <p:cBhvr>
-                                        <p:cTn id="14" dur="1" fill="hold">
-                                          <p:stCondLst>
-                                            <p:cond delay="0"/>
-                                          </p:stCondLst>
-                                        </p:cTn>
-                                        <p:tgtEl>
-                                          <p:spTgt spid="10243">
-                                            <p:txEl>
-                                              <p:pRg st="2" end="2"/>
-                                            </p:txEl>
-                                          </p:spTgt>
-                                        </p:tgtEl>
-                                        <p:attrNameLst>
-                                          <p:attrName>style.visibility</p:attrName>
-                                        </p:attrNameLst>
-                                      </p:cBhvr>
-                                      <p:to>
-                                        <p:strVal val="visible"/>
-                                      </p:to>
-                                    </p:set>
-                                  </p:childTnLst>
-                                </p:cTn>
-                              </p:par>
-                              <p:par>
-                                <p:cTn id="15" presetID="1" presetClass="entr" presetSubtype="0" fill="hold" grpId="0" nodeType="withEffect">
-                                  <p:stCondLst>
-                                    <p:cond delay="0"/>
-                                  </p:stCondLst>
-                                  <p:childTnLst>
-                                    <p:set>
-                                      <p:cBhvr>
-                                        <p:cTn id="16" dur="1" fill="hold">
-                                          <p:stCondLst>
-                                            <p:cond delay="0"/>
-                                          </p:stCondLst>
-                                        </p:cTn>
-                                        <p:tgtEl>
-                                          <p:spTgt spid="10243">
-                                            <p:txEl>
-                                              <p:pRg st="3" end="3"/>
-                                            </p:txEl>
-                                          </p:spTgt>
-                                        </p:tgtEl>
-                                        <p:attrNameLst>
-                                          <p:attrName>style.visibility</p:attrName>
-                                        </p:attrNameLst>
-                                      </p:cBhvr>
-                                      <p:to>
-                                        <p:strVal val="visible"/>
-                                      </p:to>
-                                    </p:set>
-                                  </p:childTnLst>
-                                </p:cTn>
-                              </p:par>
-                              <p:par>
-                                <p:cTn id="17" presetID="1" presetClass="entr" presetSubtype="0" fill="hold" grpId="0" nodeType="withEffect">
-                                  <p:stCondLst>
-                                    <p:cond delay="0"/>
-                                  </p:stCondLst>
-                                  <p:childTnLst>
-                                    <p:set>
-                                      <p:cBhvr>
-                                        <p:cTn id="18" dur="1" fill="hold">
-                                          <p:stCondLst>
-                                            <p:cond delay="0"/>
-                                          </p:stCondLst>
-                                        </p:cTn>
-                                        <p:tgtEl>
-                                          <p:spTgt spid="10243">
-                                            <p:txEl>
-                                              <p:pRg st="4" end="4"/>
-                                            </p:txEl>
-                                          </p:spTgt>
-                                        </p:tgtEl>
-                                        <p:attrNameLst>
-                                          <p:attrName>style.visibility</p:attrName>
-                                        </p:attrNameLst>
-                                      </p:cBhvr>
-                                      <p:to>
-                                        <p:strVal val="visible"/>
-                                      </p:to>
-                                    </p:set>
-                                  </p:childTnLst>
-                                </p:cTn>
-                              </p:par>
-                            </p:childTnLst>
-                          </p:cTn>
-                        </p:par>
-                      </p:childTnLst>
-                    </p:cTn>
-                  </p:par>
-                </p:childTnLst>
-              </p:cTn>
-              <p:prevCondLst>
-                <p:cond evt="onPrev" delay="0">
-                  <p:tgtEl>
-                    <p:sldTgt/>
-                  </p:tgtEl>
-                </p:cond>
-              </p:prevCondLst>
-              <p:nextCondLst>
-                <p:cond evt="onNext" delay="0">
-                  <p:tgtEl>
-                    <p:sldTgt/>
-                  </p:tgtEl>
-                </p:cond>
-              </p:nextCondLst>
-            </p:seq>
-          </p:childTnLst>
-        </p:cTn>
-      </p:par>
-    </p:tnLst>
-    <p:bldLst>
-      <p:bldP spid="10243" grpId="0" build="p"/>
-    </p:bldLst>
-  </p:timing>
-</p:sld>
-</file>
-
-<file path=ppt/slides/slide11.xml><?xml version="1.0" encoding="utf-8"?>
 <p:sld xmlns:a="http://schemas.openxmlformats.org/drawingml/2006/main" xmlns:r="http://schemas.openxmlformats.org/officeDocument/2006/relationships" xmlns:p="http://schemas.openxmlformats.org/presentationml/2006/main">
   <p:cSld>
     <p:spTree>
@@ -8258,7 +7533,7 @@
 </p:sld>
 </file>
 
-<file path=ppt/slides/slide12.xml><?xml version="1.0" encoding="utf-8"?>
+<file path=ppt/slides/slide11.xml><?xml version="1.0" encoding="utf-8"?>
 <p:sld xmlns:a="http://schemas.openxmlformats.org/drawingml/2006/main" xmlns:r="http://schemas.openxmlformats.org/officeDocument/2006/relationships" xmlns:p="http://schemas.openxmlformats.org/presentationml/2006/main" showMasterPhAnim="0" show="0">
   <p:cSld>
     <p:spTree>
@@ -8846,7 +8121,7 @@
 </p:sld>
 </file>
 
-<file path=ppt/slides/slide13.xml><?xml version="1.0" encoding="utf-8"?>
+<file path=ppt/slides/slide12.xml><?xml version="1.0" encoding="utf-8"?>
 <p:sld xmlns:a="http://schemas.openxmlformats.org/drawingml/2006/main" xmlns:r="http://schemas.openxmlformats.org/officeDocument/2006/relationships" xmlns:p="http://schemas.openxmlformats.org/presentationml/2006/main" showMasterPhAnim="0" show="0">
   <p:cSld>
     <p:spTree>
@@ -9359,7 +8634,7 @@
 </p:sld>
 </file>
 
-<file path=ppt/slides/slide14.xml><?xml version="1.0" encoding="utf-8"?>
+<file path=ppt/slides/slide13.xml><?xml version="1.0" encoding="utf-8"?>
 <p:sld xmlns:a="http://schemas.openxmlformats.org/drawingml/2006/main" xmlns:r="http://schemas.openxmlformats.org/officeDocument/2006/relationships" xmlns:p="http://schemas.openxmlformats.org/presentationml/2006/main" showMasterPhAnim="0" show="0">
   <p:cSld>
     <p:spTree>
@@ -10100,7 +9375,7 @@
 </p:sld>
 </file>
 
-<file path=ppt/slides/slide15.xml><?xml version="1.0" encoding="utf-8"?>
+<file path=ppt/slides/slide14.xml><?xml version="1.0" encoding="utf-8"?>
 <p:sld xmlns:a="http://schemas.openxmlformats.org/drawingml/2006/main" xmlns:r="http://schemas.openxmlformats.org/officeDocument/2006/relationships" xmlns:p="http://schemas.openxmlformats.org/presentationml/2006/main" showMasterPhAnim="0" show="0">
   <p:cSld>
     <p:spTree>
@@ -10515,7 +9790,7 @@
 </p:sld>
 </file>
 
-<file path=ppt/slides/slide16.xml><?xml version="1.0" encoding="utf-8"?>
+<file path=ppt/slides/slide15.xml><?xml version="1.0" encoding="utf-8"?>
 <p:sld xmlns:a="http://schemas.openxmlformats.org/drawingml/2006/main" xmlns:r="http://schemas.openxmlformats.org/officeDocument/2006/relationships" xmlns:p="http://schemas.openxmlformats.org/presentationml/2006/main" show="0">
   <p:cSld>
     <p:spTree>
@@ -11025,7 +10300,7 @@
 </p:sld>
 </file>
 
-<file path=ppt/slides/slide17.xml><?xml version="1.0" encoding="utf-8"?>
+<file path=ppt/slides/slide16.xml><?xml version="1.0" encoding="utf-8"?>
 <p:sld xmlns:a="http://schemas.openxmlformats.org/drawingml/2006/main" xmlns:r="http://schemas.openxmlformats.org/officeDocument/2006/relationships" xmlns:p="http://schemas.openxmlformats.org/presentationml/2006/main">
   <p:cSld>
     <p:spTree>
@@ -11155,7 +10430,7 @@
 </p:sld>
 </file>
 
-<file path=ppt/slides/slide18.xml><?xml version="1.0" encoding="utf-8"?>
+<file path=ppt/slides/slide17.xml><?xml version="1.0" encoding="utf-8"?>
 <p:sld xmlns:a="http://schemas.openxmlformats.org/drawingml/2006/main" xmlns:r="http://schemas.openxmlformats.org/officeDocument/2006/relationships" xmlns:p="http://schemas.openxmlformats.org/presentationml/2006/main" showMasterPhAnim="0">
   <p:cSld>
     <p:spTree>
@@ -11634,7 +10909,7 @@
 </p:sld>
 </file>
 
-<file path=ppt/slides/slide19.xml><?xml version="1.0" encoding="utf-8"?>
+<file path=ppt/slides/slide18.xml><?xml version="1.0" encoding="utf-8"?>
 <p:sld xmlns:a="http://schemas.openxmlformats.org/drawingml/2006/main" xmlns:r="http://schemas.openxmlformats.org/officeDocument/2006/relationships" xmlns:p="http://schemas.openxmlformats.org/presentationml/2006/main" showMasterPhAnim="0">
   <p:cSld>
     <p:spTree>
@@ -12178,135 +11453,7 @@
 </p:sld>
 </file>
 
-<file path=ppt/slides/slide2.xml><?xml version="1.0" encoding="utf-8"?>
-<p:sld xmlns:a="http://schemas.openxmlformats.org/drawingml/2006/main" xmlns:r="http://schemas.openxmlformats.org/officeDocument/2006/relationships" xmlns:p="http://schemas.openxmlformats.org/presentationml/2006/main">
-  <p:cSld>
-    <p:spTree>
-      <p:nvGrpSpPr>
-        <p:cNvPr id="1" name=""/>
-        <p:cNvGrpSpPr/>
-        <p:nvPr/>
-      </p:nvGrpSpPr>
-      <p:grpSpPr>
-        <a:xfrm>
-          <a:off x="0" y="0"/>
-          <a:ext cx="0" cy="0"/>
-          <a:chOff x="0" y="0"/>
-          <a:chExt cx="0" cy="0"/>
-        </a:xfrm>
-      </p:grpSpPr>
-      <p:sp>
-        <p:nvSpPr>
-          <p:cNvPr id="2" name="Title 1">
-            <a:extLst>
-              <a:ext uri="{FF2B5EF4-FFF2-40B4-BE49-F238E27FC236}">
-                <a16:creationId xmlns:a16="http://schemas.microsoft.com/office/drawing/2014/main" id="{F7D10C4B-357A-4D90-B132-63CD5815BA29}"/>
-              </a:ext>
-            </a:extLst>
-          </p:cNvPr>
-          <p:cNvSpPr>
-            <a:spLocks noGrp="1"/>
-          </p:cNvSpPr>
-          <p:nvPr>
-            <p:ph type="title"/>
-          </p:nvPr>
-        </p:nvSpPr>
-        <p:spPr/>
-        <p:txBody>
-          <a:bodyPr/>
-          <a:lstStyle/>
-          <a:p>
-            <a:r>
-              <a:rPr lang="en-US" dirty="0"/>
-              <a:t>Interpreter Project</a:t>
-            </a:r>
-          </a:p>
-        </p:txBody>
-      </p:sp>
-      <p:sp>
-        <p:nvSpPr>
-          <p:cNvPr id="3" name="Content Placeholder 2">
-            <a:extLst>
-              <a:ext uri="{FF2B5EF4-FFF2-40B4-BE49-F238E27FC236}">
-                <a16:creationId xmlns:a16="http://schemas.microsoft.com/office/drawing/2014/main" id="{B000FFC8-9A56-4400-8E26-709315136AE1}"/>
-              </a:ext>
-            </a:extLst>
-          </p:cNvPr>
-          <p:cNvSpPr>
-            <a:spLocks noGrp="1"/>
-          </p:cNvSpPr>
-          <p:nvPr>
-            <p:ph idx="1"/>
-          </p:nvPr>
-        </p:nvSpPr>
-        <p:spPr>
-          <a:xfrm>
-            <a:off x="914400" y="1752600"/>
-            <a:ext cx="10363200" cy="4114800"/>
-          </a:xfrm>
-        </p:spPr>
-        <p:txBody>
-          <a:bodyPr/>
-          <a:lstStyle/>
-          <a:p>
-            <a:r>
-              <a:rPr lang="en-US" dirty="0"/>
-              <a:t>Large project that will last till the end of the term</a:t>
-            </a:r>
-          </a:p>
-          <a:p>
-            <a:r>
-              <a:rPr lang="en-US" dirty="0"/>
-              <a:t>Traditionally done in groups of 2</a:t>
-            </a:r>
-          </a:p>
-          <a:p>
-            <a:r>
-              <a:rPr lang="en-US" dirty="0"/>
-              <a:t>I strongly advise you to find a partner – student picked groups usually work better. Your partner can be in the other section if you want.</a:t>
-            </a:r>
-          </a:p>
-          <a:p>
-            <a:r>
-              <a:rPr lang="en-US" dirty="0"/>
-              <a:t>Mutually request your partner in the comments of the </a:t>
-            </a:r>
-            <a:r>
-              <a:rPr lang="en-US" dirty="0" err="1"/>
-              <a:t>catme</a:t>
-            </a:r>
-            <a:r>
-              <a:rPr lang="en-US" dirty="0"/>
-              <a:t> survey (should already </a:t>
-            </a:r>
-            <a:r>
-              <a:rPr lang="en-US"/>
-              <a:t>be sent)</a:t>
-            </a:r>
-            <a:endParaRPr lang="en-US" dirty="0"/>
-          </a:p>
-          <a:p>
-            <a:r>
-              <a:rPr lang="en-US" dirty="0"/>
-              <a:t>Hope to have the groups formed Wednesday</a:t>
-            </a:r>
-          </a:p>
-        </p:txBody>
-      </p:sp>
-    </p:spTree>
-    <p:extLst>
-      <p:ext uri="{BB962C8B-B14F-4D97-AF65-F5344CB8AC3E}">
-        <p14:creationId xmlns:p14="http://schemas.microsoft.com/office/powerpoint/2010/main" val="1335901485"/>
-      </p:ext>
-    </p:extLst>
-  </p:cSld>
-  <p:clrMapOvr>
-    <a:masterClrMapping/>
-  </p:clrMapOvr>
-</p:sld>
-</file>
-
-<file path=ppt/slides/slide20.xml><?xml version="1.0" encoding="utf-8"?>
+<file path=ppt/slides/slide19.xml><?xml version="1.0" encoding="utf-8"?>
 <p:sld xmlns:a="http://schemas.openxmlformats.org/drawingml/2006/main" xmlns:r="http://schemas.openxmlformats.org/officeDocument/2006/relationships" xmlns:p="http://schemas.openxmlformats.org/presentationml/2006/main" showMasterPhAnim="0">
   <p:cSld>
     <p:spTree>
@@ -13024,7 +12171,130 @@
 </p:sld>
 </file>
 
-<file path=ppt/slides/slide21.xml><?xml version="1.0" encoding="utf-8"?>
+<file path=ppt/slides/slide2.xml><?xml version="1.0" encoding="utf-8"?>
+<p:sld xmlns:a="http://schemas.openxmlformats.org/drawingml/2006/main" xmlns:r="http://schemas.openxmlformats.org/officeDocument/2006/relationships" xmlns:p="http://schemas.openxmlformats.org/presentationml/2006/main">
+  <p:cSld>
+    <p:spTree>
+      <p:nvGrpSpPr>
+        <p:cNvPr id="1" name=""/>
+        <p:cNvGrpSpPr/>
+        <p:nvPr/>
+      </p:nvGrpSpPr>
+      <p:grpSpPr>
+        <a:xfrm>
+          <a:off x="0" y="0"/>
+          <a:ext cx="0" cy="0"/>
+          <a:chOff x="0" y="0"/>
+          <a:chExt cx="0" cy="0"/>
+        </a:xfrm>
+      </p:grpSpPr>
+      <p:sp>
+        <p:nvSpPr>
+          <p:cNvPr id="2" name="Title 1">
+            <a:extLst>
+              <a:ext uri="{FF2B5EF4-FFF2-40B4-BE49-F238E27FC236}">
+                <a16:creationId xmlns:a16="http://schemas.microsoft.com/office/drawing/2014/main" id="{F7D10C4B-357A-4D90-B132-63CD5815BA29}"/>
+              </a:ext>
+            </a:extLst>
+          </p:cNvPr>
+          <p:cNvSpPr>
+            <a:spLocks noGrp="1"/>
+          </p:cNvSpPr>
+          <p:nvPr>
+            <p:ph type="title"/>
+          </p:nvPr>
+        </p:nvSpPr>
+        <p:spPr/>
+        <p:txBody>
+          <a:bodyPr/>
+          <a:lstStyle/>
+          <a:p>
+            <a:r>
+              <a:rPr lang="en-US" dirty="0"/>
+              <a:t>Interpreter Project</a:t>
+            </a:r>
+          </a:p>
+        </p:txBody>
+      </p:sp>
+      <p:sp>
+        <p:nvSpPr>
+          <p:cNvPr id="3" name="Content Placeholder 2">
+            <a:extLst>
+              <a:ext uri="{FF2B5EF4-FFF2-40B4-BE49-F238E27FC236}">
+                <a16:creationId xmlns:a16="http://schemas.microsoft.com/office/drawing/2014/main" id="{B000FFC8-9A56-4400-8E26-709315136AE1}"/>
+              </a:ext>
+            </a:extLst>
+          </p:cNvPr>
+          <p:cNvSpPr>
+            <a:spLocks noGrp="1"/>
+          </p:cNvSpPr>
+          <p:nvPr>
+            <p:ph idx="1"/>
+          </p:nvPr>
+        </p:nvSpPr>
+        <p:spPr>
+          <a:xfrm>
+            <a:off x="914400" y="1752600"/>
+            <a:ext cx="10363200" cy="4114800"/>
+          </a:xfrm>
+        </p:spPr>
+        <p:txBody>
+          <a:bodyPr/>
+          <a:lstStyle/>
+          <a:p>
+            <a:r>
+              <a:rPr lang="en-US" dirty="0"/>
+              <a:t>Large project that will last till the end of the term</a:t>
+            </a:r>
+          </a:p>
+          <a:p>
+            <a:r>
+              <a:rPr lang="en-US" dirty="0"/>
+              <a:t>Traditionally done in groups of 2</a:t>
+            </a:r>
+          </a:p>
+          <a:p>
+            <a:r>
+              <a:rPr lang="en-US" dirty="0"/>
+              <a:t>I strongly advise you to find a partner – student picked groups usually work better. Your partner can be in the other section if you want.</a:t>
+            </a:r>
+          </a:p>
+          <a:p>
+            <a:r>
+              <a:rPr lang="en-US" dirty="0"/>
+              <a:t>Mutually request your partner in the comments of the </a:t>
+            </a:r>
+            <a:r>
+              <a:rPr lang="en-US" dirty="0" err="1"/>
+              <a:t>catme</a:t>
+            </a:r>
+            <a:r>
+              <a:rPr lang="en-US" dirty="0"/>
+              <a:t> survey (should already be sent)</a:t>
+            </a:r>
+          </a:p>
+          <a:p>
+            <a:r>
+              <a:rPr lang="en-US" dirty="0"/>
+              <a:t>Hope to have the groups formed Monday</a:t>
+            </a:r>
+          </a:p>
+        </p:txBody>
+      </p:sp>
+    </p:spTree>
+    <p:extLst>
+      <p:ext uri="{BB962C8B-B14F-4D97-AF65-F5344CB8AC3E}">
+        <p14:creationId xmlns:p14="http://schemas.microsoft.com/office/powerpoint/2010/main" val="1335901485"/>
+      </p:ext>
+    </p:extLst>
+  </p:cSld>
+  <p:clrMapOvr>
+    <a:masterClrMapping/>
+  </p:clrMapOvr>
+</p:sld>
+</file>
+
+<file path=ppt/slides/slide20.xml><?xml version="1.0" encoding="utf-8"?>
 <p:sld xmlns:a="http://schemas.openxmlformats.org/drawingml/2006/main" xmlns:r="http://schemas.openxmlformats.org/officeDocument/2006/relationships" xmlns:p="http://schemas.openxmlformats.org/presentationml/2006/main">
   <p:cSld>
     <p:spTree>
@@ -13101,7 +12371,7 @@
 </p:sld>
 </file>
 
-<file path=ppt/slides/slide22.xml><?xml version="1.0" encoding="utf-8"?>
+<file path=ppt/slides/slide21.xml><?xml version="1.0" encoding="utf-8"?>
 <p:sld xmlns:a="http://schemas.openxmlformats.org/drawingml/2006/main" xmlns:r="http://schemas.openxmlformats.org/officeDocument/2006/relationships" xmlns:p="http://schemas.openxmlformats.org/presentationml/2006/main">
   <p:cSld>
     <p:spTree>
@@ -13287,7 +12557,7 @@
 </p:sld>
 </file>
 
-<file path=ppt/slides/slide23.xml><?xml version="1.0" encoding="utf-8"?>
+<file path=ppt/slides/slide22.xml><?xml version="1.0" encoding="utf-8"?>
 <p:sld xmlns:a="http://schemas.openxmlformats.org/drawingml/2006/main" xmlns:r="http://schemas.openxmlformats.org/officeDocument/2006/relationships" xmlns:p="http://schemas.openxmlformats.org/presentationml/2006/main">
   <p:cSld>
     <p:spTree>
@@ -13818,206 +13088,7 @@
 </p:sld>
 </file>
 
-<file path=ppt/slides/slide24.xml><?xml version="1.0" encoding="utf-8"?>
-<p:sld xmlns:a="http://schemas.openxmlformats.org/drawingml/2006/main" xmlns:r="http://schemas.openxmlformats.org/officeDocument/2006/relationships" xmlns:p="http://schemas.openxmlformats.org/presentationml/2006/main">
-  <p:cSld>
-    <p:spTree>
-      <p:nvGrpSpPr>
-        <p:cNvPr id="1" name=""/>
-        <p:cNvGrpSpPr/>
-        <p:nvPr/>
-      </p:nvGrpSpPr>
-      <p:grpSpPr>
-        <a:xfrm>
-          <a:off x="0" y="0"/>
-          <a:ext cx="0" cy="0"/>
-          <a:chOff x="0" y="0"/>
-          <a:chExt cx="0" cy="0"/>
-        </a:xfrm>
-      </p:grpSpPr>
-      <p:sp>
-        <p:nvSpPr>
-          <p:cNvPr id="2" name="Title 1">
-            <a:extLst>
-              <a:ext uri="{FF2B5EF4-FFF2-40B4-BE49-F238E27FC236}">
-                <a16:creationId xmlns:a16="http://schemas.microsoft.com/office/drawing/2014/main" id="{098BAC96-EA76-4C56-A0F9-D41A2B478007}"/>
-              </a:ext>
-            </a:extLst>
-          </p:cNvPr>
-          <p:cNvSpPr>
-            <a:spLocks noGrp="1"/>
-          </p:cNvSpPr>
-          <p:nvPr>
-            <p:ph type="title"/>
-          </p:nvPr>
-        </p:nvSpPr>
-        <p:spPr/>
-        <p:txBody>
-          <a:bodyPr/>
-          <a:lstStyle/>
-          <a:p>
-            <a:r>
-              <a:rPr lang="en-US" dirty="0"/>
-              <a:t>Aside: Uploading multiple files to the server</a:t>
-            </a:r>
-          </a:p>
-        </p:txBody>
-      </p:sp>
-      <p:sp>
-        <p:nvSpPr>
-          <p:cNvPr id="3" name="Content Placeholder 2">
-            <a:extLst>
-              <a:ext uri="{FF2B5EF4-FFF2-40B4-BE49-F238E27FC236}">
-                <a16:creationId xmlns:a16="http://schemas.microsoft.com/office/drawing/2014/main" id="{3939EBE6-5A0D-4485-AFCD-B4A82A9241D2}"/>
-              </a:ext>
-            </a:extLst>
-          </p:cNvPr>
-          <p:cNvSpPr>
-            <a:spLocks noGrp="1"/>
-          </p:cNvSpPr>
-          <p:nvPr>
-            <p:ph idx="1"/>
-          </p:nvPr>
-        </p:nvSpPr>
-        <p:spPr>
-          <a:xfrm>
-            <a:off x="533400" y="1981200"/>
-            <a:ext cx="11125200" cy="4114800"/>
-          </a:xfrm>
-        </p:spPr>
-        <p:txBody>
-          <a:bodyPr/>
-          <a:lstStyle/>
-          <a:p>
-            <a:r>
-              <a:rPr lang="en-US" dirty="0"/>
-              <a:t>All files in the same folder on your computer</a:t>
-            </a:r>
-          </a:p>
-          <a:p>
-            <a:r>
-              <a:rPr lang="en-US" dirty="0"/>
-              <a:t>One must be named </a:t>
-            </a:r>
-            <a:r>
-              <a:rPr lang="en-US" b="1" dirty="0" err="1">
-                <a:solidFill>
-                  <a:srgbClr val="00FF00"/>
-                </a:solidFill>
-                <a:latin typeface="Courier New" panose="02070309020205020404" pitchFamily="49" charset="0"/>
-                <a:cs typeface="Courier New" panose="02070309020205020404" pitchFamily="49" charset="0"/>
-              </a:rPr>
-              <a:t>main.ss</a:t>
-            </a:r>
-            <a:r>
-              <a:rPr lang="en-US" dirty="0"/>
-              <a:t> </a:t>
-            </a:r>
-          </a:p>
-          <a:p>
-            <a:r>
-              <a:rPr lang="en-US" dirty="0"/>
-              <a:t>Code in </a:t>
-            </a:r>
-            <a:r>
-              <a:rPr lang="en-US" dirty="0" err="1">
-                <a:latin typeface="Courier New" panose="02070309020205020404" pitchFamily="49" charset="0"/>
-                <a:cs typeface="Courier New" panose="02070309020205020404" pitchFamily="49" charset="0"/>
-              </a:rPr>
-              <a:t>main.ss</a:t>
-            </a:r>
-            <a:r>
-              <a:rPr lang="en-US" dirty="0">
-                <a:latin typeface="Courier New" panose="02070309020205020404" pitchFamily="49" charset="0"/>
-                <a:cs typeface="Courier New" panose="02070309020205020404" pitchFamily="49" charset="0"/>
-              </a:rPr>
-              <a:t> </a:t>
-            </a:r>
-            <a:r>
-              <a:rPr lang="en-US" dirty="0"/>
-              <a:t>should load the other files (no pathnames)</a:t>
-            </a:r>
-          </a:p>
-          <a:p>
-            <a:r>
-              <a:rPr lang="en-US" dirty="0"/>
-              <a:t>Make a </a:t>
-            </a:r>
-            <a:r>
-              <a:rPr lang="en-US" b="1" dirty="0">
-                <a:solidFill>
-                  <a:srgbClr val="00FF00"/>
-                </a:solidFill>
-              </a:rPr>
-              <a:t>.zip </a:t>
-            </a:r>
-            <a:r>
-              <a:rPr lang="en-US" dirty="0"/>
-              <a:t>file containing all of your relevant .ss files</a:t>
-            </a:r>
-          </a:p>
-          <a:p>
-            <a:r>
-              <a:rPr lang="en-US" dirty="0"/>
-              <a:t>Do not include any folders in your ZIP archive</a:t>
-            </a:r>
-          </a:p>
-          <a:p>
-            <a:r>
-              <a:rPr lang="en-US" dirty="0"/>
-              <a:t>It is not necessary to include </a:t>
-            </a:r>
-            <a:r>
-              <a:rPr lang="en-US" dirty="0">
-                <a:latin typeface="Courier New" panose="02070309020205020404" pitchFamily="49" charset="0"/>
-                <a:cs typeface="Courier New" panose="02070309020205020404" pitchFamily="49" charset="0"/>
-              </a:rPr>
-              <a:t>chez-</a:t>
-            </a:r>
-            <a:r>
-              <a:rPr lang="en-US" dirty="0" err="1">
-                <a:latin typeface="Courier New" panose="02070309020205020404" pitchFamily="49" charset="0"/>
-                <a:cs typeface="Courier New" panose="02070309020205020404" pitchFamily="49" charset="0"/>
-              </a:rPr>
-              <a:t>init.ss</a:t>
-            </a:r>
-            <a:r>
-              <a:rPr lang="en-US" dirty="0">
-                <a:latin typeface="Courier New" panose="02070309020205020404" pitchFamily="49" charset="0"/>
-                <a:cs typeface="Courier New" panose="02070309020205020404" pitchFamily="49" charset="0"/>
-              </a:rPr>
-              <a:t> </a:t>
-            </a:r>
-            <a:r>
-              <a:rPr lang="en-US" dirty="0"/>
-              <a:t>in your ZIP file.</a:t>
-            </a:r>
-          </a:p>
-          <a:p>
-            <a:r>
-              <a:rPr lang="en-US" dirty="0"/>
-              <a:t>Upload the ZIP file to the  server.</a:t>
-            </a:r>
-          </a:p>
-          <a:p>
-            <a:endParaRPr lang="en-US" dirty="0"/>
-          </a:p>
-        </p:txBody>
-      </p:sp>
-    </p:spTree>
-    <p:extLst>
-      <p:ext uri="{BB962C8B-B14F-4D97-AF65-F5344CB8AC3E}">
-        <p14:creationId xmlns:p14="http://schemas.microsoft.com/office/powerpoint/2010/main" val="2800941064"/>
-      </p:ext>
-    </p:extLst>
-  </p:cSld>
-  <p:clrMapOvr>
-    <a:masterClrMapping/>
-  </p:clrMapOvr>
-</p:sld>
-</file>
-
-<file path=ppt/slides/slide25.xml><?xml version="1.0" encoding="utf-8"?>
+<file path=ppt/slides/slide23.xml><?xml version="1.0" encoding="utf-8"?>
 <p:sld xmlns:a="http://schemas.openxmlformats.org/drawingml/2006/main" xmlns:r="http://schemas.openxmlformats.org/officeDocument/2006/relationships" xmlns:p="http://schemas.openxmlformats.org/presentationml/2006/main">
   <p:cSld>
     <p:spTree>
@@ -14794,7 +13865,7 @@
 </p:sld>
 </file>
 
-<file path=ppt/slides/slide26.xml><?xml version="1.0" encoding="utf-8"?>
+<file path=ppt/slides/slide24.xml><?xml version="1.0" encoding="utf-8"?>
 <p:sld xmlns:a="http://schemas.openxmlformats.org/drawingml/2006/main" xmlns:r="http://schemas.openxmlformats.org/officeDocument/2006/relationships" xmlns:p="http://schemas.openxmlformats.org/presentationml/2006/main" showMasterPhAnim="0">
   <p:cSld>
     <p:spTree>
@@ -15988,7 +15059,7 @@
 </p:sld>
 </file>
 
-<file path=ppt/slides/slide27.xml><?xml version="1.0" encoding="utf-8"?>
+<file path=ppt/slides/slide25.xml><?xml version="1.0" encoding="utf-8"?>
 <p:sld xmlns:a="http://schemas.openxmlformats.org/drawingml/2006/main" xmlns:r="http://schemas.openxmlformats.org/officeDocument/2006/relationships" xmlns:p="http://schemas.openxmlformats.org/presentationml/2006/main">
   <p:cSld>
     <p:spTree>
@@ -16215,7 +15286,7 @@
 </p:sld>
 </file>
 
-<file path=ppt/slides/slide28.xml><?xml version="1.0" encoding="utf-8"?>
+<file path=ppt/slides/slide26.xml><?xml version="1.0" encoding="utf-8"?>
 <p:sld xmlns:a="http://schemas.openxmlformats.org/drawingml/2006/main" xmlns:r="http://schemas.openxmlformats.org/officeDocument/2006/relationships" xmlns:p="http://schemas.openxmlformats.org/presentationml/2006/main" showMasterPhAnim="0">
   <p:cSld>
     <p:spTree>
@@ -16911,7 +15982,7 @@
 </p:sld>
 </file>
 
-<file path=ppt/slides/slide29.xml><?xml version="1.0" encoding="utf-8"?>
+<file path=ppt/slides/slide27.xml><?xml version="1.0" encoding="utf-8"?>
 <p:sld xmlns:a="http://schemas.openxmlformats.org/drawingml/2006/main" xmlns:r="http://schemas.openxmlformats.org/officeDocument/2006/relationships" xmlns:p="http://schemas.openxmlformats.org/presentationml/2006/main" showMasterPhAnim="0" show="0">
   <p:cSld>
     <p:spTree>
@@ -17474,320 +16545,7 @@
 </p:sld>
 </file>
 
-<file path=ppt/slides/slide3.xml><?xml version="1.0" encoding="utf-8"?>
-<p:sld xmlns:a="http://schemas.openxmlformats.org/drawingml/2006/main" xmlns:r="http://schemas.openxmlformats.org/officeDocument/2006/relationships" xmlns:p="http://schemas.openxmlformats.org/presentationml/2006/main" show="0">
-  <p:cSld>
-    <p:spTree>
-      <p:nvGrpSpPr>
-        <p:cNvPr id="1" name=""/>
-        <p:cNvGrpSpPr/>
-        <p:nvPr/>
-      </p:nvGrpSpPr>
-      <p:grpSpPr>
-        <a:xfrm>
-          <a:off x="0" y="0"/>
-          <a:ext cx="0" cy="0"/>
-          <a:chOff x="0" y="0"/>
-          <a:chExt cx="0" cy="0"/>
-        </a:xfrm>
-      </p:grpSpPr>
-      <p:sp>
-        <p:nvSpPr>
-          <p:cNvPr id="539650" name="Rectangle 2"/>
-          <p:cNvSpPr>
-            <a:spLocks noGrp="1" noChangeArrowheads="1"/>
-          </p:cNvSpPr>
-          <p:nvPr>
-            <p:ph type="title"/>
-          </p:nvPr>
-        </p:nvSpPr>
-        <p:spPr>
-          <a:xfrm>
-            <a:off x="3124200" y="381000"/>
-            <a:ext cx="6172200" cy="571500"/>
-          </a:xfrm>
-        </p:spPr>
-        <p:txBody>
-          <a:bodyPr/>
-          <a:lstStyle/>
-          <a:p>
-            <a:r>
-              <a:rPr lang="en-US" dirty="0"/>
-              <a:t>lexical address hint</a:t>
-            </a:r>
-          </a:p>
-        </p:txBody>
-      </p:sp>
-      <p:sp>
-        <p:nvSpPr>
-          <p:cNvPr id="539651" name="Rectangle 3"/>
-          <p:cNvSpPr>
-            <a:spLocks noGrp="1" noChangeArrowheads="1"/>
-          </p:cNvSpPr>
-          <p:nvPr>
-            <p:ph type="body" idx="1"/>
-          </p:nvPr>
-        </p:nvSpPr>
-        <p:spPr>
-          <a:xfrm>
-            <a:off x="2057400" y="1371600"/>
-            <a:ext cx="7848600" cy="4114800"/>
-          </a:xfrm>
-        </p:spPr>
-        <p:txBody>
-          <a:bodyPr/>
-          <a:lstStyle/>
-          <a:p>
-            <a:pPr>
-              <a:lnSpc>
-                <a:spcPct val="80000"/>
-              </a:lnSpc>
-              <a:spcBef>
-                <a:spcPct val="0"/>
-              </a:spcBef>
-              <a:buFontTx/>
-              <a:buNone/>
-            </a:pPr>
-            <a:r>
-              <a:rPr lang="en-US" b="1" dirty="0">
-                <a:latin typeface="Courier New" pitchFamily="49" charset="0"/>
-              </a:rPr>
-              <a:t>(lexical-address</a:t>
-            </a:r>
-          </a:p>
-          <a:p>
-            <a:pPr>
-              <a:lnSpc>
-                <a:spcPct val="80000"/>
-              </a:lnSpc>
-              <a:spcBef>
-                <a:spcPct val="0"/>
-              </a:spcBef>
-              <a:buFontTx/>
-              <a:buNone/>
-            </a:pPr>
-            <a:r>
-              <a:rPr lang="en-US" b="1" dirty="0">
-                <a:latin typeface="Courier New" pitchFamily="49" charset="0"/>
-              </a:rPr>
-              <a:t> '((lambda (x y)</a:t>
-            </a:r>
-          </a:p>
-          <a:p>
-            <a:pPr>
-              <a:lnSpc>
-                <a:spcPct val="80000"/>
-              </a:lnSpc>
-              <a:spcBef>
-                <a:spcPct val="0"/>
-              </a:spcBef>
-              <a:buFontTx/>
-              <a:buNone/>
-            </a:pPr>
-            <a:r>
-              <a:rPr lang="en-US" b="1" dirty="0">
-                <a:latin typeface="Courier New" pitchFamily="49" charset="0"/>
-              </a:rPr>
-              <a:t>     (((lambda (z)</a:t>
-            </a:r>
-          </a:p>
-          <a:p>
-            <a:pPr>
-              <a:lnSpc>
-                <a:spcPct val="80000"/>
-              </a:lnSpc>
-              <a:spcBef>
-                <a:spcPct val="0"/>
-              </a:spcBef>
-              <a:buFontTx/>
-              <a:buNone/>
-            </a:pPr>
-            <a:r>
-              <a:rPr lang="en-US" b="1" dirty="0">
-                <a:latin typeface="Courier New" pitchFamily="49" charset="0"/>
-              </a:rPr>
-              <a:t>         (lambda (w y)</a:t>
-            </a:r>
-          </a:p>
-          <a:p>
-            <a:pPr>
-              <a:lnSpc>
-                <a:spcPct val="80000"/>
-              </a:lnSpc>
-              <a:spcBef>
-                <a:spcPct val="0"/>
-              </a:spcBef>
-              <a:buFontTx/>
-              <a:buNone/>
-            </a:pPr>
-            <a:r>
-              <a:rPr lang="en-US" b="1" dirty="0">
-                <a:latin typeface="Courier New" pitchFamily="49" charset="0"/>
-              </a:rPr>
-              <a:t>           (+ x z w y)))</a:t>
-            </a:r>
-          </a:p>
-          <a:p>
-            <a:pPr>
-              <a:lnSpc>
-                <a:spcPct val="80000"/>
-              </a:lnSpc>
-              <a:spcBef>
-                <a:spcPct val="0"/>
-              </a:spcBef>
-              <a:buFontTx/>
-              <a:buNone/>
-            </a:pPr>
-            <a:r>
-              <a:rPr lang="en-US" b="1" dirty="0">
-                <a:latin typeface="Courier New" pitchFamily="49" charset="0"/>
-              </a:rPr>
-              <a:t>       (list w x y z))</a:t>
-            </a:r>
-          </a:p>
-          <a:p>
-            <a:pPr>
-              <a:lnSpc>
-                <a:spcPct val="80000"/>
-              </a:lnSpc>
-              <a:spcBef>
-                <a:spcPct val="0"/>
-              </a:spcBef>
-              <a:buFontTx/>
-              <a:buNone/>
-            </a:pPr>
-            <a:r>
-              <a:rPr lang="en-US" b="1" dirty="0">
-                <a:latin typeface="Courier New" pitchFamily="49" charset="0"/>
-              </a:rPr>
-              <a:t>      (+ x y z)))</a:t>
-            </a:r>
-          </a:p>
-          <a:p>
-            <a:pPr>
-              <a:lnSpc>
-                <a:spcPct val="80000"/>
-              </a:lnSpc>
-              <a:spcBef>
-                <a:spcPct val="0"/>
-              </a:spcBef>
-              <a:buFontTx/>
-              <a:buNone/>
-            </a:pPr>
-            <a:r>
-              <a:rPr lang="en-US" b="1" dirty="0">
-                <a:latin typeface="Courier New" pitchFamily="49" charset="0"/>
-              </a:rPr>
-              <a:t>   (y z)))</a:t>
-            </a:r>
-            <a:r>
-              <a:rPr lang="en-US" sz="1800" b="1" dirty="0">
-                <a:latin typeface="Courier New" pitchFamily="49" charset="0"/>
-              </a:rPr>
-              <a:t>          </a:t>
-            </a:r>
-            <a:r>
-              <a:rPr lang="en-US" sz="1800" b="1" dirty="0">
-                <a:solidFill>
-                  <a:schemeClr val="bg2"/>
-                </a:solidFill>
-                <a:latin typeface="Courier New" pitchFamily="49" charset="0"/>
-              </a:rPr>
-              <a:t>         </a:t>
-            </a:r>
-            <a:br>
-              <a:rPr lang="en-US" sz="1800" b="1" dirty="0">
-                <a:solidFill>
-                  <a:srgbClr val="FFFF00"/>
-                </a:solidFill>
-                <a:latin typeface="Courier New" pitchFamily="49" charset="0"/>
-                <a:sym typeface="Wingdings" pitchFamily="2" charset="2"/>
-              </a:rPr>
-            </a:br>
-            <a:endParaRPr lang="en-US" sz="1800" b="1" dirty="0">
-              <a:solidFill>
-                <a:srgbClr val="FFFF00"/>
-              </a:solidFill>
-              <a:latin typeface="Courier New" pitchFamily="49" charset="0"/>
-              <a:sym typeface="Wingdings" pitchFamily="2" charset="2"/>
-            </a:endParaRPr>
-          </a:p>
-          <a:p>
-            <a:pPr>
-              <a:lnSpc>
-                <a:spcPct val="80000"/>
-              </a:lnSpc>
-              <a:spcBef>
-                <a:spcPct val="0"/>
-              </a:spcBef>
-              <a:buFontTx/>
-              <a:buNone/>
-            </a:pPr>
-            <a:endParaRPr lang="en-US" sz="1800" b="1" dirty="0">
-              <a:solidFill>
-                <a:srgbClr val="FFFF00"/>
-              </a:solidFill>
-              <a:latin typeface="Courier New" pitchFamily="49" charset="0"/>
-              <a:sym typeface="Wingdings" pitchFamily="2" charset="2"/>
-            </a:endParaRPr>
-          </a:p>
-          <a:p>
-            <a:pPr>
-              <a:lnSpc>
-                <a:spcPct val="80000"/>
-              </a:lnSpc>
-              <a:spcBef>
-                <a:spcPct val="0"/>
-              </a:spcBef>
-              <a:buFontTx/>
-              <a:buNone/>
-            </a:pPr>
-            <a:r>
-              <a:rPr lang="en-US" b="1" dirty="0"/>
-              <a:t>   </a:t>
-            </a:r>
-            <a:r>
-              <a:rPr lang="en-US" sz="4400" b="1" dirty="0">
-                <a:solidFill>
-                  <a:srgbClr val="00FF00"/>
-                </a:solidFill>
-              </a:rPr>
-              <a:t>Recursive helper should take an additional argument, a “lexical environment”</a:t>
-            </a:r>
-            <a:endParaRPr lang="en-US" sz="2800" b="1" dirty="0">
-              <a:solidFill>
-                <a:srgbClr val="00FF00"/>
-              </a:solidFill>
-            </a:endParaRPr>
-          </a:p>
-          <a:p>
-            <a:pPr>
-              <a:lnSpc>
-                <a:spcPct val="80000"/>
-              </a:lnSpc>
-              <a:buFontTx/>
-              <a:buNone/>
-            </a:pPr>
-            <a:endParaRPr lang="en-US" sz="1500" b="1" dirty="0">
-              <a:latin typeface="Courier New" pitchFamily="49" charset="0"/>
-            </a:endParaRPr>
-          </a:p>
-        </p:txBody>
-      </p:sp>
-    </p:spTree>
-    <p:extLst>
-      <p:ext uri="{BB962C8B-B14F-4D97-AF65-F5344CB8AC3E}">
-        <p14:creationId xmlns:p14="http://schemas.microsoft.com/office/powerpoint/2010/main" val="3647339432"/>
-      </p:ext>
-    </p:extLst>
-  </p:cSld>
-  <p:clrMapOvr>
-    <a:masterClrMapping/>
-  </p:clrMapOvr>
-</p:sld>
-</file>
-
-<file path=ppt/slides/slide30.xml><?xml version="1.0" encoding="utf-8"?>
+<file path=ppt/slides/slide28.xml><?xml version="1.0" encoding="utf-8"?>
 <p:sld xmlns:a="http://schemas.openxmlformats.org/drawingml/2006/main" xmlns:r="http://schemas.openxmlformats.org/officeDocument/2006/relationships" xmlns:p="http://schemas.openxmlformats.org/presentationml/2006/main" showMasterPhAnim="0">
   <p:cSld>
     <p:spTree>
@@ -19080,7 +17838,7 @@
 </p:sld>
 </file>
 
-<file path=ppt/slides/slide31.xml><?xml version="1.0" encoding="utf-8"?>
+<file path=ppt/slides/slide29.xml><?xml version="1.0" encoding="utf-8"?>
 <p:sld xmlns:a="http://schemas.openxmlformats.org/drawingml/2006/main" xmlns:r="http://schemas.openxmlformats.org/officeDocument/2006/relationships" xmlns:p="http://schemas.openxmlformats.org/presentationml/2006/main">
   <p:cSld>
     <p:spTree>
@@ -19187,7 +17945,157 @@
 </p:sld>
 </file>
 
-<file path=ppt/slides/slide32.xml><?xml version="1.0" encoding="utf-8"?>
+<file path=ppt/slides/slide3.xml><?xml version="1.0" encoding="utf-8"?>
+<p:sld xmlns:a="http://schemas.openxmlformats.org/drawingml/2006/main" xmlns:r="http://schemas.openxmlformats.org/officeDocument/2006/relationships" xmlns:p="http://schemas.openxmlformats.org/presentationml/2006/main">
+  <p:cSld>
+    <p:spTree>
+      <p:nvGrpSpPr>
+        <p:cNvPr id="1" name=""/>
+        <p:cNvGrpSpPr/>
+        <p:nvPr/>
+      </p:nvGrpSpPr>
+      <p:grpSpPr>
+        <a:xfrm>
+          <a:off x="0" y="0"/>
+          <a:ext cx="0" cy="0"/>
+          <a:chOff x="0" y="0"/>
+          <a:chExt cx="0" cy="0"/>
+        </a:xfrm>
+      </p:grpSpPr>
+      <p:sp>
+        <p:nvSpPr>
+          <p:cNvPr id="4" name="Title 3"/>
+          <p:cNvSpPr>
+            <a:spLocks noGrp="1"/>
+          </p:cNvSpPr>
+          <p:nvPr>
+            <p:ph type="title"/>
+          </p:nvPr>
+        </p:nvSpPr>
+        <p:spPr>
+          <a:xfrm>
+            <a:off x="2246313" y="4886326"/>
+            <a:ext cx="7772400" cy="1362075"/>
+          </a:xfrm>
+        </p:spPr>
+        <p:txBody>
+          <a:bodyPr/>
+          <a:lstStyle/>
+          <a:p>
+            <a:r>
+              <a:rPr lang="en-US" sz="7200" dirty="0"/>
+              <a:t>Datatypes</a:t>
+            </a:r>
+          </a:p>
+        </p:txBody>
+      </p:sp>
+      <p:sp>
+        <p:nvSpPr>
+          <p:cNvPr id="5" name="Text Placeholder 4"/>
+          <p:cNvSpPr>
+            <a:spLocks noGrp="1"/>
+          </p:cNvSpPr>
+          <p:nvPr>
+            <p:ph type="body" idx="1"/>
+          </p:nvPr>
+        </p:nvSpPr>
+        <p:spPr>
+          <a:xfrm>
+            <a:off x="2667000" y="1622840"/>
+            <a:ext cx="7772400" cy="3025361"/>
+          </a:xfrm>
+          <a:noFill/>
+          <a:ln w="9525">
+            <a:noFill/>
+            <a:miter lim="800000"/>
+            <a:headEnd/>
+            <a:tailEnd/>
+          </a:ln>
+          <a:effectLst/>
+        </p:spPr>
+        <p:txBody>
+          <a:bodyPr vert="horz" wrap="square" lIns="91440" tIns="45720" rIns="91440" bIns="45720" numCol="1" anchor="b" anchorCtr="0" compatLnSpc="1">
+            <a:prstTxWarp prst="textNoShape">
+              <a:avLst/>
+            </a:prstTxWarp>
+          </a:bodyPr>
+          <a:lstStyle/>
+          <a:p>
+            <a:r>
+              <a:rPr lang="en-US" sz="2800" dirty="0"/>
+              <a:t>Definition</a:t>
+            </a:r>
+          </a:p>
+          <a:p>
+            <a:r>
+              <a:rPr lang="en-US" sz="2800" dirty="0"/>
+              <a:t>Basic and derived operations</a:t>
+            </a:r>
+          </a:p>
+          <a:p>
+            <a:r>
+              <a:rPr lang="en-US" sz="2800" dirty="0"/>
+              <a:t>Example: Non-negative integers</a:t>
+            </a:r>
+          </a:p>
+          <a:p>
+            <a:r>
+              <a:rPr lang="en-US" sz="2800" dirty="0"/>
+              <a:t>Implementation strategies</a:t>
+            </a:r>
+          </a:p>
+          <a:p>
+            <a:r>
+              <a:rPr lang="en-US" sz="2800" dirty="0"/>
+              <a:t>Standard Datatypes – arrays and records</a:t>
+            </a:r>
+          </a:p>
+          <a:p>
+            <a:r>
+              <a:rPr lang="en-US" sz="2800" dirty="0"/>
+              <a:t>Variant records</a:t>
+            </a:r>
+          </a:p>
+          <a:p>
+            <a:r>
+              <a:rPr lang="en-US" sz="2800" dirty="0" err="1"/>
+              <a:t>EoPL's</a:t>
+            </a:r>
+            <a:r>
+              <a:rPr lang="en-US" sz="2800" dirty="0"/>
+              <a:t> Scheme </a:t>
+            </a:r>
+            <a:r>
+              <a:rPr lang="en-US" sz="2800" dirty="0">
+                <a:latin typeface="Courier New" panose="02070309020205020404" pitchFamily="49" charset="0"/>
+                <a:cs typeface="Courier New" panose="02070309020205020404" pitchFamily="49" charset="0"/>
+              </a:rPr>
+              <a:t>define-datatype</a:t>
+            </a:r>
+          </a:p>
+          <a:p>
+            <a:r>
+              <a:rPr lang="en-US" sz="2800" dirty="0"/>
+              <a:t>Parsing lambda-calculus expressions</a:t>
+            </a:r>
+            <a:endParaRPr lang="en-US" dirty="0"/>
+          </a:p>
+        </p:txBody>
+      </p:sp>
+    </p:spTree>
+    <p:extLst>
+      <p:ext uri="{BB962C8B-B14F-4D97-AF65-F5344CB8AC3E}">
+        <p14:creationId xmlns:p14="http://schemas.microsoft.com/office/powerpoint/2010/main" val="1025343925"/>
+      </p:ext>
+    </p:extLst>
+  </p:cSld>
+  <p:clrMapOvr>
+    <a:masterClrMapping/>
+  </p:clrMapOvr>
+</p:sld>
+</file>
+
+<file path=ppt/slides/slide30.xml><?xml version="1.0" encoding="utf-8"?>
 <p:sld xmlns:a="http://schemas.openxmlformats.org/drawingml/2006/main" xmlns:r="http://schemas.openxmlformats.org/officeDocument/2006/relationships" xmlns:p="http://schemas.openxmlformats.org/presentationml/2006/main">
   <p:cSld>
     <p:spTree>
@@ -19802,7 +18710,7 @@
 </p:sld>
 </file>
 
-<file path=ppt/slides/slide33.xml><?xml version="1.0" encoding="utf-8"?>
+<file path=ppt/slides/slide31.xml><?xml version="1.0" encoding="utf-8"?>
 <p:sld xmlns:a="http://schemas.openxmlformats.org/drawingml/2006/main" xmlns:r="http://schemas.openxmlformats.org/officeDocument/2006/relationships" xmlns:p="http://schemas.openxmlformats.org/presentationml/2006/main">
   <p:cSld>
     <p:spTree>
@@ -20320,7 +19228,7 @@
 </p:sld>
 </file>
 
-<file path=ppt/slides/slide34.xml><?xml version="1.0" encoding="utf-8"?>
+<file path=ppt/slides/slide32.xml><?xml version="1.0" encoding="utf-8"?>
 <p:sld xmlns:a="http://schemas.openxmlformats.org/drawingml/2006/main" xmlns:r="http://schemas.openxmlformats.org/officeDocument/2006/relationships" xmlns:p="http://schemas.openxmlformats.org/presentationml/2006/main">
   <p:cSld>
     <p:spTree>
@@ -22064,7 +20972,7 @@
 </p:sld>
 </file>
 
-<file path=ppt/slides/slide35.xml><?xml version="1.0" encoding="utf-8"?>
+<file path=ppt/slides/slide33.xml><?xml version="1.0" encoding="utf-8"?>
 <p:sld xmlns:a="http://schemas.openxmlformats.org/drawingml/2006/main" xmlns:r="http://schemas.openxmlformats.org/officeDocument/2006/relationships" xmlns:p="http://schemas.openxmlformats.org/presentationml/2006/main">
   <p:cSld>
     <p:spTree>
@@ -22701,7 +21609,7 @@
 </p:sld>
 </file>
 
-<file path=ppt/slides/slide36.xml><?xml version="1.0" encoding="utf-8"?>
+<file path=ppt/slides/slide34.xml><?xml version="1.0" encoding="utf-8"?>
 <p:sld xmlns:a="http://schemas.openxmlformats.org/drawingml/2006/main" xmlns:r="http://schemas.openxmlformats.org/officeDocument/2006/relationships" xmlns:p="http://schemas.openxmlformats.org/presentationml/2006/main">
   <p:cSld>
     <p:spTree>
@@ -23143,7 +22051,7 @@
 </p:sld>
 </file>
 
-<file path=ppt/slides/slide37.xml><?xml version="1.0" encoding="utf-8"?>
+<file path=ppt/slides/slide35.xml><?xml version="1.0" encoding="utf-8"?>
 <p:sld xmlns:a="http://schemas.openxmlformats.org/drawingml/2006/main" xmlns:r="http://schemas.openxmlformats.org/officeDocument/2006/relationships" xmlns:p="http://schemas.openxmlformats.org/presentationml/2006/main">
   <p:cSld>
     <p:spTree>
@@ -23799,7 +22707,7 @@
 </p:sld>
 </file>
 
-<file path=ppt/slides/slide38.xml><?xml version="1.0" encoding="utf-8"?>
+<file path=ppt/slides/slide36.xml><?xml version="1.0" encoding="utf-8"?>
 <p:sld xmlns:a="http://schemas.openxmlformats.org/drawingml/2006/main" xmlns:r="http://schemas.openxmlformats.org/officeDocument/2006/relationships" xmlns:p="http://schemas.openxmlformats.org/presentationml/2006/main">
   <p:cSld>
     <p:spTree>
@@ -23969,7 +22877,7 @@
 </p:sld>
 </file>
 
-<file path=ppt/slides/slide39.xml><?xml version="1.0" encoding="utf-8"?>
+<file path=ppt/slides/slide37.xml><?xml version="1.0" encoding="utf-8"?>
 <p:sld xmlns:a="http://schemas.openxmlformats.org/drawingml/2006/main" xmlns:r="http://schemas.openxmlformats.org/officeDocument/2006/relationships" xmlns:p="http://schemas.openxmlformats.org/presentationml/2006/main">
   <p:cSld>
     <p:spTree>
@@ -24380,157 +23288,7 @@
 </p:sld>
 </file>
 
-<file path=ppt/slides/slide4.xml><?xml version="1.0" encoding="utf-8"?>
-<p:sld xmlns:a="http://schemas.openxmlformats.org/drawingml/2006/main" xmlns:r="http://schemas.openxmlformats.org/officeDocument/2006/relationships" xmlns:p="http://schemas.openxmlformats.org/presentationml/2006/main">
-  <p:cSld>
-    <p:spTree>
-      <p:nvGrpSpPr>
-        <p:cNvPr id="1" name=""/>
-        <p:cNvGrpSpPr/>
-        <p:nvPr/>
-      </p:nvGrpSpPr>
-      <p:grpSpPr>
-        <a:xfrm>
-          <a:off x="0" y="0"/>
-          <a:ext cx="0" cy="0"/>
-          <a:chOff x="0" y="0"/>
-          <a:chExt cx="0" cy="0"/>
-        </a:xfrm>
-      </p:grpSpPr>
-      <p:sp>
-        <p:nvSpPr>
-          <p:cNvPr id="4" name="Title 3"/>
-          <p:cNvSpPr>
-            <a:spLocks noGrp="1"/>
-          </p:cNvSpPr>
-          <p:nvPr>
-            <p:ph type="title"/>
-          </p:nvPr>
-        </p:nvSpPr>
-        <p:spPr>
-          <a:xfrm>
-            <a:off x="2246313" y="4886326"/>
-            <a:ext cx="7772400" cy="1362075"/>
-          </a:xfrm>
-        </p:spPr>
-        <p:txBody>
-          <a:bodyPr/>
-          <a:lstStyle/>
-          <a:p>
-            <a:r>
-              <a:rPr lang="en-US" sz="7200" dirty="0"/>
-              <a:t>Datatypes</a:t>
-            </a:r>
-          </a:p>
-        </p:txBody>
-      </p:sp>
-      <p:sp>
-        <p:nvSpPr>
-          <p:cNvPr id="5" name="Text Placeholder 4"/>
-          <p:cNvSpPr>
-            <a:spLocks noGrp="1"/>
-          </p:cNvSpPr>
-          <p:nvPr>
-            <p:ph type="body" idx="1"/>
-          </p:nvPr>
-        </p:nvSpPr>
-        <p:spPr>
-          <a:xfrm>
-            <a:off x="2667000" y="1622840"/>
-            <a:ext cx="7772400" cy="3025361"/>
-          </a:xfrm>
-          <a:noFill/>
-          <a:ln w="9525">
-            <a:noFill/>
-            <a:miter lim="800000"/>
-            <a:headEnd/>
-            <a:tailEnd/>
-          </a:ln>
-          <a:effectLst/>
-        </p:spPr>
-        <p:txBody>
-          <a:bodyPr vert="horz" wrap="square" lIns="91440" tIns="45720" rIns="91440" bIns="45720" numCol="1" anchor="b" anchorCtr="0" compatLnSpc="1">
-            <a:prstTxWarp prst="textNoShape">
-              <a:avLst/>
-            </a:prstTxWarp>
-          </a:bodyPr>
-          <a:lstStyle/>
-          <a:p>
-            <a:r>
-              <a:rPr lang="en-US" sz="2800" dirty="0"/>
-              <a:t>Definition</a:t>
-            </a:r>
-          </a:p>
-          <a:p>
-            <a:r>
-              <a:rPr lang="en-US" sz="2800" dirty="0"/>
-              <a:t>Basic and derived operations</a:t>
-            </a:r>
-          </a:p>
-          <a:p>
-            <a:r>
-              <a:rPr lang="en-US" sz="2800" dirty="0"/>
-              <a:t>Example: Non-negative integers</a:t>
-            </a:r>
-          </a:p>
-          <a:p>
-            <a:r>
-              <a:rPr lang="en-US" sz="2800" dirty="0"/>
-              <a:t>Implementation strategies</a:t>
-            </a:r>
-          </a:p>
-          <a:p>
-            <a:r>
-              <a:rPr lang="en-US" sz="2800" dirty="0"/>
-              <a:t>Standard Datatypes – arrays and records</a:t>
-            </a:r>
-          </a:p>
-          <a:p>
-            <a:r>
-              <a:rPr lang="en-US" sz="2800" dirty="0"/>
-              <a:t>Variant records</a:t>
-            </a:r>
-          </a:p>
-          <a:p>
-            <a:r>
-              <a:rPr lang="en-US" sz="2800" dirty="0" err="1"/>
-              <a:t>EoPL's</a:t>
-            </a:r>
-            <a:r>
-              <a:rPr lang="en-US" sz="2800" dirty="0"/>
-              <a:t> Scheme </a:t>
-            </a:r>
-            <a:r>
-              <a:rPr lang="en-US" sz="2800" dirty="0">
-                <a:latin typeface="Courier New" panose="02070309020205020404" pitchFamily="49" charset="0"/>
-                <a:cs typeface="Courier New" panose="02070309020205020404" pitchFamily="49" charset="0"/>
-              </a:rPr>
-              <a:t>define-datatype</a:t>
-            </a:r>
-          </a:p>
-          <a:p>
-            <a:r>
-              <a:rPr lang="en-US" sz="2800" dirty="0"/>
-              <a:t>Parsing lambda-calculus expressions</a:t>
-            </a:r>
-            <a:endParaRPr lang="en-US" dirty="0"/>
-          </a:p>
-        </p:txBody>
-      </p:sp>
-    </p:spTree>
-    <p:extLst>
-      <p:ext uri="{BB962C8B-B14F-4D97-AF65-F5344CB8AC3E}">
-        <p14:creationId xmlns:p14="http://schemas.microsoft.com/office/powerpoint/2010/main" val="1025343925"/>
-      </p:ext>
-    </p:extLst>
-  </p:cSld>
-  <p:clrMapOvr>
-    <a:masterClrMapping/>
-  </p:clrMapOvr>
-</p:sld>
-</file>
-
-<file path=ppt/slides/slide40.xml><?xml version="1.0" encoding="utf-8"?>
+<file path=ppt/slides/slide38.xml><?xml version="1.0" encoding="utf-8"?>
 <p:sld xmlns:a="http://schemas.openxmlformats.org/drawingml/2006/main" xmlns:r="http://schemas.openxmlformats.org/officeDocument/2006/relationships" xmlns:p="http://schemas.openxmlformats.org/presentationml/2006/main">
   <p:cSld>
     <p:spTree>
@@ -24675,7 +23433,7 @@
 </p:sld>
 </file>
 
-<file path=ppt/slides/slide41.xml><?xml version="1.0" encoding="utf-8"?>
+<file path=ppt/slides/slide39.xml><?xml version="1.0" encoding="utf-8"?>
 <p:sld xmlns:a="http://schemas.openxmlformats.org/drawingml/2006/main" xmlns:r="http://schemas.openxmlformats.org/officeDocument/2006/relationships" xmlns:p="http://schemas.openxmlformats.org/presentationml/2006/main">
   <p:cSld>
     <p:spTree>
@@ -25405,7 +24163,218 @@
 </p:sld>
 </file>
 
-<file path=ppt/slides/slide42.xml><?xml version="1.0" encoding="utf-8"?>
+<file path=ppt/slides/slide4.xml><?xml version="1.0" encoding="utf-8"?>
+<p:sld xmlns:a="http://schemas.openxmlformats.org/drawingml/2006/main" xmlns:r="http://schemas.openxmlformats.org/officeDocument/2006/relationships" xmlns:p="http://schemas.openxmlformats.org/presentationml/2006/main">
+  <p:cSld>
+    <p:spTree>
+      <p:nvGrpSpPr>
+        <p:cNvPr id="1" name=""/>
+        <p:cNvGrpSpPr/>
+        <p:nvPr/>
+      </p:nvGrpSpPr>
+      <p:grpSpPr>
+        <a:xfrm>
+          <a:off x="0" y="0"/>
+          <a:ext cx="0" cy="0"/>
+          <a:chOff x="0" y="0"/>
+          <a:chExt cx="0" cy="0"/>
+        </a:xfrm>
+      </p:grpSpPr>
+      <p:sp>
+        <p:nvSpPr>
+          <p:cNvPr id="90114" name="Rectangle 2"/>
+          <p:cNvSpPr>
+            <a:spLocks noGrp="1" noChangeArrowheads="1"/>
+          </p:cNvSpPr>
+          <p:nvPr>
+            <p:ph type="title"/>
+          </p:nvPr>
+        </p:nvSpPr>
+        <p:spPr/>
+        <p:txBody>
+          <a:bodyPr/>
+          <a:lstStyle/>
+          <a:p>
+            <a:r>
+              <a:rPr lang="en-US"/>
+              <a:t>data</a:t>
+            </a:r>
+          </a:p>
+        </p:txBody>
+      </p:sp>
+      <p:sp>
+        <p:nvSpPr>
+          <p:cNvPr id="90115" name="Rectangle 3"/>
+          <p:cNvSpPr>
+            <a:spLocks noGrp="1" noChangeArrowheads="1"/>
+          </p:cNvSpPr>
+          <p:nvPr>
+            <p:ph type="body" idx="1"/>
+          </p:nvPr>
+        </p:nvSpPr>
+        <p:spPr/>
+        <p:txBody>
+          <a:bodyPr/>
+          <a:lstStyle/>
+          <a:p>
+            <a:r>
+              <a:rPr lang="en-US" dirty="0"/>
+              <a:t>bits</a:t>
+            </a:r>
+          </a:p>
+          <a:p>
+            <a:r>
+              <a:rPr lang="en-US" dirty="0"/>
+              <a:t>interpretation</a:t>
+            </a:r>
+          </a:p>
+        </p:txBody>
+      </p:sp>
+    </p:spTree>
+    <p:extLst>
+      <p:ext uri="{BB962C8B-B14F-4D97-AF65-F5344CB8AC3E}">
+        <p14:creationId xmlns:p14="http://schemas.microsoft.com/office/powerpoint/2010/main" val="2182728697"/>
+      </p:ext>
+    </p:extLst>
+  </p:cSld>
+  <p:clrMapOvr>
+    <a:masterClrMapping/>
+  </p:clrMapOvr>
+  <p:timing>
+    <p:tnLst>
+      <p:par>
+        <p:cTn id="1" dur="indefinite" restart="never" nodeType="tmRoot">
+          <p:childTnLst>
+            <p:seq concurrent="1" nextAc="seek">
+              <p:cTn id="2" dur="indefinite" nodeType="mainSeq">
+                <p:childTnLst>
+                  <p:par>
+                    <p:cTn id="3" fill="hold">
+                      <p:stCondLst>
+                        <p:cond delay="indefinite"/>
+                      </p:stCondLst>
+                      <p:childTnLst>
+                        <p:par>
+                          <p:cTn id="4" fill="hold">
+                            <p:stCondLst>
+                              <p:cond delay="0"/>
+                            </p:stCondLst>
+                            <p:childTnLst>
+                              <p:par>
+                                <p:cTn id="5" presetID="1" presetClass="entr" presetSubtype="0" fill="hold" grpId="0" nodeType="clickEffect">
+                                  <p:stCondLst>
+                                    <p:cond delay="0"/>
+                                  </p:stCondLst>
+                                  <p:childTnLst>
+                                    <p:set>
+                                      <p:cBhvr>
+                                        <p:cTn id="6" dur="1" fill="hold">
+                                          <p:stCondLst>
+                                            <p:cond delay="0"/>
+                                          </p:stCondLst>
+                                        </p:cTn>
+                                        <p:tgtEl>
+                                          <p:spTgt spid="90115">
+                                            <p:txEl>
+                                              <p:pRg st="0" end="0"/>
+                                            </p:txEl>
+                                          </p:spTgt>
+                                        </p:tgtEl>
+                                        <p:attrNameLst>
+                                          <p:attrName>style.visibility</p:attrName>
+                                        </p:attrNameLst>
+                                      </p:cBhvr>
+                                      <p:to>
+                                        <p:strVal val="visible"/>
+                                      </p:to>
+                                    </p:set>
+                                  </p:childTnLst>
+                                </p:cTn>
+                              </p:par>
+                            </p:childTnLst>
+                          </p:cTn>
+                        </p:par>
+                      </p:childTnLst>
+                    </p:cTn>
+                  </p:par>
+                  <p:par>
+                    <p:cTn id="7" fill="hold">
+                      <p:stCondLst>
+                        <p:cond delay="indefinite"/>
+                      </p:stCondLst>
+                      <p:childTnLst>
+                        <p:par>
+                          <p:cTn id="8" fill="hold">
+                            <p:stCondLst>
+                              <p:cond delay="0"/>
+                            </p:stCondLst>
+                            <p:childTnLst>
+                              <p:par>
+                                <p:cTn id="9" presetID="1" presetClass="entr" presetSubtype="0" fill="hold" grpId="0" nodeType="clickEffect">
+                                  <p:stCondLst>
+                                    <p:cond delay="0"/>
+                                  </p:stCondLst>
+                                  <p:childTnLst>
+                                    <p:set>
+                                      <p:cBhvr>
+                                        <p:cTn id="10" dur="1" fill="hold">
+                                          <p:stCondLst>
+                                            <p:cond delay="0"/>
+                                          </p:stCondLst>
+                                        </p:cTn>
+                                        <p:tgtEl>
+                                          <p:spTgt spid="90115">
+                                            <p:txEl>
+                                              <p:pRg st="1" end="1"/>
+                                            </p:txEl>
+                                          </p:spTgt>
+                                        </p:tgtEl>
+                                        <p:attrNameLst>
+                                          <p:attrName>style.visibility</p:attrName>
+                                        </p:attrNameLst>
+                                      </p:cBhvr>
+                                      <p:to>
+                                        <p:strVal val="visible"/>
+                                      </p:to>
+                                    </p:set>
+                                  </p:childTnLst>
+                                </p:cTn>
+                              </p:par>
+                            </p:childTnLst>
+                          </p:cTn>
+                        </p:par>
+                      </p:childTnLst>
+                    </p:cTn>
+                  </p:par>
+                </p:childTnLst>
+              </p:cTn>
+              <p:prevCondLst>
+                <p:cond evt="onPrev" delay="0">
+                  <p:tgtEl>
+                    <p:sldTgt/>
+                  </p:tgtEl>
+                </p:cond>
+              </p:prevCondLst>
+              <p:nextCondLst>
+                <p:cond evt="onNext" delay="0">
+                  <p:tgtEl>
+                    <p:sldTgt/>
+                  </p:tgtEl>
+                </p:cond>
+              </p:nextCondLst>
+            </p:seq>
+          </p:childTnLst>
+        </p:cTn>
+      </p:par>
+    </p:tnLst>
+    <p:bldLst>
+      <p:bldP spid="90115" grpId="0" build="p"/>
+    </p:bldLst>
+  </p:timing>
+</p:sld>
+</file>
+
+<file path=ppt/slides/slide40.xml><?xml version="1.0" encoding="utf-8"?>
 <p:sld xmlns:a="http://schemas.openxmlformats.org/drawingml/2006/main" xmlns:r="http://schemas.openxmlformats.org/officeDocument/2006/relationships" xmlns:p="http://schemas.openxmlformats.org/presentationml/2006/main">
   <p:cSld>
     <p:spTree>
@@ -25559,7 +24528,7 @@
 </p:sld>
 </file>
 
-<file path=ppt/slides/slide43.xml><?xml version="1.0" encoding="utf-8"?>
+<file path=ppt/slides/slide41.xml><?xml version="1.0" encoding="utf-8"?>
 <p:sld xmlns:a="http://schemas.openxmlformats.org/drawingml/2006/main" xmlns:r="http://schemas.openxmlformats.org/officeDocument/2006/relationships" xmlns:p="http://schemas.openxmlformats.org/presentationml/2006/main">
   <p:cSld>
     <p:spTree>
@@ -25630,7 +24599,7 @@
 </p:sld>
 </file>
 
-<file path=ppt/slides/slide44.xml><?xml version="1.0" encoding="utf-8"?>
+<file path=ppt/slides/slide42.xml><?xml version="1.0" encoding="utf-8"?>
 <p:sld xmlns:a="http://schemas.openxmlformats.org/drawingml/2006/main" xmlns:r="http://schemas.openxmlformats.org/officeDocument/2006/relationships" xmlns:p="http://schemas.openxmlformats.org/presentationml/2006/main">
   <p:cSld>
     <p:spTree>
@@ -25956,7 +24925,7 @@
 </p:sld>
 </file>
 
-<file path=ppt/slides/slide45.xml><?xml version="1.0" encoding="utf-8"?>
+<file path=ppt/slides/slide43.xml><?xml version="1.0" encoding="utf-8"?>
 <p:sld xmlns:a="http://schemas.openxmlformats.org/drawingml/2006/main" xmlns:r="http://schemas.openxmlformats.org/officeDocument/2006/relationships" xmlns:p="http://schemas.openxmlformats.org/presentationml/2006/main">
   <p:cSld>
     <p:spTree>
@@ -26081,7 +25050,7 @@
 </p:sld>
 </file>
 
-<file path=ppt/slides/slide46.xml><?xml version="1.0" encoding="utf-8"?>
+<file path=ppt/slides/slide44.xml><?xml version="1.0" encoding="utf-8"?>
 <p:sld xmlns:a="http://schemas.openxmlformats.org/drawingml/2006/main" xmlns:r="http://schemas.openxmlformats.org/officeDocument/2006/relationships" xmlns:p="http://schemas.openxmlformats.org/presentationml/2006/main">
   <p:cSld>
     <p:spTree>
@@ -26334,7 +25303,7 @@
 </p:sld>
 </file>
 
-<file path=ppt/slides/slide47.xml><?xml version="1.0" encoding="utf-8"?>
+<file path=ppt/slides/slide45.xml><?xml version="1.0" encoding="utf-8"?>
 <p:sld xmlns:a="http://schemas.openxmlformats.org/drawingml/2006/main" xmlns:r="http://schemas.openxmlformats.org/officeDocument/2006/relationships" xmlns:p="http://schemas.openxmlformats.org/presentationml/2006/main" showMasterPhAnim="0">
   <p:cSld>
     <p:spTree>
@@ -27138,7 +26107,7 @@
 </p:sld>
 </file>
 
-<file path=ppt/slides/slide48.xml><?xml version="1.0" encoding="utf-8"?>
+<file path=ppt/slides/slide46.xml><?xml version="1.0" encoding="utf-8"?>
 <p:sld xmlns:a="http://schemas.openxmlformats.org/drawingml/2006/main" xmlns:r="http://schemas.openxmlformats.org/officeDocument/2006/relationships" xmlns:p="http://schemas.openxmlformats.org/presentationml/2006/main" showMasterPhAnim="0">
   <p:cSld>
     <p:spTree>
@@ -27247,7 +26216,7 @@
 </p:sld>
 </file>
 
-<file path=ppt/slides/slide49.xml><?xml version="1.0" encoding="utf-8"?>
+<file path=ppt/slides/slide47.xml><?xml version="1.0" encoding="utf-8"?>
 <p:sld xmlns:a="http://schemas.openxmlformats.org/drawingml/2006/main" xmlns:r="http://schemas.openxmlformats.org/officeDocument/2006/relationships" xmlns:p="http://schemas.openxmlformats.org/presentationml/2006/main">
   <p:cSld>
     <p:spTree>
@@ -27614,218 +26583,7 @@
 </p:sld>
 </file>
 
-<file path=ppt/slides/slide5.xml><?xml version="1.0" encoding="utf-8"?>
-<p:sld xmlns:a="http://schemas.openxmlformats.org/drawingml/2006/main" xmlns:r="http://schemas.openxmlformats.org/officeDocument/2006/relationships" xmlns:p="http://schemas.openxmlformats.org/presentationml/2006/main">
-  <p:cSld>
-    <p:spTree>
-      <p:nvGrpSpPr>
-        <p:cNvPr id="1" name=""/>
-        <p:cNvGrpSpPr/>
-        <p:nvPr/>
-      </p:nvGrpSpPr>
-      <p:grpSpPr>
-        <a:xfrm>
-          <a:off x="0" y="0"/>
-          <a:ext cx="0" cy="0"/>
-          <a:chOff x="0" y="0"/>
-          <a:chExt cx="0" cy="0"/>
-        </a:xfrm>
-      </p:grpSpPr>
-      <p:sp>
-        <p:nvSpPr>
-          <p:cNvPr id="90114" name="Rectangle 2"/>
-          <p:cNvSpPr>
-            <a:spLocks noGrp="1" noChangeArrowheads="1"/>
-          </p:cNvSpPr>
-          <p:nvPr>
-            <p:ph type="title"/>
-          </p:nvPr>
-        </p:nvSpPr>
-        <p:spPr/>
-        <p:txBody>
-          <a:bodyPr/>
-          <a:lstStyle/>
-          <a:p>
-            <a:r>
-              <a:rPr lang="en-US"/>
-              <a:t>data</a:t>
-            </a:r>
-          </a:p>
-        </p:txBody>
-      </p:sp>
-      <p:sp>
-        <p:nvSpPr>
-          <p:cNvPr id="90115" name="Rectangle 3"/>
-          <p:cNvSpPr>
-            <a:spLocks noGrp="1" noChangeArrowheads="1"/>
-          </p:cNvSpPr>
-          <p:nvPr>
-            <p:ph type="body" idx="1"/>
-          </p:nvPr>
-        </p:nvSpPr>
-        <p:spPr/>
-        <p:txBody>
-          <a:bodyPr/>
-          <a:lstStyle/>
-          <a:p>
-            <a:r>
-              <a:rPr lang="en-US" dirty="0"/>
-              <a:t>bits</a:t>
-            </a:r>
-          </a:p>
-          <a:p>
-            <a:r>
-              <a:rPr lang="en-US" dirty="0"/>
-              <a:t>interpretation</a:t>
-            </a:r>
-          </a:p>
-        </p:txBody>
-      </p:sp>
-    </p:spTree>
-    <p:extLst>
-      <p:ext uri="{BB962C8B-B14F-4D97-AF65-F5344CB8AC3E}">
-        <p14:creationId xmlns:p14="http://schemas.microsoft.com/office/powerpoint/2010/main" val="2182728697"/>
-      </p:ext>
-    </p:extLst>
-  </p:cSld>
-  <p:clrMapOvr>
-    <a:masterClrMapping/>
-  </p:clrMapOvr>
-  <p:timing>
-    <p:tnLst>
-      <p:par>
-        <p:cTn id="1" dur="indefinite" restart="never" nodeType="tmRoot">
-          <p:childTnLst>
-            <p:seq concurrent="1" nextAc="seek">
-              <p:cTn id="2" dur="indefinite" nodeType="mainSeq">
-                <p:childTnLst>
-                  <p:par>
-                    <p:cTn id="3" fill="hold">
-                      <p:stCondLst>
-                        <p:cond delay="indefinite"/>
-                      </p:stCondLst>
-                      <p:childTnLst>
-                        <p:par>
-                          <p:cTn id="4" fill="hold">
-                            <p:stCondLst>
-                              <p:cond delay="0"/>
-                            </p:stCondLst>
-                            <p:childTnLst>
-                              <p:par>
-                                <p:cTn id="5" presetID="1" presetClass="entr" presetSubtype="0" fill="hold" grpId="0" nodeType="clickEffect">
-                                  <p:stCondLst>
-                                    <p:cond delay="0"/>
-                                  </p:stCondLst>
-                                  <p:childTnLst>
-                                    <p:set>
-                                      <p:cBhvr>
-                                        <p:cTn id="6" dur="1" fill="hold">
-                                          <p:stCondLst>
-                                            <p:cond delay="0"/>
-                                          </p:stCondLst>
-                                        </p:cTn>
-                                        <p:tgtEl>
-                                          <p:spTgt spid="90115">
-                                            <p:txEl>
-                                              <p:pRg st="0" end="0"/>
-                                            </p:txEl>
-                                          </p:spTgt>
-                                        </p:tgtEl>
-                                        <p:attrNameLst>
-                                          <p:attrName>style.visibility</p:attrName>
-                                        </p:attrNameLst>
-                                      </p:cBhvr>
-                                      <p:to>
-                                        <p:strVal val="visible"/>
-                                      </p:to>
-                                    </p:set>
-                                  </p:childTnLst>
-                                </p:cTn>
-                              </p:par>
-                            </p:childTnLst>
-                          </p:cTn>
-                        </p:par>
-                      </p:childTnLst>
-                    </p:cTn>
-                  </p:par>
-                  <p:par>
-                    <p:cTn id="7" fill="hold">
-                      <p:stCondLst>
-                        <p:cond delay="indefinite"/>
-                      </p:stCondLst>
-                      <p:childTnLst>
-                        <p:par>
-                          <p:cTn id="8" fill="hold">
-                            <p:stCondLst>
-                              <p:cond delay="0"/>
-                            </p:stCondLst>
-                            <p:childTnLst>
-                              <p:par>
-                                <p:cTn id="9" presetID="1" presetClass="entr" presetSubtype="0" fill="hold" grpId="0" nodeType="clickEffect">
-                                  <p:stCondLst>
-                                    <p:cond delay="0"/>
-                                  </p:stCondLst>
-                                  <p:childTnLst>
-                                    <p:set>
-                                      <p:cBhvr>
-                                        <p:cTn id="10" dur="1" fill="hold">
-                                          <p:stCondLst>
-                                            <p:cond delay="0"/>
-                                          </p:stCondLst>
-                                        </p:cTn>
-                                        <p:tgtEl>
-                                          <p:spTgt spid="90115">
-                                            <p:txEl>
-                                              <p:pRg st="1" end="1"/>
-                                            </p:txEl>
-                                          </p:spTgt>
-                                        </p:tgtEl>
-                                        <p:attrNameLst>
-                                          <p:attrName>style.visibility</p:attrName>
-                                        </p:attrNameLst>
-                                      </p:cBhvr>
-                                      <p:to>
-                                        <p:strVal val="visible"/>
-                                      </p:to>
-                                    </p:set>
-                                  </p:childTnLst>
-                                </p:cTn>
-                              </p:par>
-                            </p:childTnLst>
-                          </p:cTn>
-                        </p:par>
-                      </p:childTnLst>
-                    </p:cTn>
-                  </p:par>
-                </p:childTnLst>
-              </p:cTn>
-              <p:prevCondLst>
-                <p:cond evt="onPrev" delay="0">
-                  <p:tgtEl>
-                    <p:sldTgt/>
-                  </p:tgtEl>
-                </p:cond>
-              </p:prevCondLst>
-              <p:nextCondLst>
-                <p:cond evt="onNext" delay="0">
-                  <p:tgtEl>
-                    <p:sldTgt/>
-                  </p:tgtEl>
-                </p:cond>
-              </p:nextCondLst>
-            </p:seq>
-          </p:childTnLst>
-        </p:cTn>
-      </p:par>
-    </p:tnLst>
-    <p:bldLst>
-      <p:bldP spid="90115" grpId="0" build="p"/>
-    </p:bldLst>
-  </p:timing>
-</p:sld>
-</file>
-
-<file path=ppt/slides/slide50.xml><?xml version="1.0" encoding="utf-8"?>
+<file path=ppt/slides/slide48.xml><?xml version="1.0" encoding="utf-8"?>
 <p:sld xmlns:a="http://schemas.openxmlformats.org/drawingml/2006/main" xmlns:r="http://schemas.openxmlformats.org/officeDocument/2006/relationships" xmlns:p="http://schemas.openxmlformats.org/presentationml/2006/main">
   <p:cSld>
     <p:spTree>
@@ -27982,7 +26740,7 @@
 </p:sld>
 </file>
 
-<file path=ppt/slides/slide51.xml><?xml version="1.0" encoding="utf-8"?>
+<file path=ppt/slides/slide49.xml><?xml version="1.0" encoding="utf-8"?>
 <p:sld xmlns:a="http://schemas.openxmlformats.org/drawingml/2006/main" xmlns:r="http://schemas.openxmlformats.org/officeDocument/2006/relationships" xmlns:p="http://schemas.openxmlformats.org/presentationml/2006/main" showMasterPhAnim="0">
   <p:cSld>
     <p:spTree>
@@ -28458,7 +27216,447 @@
 </p:sld>
 </file>
 
-<file path=ppt/slides/slide52.xml><?xml version="1.0" encoding="utf-8"?>
+<file path=ppt/slides/slide5.xml><?xml version="1.0" encoding="utf-8"?>
+<p:sld xmlns:a="http://schemas.openxmlformats.org/drawingml/2006/main" xmlns:r="http://schemas.openxmlformats.org/officeDocument/2006/relationships" xmlns:p="http://schemas.openxmlformats.org/presentationml/2006/main" showMasterPhAnim="0">
+  <p:cSld>
+    <p:spTree>
+      <p:nvGrpSpPr>
+        <p:cNvPr id="1" name=""/>
+        <p:cNvGrpSpPr/>
+        <p:nvPr/>
+      </p:nvGrpSpPr>
+      <p:grpSpPr>
+        <a:xfrm>
+          <a:off x="0" y="0"/>
+          <a:ext cx="0" cy="0"/>
+          <a:chOff x="0" y="0"/>
+          <a:chExt cx="0" cy="0"/>
+        </a:xfrm>
+      </p:grpSpPr>
+      <p:sp>
+        <p:nvSpPr>
+          <p:cNvPr id="8194" name="Rectangle 2"/>
+          <p:cNvSpPr>
+            <a:spLocks noGrp="1" noChangeArrowheads="1"/>
+          </p:cNvSpPr>
+          <p:nvPr>
+            <p:ph type="title"/>
+          </p:nvPr>
+        </p:nvSpPr>
+        <p:spPr/>
+        <p:txBody>
+          <a:bodyPr/>
+          <a:lstStyle/>
+          <a:p>
+            <a:r>
+              <a:rPr lang="en-US"/>
+              <a:t>datatype</a:t>
+            </a:r>
+          </a:p>
+        </p:txBody>
+      </p:sp>
+      <p:sp>
+        <p:nvSpPr>
+          <p:cNvPr id="8195" name="Rectangle 3"/>
+          <p:cNvSpPr>
+            <a:spLocks noGrp="1" noChangeArrowheads="1"/>
+          </p:cNvSpPr>
+          <p:nvPr>
+            <p:ph type="body" idx="1"/>
+          </p:nvPr>
+        </p:nvSpPr>
+        <p:spPr>
+          <a:xfrm>
+            <a:off x="762000" y="1524000"/>
+            <a:ext cx="10972800" cy="4572000"/>
+          </a:xfrm>
+        </p:spPr>
+        <p:txBody>
+          <a:bodyPr/>
+          <a:lstStyle/>
+          <a:p>
+            <a:r>
+              <a:rPr lang="en-US" dirty="0"/>
+              <a:t>What is an (abstract) data type?</a:t>
+            </a:r>
+          </a:p>
+          <a:p>
+            <a:pPr lvl="1"/>
+            <a:r>
+              <a:rPr lang="en-US" dirty="0"/>
+              <a:t>Interface  (how the user sees it)</a:t>
+            </a:r>
+          </a:p>
+          <a:p>
+            <a:pPr lvl="1"/>
+            <a:r>
+              <a:rPr lang="en-US" dirty="0"/>
+              <a:t>Representation (data structure used)</a:t>
+            </a:r>
+          </a:p>
+          <a:p>
+            <a:pPr lvl="1"/>
+            <a:r>
+              <a:rPr lang="en-US" dirty="0"/>
+              <a:t>Implementation (provide the interface based on the representation)</a:t>
+            </a:r>
+          </a:p>
+          <a:p>
+            <a:r>
+              <a:rPr lang="en-US" dirty="0"/>
+              <a:t>In EoPL notation, </a:t>
+            </a:r>
+            <a:r>
+              <a:rPr lang="en-US" dirty="0">
+                <a:sym typeface="Symbol" pitchFamily="18" charset="2"/>
+              </a:rPr>
+              <a:t>x means “the current representation of x”.</a:t>
+            </a:r>
+          </a:p>
+          <a:p>
+            <a:r>
+              <a:rPr lang="en-US" dirty="0">
+                <a:sym typeface="Symbol" pitchFamily="18" charset="2"/>
+              </a:rPr>
+              <a:t>Example:  non-negative integers.</a:t>
+            </a:r>
+            <a:r>
+              <a:rPr lang="en-US" dirty="0"/>
+              <a:t>         </a:t>
+            </a:r>
+            <a:br>
+              <a:rPr lang="en-US" dirty="0"/>
+            </a:br>
+            <a:r>
+              <a:rPr lang="en-US" dirty="0"/>
+              <a:t>   </a:t>
+            </a:r>
+            <a:r>
+              <a:rPr lang="en-US" dirty="0">
+                <a:sym typeface="Symbol" pitchFamily="18" charset="2"/>
+              </a:rPr>
+              <a:t>n means “the representation of the integer </a:t>
+            </a:r>
+            <a:r>
+              <a:rPr lang="en-US" i="1" dirty="0">
+                <a:sym typeface="Symbol" pitchFamily="18" charset="2"/>
+              </a:rPr>
+              <a:t>n.”</a:t>
+            </a:r>
+            <a:endParaRPr lang="en-US" dirty="0">
+              <a:sym typeface="Symbol" pitchFamily="18" charset="2"/>
+            </a:endParaRPr>
+          </a:p>
+        </p:txBody>
+      </p:sp>
+    </p:spTree>
+    <p:extLst>
+      <p:ext uri="{BB962C8B-B14F-4D97-AF65-F5344CB8AC3E}">
+        <p14:creationId xmlns:p14="http://schemas.microsoft.com/office/powerpoint/2010/main" val="1424356342"/>
+      </p:ext>
+    </p:extLst>
+  </p:cSld>
+  <p:clrMapOvr>
+    <a:masterClrMapping/>
+  </p:clrMapOvr>
+  <p:timing>
+    <p:tnLst>
+      <p:par>
+        <p:cTn id="1" dur="indefinite" restart="never" nodeType="tmRoot">
+          <p:childTnLst>
+            <p:seq concurrent="1" nextAc="seek">
+              <p:cTn id="2" dur="indefinite" nodeType="mainSeq">
+                <p:childTnLst>
+                  <p:par>
+                    <p:cTn id="3" fill="hold">
+                      <p:stCondLst>
+                        <p:cond delay="indefinite"/>
+                        <p:cond evt="onBegin" delay="0">
+                          <p:tn val="2"/>
+                        </p:cond>
+                      </p:stCondLst>
+                      <p:childTnLst>
+                        <p:par>
+                          <p:cTn id="4" fill="hold">
+                            <p:stCondLst>
+                              <p:cond delay="0"/>
+                            </p:stCondLst>
+                            <p:childTnLst>
+                              <p:par>
+                                <p:cTn id="5" presetID="1" presetClass="entr" presetSubtype="0" fill="hold" grpId="0" nodeType="withEffect">
+                                  <p:stCondLst>
+                                    <p:cond delay="0"/>
+                                  </p:stCondLst>
+                                  <p:childTnLst>
+                                    <p:set>
+                                      <p:cBhvr>
+                                        <p:cTn id="6" dur="1" fill="hold">
+                                          <p:stCondLst>
+                                            <p:cond delay="0"/>
+                                          </p:stCondLst>
+                                        </p:cTn>
+                                        <p:tgtEl>
+                                          <p:spTgt spid="8195">
+                                            <p:txEl>
+                                              <p:pRg st="0" end="0"/>
+                                            </p:txEl>
+                                          </p:spTgt>
+                                        </p:tgtEl>
+                                        <p:attrNameLst>
+                                          <p:attrName>style.visibility</p:attrName>
+                                        </p:attrNameLst>
+                                      </p:cBhvr>
+                                      <p:to>
+                                        <p:strVal val="visible"/>
+                                      </p:to>
+                                    </p:set>
+                                  </p:childTnLst>
+                                </p:cTn>
+                              </p:par>
+                            </p:childTnLst>
+                          </p:cTn>
+                        </p:par>
+                      </p:childTnLst>
+                    </p:cTn>
+                  </p:par>
+                  <p:par>
+                    <p:cTn id="7" fill="hold">
+                      <p:stCondLst>
+                        <p:cond delay="indefinite"/>
+                      </p:stCondLst>
+                      <p:childTnLst>
+                        <p:par>
+                          <p:cTn id="8" fill="hold">
+                            <p:stCondLst>
+                              <p:cond delay="0"/>
+                            </p:stCondLst>
+                            <p:childTnLst>
+                              <p:par>
+                                <p:cTn id="9" presetID="1" presetClass="entr" presetSubtype="0" fill="hold" grpId="0" nodeType="clickEffect">
+                                  <p:stCondLst>
+                                    <p:cond delay="0"/>
+                                  </p:stCondLst>
+                                  <p:childTnLst>
+                                    <p:set>
+                                      <p:cBhvr>
+                                        <p:cTn id="10" dur="1" fill="hold">
+                                          <p:stCondLst>
+                                            <p:cond delay="0"/>
+                                          </p:stCondLst>
+                                        </p:cTn>
+                                        <p:tgtEl>
+                                          <p:spTgt spid="8195">
+                                            <p:txEl>
+                                              <p:pRg st="1" end="1"/>
+                                            </p:txEl>
+                                          </p:spTgt>
+                                        </p:tgtEl>
+                                        <p:attrNameLst>
+                                          <p:attrName>style.visibility</p:attrName>
+                                        </p:attrNameLst>
+                                      </p:cBhvr>
+                                      <p:to>
+                                        <p:strVal val="visible"/>
+                                      </p:to>
+                                    </p:set>
+                                  </p:childTnLst>
+                                </p:cTn>
+                              </p:par>
+                              <p:par>
+                                <p:cTn id="11" presetID="1" presetClass="entr" presetSubtype="0" fill="hold" grpId="0" nodeType="withEffect">
+                                  <p:stCondLst>
+                                    <p:cond delay="0"/>
+                                  </p:stCondLst>
+                                  <p:childTnLst>
+                                    <p:set>
+                                      <p:cBhvr>
+                                        <p:cTn id="12" dur="1" fill="hold">
+                                          <p:stCondLst>
+                                            <p:cond delay="0"/>
+                                          </p:stCondLst>
+                                        </p:cTn>
+                                        <p:tgtEl>
+                                          <p:spTgt spid="8195">
+                                            <p:txEl>
+                                              <p:pRg st="2" end="2"/>
+                                            </p:txEl>
+                                          </p:spTgt>
+                                        </p:tgtEl>
+                                        <p:attrNameLst>
+                                          <p:attrName>style.visibility</p:attrName>
+                                        </p:attrNameLst>
+                                      </p:cBhvr>
+                                      <p:to>
+                                        <p:strVal val="visible"/>
+                                      </p:to>
+                                    </p:set>
+                                  </p:childTnLst>
+                                </p:cTn>
+                              </p:par>
+                              <p:par>
+                                <p:cTn id="13" presetID="1" presetClass="entr" presetSubtype="0" fill="hold" grpId="0" nodeType="withEffect">
+                                  <p:stCondLst>
+                                    <p:cond delay="0"/>
+                                  </p:stCondLst>
+                                  <p:childTnLst>
+                                    <p:set>
+                                      <p:cBhvr>
+                                        <p:cTn id="14" dur="1" fill="hold">
+                                          <p:stCondLst>
+                                            <p:cond delay="0"/>
+                                          </p:stCondLst>
+                                        </p:cTn>
+                                        <p:tgtEl>
+                                          <p:spTgt spid="8195">
+                                            <p:txEl>
+                                              <p:pRg st="3" end="3"/>
+                                            </p:txEl>
+                                          </p:spTgt>
+                                        </p:tgtEl>
+                                        <p:attrNameLst>
+                                          <p:attrName>style.visibility</p:attrName>
+                                        </p:attrNameLst>
+                                      </p:cBhvr>
+                                      <p:to>
+                                        <p:strVal val="visible"/>
+                                      </p:to>
+                                    </p:set>
+                                  </p:childTnLst>
+                                </p:cTn>
+                              </p:par>
+                            </p:childTnLst>
+                          </p:cTn>
+                        </p:par>
+                      </p:childTnLst>
+                    </p:cTn>
+                  </p:par>
+                  <p:par>
+                    <p:cTn id="15" fill="hold">
+                      <p:stCondLst>
+                        <p:cond delay="indefinite"/>
+                      </p:stCondLst>
+                      <p:childTnLst>
+                        <p:par>
+                          <p:cTn id="16" fill="hold">
+                            <p:stCondLst>
+                              <p:cond delay="0"/>
+                            </p:stCondLst>
+                            <p:childTnLst>
+                              <p:par>
+                                <p:cTn id="17" presetID="1" presetClass="entr" presetSubtype="0" fill="hold" grpId="0" nodeType="clickEffect">
+                                  <p:stCondLst>
+                                    <p:cond delay="0"/>
+                                  </p:stCondLst>
+                                  <p:childTnLst>
+                                    <p:set>
+                                      <p:cBhvr>
+                                        <p:cTn id="18" dur="1" fill="hold">
+                                          <p:stCondLst>
+                                            <p:cond delay="0"/>
+                                          </p:stCondLst>
+                                        </p:cTn>
+                                        <p:tgtEl>
+                                          <p:spTgt spid="8195">
+                                            <p:txEl>
+                                              <p:pRg st="4" end="4"/>
+                                            </p:txEl>
+                                          </p:spTgt>
+                                        </p:tgtEl>
+                                        <p:attrNameLst>
+                                          <p:attrName>style.visibility</p:attrName>
+                                        </p:attrNameLst>
+                                      </p:cBhvr>
+                                      <p:to>
+                                        <p:strVal val="visible"/>
+                                      </p:to>
+                                    </p:set>
+                                  </p:childTnLst>
+                                </p:cTn>
+                              </p:par>
+                            </p:childTnLst>
+                          </p:cTn>
+                        </p:par>
+                      </p:childTnLst>
+                    </p:cTn>
+                  </p:par>
+                  <p:par>
+                    <p:cTn id="19" fill="hold">
+                      <p:stCondLst>
+                        <p:cond delay="indefinite"/>
+                      </p:stCondLst>
+                      <p:childTnLst>
+                        <p:par>
+                          <p:cTn id="20" fill="hold">
+                            <p:stCondLst>
+                              <p:cond delay="0"/>
+                            </p:stCondLst>
+                            <p:childTnLst>
+                              <p:par>
+                                <p:cTn id="21" presetID="1" presetClass="entr" presetSubtype="0" fill="hold" grpId="0" nodeType="clickEffect">
+                                  <p:stCondLst>
+                                    <p:cond delay="0"/>
+                                  </p:stCondLst>
+                                  <p:childTnLst>
+                                    <p:set>
+                                      <p:cBhvr>
+                                        <p:cTn id="22" dur="1" fill="hold">
+                                          <p:stCondLst>
+                                            <p:cond delay="0"/>
+                                          </p:stCondLst>
+                                        </p:cTn>
+                                        <p:tgtEl>
+                                          <p:spTgt spid="8195">
+                                            <p:txEl>
+                                              <p:pRg st="5" end="5"/>
+                                            </p:txEl>
+                                          </p:spTgt>
+                                        </p:tgtEl>
+                                        <p:attrNameLst>
+                                          <p:attrName>style.visibility</p:attrName>
+                                        </p:attrNameLst>
+                                      </p:cBhvr>
+                                      <p:to>
+                                        <p:strVal val="visible"/>
+                                      </p:to>
+                                    </p:set>
+                                  </p:childTnLst>
+                                </p:cTn>
+                              </p:par>
+                            </p:childTnLst>
+                          </p:cTn>
+                        </p:par>
+                      </p:childTnLst>
+                    </p:cTn>
+                  </p:par>
+                </p:childTnLst>
+              </p:cTn>
+              <p:prevCondLst>
+                <p:cond evt="onPrev" delay="0">
+                  <p:tgtEl>
+                    <p:sldTgt/>
+                  </p:tgtEl>
+                </p:cond>
+              </p:prevCondLst>
+              <p:nextCondLst>
+                <p:cond evt="onNext" delay="0">
+                  <p:tgtEl>
+                    <p:sldTgt/>
+                  </p:tgtEl>
+                </p:cond>
+              </p:nextCondLst>
+            </p:seq>
+          </p:childTnLst>
+        </p:cTn>
+      </p:par>
+    </p:tnLst>
+    <p:bldLst>
+      <p:bldP spid="8195" grpId="0" build="p"/>
+    </p:bldLst>
+  </p:timing>
+</p:sld>
+</file>
+
+<file path=ppt/slides/slide50.xml><?xml version="1.0" encoding="utf-8"?>
 <p:sld xmlns:a="http://schemas.openxmlformats.org/drawingml/2006/main" xmlns:r="http://schemas.openxmlformats.org/officeDocument/2006/relationships" xmlns:p="http://schemas.openxmlformats.org/presentationml/2006/main" showMasterPhAnim="0">
   <p:cSld>
     <p:spTree>
@@ -29144,7 +28342,7 @@
 </p:sld>
 </file>
 
-<file path=ppt/slides/slide53.xml><?xml version="1.0" encoding="utf-8"?>
+<file path=ppt/slides/slide51.xml><?xml version="1.0" encoding="utf-8"?>
 <p:sld xmlns:a="http://schemas.openxmlformats.org/drawingml/2006/main" xmlns:r="http://schemas.openxmlformats.org/officeDocument/2006/relationships" xmlns:p="http://schemas.openxmlformats.org/presentationml/2006/main" showMasterPhAnim="0">
   <p:cSld>
     <p:spTree>
@@ -29672,7 +28870,7 @@
 </p:sld>
 </file>
 
-<file path=ppt/slides/slide54.xml><?xml version="1.0" encoding="utf-8"?>
+<file path=ppt/slides/slide52.xml><?xml version="1.0" encoding="utf-8"?>
 <p:sld xmlns:a="http://schemas.openxmlformats.org/drawingml/2006/main" xmlns:r="http://schemas.openxmlformats.org/officeDocument/2006/relationships" xmlns:p="http://schemas.openxmlformats.org/presentationml/2006/main">
   <p:cSld>
     <p:spTree>
@@ -29878,7 +29076,7 @@
 </p:sld>
 </file>
 
-<file path=ppt/slides/slide55.xml><?xml version="1.0" encoding="utf-8"?>
+<file path=ppt/slides/slide53.xml><?xml version="1.0" encoding="utf-8"?>
 <p:sld xmlns:a="http://schemas.openxmlformats.org/drawingml/2006/main" xmlns:r="http://schemas.openxmlformats.org/officeDocument/2006/relationships" xmlns:p="http://schemas.openxmlformats.org/presentationml/2006/main" showMasterPhAnim="0">
   <p:cSld>
     <p:spTree>
@@ -31096,7 +30294,7 @@
 </p:sld>
 </file>
 
-<file path=ppt/slides/slide56.xml><?xml version="1.0" encoding="utf-8"?>
+<file path=ppt/slides/slide54.xml><?xml version="1.0" encoding="utf-8"?>
 <p:sld xmlns:a="http://schemas.openxmlformats.org/drawingml/2006/main" xmlns:r="http://schemas.openxmlformats.org/officeDocument/2006/relationships" xmlns:p="http://schemas.openxmlformats.org/presentationml/2006/main">
   <p:cSld>
     <p:spTree>
@@ -31212,7 +30410,7 @@
 </p:sld>
 </file>
 
-<file path=ppt/slides/slide57.xml><?xml version="1.0" encoding="utf-8"?>
+<file path=ppt/slides/slide55.xml><?xml version="1.0" encoding="utf-8"?>
 <p:sld xmlns:a="http://schemas.openxmlformats.org/drawingml/2006/main" xmlns:r="http://schemas.openxmlformats.org/officeDocument/2006/relationships" xmlns:p="http://schemas.openxmlformats.org/presentationml/2006/main">
   <p:cSld>
     <p:spTree>
@@ -31462,7 +30660,7 @@
 </p:sld>
 </file>
 
-<file path=ppt/slides/slide58.xml><?xml version="1.0" encoding="utf-8"?>
+<file path=ppt/slides/slide56.xml><?xml version="1.0" encoding="utf-8"?>
 <p:sld xmlns:a="http://schemas.openxmlformats.org/drawingml/2006/main" xmlns:r="http://schemas.openxmlformats.org/officeDocument/2006/relationships" xmlns:p="http://schemas.openxmlformats.org/presentationml/2006/main" showMasterPhAnim="0">
   <p:cSld>
     <p:spTree>
@@ -32917,7 +32115,7 @@
 </p:sld>
 </file>
 
-<file path=ppt/slides/slide59.xml><?xml version="1.0" encoding="utf-8"?>
+<file path=ppt/slides/slide57.xml><?xml version="1.0" encoding="utf-8"?>
 <p:sld xmlns:a="http://schemas.openxmlformats.org/drawingml/2006/main" xmlns:r="http://schemas.openxmlformats.org/officeDocument/2006/relationships" xmlns:p="http://schemas.openxmlformats.org/presentationml/2006/main" showMasterPhAnim="0">
   <p:cSld>
     <p:spTree>
@@ -33695,447 +32893,7 @@
 </p:sld>
 </file>
 
-<file path=ppt/slides/slide6.xml><?xml version="1.0" encoding="utf-8"?>
-<p:sld xmlns:a="http://schemas.openxmlformats.org/drawingml/2006/main" xmlns:r="http://schemas.openxmlformats.org/officeDocument/2006/relationships" xmlns:p="http://schemas.openxmlformats.org/presentationml/2006/main" showMasterPhAnim="0">
-  <p:cSld>
-    <p:spTree>
-      <p:nvGrpSpPr>
-        <p:cNvPr id="1" name=""/>
-        <p:cNvGrpSpPr/>
-        <p:nvPr/>
-      </p:nvGrpSpPr>
-      <p:grpSpPr>
-        <a:xfrm>
-          <a:off x="0" y="0"/>
-          <a:ext cx="0" cy="0"/>
-          <a:chOff x="0" y="0"/>
-          <a:chExt cx="0" cy="0"/>
-        </a:xfrm>
-      </p:grpSpPr>
-      <p:sp>
-        <p:nvSpPr>
-          <p:cNvPr id="8194" name="Rectangle 2"/>
-          <p:cNvSpPr>
-            <a:spLocks noGrp="1" noChangeArrowheads="1"/>
-          </p:cNvSpPr>
-          <p:nvPr>
-            <p:ph type="title"/>
-          </p:nvPr>
-        </p:nvSpPr>
-        <p:spPr/>
-        <p:txBody>
-          <a:bodyPr/>
-          <a:lstStyle/>
-          <a:p>
-            <a:r>
-              <a:rPr lang="en-US"/>
-              <a:t>datatype</a:t>
-            </a:r>
-          </a:p>
-        </p:txBody>
-      </p:sp>
-      <p:sp>
-        <p:nvSpPr>
-          <p:cNvPr id="8195" name="Rectangle 3"/>
-          <p:cNvSpPr>
-            <a:spLocks noGrp="1" noChangeArrowheads="1"/>
-          </p:cNvSpPr>
-          <p:nvPr>
-            <p:ph type="body" idx="1"/>
-          </p:nvPr>
-        </p:nvSpPr>
-        <p:spPr>
-          <a:xfrm>
-            <a:off x="762000" y="1524000"/>
-            <a:ext cx="10972800" cy="4572000"/>
-          </a:xfrm>
-        </p:spPr>
-        <p:txBody>
-          <a:bodyPr/>
-          <a:lstStyle/>
-          <a:p>
-            <a:r>
-              <a:rPr lang="en-US" dirty="0"/>
-              <a:t>What is an (abstract) data type?</a:t>
-            </a:r>
-          </a:p>
-          <a:p>
-            <a:pPr lvl="1"/>
-            <a:r>
-              <a:rPr lang="en-US" dirty="0"/>
-              <a:t>Interface  (how the user sees it)</a:t>
-            </a:r>
-          </a:p>
-          <a:p>
-            <a:pPr lvl="1"/>
-            <a:r>
-              <a:rPr lang="en-US" dirty="0"/>
-              <a:t>Representation (data structure used)</a:t>
-            </a:r>
-          </a:p>
-          <a:p>
-            <a:pPr lvl="1"/>
-            <a:r>
-              <a:rPr lang="en-US" dirty="0"/>
-              <a:t>Implementation (provide the interface based on the representation)</a:t>
-            </a:r>
-          </a:p>
-          <a:p>
-            <a:r>
-              <a:rPr lang="en-US" dirty="0"/>
-              <a:t>In EoPL notation, </a:t>
-            </a:r>
-            <a:r>
-              <a:rPr lang="en-US" dirty="0">
-                <a:sym typeface="Symbol" pitchFamily="18" charset="2"/>
-              </a:rPr>
-              <a:t>x means “the current representation of x”.</a:t>
-            </a:r>
-          </a:p>
-          <a:p>
-            <a:r>
-              <a:rPr lang="en-US" dirty="0">
-                <a:sym typeface="Symbol" pitchFamily="18" charset="2"/>
-              </a:rPr>
-              <a:t>Example:  non-negative integers.</a:t>
-            </a:r>
-            <a:r>
-              <a:rPr lang="en-US" dirty="0"/>
-              <a:t>         </a:t>
-            </a:r>
-            <a:br>
-              <a:rPr lang="en-US" dirty="0"/>
-            </a:br>
-            <a:r>
-              <a:rPr lang="en-US" dirty="0"/>
-              <a:t>   </a:t>
-            </a:r>
-            <a:r>
-              <a:rPr lang="en-US" dirty="0">
-                <a:sym typeface="Symbol" pitchFamily="18" charset="2"/>
-              </a:rPr>
-              <a:t>n means “the representation of the integer </a:t>
-            </a:r>
-            <a:r>
-              <a:rPr lang="en-US" i="1" dirty="0">
-                <a:sym typeface="Symbol" pitchFamily="18" charset="2"/>
-              </a:rPr>
-              <a:t>n.”</a:t>
-            </a:r>
-            <a:endParaRPr lang="en-US" dirty="0">
-              <a:sym typeface="Symbol" pitchFamily="18" charset="2"/>
-            </a:endParaRPr>
-          </a:p>
-        </p:txBody>
-      </p:sp>
-    </p:spTree>
-    <p:extLst>
-      <p:ext uri="{BB962C8B-B14F-4D97-AF65-F5344CB8AC3E}">
-        <p14:creationId xmlns:p14="http://schemas.microsoft.com/office/powerpoint/2010/main" val="1424356342"/>
-      </p:ext>
-    </p:extLst>
-  </p:cSld>
-  <p:clrMapOvr>
-    <a:masterClrMapping/>
-  </p:clrMapOvr>
-  <p:timing>
-    <p:tnLst>
-      <p:par>
-        <p:cTn id="1" dur="indefinite" restart="never" nodeType="tmRoot">
-          <p:childTnLst>
-            <p:seq concurrent="1" nextAc="seek">
-              <p:cTn id="2" dur="indefinite" nodeType="mainSeq">
-                <p:childTnLst>
-                  <p:par>
-                    <p:cTn id="3" fill="hold">
-                      <p:stCondLst>
-                        <p:cond delay="indefinite"/>
-                        <p:cond evt="onBegin" delay="0">
-                          <p:tn val="2"/>
-                        </p:cond>
-                      </p:stCondLst>
-                      <p:childTnLst>
-                        <p:par>
-                          <p:cTn id="4" fill="hold">
-                            <p:stCondLst>
-                              <p:cond delay="0"/>
-                            </p:stCondLst>
-                            <p:childTnLst>
-                              <p:par>
-                                <p:cTn id="5" presetID="1" presetClass="entr" presetSubtype="0" fill="hold" grpId="0" nodeType="withEffect">
-                                  <p:stCondLst>
-                                    <p:cond delay="0"/>
-                                  </p:stCondLst>
-                                  <p:childTnLst>
-                                    <p:set>
-                                      <p:cBhvr>
-                                        <p:cTn id="6" dur="1" fill="hold">
-                                          <p:stCondLst>
-                                            <p:cond delay="0"/>
-                                          </p:stCondLst>
-                                        </p:cTn>
-                                        <p:tgtEl>
-                                          <p:spTgt spid="8195">
-                                            <p:txEl>
-                                              <p:pRg st="0" end="0"/>
-                                            </p:txEl>
-                                          </p:spTgt>
-                                        </p:tgtEl>
-                                        <p:attrNameLst>
-                                          <p:attrName>style.visibility</p:attrName>
-                                        </p:attrNameLst>
-                                      </p:cBhvr>
-                                      <p:to>
-                                        <p:strVal val="visible"/>
-                                      </p:to>
-                                    </p:set>
-                                  </p:childTnLst>
-                                </p:cTn>
-                              </p:par>
-                            </p:childTnLst>
-                          </p:cTn>
-                        </p:par>
-                      </p:childTnLst>
-                    </p:cTn>
-                  </p:par>
-                  <p:par>
-                    <p:cTn id="7" fill="hold">
-                      <p:stCondLst>
-                        <p:cond delay="indefinite"/>
-                      </p:stCondLst>
-                      <p:childTnLst>
-                        <p:par>
-                          <p:cTn id="8" fill="hold">
-                            <p:stCondLst>
-                              <p:cond delay="0"/>
-                            </p:stCondLst>
-                            <p:childTnLst>
-                              <p:par>
-                                <p:cTn id="9" presetID="1" presetClass="entr" presetSubtype="0" fill="hold" grpId="0" nodeType="clickEffect">
-                                  <p:stCondLst>
-                                    <p:cond delay="0"/>
-                                  </p:stCondLst>
-                                  <p:childTnLst>
-                                    <p:set>
-                                      <p:cBhvr>
-                                        <p:cTn id="10" dur="1" fill="hold">
-                                          <p:stCondLst>
-                                            <p:cond delay="0"/>
-                                          </p:stCondLst>
-                                        </p:cTn>
-                                        <p:tgtEl>
-                                          <p:spTgt spid="8195">
-                                            <p:txEl>
-                                              <p:pRg st="1" end="1"/>
-                                            </p:txEl>
-                                          </p:spTgt>
-                                        </p:tgtEl>
-                                        <p:attrNameLst>
-                                          <p:attrName>style.visibility</p:attrName>
-                                        </p:attrNameLst>
-                                      </p:cBhvr>
-                                      <p:to>
-                                        <p:strVal val="visible"/>
-                                      </p:to>
-                                    </p:set>
-                                  </p:childTnLst>
-                                </p:cTn>
-                              </p:par>
-                              <p:par>
-                                <p:cTn id="11" presetID="1" presetClass="entr" presetSubtype="0" fill="hold" grpId="0" nodeType="withEffect">
-                                  <p:stCondLst>
-                                    <p:cond delay="0"/>
-                                  </p:stCondLst>
-                                  <p:childTnLst>
-                                    <p:set>
-                                      <p:cBhvr>
-                                        <p:cTn id="12" dur="1" fill="hold">
-                                          <p:stCondLst>
-                                            <p:cond delay="0"/>
-                                          </p:stCondLst>
-                                        </p:cTn>
-                                        <p:tgtEl>
-                                          <p:spTgt spid="8195">
-                                            <p:txEl>
-                                              <p:pRg st="2" end="2"/>
-                                            </p:txEl>
-                                          </p:spTgt>
-                                        </p:tgtEl>
-                                        <p:attrNameLst>
-                                          <p:attrName>style.visibility</p:attrName>
-                                        </p:attrNameLst>
-                                      </p:cBhvr>
-                                      <p:to>
-                                        <p:strVal val="visible"/>
-                                      </p:to>
-                                    </p:set>
-                                  </p:childTnLst>
-                                </p:cTn>
-                              </p:par>
-                              <p:par>
-                                <p:cTn id="13" presetID="1" presetClass="entr" presetSubtype="0" fill="hold" grpId="0" nodeType="withEffect">
-                                  <p:stCondLst>
-                                    <p:cond delay="0"/>
-                                  </p:stCondLst>
-                                  <p:childTnLst>
-                                    <p:set>
-                                      <p:cBhvr>
-                                        <p:cTn id="14" dur="1" fill="hold">
-                                          <p:stCondLst>
-                                            <p:cond delay="0"/>
-                                          </p:stCondLst>
-                                        </p:cTn>
-                                        <p:tgtEl>
-                                          <p:spTgt spid="8195">
-                                            <p:txEl>
-                                              <p:pRg st="3" end="3"/>
-                                            </p:txEl>
-                                          </p:spTgt>
-                                        </p:tgtEl>
-                                        <p:attrNameLst>
-                                          <p:attrName>style.visibility</p:attrName>
-                                        </p:attrNameLst>
-                                      </p:cBhvr>
-                                      <p:to>
-                                        <p:strVal val="visible"/>
-                                      </p:to>
-                                    </p:set>
-                                  </p:childTnLst>
-                                </p:cTn>
-                              </p:par>
-                            </p:childTnLst>
-                          </p:cTn>
-                        </p:par>
-                      </p:childTnLst>
-                    </p:cTn>
-                  </p:par>
-                  <p:par>
-                    <p:cTn id="15" fill="hold">
-                      <p:stCondLst>
-                        <p:cond delay="indefinite"/>
-                      </p:stCondLst>
-                      <p:childTnLst>
-                        <p:par>
-                          <p:cTn id="16" fill="hold">
-                            <p:stCondLst>
-                              <p:cond delay="0"/>
-                            </p:stCondLst>
-                            <p:childTnLst>
-                              <p:par>
-                                <p:cTn id="17" presetID="1" presetClass="entr" presetSubtype="0" fill="hold" grpId="0" nodeType="clickEffect">
-                                  <p:stCondLst>
-                                    <p:cond delay="0"/>
-                                  </p:stCondLst>
-                                  <p:childTnLst>
-                                    <p:set>
-                                      <p:cBhvr>
-                                        <p:cTn id="18" dur="1" fill="hold">
-                                          <p:stCondLst>
-                                            <p:cond delay="0"/>
-                                          </p:stCondLst>
-                                        </p:cTn>
-                                        <p:tgtEl>
-                                          <p:spTgt spid="8195">
-                                            <p:txEl>
-                                              <p:pRg st="4" end="4"/>
-                                            </p:txEl>
-                                          </p:spTgt>
-                                        </p:tgtEl>
-                                        <p:attrNameLst>
-                                          <p:attrName>style.visibility</p:attrName>
-                                        </p:attrNameLst>
-                                      </p:cBhvr>
-                                      <p:to>
-                                        <p:strVal val="visible"/>
-                                      </p:to>
-                                    </p:set>
-                                  </p:childTnLst>
-                                </p:cTn>
-                              </p:par>
-                            </p:childTnLst>
-                          </p:cTn>
-                        </p:par>
-                      </p:childTnLst>
-                    </p:cTn>
-                  </p:par>
-                  <p:par>
-                    <p:cTn id="19" fill="hold">
-                      <p:stCondLst>
-                        <p:cond delay="indefinite"/>
-                      </p:stCondLst>
-                      <p:childTnLst>
-                        <p:par>
-                          <p:cTn id="20" fill="hold">
-                            <p:stCondLst>
-                              <p:cond delay="0"/>
-                            </p:stCondLst>
-                            <p:childTnLst>
-                              <p:par>
-                                <p:cTn id="21" presetID="1" presetClass="entr" presetSubtype="0" fill="hold" grpId="0" nodeType="clickEffect">
-                                  <p:stCondLst>
-                                    <p:cond delay="0"/>
-                                  </p:stCondLst>
-                                  <p:childTnLst>
-                                    <p:set>
-                                      <p:cBhvr>
-                                        <p:cTn id="22" dur="1" fill="hold">
-                                          <p:stCondLst>
-                                            <p:cond delay="0"/>
-                                          </p:stCondLst>
-                                        </p:cTn>
-                                        <p:tgtEl>
-                                          <p:spTgt spid="8195">
-                                            <p:txEl>
-                                              <p:pRg st="5" end="5"/>
-                                            </p:txEl>
-                                          </p:spTgt>
-                                        </p:tgtEl>
-                                        <p:attrNameLst>
-                                          <p:attrName>style.visibility</p:attrName>
-                                        </p:attrNameLst>
-                                      </p:cBhvr>
-                                      <p:to>
-                                        <p:strVal val="visible"/>
-                                      </p:to>
-                                    </p:set>
-                                  </p:childTnLst>
-                                </p:cTn>
-                              </p:par>
-                            </p:childTnLst>
-                          </p:cTn>
-                        </p:par>
-                      </p:childTnLst>
-                    </p:cTn>
-                  </p:par>
-                </p:childTnLst>
-              </p:cTn>
-              <p:prevCondLst>
-                <p:cond evt="onPrev" delay="0">
-                  <p:tgtEl>
-                    <p:sldTgt/>
-                  </p:tgtEl>
-                </p:cond>
-              </p:prevCondLst>
-              <p:nextCondLst>
-                <p:cond evt="onNext" delay="0">
-                  <p:tgtEl>
-                    <p:sldTgt/>
-                  </p:tgtEl>
-                </p:cond>
-              </p:nextCondLst>
-            </p:seq>
-          </p:childTnLst>
-        </p:cTn>
-      </p:par>
-    </p:tnLst>
-    <p:bldLst>
-      <p:bldP spid="8195" grpId="0" build="p"/>
-    </p:bldLst>
-  </p:timing>
-</p:sld>
-</file>
-
-<file path=ppt/slides/slide60.xml><?xml version="1.0" encoding="utf-8"?>
+<file path=ppt/slides/slide58.xml><?xml version="1.0" encoding="utf-8"?>
 <p:sld xmlns:a="http://schemas.openxmlformats.org/drawingml/2006/main" xmlns:r="http://schemas.openxmlformats.org/officeDocument/2006/relationships" xmlns:p="http://schemas.openxmlformats.org/presentationml/2006/main" showMasterPhAnim="0">
   <p:cSld>
     <p:spTree>
@@ -34736,7 +33494,7 @@
 </p:sld>
 </file>
 
-<file path=ppt/slides/slide61.xml><?xml version="1.0" encoding="utf-8"?>
+<file path=ppt/slides/slide59.xml><?xml version="1.0" encoding="utf-8"?>
 <p:sld xmlns:a="http://schemas.openxmlformats.org/drawingml/2006/main" xmlns:r="http://schemas.openxmlformats.org/officeDocument/2006/relationships" xmlns:p="http://schemas.openxmlformats.org/presentationml/2006/main">
   <p:cSld>
     <p:spTree>
@@ -35072,7 +33830,7 @@
 </p:sld>
 </file>
 
-<file path=ppt/slides/slide7.xml><?xml version="1.0" encoding="utf-8"?>
+<file path=ppt/slides/slide6.xml><?xml version="1.0" encoding="utf-8"?>
 <p:sld xmlns:a="http://schemas.openxmlformats.org/drawingml/2006/main" xmlns:r="http://schemas.openxmlformats.org/officeDocument/2006/relationships" xmlns:p="http://schemas.openxmlformats.org/presentationml/2006/main">
   <p:cSld>
     <p:spTree>
@@ -35235,7 +33993,7 @@
 </p:sld>
 </file>
 
-<file path=ppt/slides/slide8.xml><?xml version="1.0" encoding="utf-8"?>
+<file path=ppt/slides/slide7.xml><?xml version="1.0" encoding="utf-8"?>
 <p:sld xmlns:a="http://schemas.openxmlformats.org/drawingml/2006/main" xmlns:r="http://schemas.openxmlformats.org/officeDocument/2006/relationships" xmlns:p="http://schemas.openxmlformats.org/presentationml/2006/main">
   <p:cSld>
     <p:spTree>
@@ -36180,7 +34938,7 @@
 </p:sld>
 </file>
 
-<file path=ppt/slides/slide9.xml><?xml version="1.0" encoding="utf-8"?>
+<file path=ppt/slides/slide8.xml><?xml version="1.0" encoding="utf-8"?>
 <p:sld xmlns:a="http://schemas.openxmlformats.org/drawingml/2006/main" xmlns:r="http://schemas.openxmlformats.org/officeDocument/2006/relationships" xmlns:p="http://schemas.openxmlformats.org/presentationml/2006/main" showMasterPhAnim="0">
   <p:cSld>
     <p:spTree>
@@ -36737,6 +35495,677 @@
                                           <p:spTgt spid="10243">
                                             <p:txEl>
                                               <p:pRg st="3" end="3"/>
+                                            </p:txEl>
+                                          </p:spTgt>
+                                        </p:tgtEl>
+                                        <p:attrNameLst>
+                                          <p:attrName>style.visibility</p:attrName>
+                                        </p:attrNameLst>
+                                      </p:cBhvr>
+                                      <p:to>
+                                        <p:strVal val="visible"/>
+                                      </p:to>
+                                    </p:set>
+                                  </p:childTnLst>
+                                </p:cTn>
+                              </p:par>
+                            </p:childTnLst>
+                          </p:cTn>
+                        </p:par>
+                      </p:childTnLst>
+                    </p:cTn>
+                  </p:par>
+                </p:childTnLst>
+              </p:cTn>
+              <p:prevCondLst>
+                <p:cond evt="onPrev" delay="0">
+                  <p:tgtEl>
+                    <p:sldTgt/>
+                  </p:tgtEl>
+                </p:cond>
+              </p:prevCondLst>
+              <p:nextCondLst>
+                <p:cond evt="onNext" delay="0">
+                  <p:tgtEl>
+                    <p:sldTgt/>
+                  </p:tgtEl>
+                </p:cond>
+              </p:nextCondLst>
+            </p:seq>
+          </p:childTnLst>
+        </p:cTn>
+      </p:par>
+    </p:tnLst>
+    <p:bldLst>
+      <p:bldP spid="10243" grpId="0" build="p"/>
+    </p:bldLst>
+  </p:timing>
+</p:sld>
+</file>
+
+<file path=ppt/slides/slide9.xml><?xml version="1.0" encoding="utf-8"?>
+<p:sld xmlns:a="http://schemas.openxmlformats.org/drawingml/2006/main" xmlns:r="http://schemas.openxmlformats.org/officeDocument/2006/relationships" xmlns:p="http://schemas.openxmlformats.org/presentationml/2006/main" showMasterPhAnim="0">
+  <p:cSld>
+    <p:spTree>
+      <p:nvGrpSpPr>
+        <p:cNvPr id="1" name=""/>
+        <p:cNvGrpSpPr/>
+        <p:nvPr/>
+      </p:nvGrpSpPr>
+      <p:grpSpPr>
+        <a:xfrm>
+          <a:off x="0" y="0"/>
+          <a:ext cx="0" cy="0"/>
+          <a:chOff x="0" y="0"/>
+          <a:chExt cx="0" cy="0"/>
+        </a:xfrm>
+      </p:grpSpPr>
+      <p:sp>
+        <p:nvSpPr>
+          <p:cNvPr id="10242" name="Rectangle 2"/>
+          <p:cNvSpPr>
+            <a:spLocks noGrp="1" noChangeArrowheads="1"/>
+          </p:cNvSpPr>
+          <p:nvPr>
+            <p:ph type="title"/>
+          </p:nvPr>
+        </p:nvSpPr>
+        <p:spPr>
+          <a:xfrm>
+            <a:off x="1752600" y="457200"/>
+            <a:ext cx="8686800" cy="1143000"/>
+          </a:xfrm>
+        </p:spPr>
+        <p:txBody>
+          <a:bodyPr/>
+          <a:lstStyle/>
+          <a:p>
+            <a:r>
+              <a:rPr lang="en-US" sz="4000" dirty="0">
+                <a:solidFill>
+                  <a:srgbClr val="00FF00"/>
+                </a:solidFill>
+              </a:rPr>
+              <a:t>Representation 1:</a:t>
+            </a:r>
+            <a:r>
+              <a:rPr lang="en-US" sz="4000" dirty="0"/>
+              <a:t> Unary representation of non-negative integers</a:t>
+            </a:r>
+          </a:p>
+        </p:txBody>
+      </p:sp>
+      <p:sp>
+        <p:nvSpPr>
+          <p:cNvPr id="10243" name="Rectangle 3"/>
+          <p:cNvSpPr>
+            <a:spLocks noGrp="1" noChangeArrowheads="1"/>
+          </p:cNvSpPr>
+          <p:nvPr>
+            <p:ph type="body" idx="1"/>
+          </p:nvPr>
+        </p:nvSpPr>
+        <p:spPr>
+          <a:xfrm>
+            <a:off x="304800" y="1676400"/>
+            <a:ext cx="9791700" cy="4572000"/>
+          </a:xfrm>
+        </p:spPr>
+        <p:txBody>
+          <a:bodyPr/>
+          <a:lstStyle/>
+          <a:p>
+            <a:pPr>
+              <a:lnSpc>
+                <a:spcPct val="90000"/>
+              </a:lnSpc>
+            </a:pPr>
+            <a:r>
+              <a:rPr lang="en-US" sz="2800" dirty="0">
+                <a:sym typeface="Symbol" pitchFamily="18" charset="2"/>
+              </a:rPr>
+              <a:t>0  = ( )         ; the empty list</a:t>
+            </a:r>
+          </a:p>
+          <a:p>
+            <a:pPr>
+              <a:lnSpc>
+                <a:spcPct val="90000"/>
+              </a:lnSpc>
+            </a:pPr>
+            <a:r>
+              <a:rPr lang="en-US" sz="2800" dirty="0">
+                <a:sym typeface="Symbol" pitchFamily="18" charset="2"/>
+              </a:rPr>
+              <a:t>n+1 = (cons  #t   n )</a:t>
+            </a:r>
+            <a:br>
+              <a:rPr lang="en-US" sz="2800" dirty="0">
+                <a:sym typeface="Symbol" pitchFamily="18" charset="2"/>
+              </a:rPr>
+            </a:br>
+            <a:br>
+              <a:rPr lang="en-US" sz="2800" dirty="0">
+                <a:sym typeface="Symbol" pitchFamily="18" charset="2"/>
+              </a:rPr>
+            </a:br>
+            <a:endParaRPr lang="en-US" sz="2800" dirty="0">
+              <a:sym typeface="Symbol" pitchFamily="18" charset="2"/>
+            </a:endParaRPr>
+          </a:p>
+          <a:p>
+            <a:pPr>
+              <a:lnSpc>
+                <a:spcPct val="90000"/>
+              </a:lnSpc>
+            </a:pPr>
+            <a:r>
+              <a:rPr lang="en-US" sz="2800" dirty="0">
+                <a:sym typeface="Symbol" pitchFamily="18" charset="2"/>
+              </a:rPr>
+              <a:t>There is a (slightly) more </a:t>
+            </a:r>
+            <a:br>
+              <a:rPr lang="en-US" sz="2800" dirty="0">
+                <a:sym typeface="Symbol" pitchFamily="18" charset="2"/>
+              </a:rPr>
+            </a:br>
+            <a:r>
+              <a:rPr lang="en-US" sz="2800" dirty="0">
+                <a:sym typeface="Symbol" pitchFamily="18" charset="2"/>
+              </a:rPr>
+              <a:t>efficient implementation of </a:t>
+            </a:r>
+            <a:r>
+              <a:rPr lang="en-US" sz="2800" b="1" dirty="0">
+                <a:solidFill>
+                  <a:srgbClr val="00FF00"/>
+                </a:solidFill>
+                <a:sym typeface="Symbol" pitchFamily="18" charset="2"/>
+              </a:rPr>
+              <a:t>add</a:t>
+            </a:r>
+            <a:r>
+              <a:rPr lang="en-US" sz="2800" b="1" dirty="0">
+                <a:sym typeface="Symbol" pitchFamily="18" charset="2"/>
+              </a:rPr>
+              <a:t> </a:t>
+            </a:r>
+            <a:br>
+              <a:rPr lang="en-US" sz="2800" b="1" dirty="0">
+                <a:sym typeface="Symbol" pitchFamily="18" charset="2"/>
+              </a:rPr>
+            </a:br>
+            <a:r>
+              <a:rPr lang="en-US" sz="2800" dirty="0">
+                <a:sym typeface="Symbol" pitchFamily="18" charset="2"/>
+              </a:rPr>
+              <a:t>(than the one from the non-negative-integer interface slide) if we base it on this representation instead of the ADT. </a:t>
+            </a:r>
+            <a:endParaRPr lang="en-US" dirty="0">
+              <a:sym typeface="Symbol" pitchFamily="18" charset="2"/>
+            </a:endParaRPr>
+          </a:p>
+          <a:p>
+            <a:pPr lvl="1">
+              <a:lnSpc>
+                <a:spcPct val="90000"/>
+              </a:lnSpc>
+            </a:pPr>
+            <a:r>
+              <a:rPr lang="en-US" dirty="0">
+                <a:sym typeface="Symbol" pitchFamily="18" charset="2"/>
+              </a:rPr>
+              <a:t> Can you see what it is?</a:t>
+            </a:r>
+          </a:p>
+          <a:p>
+            <a:pPr lvl="1">
+              <a:lnSpc>
+                <a:spcPct val="90000"/>
+              </a:lnSpc>
+            </a:pPr>
+            <a:r>
+              <a:rPr lang="en-US" dirty="0">
+                <a:sym typeface="Symbol" pitchFamily="18" charset="2"/>
+              </a:rPr>
+              <a:t>That implementation is </a:t>
+            </a:r>
+            <a:r>
+              <a:rPr lang="en-US" b="1" dirty="0">
+                <a:solidFill>
+                  <a:srgbClr val="00FF00"/>
+                </a:solidFill>
+                <a:sym typeface="Symbol" pitchFamily="18" charset="2"/>
+              </a:rPr>
+              <a:t>representation-dependent</a:t>
+            </a:r>
+            <a:r>
+              <a:rPr lang="en-US" dirty="0">
+                <a:sym typeface="Symbol" pitchFamily="18" charset="2"/>
+              </a:rPr>
+              <a:t>.</a:t>
+            </a:r>
+          </a:p>
+          <a:p>
+            <a:pPr marL="0" indent="0">
+              <a:lnSpc>
+                <a:spcPct val="90000"/>
+              </a:lnSpc>
+              <a:buNone/>
+            </a:pPr>
+            <a:endParaRPr lang="en-US" dirty="0">
+              <a:sym typeface="Symbol" pitchFamily="18" charset="2"/>
+            </a:endParaRPr>
+          </a:p>
+        </p:txBody>
+      </p:sp>
+      <p:sp>
+        <p:nvSpPr>
+          <p:cNvPr id="2" name="TextBox 1">
+            <a:extLst>
+              <a:ext uri="{FF2B5EF4-FFF2-40B4-BE49-F238E27FC236}">
+                <a16:creationId xmlns:a16="http://schemas.microsoft.com/office/drawing/2014/main" id="{F8D9AF6E-F043-4595-9C6A-62FED00C9DC4}"/>
+              </a:ext>
+            </a:extLst>
+          </p:cNvPr>
+          <p:cNvSpPr txBox="1"/>
+          <p:nvPr/>
+        </p:nvSpPr>
+        <p:spPr>
+          <a:xfrm>
+            <a:off x="5638800" y="1828800"/>
+            <a:ext cx="5943600" cy="2086725"/>
+          </a:xfrm>
+          <a:prstGeom prst="rect">
+            <a:avLst/>
+          </a:prstGeom>
+          <a:solidFill>
+            <a:srgbClr val="0066FF"/>
+          </a:solidFill>
+          <a:ln>
+            <a:solidFill>
+              <a:schemeClr val="bg1"/>
+            </a:solidFill>
+          </a:ln>
+        </p:spPr>
+        <p:txBody>
+          <a:bodyPr wrap="square" rtlCol="0">
+            <a:spAutoFit/>
+          </a:bodyPr>
+          <a:lstStyle/>
+          <a:p>
+            <a:pPr>
+              <a:lnSpc>
+                <a:spcPct val="90000"/>
+              </a:lnSpc>
+            </a:pPr>
+            <a:r>
+              <a:rPr lang="en-US" dirty="0">
+                <a:solidFill>
+                  <a:schemeClr val="bg1"/>
+                </a:solidFill>
+              </a:rPr>
+              <a:t>(zero)                 =  </a:t>
+            </a:r>
+            <a:r>
+              <a:rPr lang="en-US" dirty="0">
+                <a:solidFill>
+                  <a:schemeClr val="bg1"/>
+                </a:solidFill>
+                <a:sym typeface="Symbol" pitchFamily="18" charset="2"/>
+              </a:rPr>
+              <a:t>0 </a:t>
+            </a:r>
+          </a:p>
+          <a:p>
+            <a:pPr>
+              <a:lnSpc>
+                <a:spcPct val="90000"/>
+              </a:lnSpc>
+            </a:pPr>
+            <a:r>
+              <a:rPr lang="en-US" dirty="0">
+                <a:solidFill>
+                  <a:schemeClr val="bg1"/>
+                </a:solidFill>
+                <a:sym typeface="Symbol" pitchFamily="18" charset="2"/>
+              </a:rPr>
+              <a:t>(</a:t>
+            </a:r>
+            <a:r>
+              <a:rPr lang="en-US" dirty="0" err="1">
+                <a:solidFill>
+                  <a:schemeClr val="bg1"/>
+                </a:solidFill>
+                <a:sym typeface="Symbol" pitchFamily="18" charset="2"/>
+              </a:rPr>
+              <a:t>iszero</a:t>
+            </a:r>
+            <a:r>
+              <a:rPr lang="en-US" dirty="0">
+                <a:solidFill>
+                  <a:schemeClr val="bg1"/>
+                </a:solidFill>
+                <a:sym typeface="Symbol" pitchFamily="18" charset="2"/>
+              </a:rPr>
+              <a:t>?  n )   =  #t  if  n  is the </a:t>
+            </a:r>
+            <a:br>
+              <a:rPr lang="en-US" dirty="0">
+                <a:solidFill>
+                  <a:schemeClr val="bg1"/>
+                </a:solidFill>
+                <a:sym typeface="Symbol" pitchFamily="18" charset="2"/>
+              </a:rPr>
+            </a:br>
+            <a:r>
+              <a:rPr lang="en-US" dirty="0">
+                <a:solidFill>
+                  <a:schemeClr val="bg1"/>
+                </a:solidFill>
+                <a:sym typeface="Symbol" pitchFamily="18" charset="2"/>
+              </a:rPr>
+              <a:t>                                    representation of zero, </a:t>
+            </a:r>
+            <a:br>
+              <a:rPr lang="en-US" dirty="0">
+                <a:solidFill>
+                  <a:schemeClr val="bg1"/>
+                </a:solidFill>
+                <a:sym typeface="Symbol" pitchFamily="18" charset="2"/>
+              </a:rPr>
+            </a:br>
+            <a:r>
+              <a:rPr lang="en-US" dirty="0">
+                <a:solidFill>
+                  <a:schemeClr val="bg1"/>
+                </a:solidFill>
+                <a:sym typeface="Symbol" pitchFamily="18" charset="2"/>
+              </a:rPr>
+              <a:t>                              #f  otherwise.</a:t>
+            </a:r>
+          </a:p>
+          <a:p>
+            <a:pPr>
+              <a:lnSpc>
+                <a:spcPct val="90000"/>
+              </a:lnSpc>
+            </a:pPr>
+            <a:r>
+              <a:rPr lang="en-US" dirty="0">
+                <a:solidFill>
+                  <a:schemeClr val="bg1"/>
+                </a:solidFill>
+                <a:sym typeface="Symbol" pitchFamily="18" charset="2"/>
+              </a:rPr>
+              <a:t>(</a:t>
+            </a:r>
+            <a:r>
+              <a:rPr lang="en-US" dirty="0" err="1">
+                <a:solidFill>
+                  <a:schemeClr val="bg1"/>
+                </a:solidFill>
+                <a:sym typeface="Symbol" pitchFamily="18" charset="2"/>
+              </a:rPr>
+              <a:t>succ</a:t>
+            </a:r>
+            <a:r>
+              <a:rPr lang="en-US" dirty="0">
+                <a:solidFill>
+                  <a:schemeClr val="bg1"/>
+                </a:solidFill>
+                <a:sym typeface="Symbol" pitchFamily="18" charset="2"/>
+              </a:rPr>
+              <a:t>  n )       =  n+1  ( n  0)</a:t>
+            </a:r>
+          </a:p>
+          <a:p>
+            <a:pPr>
+              <a:lnSpc>
+                <a:spcPct val="90000"/>
+              </a:lnSpc>
+            </a:pPr>
+            <a:r>
+              <a:rPr lang="en-US" dirty="0">
+                <a:solidFill>
+                  <a:schemeClr val="bg1"/>
+                </a:solidFill>
+                <a:sym typeface="Symbol" pitchFamily="18" charset="2"/>
+              </a:rPr>
+              <a:t>(</a:t>
+            </a:r>
+            <a:r>
+              <a:rPr lang="en-US" dirty="0" err="1">
+                <a:solidFill>
+                  <a:schemeClr val="bg1"/>
+                </a:solidFill>
+                <a:sym typeface="Symbol" pitchFamily="18" charset="2"/>
+              </a:rPr>
+              <a:t>pred</a:t>
+            </a:r>
+            <a:r>
+              <a:rPr lang="en-US" dirty="0">
+                <a:solidFill>
+                  <a:schemeClr val="bg1"/>
+                </a:solidFill>
+                <a:sym typeface="Symbol" pitchFamily="18" charset="2"/>
+              </a:rPr>
+              <a:t>  n+1 )  =  n      ( n  0)</a:t>
+            </a:r>
+          </a:p>
+        </p:txBody>
+      </p:sp>
+    </p:spTree>
+    <p:extLst>
+      <p:ext uri="{BB962C8B-B14F-4D97-AF65-F5344CB8AC3E}">
+        <p14:creationId xmlns:p14="http://schemas.microsoft.com/office/powerpoint/2010/main" val="3509633748"/>
+      </p:ext>
+    </p:extLst>
+  </p:cSld>
+  <p:clrMapOvr>
+    <a:masterClrMapping/>
+  </p:clrMapOvr>
+  <p:timing>
+    <p:tnLst>
+      <p:par>
+        <p:cTn id="1" dur="indefinite" restart="never" nodeType="tmRoot">
+          <p:childTnLst>
+            <p:seq concurrent="1" nextAc="seek">
+              <p:cTn id="2" dur="indefinite" nodeType="mainSeq">
+                <p:childTnLst>
+                  <p:par>
+                    <p:cTn id="3" fill="hold">
+                      <p:stCondLst>
+                        <p:cond delay="indefinite"/>
+                        <p:cond evt="onBegin" delay="0">
+                          <p:tn val="2"/>
+                        </p:cond>
+                      </p:stCondLst>
+                      <p:childTnLst>
+                        <p:par>
+                          <p:cTn id="4" fill="hold">
+                            <p:stCondLst>
+                              <p:cond delay="0"/>
+                            </p:stCondLst>
+                            <p:childTnLst>
+                              <p:par>
+                                <p:cTn id="5" presetID="1" presetClass="entr" presetSubtype="0" fill="hold" grpId="0" nodeType="withEffect">
+                                  <p:stCondLst>
+                                    <p:cond delay="0"/>
+                                  </p:stCondLst>
+                                  <p:childTnLst>
+                                    <p:set>
+                                      <p:cBhvr>
+                                        <p:cTn id="6" dur="1" fill="hold">
+                                          <p:stCondLst>
+                                            <p:cond delay="0"/>
+                                          </p:stCondLst>
+                                        </p:cTn>
+                                        <p:tgtEl>
+                                          <p:spTgt spid="10243">
+                                            <p:txEl>
+                                              <p:pRg st="0" end="0"/>
+                                            </p:txEl>
+                                          </p:spTgt>
+                                        </p:tgtEl>
+                                        <p:attrNameLst>
+                                          <p:attrName>style.visibility</p:attrName>
+                                        </p:attrNameLst>
+                                      </p:cBhvr>
+                                      <p:to>
+                                        <p:strVal val="visible"/>
+                                      </p:to>
+                                    </p:set>
+                                  </p:childTnLst>
+                                </p:cTn>
+                              </p:par>
+                            </p:childTnLst>
+                          </p:cTn>
+                        </p:par>
+                      </p:childTnLst>
+                    </p:cTn>
+                  </p:par>
+                  <p:par>
+                    <p:cTn id="7" fill="hold">
+                      <p:stCondLst>
+                        <p:cond delay="indefinite"/>
+                      </p:stCondLst>
+                      <p:childTnLst>
+                        <p:par>
+                          <p:cTn id="8" fill="hold">
+                            <p:stCondLst>
+                              <p:cond delay="0"/>
+                            </p:stCondLst>
+                            <p:childTnLst>
+                              <p:par>
+                                <p:cTn id="9" presetID="1" presetClass="entr" presetSubtype="0" fill="hold" grpId="0" nodeType="clickEffect">
+                                  <p:stCondLst>
+                                    <p:cond delay="0"/>
+                                  </p:stCondLst>
+                                  <p:childTnLst>
+                                    <p:set>
+                                      <p:cBhvr>
+                                        <p:cTn id="10" dur="1" fill="hold">
+                                          <p:stCondLst>
+                                            <p:cond delay="0"/>
+                                          </p:stCondLst>
+                                        </p:cTn>
+                                        <p:tgtEl>
+                                          <p:spTgt spid="10243">
+                                            <p:txEl>
+                                              <p:pRg st="1" end="1"/>
+                                            </p:txEl>
+                                          </p:spTgt>
+                                        </p:tgtEl>
+                                        <p:attrNameLst>
+                                          <p:attrName>style.visibility</p:attrName>
+                                        </p:attrNameLst>
+                                      </p:cBhvr>
+                                      <p:to>
+                                        <p:strVal val="visible"/>
+                                      </p:to>
+                                    </p:set>
+                                  </p:childTnLst>
+                                </p:cTn>
+                              </p:par>
+                            </p:childTnLst>
+                          </p:cTn>
+                        </p:par>
+                      </p:childTnLst>
+                    </p:cTn>
+                  </p:par>
+                  <p:par>
+                    <p:cTn id="11" fill="hold">
+                      <p:stCondLst>
+                        <p:cond delay="indefinite"/>
+                      </p:stCondLst>
+                      <p:childTnLst>
+                        <p:par>
+                          <p:cTn id="12" fill="hold">
+                            <p:stCondLst>
+                              <p:cond delay="0"/>
+                            </p:stCondLst>
+                            <p:childTnLst>
+                              <p:par>
+                                <p:cTn id="13" presetID="1" presetClass="entr" presetSubtype="0" fill="hold" grpId="0" nodeType="clickEffect">
+                                  <p:stCondLst>
+                                    <p:cond delay="0"/>
+                                  </p:stCondLst>
+                                  <p:childTnLst>
+                                    <p:set>
+                                      <p:cBhvr>
+                                        <p:cTn id="14" dur="1" fill="hold">
+                                          <p:stCondLst>
+                                            <p:cond delay="0"/>
+                                          </p:stCondLst>
+                                        </p:cTn>
+                                        <p:tgtEl>
+                                          <p:spTgt spid="10243">
+                                            <p:txEl>
+                                              <p:pRg st="2" end="2"/>
+                                            </p:txEl>
+                                          </p:spTgt>
+                                        </p:tgtEl>
+                                        <p:attrNameLst>
+                                          <p:attrName>style.visibility</p:attrName>
+                                        </p:attrNameLst>
+                                      </p:cBhvr>
+                                      <p:to>
+                                        <p:strVal val="visible"/>
+                                      </p:to>
+                                    </p:set>
+                                  </p:childTnLst>
+                                </p:cTn>
+                              </p:par>
+                              <p:par>
+                                <p:cTn id="15" presetID="1" presetClass="entr" presetSubtype="0" fill="hold" grpId="0" nodeType="withEffect">
+                                  <p:stCondLst>
+                                    <p:cond delay="0"/>
+                                  </p:stCondLst>
+                                  <p:childTnLst>
+                                    <p:set>
+                                      <p:cBhvr>
+                                        <p:cTn id="16" dur="1" fill="hold">
+                                          <p:stCondLst>
+                                            <p:cond delay="0"/>
+                                          </p:stCondLst>
+                                        </p:cTn>
+                                        <p:tgtEl>
+                                          <p:spTgt spid="10243">
+                                            <p:txEl>
+                                              <p:pRg st="3" end="3"/>
+                                            </p:txEl>
+                                          </p:spTgt>
+                                        </p:tgtEl>
+                                        <p:attrNameLst>
+                                          <p:attrName>style.visibility</p:attrName>
+                                        </p:attrNameLst>
+                                      </p:cBhvr>
+                                      <p:to>
+                                        <p:strVal val="visible"/>
+                                      </p:to>
+                                    </p:set>
+                                  </p:childTnLst>
+                                </p:cTn>
+                              </p:par>
+                              <p:par>
+                                <p:cTn id="17" presetID="1" presetClass="entr" presetSubtype="0" fill="hold" grpId="0" nodeType="withEffect">
+                                  <p:stCondLst>
+                                    <p:cond delay="0"/>
+                                  </p:stCondLst>
+                                  <p:childTnLst>
+                                    <p:set>
+                                      <p:cBhvr>
+                                        <p:cTn id="18" dur="1" fill="hold">
+                                          <p:stCondLst>
+                                            <p:cond delay="0"/>
+                                          </p:stCondLst>
+                                        </p:cTn>
+                                        <p:tgtEl>
+                                          <p:spTgt spid="10243">
+                                            <p:txEl>
+                                              <p:pRg st="4" end="4"/>
                                             </p:txEl>
                                           </p:spTgt>
                                         </p:tgtEl>
